--- a/OtherStuff/Presentation/Goal + fun req + world and the machine.pptx
+++ b/OtherStuff/Presentation/Goal + fun req + world and the machine.pptx
@@ -5,7 +5,18 @@
     <p:sldMasterId id="2147483648" r:id="rId1"/>
   </p:sldMasterIdLst>
   <p:sldIdLst>
-    <p:sldId id="256" r:id="rId2"/>
+    <p:sldId id="257" r:id="rId2"/>
+    <p:sldId id="258" r:id="rId3"/>
+    <p:sldId id="259" r:id="rId4"/>
+    <p:sldId id="260" r:id="rId5"/>
+    <p:sldId id="261" r:id="rId6"/>
+    <p:sldId id="262" r:id="rId7"/>
+    <p:sldId id="263" r:id="rId8"/>
+    <p:sldId id="264" r:id="rId9"/>
+    <p:sldId id="265" r:id="rId10"/>
+    <p:sldId id="266" r:id="rId11"/>
+    <p:sldId id="267" r:id="rId12"/>
+    <p:sldId id="268" r:id="rId13"/>
   </p:sldIdLst>
   <p:sldSz cx="12192000" cy="6858000"/>
   <p:notesSz cx="6858000" cy="9144000"/>
@@ -2971,7 +2982,7 @@
             <a:spLocks noGrp="1"/>
           </p:cNvSpPr>
           <p:nvPr>
-            <p:ph type="ctrTitle"/>
+            <p:ph type="title"/>
           </p:nvPr>
         </p:nvSpPr>
         <p:spPr/>
@@ -2979,28 +2990,136 @@
           <a:bodyPr/>
           <a:lstStyle/>
           <a:p>
-            <a:r>
-              <a:rPr lang="it-IT" dirty="0" err="1" smtClean="0"/>
-              <a:t>sadasdq</a:t>
-            </a:r>
-            <a:endParaRPr lang="it-IT" dirty="0"/>
-          </a:p>
-        </p:txBody>
-      </p:sp>
-      <p:sp>
-        <p:nvSpPr>
-          <p:cNvPr id="3" name="Sottotitolo 2"/>
+            <a:pPr algn="ctr"/>
+            <a:r>
+              <a:rPr lang="en-US" b="1" dirty="0" smtClean="0">
+                <a:latin typeface="Georgia" panose="02040502050405020303" pitchFamily="18" charset="0"/>
+              </a:rPr>
+              <a:t>Goals and functional requirements</a:t>
+            </a:r>
+            <a:endParaRPr lang="en-US" b="1" dirty="0">
+              <a:latin typeface="Georgia" panose="02040502050405020303" pitchFamily="18" charset="0"/>
+            </a:endParaRPr>
+          </a:p>
+        </p:txBody>
+      </p:sp>
+      <p:sp>
+        <p:nvSpPr>
+          <p:cNvPr id="3" name="Segnaposto contenuto 2"/>
           <p:cNvSpPr>
             <a:spLocks noGrp="1"/>
           </p:cNvSpPr>
           <p:nvPr>
-            <p:ph type="subTitle" idx="1"/>
+            <p:ph idx="1"/>
           </p:nvPr>
         </p:nvSpPr>
-        <p:spPr/>
-        <p:txBody>
-          <a:bodyPr/>
+        <p:spPr>
+          <a:xfrm>
+            <a:off x="838200" y="2887083"/>
+            <a:ext cx="10515600" cy="3417287"/>
+          </a:xfrm>
+        </p:spPr>
+        <p:txBody>
+          <a:bodyPr>
+            <a:normAutofit/>
+          </a:bodyPr>
           <a:lstStyle/>
+          <a:p>
+            <a:r>
+              <a:rPr lang="en-US" dirty="0" smtClean="0"/>
+              <a:t>[</a:t>
+            </a:r>
+            <a:r>
+              <a:rPr lang="en-US" dirty="0"/>
+              <a:t>R1] Customers should be able to access the service through both the web and the mobile application, even at the same time. </a:t>
+            </a:r>
+            <a:endParaRPr lang="it-IT" dirty="0"/>
+          </a:p>
+          <a:p>
+            <a:r>
+              <a:rPr lang="en-US" dirty="0"/>
+              <a:t>[R2] Customers must be able to register to the taxi service from the mobile or web homepage.</a:t>
+            </a:r>
+            <a:endParaRPr lang="it-IT" dirty="0"/>
+          </a:p>
+          <a:p>
+            <a:r>
+              <a:rPr lang="en-US" dirty="0"/>
+              <a:t>[R3] Only registered customers can access </a:t>
+            </a:r>
+            <a:r>
+              <a:rPr lang="en-US" dirty="0" smtClean="0"/>
+              <a:t>MTS’s services</a:t>
+            </a:r>
+            <a:r>
+              <a:rPr lang="en-US" dirty="0"/>
+              <a:t>.</a:t>
+            </a:r>
+            <a:endParaRPr lang="it-IT" dirty="0"/>
+          </a:p>
+          <a:p>
+            <a:r>
+              <a:rPr lang="en-US" dirty="0"/>
+              <a:t>[R4] The system should allow the log out functionality. </a:t>
+            </a:r>
+            <a:endParaRPr lang="en-US" dirty="0" smtClean="0"/>
+          </a:p>
+          <a:p>
+            <a:endParaRPr lang="it-IT" dirty="0"/>
+          </a:p>
+          <a:p>
+            <a:endParaRPr lang="it-IT" dirty="0"/>
+          </a:p>
+        </p:txBody>
+      </p:sp>
+      <p:sp>
+        <p:nvSpPr>
+          <p:cNvPr id="5" name="CasellaDiTesto 4"/>
+          <p:cNvSpPr txBox="1"/>
+          <p:nvPr/>
+        </p:nvSpPr>
+        <p:spPr>
+          <a:xfrm>
+            <a:off x="1207938" y="1462666"/>
+            <a:ext cx="9776123" cy="1231106"/>
+          </a:xfrm>
+          <a:prstGeom prst="rect">
+            <a:avLst/>
+          </a:prstGeom>
+          <a:noFill/>
+          <a:ln>
+            <a:solidFill>
+              <a:schemeClr val="tx1"/>
+            </a:solidFill>
+          </a:ln>
+          <a:effectLst>
+            <a:glow rad="63500">
+              <a:schemeClr val="accent3">
+                <a:satMod val="175000"/>
+                <a:alpha val="40000"/>
+              </a:schemeClr>
+            </a:glow>
+          </a:effectLst>
+        </p:spPr>
+        <p:txBody>
+          <a:bodyPr wrap="square" rtlCol="0">
+            <a:spAutoFit/>
+          </a:bodyPr>
+          <a:lstStyle/>
+          <a:p>
+            <a:r>
+              <a:rPr lang="en-US" sz="2800" i="1" dirty="0" smtClean="0"/>
+              <a:t>[</a:t>
+            </a:r>
+            <a:r>
+              <a:rPr lang="en-US" sz="2800" b="1" i="1" dirty="0" smtClean="0"/>
+              <a:t>G1</a:t>
+            </a:r>
+            <a:r>
+              <a:rPr lang="en-US" sz="2800" i="1" dirty="0" smtClean="0"/>
+              <a:t>] Allow customers to access the system’s taxi service in any moment, whether they are at home or anywhere else in the city.</a:t>
+            </a:r>
+          </a:p>
           <a:p>
             <a:endParaRPr lang="it-IT" dirty="0"/>
           </a:p>
@@ -3009,7 +3128,7 @@
     </p:spTree>
     <p:extLst>
       <p:ext uri="{BB962C8B-B14F-4D97-AF65-F5344CB8AC3E}">
-        <p14:creationId xmlns:p14="http://schemas.microsoft.com/office/powerpoint/2010/main" val="2251426680"/>
+        <p14:creationId xmlns:p14="http://schemas.microsoft.com/office/powerpoint/2010/main" val="459521407"/>
       </p:ext>
     </p:extLst>
   </p:cSld>
@@ -3050,7 +3169,7 @@
                                           </p:stCondLst>
                                         </p:cTn>
                                         <p:tgtEl>
-                                          <p:spTgt spid="2"/>
+                                          <p:spTgt spid="5"/>
                                         </p:tgtEl>
                                         <p:attrNameLst>
                                           <p:attrName>style.visibility</p:attrName>
@@ -3064,7 +3183,7 @@
                                       <p:cBhvr additive="base">
                                         <p:cTn id="7" dur="500" fill="hold"/>
                                         <p:tgtEl>
-                                          <p:spTgt spid="2"/>
+                                          <p:spTgt spid="5"/>
                                         </p:tgtEl>
                                         <p:attrNameLst>
                                           <p:attrName>ppt_x</p:attrName>
@@ -3087,7 +3206,419 @@
                                       <p:cBhvr additive="base">
                                         <p:cTn id="8" dur="500" fill="hold"/>
                                         <p:tgtEl>
-                                          <p:spTgt spid="2"/>
+                                          <p:spTgt spid="5"/>
+                                        </p:tgtEl>
+                                        <p:attrNameLst>
+                                          <p:attrName>ppt_y</p:attrName>
+                                        </p:attrNameLst>
+                                      </p:cBhvr>
+                                      <p:tavLst>
+                                        <p:tav tm="0">
+                                          <p:val>
+                                            <p:strVal val="1+#ppt_h/2"/>
+                                          </p:val>
+                                        </p:tav>
+                                        <p:tav tm="100000">
+                                          <p:val>
+                                            <p:strVal val="#ppt_y"/>
+                                          </p:val>
+                                        </p:tav>
+                                      </p:tavLst>
+                                    </p:anim>
+                                  </p:childTnLst>
+                                </p:cTn>
+                              </p:par>
+                            </p:childTnLst>
+                          </p:cTn>
+                        </p:par>
+                      </p:childTnLst>
+                    </p:cTn>
+                  </p:par>
+                  <p:par>
+                    <p:cTn id="9" fill="hold">
+                      <p:stCondLst>
+                        <p:cond delay="indefinite"/>
+                      </p:stCondLst>
+                      <p:childTnLst>
+                        <p:par>
+                          <p:cTn id="10" fill="hold">
+                            <p:stCondLst>
+                              <p:cond delay="0"/>
+                            </p:stCondLst>
+                            <p:childTnLst>
+                              <p:par>
+                                <p:cTn id="11" presetID="2" presetClass="entr" presetSubtype="4" fill="hold" grpId="0" nodeType="clickEffect">
+                                  <p:stCondLst>
+                                    <p:cond delay="0"/>
+                                  </p:stCondLst>
+                                  <p:childTnLst>
+                                    <p:set>
+                                      <p:cBhvr>
+                                        <p:cTn id="12" dur="1" fill="hold">
+                                          <p:stCondLst>
+                                            <p:cond delay="0"/>
+                                          </p:stCondLst>
+                                        </p:cTn>
+                                        <p:tgtEl>
+                                          <p:spTgt spid="3">
+                                            <p:txEl>
+                                              <p:pRg st="0" end="0"/>
+                                            </p:txEl>
+                                          </p:spTgt>
+                                        </p:tgtEl>
+                                        <p:attrNameLst>
+                                          <p:attrName>style.visibility</p:attrName>
+                                        </p:attrNameLst>
+                                      </p:cBhvr>
+                                      <p:to>
+                                        <p:strVal val="visible"/>
+                                      </p:to>
+                                    </p:set>
+                                    <p:anim calcmode="lin" valueType="num">
+                                      <p:cBhvr additive="base">
+                                        <p:cTn id="13" dur="500" fill="hold"/>
+                                        <p:tgtEl>
+                                          <p:spTgt spid="3">
+                                            <p:txEl>
+                                              <p:pRg st="0" end="0"/>
+                                            </p:txEl>
+                                          </p:spTgt>
+                                        </p:tgtEl>
+                                        <p:attrNameLst>
+                                          <p:attrName>ppt_x</p:attrName>
+                                        </p:attrNameLst>
+                                      </p:cBhvr>
+                                      <p:tavLst>
+                                        <p:tav tm="0">
+                                          <p:val>
+                                            <p:strVal val="#ppt_x"/>
+                                          </p:val>
+                                        </p:tav>
+                                        <p:tav tm="100000">
+                                          <p:val>
+                                            <p:strVal val="#ppt_x"/>
+                                          </p:val>
+                                        </p:tav>
+                                      </p:tavLst>
+                                    </p:anim>
+                                    <p:anim calcmode="lin" valueType="num">
+                                      <p:cBhvr additive="base">
+                                        <p:cTn id="14" dur="500" fill="hold"/>
+                                        <p:tgtEl>
+                                          <p:spTgt spid="3">
+                                            <p:txEl>
+                                              <p:pRg st="0" end="0"/>
+                                            </p:txEl>
+                                          </p:spTgt>
+                                        </p:tgtEl>
+                                        <p:attrNameLst>
+                                          <p:attrName>ppt_y</p:attrName>
+                                        </p:attrNameLst>
+                                      </p:cBhvr>
+                                      <p:tavLst>
+                                        <p:tav tm="0">
+                                          <p:val>
+                                            <p:strVal val="1+#ppt_h/2"/>
+                                          </p:val>
+                                        </p:tav>
+                                        <p:tav tm="100000">
+                                          <p:val>
+                                            <p:strVal val="#ppt_y"/>
+                                          </p:val>
+                                        </p:tav>
+                                      </p:tavLst>
+                                    </p:anim>
+                                  </p:childTnLst>
+                                </p:cTn>
+                              </p:par>
+                            </p:childTnLst>
+                          </p:cTn>
+                        </p:par>
+                      </p:childTnLst>
+                    </p:cTn>
+                  </p:par>
+                  <p:par>
+                    <p:cTn id="15" fill="hold">
+                      <p:stCondLst>
+                        <p:cond delay="indefinite"/>
+                      </p:stCondLst>
+                      <p:childTnLst>
+                        <p:par>
+                          <p:cTn id="16" fill="hold">
+                            <p:stCondLst>
+                              <p:cond delay="0"/>
+                            </p:stCondLst>
+                            <p:childTnLst>
+                              <p:par>
+                                <p:cTn id="17" presetID="2" presetClass="entr" presetSubtype="4" fill="hold" grpId="0" nodeType="clickEffect">
+                                  <p:stCondLst>
+                                    <p:cond delay="0"/>
+                                  </p:stCondLst>
+                                  <p:childTnLst>
+                                    <p:set>
+                                      <p:cBhvr>
+                                        <p:cTn id="18" dur="1" fill="hold">
+                                          <p:stCondLst>
+                                            <p:cond delay="0"/>
+                                          </p:stCondLst>
+                                        </p:cTn>
+                                        <p:tgtEl>
+                                          <p:spTgt spid="3">
+                                            <p:txEl>
+                                              <p:pRg st="1" end="1"/>
+                                            </p:txEl>
+                                          </p:spTgt>
+                                        </p:tgtEl>
+                                        <p:attrNameLst>
+                                          <p:attrName>style.visibility</p:attrName>
+                                        </p:attrNameLst>
+                                      </p:cBhvr>
+                                      <p:to>
+                                        <p:strVal val="visible"/>
+                                      </p:to>
+                                    </p:set>
+                                    <p:anim calcmode="lin" valueType="num">
+                                      <p:cBhvr additive="base">
+                                        <p:cTn id="19" dur="500" fill="hold"/>
+                                        <p:tgtEl>
+                                          <p:spTgt spid="3">
+                                            <p:txEl>
+                                              <p:pRg st="1" end="1"/>
+                                            </p:txEl>
+                                          </p:spTgt>
+                                        </p:tgtEl>
+                                        <p:attrNameLst>
+                                          <p:attrName>ppt_x</p:attrName>
+                                        </p:attrNameLst>
+                                      </p:cBhvr>
+                                      <p:tavLst>
+                                        <p:tav tm="0">
+                                          <p:val>
+                                            <p:strVal val="#ppt_x"/>
+                                          </p:val>
+                                        </p:tav>
+                                        <p:tav tm="100000">
+                                          <p:val>
+                                            <p:strVal val="#ppt_x"/>
+                                          </p:val>
+                                        </p:tav>
+                                      </p:tavLst>
+                                    </p:anim>
+                                    <p:anim calcmode="lin" valueType="num">
+                                      <p:cBhvr additive="base">
+                                        <p:cTn id="20" dur="500" fill="hold"/>
+                                        <p:tgtEl>
+                                          <p:spTgt spid="3">
+                                            <p:txEl>
+                                              <p:pRg st="1" end="1"/>
+                                            </p:txEl>
+                                          </p:spTgt>
+                                        </p:tgtEl>
+                                        <p:attrNameLst>
+                                          <p:attrName>ppt_y</p:attrName>
+                                        </p:attrNameLst>
+                                      </p:cBhvr>
+                                      <p:tavLst>
+                                        <p:tav tm="0">
+                                          <p:val>
+                                            <p:strVal val="1+#ppt_h/2"/>
+                                          </p:val>
+                                        </p:tav>
+                                        <p:tav tm="100000">
+                                          <p:val>
+                                            <p:strVal val="#ppt_y"/>
+                                          </p:val>
+                                        </p:tav>
+                                      </p:tavLst>
+                                    </p:anim>
+                                  </p:childTnLst>
+                                </p:cTn>
+                              </p:par>
+                            </p:childTnLst>
+                          </p:cTn>
+                        </p:par>
+                      </p:childTnLst>
+                    </p:cTn>
+                  </p:par>
+                  <p:par>
+                    <p:cTn id="21" fill="hold">
+                      <p:stCondLst>
+                        <p:cond delay="indefinite"/>
+                      </p:stCondLst>
+                      <p:childTnLst>
+                        <p:par>
+                          <p:cTn id="22" fill="hold">
+                            <p:stCondLst>
+                              <p:cond delay="0"/>
+                            </p:stCondLst>
+                            <p:childTnLst>
+                              <p:par>
+                                <p:cTn id="23" presetID="2" presetClass="entr" presetSubtype="4" fill="hold" grpId="0" nodeType="clickEffect">
+                                  <p:stCondLst>
+                                    <p:cond delay="0"/>
+                                  </p:stCondLst>
+                                  <p:childTnLst>
+                                    <p:set>
+                                      <p:cBhvr>
+                                        <p:cTn id="24" dur="1" fill="hold">
+                                          <p:stCondLst>
+                                            <p:cond delay="0"/>
+                                          </p:stCondLst>
+                                        </p:cTn>
+                                        <p:tgtEl>
+                                          <p:spTgt spid="3">
+                                            <p:txEl>
+                                              <p:pRg st="2" end="2"/>
+                                            </p:txEl>
+                                          </p:spTgt>
+                                        </p:tgtEl>
+                                        <p:attrNameLst>
+                                          <p:attrName>style.visibility</p:attrName>
+                                        </p:attrNameLst>
+                                      </p:cBhvr>
+                                      <p:to>
+                                        <p:strVal val="visible"/>
+                                      </p:to>
+                                    </p:set>
+                                    <p:anim calcmode="lin" valueType="num">
+                                      <p:cBhvr additive="base">
+                                        <p:cTn id="25" dur="500" fill="hold"/>
+                                        <p:tgtEl>
+                                          <p:spTgt spid="3">
+                                            <p:txEl>
+                                              <p:pRg st="2" end="2"/>
+                                            </p:txEl>
+                                          </p:spTgt>
+                                        </p:tgtEl>
+                                        <p:attrNameLst>
+                                          <p:attrName>ppt_x</p:attrName>
+                                        </p:attrNameLst>
+                                      </p:cBhvr>
+                                      <p:tavLst>
+                                        <p:tav tm="0">
+                                          <p:val>
+                                            <p:strVal val="#ppt_x"/>
+                                          </p:val>
+                                        </p:tav>
+                                        <p:tav tm="100000">
+                                          <p:val>
+                                            <p:strVal val="#ppt_x"/>
+                                          </p:val>
+                                        </p:tav>
+                                      </p:tavLst>
+                                    </p:anim>
+                                    <p:anim calcmode="lin" valueType="num">
+                                      <p:cBhvr additive="base">
+                                        <p:cTn id="26" dur="500" fill="hold"/>
+                                        <p:tgtEl>
+                                          <p:spTgt spid="3">
+                                            <p:txEl>
+                                              <p:pRg st="2" end="2"/>
+                                            </p:txEl>
+                                          </p:spTgt>
+                                        </p:tgtEl>
+                                        <p:attrNameLst>
+                                          <p:attrName>ppt_y</p:attrName>
+                                        </p:attrNameLst>
+                                      </p:cBhvr>
+                                      <p:tavLst>
+                                        <p:tav tm="0">
+                                          <p:val>
+                                            <p:strVal val="1+#ppt_h/2"/>
+                                          </p:val>
+                                        </p:tav>
+                                        <p:tav tm="100000">
+                                          <p:val>
+                                            <p:strVal val="#ppt_y"/>
+                                          </p:val>
+                                        </p:tav>
+                                      </p:tavLst>
+                                    </p:anim>
+                                  </p:childTnLst>
+                                </p:cTn>
+                              </p:par>
+                            </p:childTnLst>
+                          </p:cTn>
+                        </p:par>
+                      </p:childTnLst>
+                    </p:cTn>
+                  </p:par>
+                  <p:par>
+                    <p:cTn id="27" fill="hold">
+                      <p:stCondLst>
+                        <p:cond delay="indefinite"/>
+                      </p:stCondLst>
+                      <p:childTnLst>
+                        <p:par>
+                          <p:cTn id="28" fill="hold">
+                            <p:stCondLst>
+                              <p:cond delay="0"/>
+                            </p:stCondLst>
+                            <p:childTnLst>
+                              <p:par>
+                                <p:cTn id="29" presetID="2" presetClass="entr" presetSubtype="4" fill="hold" grpId="0" nodeType="clickEffect">
+                                  <p:stCondLst>
+                                    <p:cond delay="0"/>
+                                  </p:stCondLst>
+                                  <p:childTnLst>
+                                    <p:set>
+                                      <p:cBhvr>
+                                        <p:cTn id="30" dur="1" fill="hold">
+                                          <p:stCondLst>
+                                            <p:cond delay="0"/>
+                                          </p:stCondLst>
+                                        </p:cTn>
+                                        <p:tgtEl>
+                                          <p:spTgt spid="3">
+                                            <p:txEl>
+                                              <p:pRg st="3" end="3"/>
+                                            </p:txEl>
+                                          </p:spTgt>
+                                        </p:tgtEl>
+                                        <p:attrNameLst>
+                                          <p:attrName>style.visibility</p:attrName>
+                                        </p:attrNameLst>
+                                      </p:cBhvr>
+                                      <p:to>
+                                        <p:strVal val="visible"/>
+                                      </p:to>
+                                    </p:set>
+                                    <p:anim calcmode="lin" valueType="num">
+                                      <p:cBhvr additive="base">
+                                        <p:cTn id="31" dur="500" fill="hold"/>
+                                        <p:tgtEl>
+                                          <p:spTgt spid="3">
+                                            <p:txEl>
+                                              <p:pRg st="3" end="3"/>
+                                            </p:txEl>
+                                          </p:spTgt>
+                                        </p:tgtEl>
+                                        <p:attrNameLst>
+                                          <p:attrName>ppt_x</p:attrName>
+                                        </p:attrNameLst>
+                                      </p:cBhvr>
+                                      <p:tavLst>
+                                        <p:tav tm="0">
+                                          <p:val>
+                                            <p:strVal val="#ppt_x"/>
+                                          </p:val>
+                                        </p:tav>
+                                        <p:tav tm="100000">
+                                          <p:val>
+                                            <p:strVal val="#ppt_x"/>
+                                          </p:val>
+                                        </p:tav>
+                                      </p:tavLst>
+                                    </p:anim>
+                                    <p:anim calcmode="lin" valueType="num">
+                                      <p:cBhvr additive="base">
+                                        <p:cTn id="32" dur="500" fill="hold"/>
+                                        <p:tgtEl>
+                                          <p:spTgt spid="3">
+                                            <p:txEl>
+                                              <p:pRg st="3" end="3"/>
+                                            </p:txEl>
+                                          </p:spTgt>
                                         </p:tgtEl>
                                         <p:attrNameLst>
                                           <p:attrName>ppt_y</p:attrName>
@@ -3137,7 +3668,4388 @@
       </p:par>
     </p:tnLst>
     <p:bldLst>
-      <p:bldP spid="2" grpId="0"/>
+      <p:bldP spid="3" grpId="0" build="p"/>
+      <p:bldP spid="5" grpId="0" animBg="1"/>
+    </p:bldLst>
+  </p:timing>
+</p:sld>
+</file>
+
+<file path=ppt/slides/slide10.xml><?xml version="1.0" encoding="utf-8"?>
+<p:sld xmlns:a="http://schemas.openxmlformats.org/drawingml/2006/main" xmlns:r="http://schemas.openxmlformats.org/officeDocument/2006/relationships" xmlns:p="http://schemas.openxmlformats.org/presentationml/2006/main">
+  <p:cSld>
+    <p:spTree>
+      <p:nvGrpSpPr>
+        <p:cNvPr id="1" name=""/>
+        <p:cNvGrpSpPr/>
+        <p:nvPr/>
+      </p:nvGrpSpPr>
+      <p:grpSpPr>
+        <a:xfrm>
+          <a:off x="0" y="0"/>
+          <a:ext cx="0" cy="0"/>
+          <a:chOff x="0" y="0"/>
+          <a:chExt cx="0" cy="0"/>
+        </a:xfrm>
+      </p:grpSpPr>
+      <p:sp>
+        <p:nvSpPr>
+          <p:cNvPr id="2" name="Titolo 1"/>
+          <p:cNvSpPr>
+            <a:spLocks noGrp="1"/>
+          </p:cNvSpPr>
+          <p:nvPr>
+            <p:ph type="title"/>
+          </p:nvPr>
+        </p:nvSpPr>
+        <p:spPr/>
+        <p:txBody>
+          <a:bodyPr/>
+          <a:lstStyle/>
+          <a:p>
+            <a:pPr algn="ctr"/>
+            <a:r>
+              <a:rPr lang="it-IT" b="1" dirty="0" smtClean="0">
+                <a:latin typeface="Georgia" panose="02040502050405020303" pitchFamily="18" charset="0"/>
+              </a:rPr>
+              <a:t>The world and the machine</a:t>
+            </a:r>
+            <a:endParaRPr lang="it-IT" b="1" dirty="0">
+              <a:latin typeface="Georgia" panose="02040502050405020303" pitchFamily="18" charset="0"/>
+            </a:endParaRPr>
+          </a:p>
+        </p:txBody>
+      </p:sp>
+      <p:pic>
+        <p:nvPicPr>
+          <p:cNvPr id="6" name="Segnaposto contenuto 5"/>
+          <p:cNvPicPr>
+            <a:picLocks noGrp="1" noChangeAspect="1"/>
+          </p:cNvPicPr>
+          <p:nvPr>
+            <p:ph idx="1"/>
+          </p:nvPr>
+        </p:nvPicPr>
+        <p:blipFill>
+          <a:blip r:embed="rId2">
+            <a:extLst>
+              <a:ext uri="{28A0092B-C50C-407E-A947-70E740481C1C}">
+                <a14:useLocalDpi xmlns:a14="http://schemas.microsoft.com/office/drawing/2010/main" val="0"/>
+              </a:ext>
+            </a:extLst>
+          </a:blip>
+          <a:stretch>
+            <a:fillRect/>
+          </a:stretch>
+        </p:blipFill>
+        <p:spPr>
+          <a:xfrm>
+            <a:off x="2832496" y="1825625"/>
+            <a:ext cx="6527007" cy="4351338"/>
+          </a:xfrm>
+        </p:spPr>
+      </p:pic>
+    </p:spTree>
+    <p:extLst>
+      <p:ext uri="{BB962C8B-B14F-4D97-AF65-F5344CB8AC3E}">
+        <p14:creationId xmlns:p14="http://schemas.microsoft.com/office/powerpoint/2010/main" val="339823858"/>
+      </p:ext>
+    </p:extLst>
+  </p:cSld>
+  <p:clrMapOvr>
+    <a:masterClrMapping/>
+  </p:clrMapOvr>
+  <p:timing>
+    <p:tnLst>
+      <p:par>
+        <p:cTn id="1" dur="indefinite" restart="never" nodeType="tmRoot">
+          <p:childTnLst>
+            <p:seq concurrent="1" nextAc="seek">
+              <p:cTn id="2" dur="indefinite" nodeType="mainSeq">
+                <p:childTnLst>
+                  <p:par>
+                    <p:cTn id="3" fill="hold">
+                      <p:stCondLst>
+                        <p:cond delay="indefinite"/>
+                      </p:stCondLst>
+                      <p:childTnLst>
+                        <p:par>
+                          <p:cTn id="4" fill="hold">
+                            <p:stCondLst>
+                              <p:cond delay="0"/>
+                            </p:stCondLst>
+                            <p:childTnLst>
+                              <p:par>
+                                <p:cTn id="5" presetID="16" presetClass="entr" presetSubtype="21" fill="hold" nodeType="clickEffect">
+                                  <p:stCondLst>
+                                    <p:cond delay="0"/>
+                                  </p:stCondLst>
+                                  <p:childTnLst>
+                                    <p:set>
+                                      <p:cBhvr>
+                                        <p:cTn id="6" dur="1" fill="hold">
+                                          <p:stCondLst>
+                                            <p:cond delay="0"/>
+                                          </p:stCondLst>
+                                        </p:cTn>
+                                        <p:tgtEl>
+                                          <p:spTgt spid="6"/>
+                                        </p:tgtEl>
+                                        <p:attrNameLst>
+                                          <p:attrName>style.visibility</p:attrName>
+                                        </p:attrNameLst>
+                                      </p:cBhvr>
+                                      <p:to>
+                                        <p:strVal val="visible"/>
+                                      </p:to>
+                                    </p:set>
+                                    <p:animEffect transition="in" filter="barn(inVertical)">
+                                      <p:cBhvr>
+                                        <p:cTn id="7" dur="500"/>
+                                        <p:tgtEl>
+                                          <p:spTgt spid="6"/>
+                                        </p:tgtEl>
+                                      </p:cBhvr>
+                                    </p:animEffect>
+                                  </p:childTnLst>
+                                </p:cTn>
+                              </p:par>
+                            </p:childTnLst>
+                          </p:cTn>
+                        </p:par>
+                      </p:childTnLst>
+                    </p:cTn>
+                  </p:par>
+                </p:childTnLst>
+              </p:cTn>
+              <p:prevCondLst>
+                <p:cond evt="onPrev" delay="0">
+                  <p:tgtEl>
+                    <p:sldTgt/>
+                  </p:tgtEl>
+                </p:cond>
+              </p:prevCondLst>
+              <p:nextCondLst>
+                <p:cond evt="onNext" delay="0">
+                  <p:tgtEl>
+                    <p:sldTgt/>
+                  </p:tgtEl>
+                </p:cond>
+              </p:nextCondLst>
+            </p:seq>
+          </p:childTnLst>
+        </p:cTn>
+      </p:par>
+    </p:tnLst>
+  </p:timing>
+</p:sld>
+</file>
+
+<file path=ppt/slides/slide11.xml><?xml version="1.0" encoding="utf-8"?>
+<p:sld xmlns:a="http://schemas.openxmlformats.org/drawingml/2006/main" xmlns:r="http://schemas.openxmlformats.org/officeDocument/2006/relationships" xmlns:p="http://schemas.openxmlformats.org/presentationml/2006/main">
+  <p:cSld>
+    <p:spTree>
+      <p:nvGrpSpPr>
+        <p:cNvPr id="1" name=""/>
+        <p:cNvGrpSpPr/>
+        <p:nvPr/>
+      </p:nvGrpSpPr>
+      <p:grpSpPr>
+        <a:xfrm>
+          <a:off x="0" y="0"/>
+          <a:ext cx="0" cy="0"/>
+          <a:chOff x="0" y="0"/>
+          <a:chExt cx="0" cy="0"/>
+        </a:xfrm>
+      </p:grpSpPr>
+      <p:sp>
+        <p:nvSpPr>
+          <p:cNvPr id="2" name="Titolo 1"/>
+          <p:cNvSpPr>
+            <a:spLocks noGrp="1"/>
+          </p:cNvSpPr>
+          <p:nvPr>
+            <p:ph type="title"/>
+          </p:nvPr>
+        </p:nvSpPr>
+        <p:spPr/>
+        <p:txBody>
+          <a:bodyPr/>
+          <a:lstStyle/>
+          <a:p>
+            <a:pPr algn="ctr"/>
+            <a:r>
+              <a:rPr lang="it-IT" b="1" dirty="0" smtClean="0">
+                <a:latin typeface="Georgia" panose="02040502050405020303" pitchFamily="18" charset="0"/>
+              </a:rPr>
+              <a:t>The world</a:t>
+            </a:r>
+            <a:endParaRPr lang="it-IT" b="1" dirty="0">
+              <a:latin typeface="Georgia" panose="02040502050405020303" pitchFamily="18" charset="0"/>
+            </a:endParaRPr>
+          </a:p>
+        </p:txBody>
+      </p:sp>
+      <p:pic>
+        <p:nvPicPr>
+          <p:cNvPr id="6" name="Segnaposto contenuto 5"/>
+          <p:cNvPicPr>
+            <a:picLocks noGrp="1" noChangeAspect="1"/>
+          </p:cNvPicPr>
+          <p:nvPr>
+            <p:ph idx="1"/>
+          </p:nvPr>
+        </p:nvPicPr>
+        <p:blipFill>
+          <a:blip r:embed="rId2">
+            <a:extLst>
+              <a:ext uri="{28A0092B-C50C-407E-A947-70E740481C1C}">
+                <a14:useLocalDpi xmlns:a14="http://schemas.microsoft.com/office/drawing/2010/main" val="0"/>
+              </a:ext>
+            </a:extLst>
+          </a:blip>
+          <a:stretch>
+            <a:fillRect/>
+          </a:stretch>
+        </p:blipFill>
+        <p:spPr>
+          <a:xfrm>
+            <a:off x="319957" y="1512586"/>
+            <a:ext cx="6380849" cy="4253900"/>
+          </a:xfrm>
+        </p:spPr>
+      </p:pic>
+      <p:sp>
+        <p:nvSpPr>
+          <p:cNvPr id="7" name="CasellaDiTesto 6"/>
+          <p:cNvSpPr txBox="1"/>
+          <p:nvPr/>
+        </p:nvSpPr>
+        <p:spPr>
+          <a:xfrm>
+            <a:off x="7323439" y="1676144"/>
+            <a:ext cx="4176584" cy="1754326"/>
+          </a:xfrm>
+          <a:prstGeom prst="rect">
+            <a:avLst/>
+          </a:prstGeom>
+          <a:noFill/>
+        </p:spPr>
+        <p:txBody>
+          <a:bodyPr wrap="square" rtlCol="0">
+            <a:spAutoFit/>
+          </a:bodyPr>
+          <a:lstStyle/>
+          <a:p>
+            <a:pPr marL="285750" indent="-285750">
+              <a:buFont typeface="Arial" panose="020B0604020202020204" pitchFamily="34" charset="0"/>
+              <a:buChar char="•"/>
+            </a:pPr>
+            <a:r>
+              <a:rPr lang="en-US" i="1" dirty="0"/>
+              <a:t>Taxi picks up </a:t>
+            </a:r>
+            <a:r>
+              <a:rPr lang="en-US" i="1" dirty="0" smtClean="0"/>
+              <a:t>customers</a:t>
+            </a:r>
+            <a:r>
+              <a:rPr lang="en-US" dirty="0"/>
+              <a:t> </a:t>
+            </a:r>
+            <a:r>
+              <a:rPr lang="en-US" dirty="0" smtClean="0"/>
+              <a:t>– happens exclusively in the world and it is not observed by the machine</a:t>
+            </a:r>
+          </a:p>
+          <a:p>
+            <a:pPr marL="285750" indent="-285750">
+              <a:buFont typeface="Arial" panose="020B0604020202020204" pitchFamily="34" charset="0"/>
+              <a:buChar char="•"/>
+            </a:pPr>
+            <a:r>
+              <a:rPr lang="en-US" i="1" dirty="0" smtClean="0"/>
+              <a:t>Taxi drops customers to destination –</a:t>
+            </a:r>
+            <a:r>
+              <a:rPr lang="en-US" dirty="0" smtClean="0"/>
+              <a:t> it is not seen by the machine, which can only see the driver’s change of status</a:t>
+            </a:r>
+            <a:endParaRPr lang="it-IT" i="1" dirty="0"/>
+          </a:p>
+        </p:txBody>
+      </p:sp>
+    </p:spTree>
+    <p:extLst>
+      <p:ext uri="{BB962C8B-B14F-4D97-AF65-F5344CB8AC3E}">
+        <p14:creationId xmlns:p14="http://schemas.microsoft.com/office/powerpoint/2010/main" val="1406241533"/>
+      </p:ext>
+    </p:extLst>
+  </p:cSld>
+  <p:clrMapOvr>
+    <a:masterClrMapping/>
+  </p:clrMapOvr>
+  <p:timing>
+    <p:tnLst>
+      <p:par>
+        <p:cTn id="1" dur="indefinite" restart="never" nodeType="tmRoot">
+          <p:childTnLst>
+            <p:seq concurrent="1" nextAc="seek">
+              <p:cTn id="2" dur="indefinite" nodeType="mainSeq">
+                <p:childTnLst>
+                  <p:par>
+                    <p:cTn id="3" fill="hold">
+                      <p:stCondLst>
+                        <p:cond delay="indefinite"/>
+                      </p:stCondLst>
+                      <p:childTnLst>
+                        <p:par>
+                          <p:cTn id="4" fill="hold">
+                            <p:stCondLst>
+                              <p:cond delay="0"/>
+                            </p:stCondLst>
+                            <p:childTnLst>
+                              <p:par>
+                                <p:cTn id="5" presetID="2" presetClass="entr" presetSubtype="2" fill="hold" nodeType="clickEffect">
+                                  <p:stCondLst>
+                                    <p:cond delay="0"/>
+                                  </p:stCondLst>
+                                  <p:childTnLst>
+                                    <p:set>
+                                      <p:cBhvr>
+                                        <p:cTn id="6" dur="1" fill="hold">
+                                          <p:stCondLst>
+                                            <p:cond delay="0"/>
+                                          </p:stCondLst>
+                                        </p:cTn>
+                                        <p:tgtEl>
+                                          <p:spTgt spid="7">
+                                            <p:txEl>
+                                              <p:pRg st="0" end="0"/>
+                                            </p:txEl>
+                                          </p:spTgt>
+                                        </p:tgtEl>
+                                        <p:attrNameLst>
+                                          <p:attrName>style.visibility</p:attrName>
+                                        </p:attrNameLst>
+                                      </p:cBhvr>
+                                      <p:to>
+                                        <p:strVal val="visible"/>
+                                      </p:to>
+                                    </p:set>
+                                    <p:anim calcmode="lin" valueType="num">
+                                      <p:cBhvr additive="base">
+                                        <p:cTn id="7" dur="500" fill="hold"/>
+                                        <p:tgtEl>
+                                          <p:spTgt spid="7">
+                                            <p:txEl>
+                                              <p:pRg st="0" end="0"/>
+                                            </p:txEl>
+                                          </p:spTgt>
+                                        </p:tgtEl>
+                                        <p:attrNameLst>
+                                          <p:attrName>ppt_x</p:attrName>
+                                        </p:attrNameLst>
+                                      </p:cBhvr>
+                                      <p:tavLst>
+                                        <p:tav tm="0">
+                                          <p:val>
+                                            <p:strVal val="1+#ppt_w/2"/>
+                                          </p:val>
+                                        </p:tav>
+                                        <p:tav tm="100000">
+                                          <p:val>
+                                            <p:strVal val="#ppt_x"/>
+                                          </p:val>
+                                        </p:tav>
+                                      </p:tavLst>
+                                    </p:anim>
+                                    <p:anim calcmode="lin" valueType="num">
+                                      <p:cBhvr additive="base">
+                                        <p:cTn id="8" dur="500" fill="hold"/>
+                                        <p:tgtEl>
+                                          <p:spTgt spid="7">
+                                            <p:txEl>
+                                              <p:pRg st="0" end="0"/>
+                                            </p:txEl>
+                                          </p:spTgt>
+                                        </p:tgtEl>
+                                        <p:attrNameLst>
+                                          <p:attrName>ppt_y</p:attrName>
+                                        </p:attrNameLst>
+                                      </p:cBhvr>
+                                      <p:tavLst>
+                                        <p:tav tm="0">
+                                          <p:val>
+                                            <p:strVal val="#ppt_y"/>
+                                          </p:val>
+                                        </p:tav>
+                                        <p:tav tm="100000">
+                                          <p:val>
+                                            <p:strVal val="#ppt_y"/>
+                                          </p:val>
+                                        </p:tav>
+                                      </p:tavLst>
+                                    </p:anim>
+                                  </p:childTnLst>
+                                </p:cTn>
+                              </p:par>
+                            </p:childTnLst>
+                          </p:cTn>
+                        </p:par>
+                      </p:childTnLst>
+                    </p:cTn>
+                  </p:par>
+                  <p:par>
+                    <p:cTn id="9" fill="hold">
+                      <p:stCondLst>
+                        <p:cond delay="indefinite"/>
+                      </p:stCondLst>
+                      <p:childTnLst>
+                        <p:par>
+                          <p:cTn id="10" fill="hold">
+                            <p:stCondLst>
+                              <p:cond delay="0"/>
+                            </p:stCondLst>
+                            <p:childTnLst>
+                              <p:par>
+                                <p:cTn id="11" presetID="2" presetClass="entr" presetSubtype="2" fill="hold" nodeType="clickEffect">
+                                  <p:stCondLst>
+                                    <p:cond delay="0"/>
+                                  </p:stCondLst>
+                                  <p:childTnLst>
+                                    <p:set>
+                                      <p:cBhvr>
+                                        <p:cTn id="12" dur="1" fill="hold">
+                                          <p:stCondLst>
+                                            <p:cond delay="0"/>
+                                          </p:stCondLst>
+                                        </p:cTn>
+                                        <p:tgtEl>
+                                          <p:spTgt spid="7">
+                                            <p:txEl>
+                                              <p:pRg st="1" end="1"/>
+                                            </p:txEl>
+                                          </p:spTgt>
+                                        </p:tgtEl>
+                                        <p:attrNameLst>
+                                          <p:attrName>style.visibility</p:attrName>
+                                        </p:attrNameLst>
+                                      </p:cBhvr>
+                                      <p:to>
+                                        <p:strVal val="visible"/>
+                                      </p:to>
+                                    </p:set>
+                                    <p:anim calcmode="lin" valueType="num">
+                                      <p:cBhvr additive="base">
+                                        <p:cTn id="13" dur="500" fill="hold"/>
+                                        <p:tgtEl>
+                                          <p:spTgt spid="7">
+                                            <p:txEl>
+                                              <p:pRg st="1" end="1"/>
+                                            </p:txEl>
+                                          </p:spTgt>
+                                        </p:tgtEl>
+                                        <p:attrNameLst>
+                                          <p:attrName>ppt_x</p:attrName>
+                                        </p:attrNameLst>
+                                      </p:cBhvr>
+                                      <p:tavLst>
+                                        <p:tav tm="0">
+                                          <p:val>
+                                            <p:strVal val="1+#ppt_w/2"/>
+                                          </p:val>
+                                        </p:tav>
+                                        <p:tav tm="100000">
+                                          <p:val>
+                                            <p:strVal val="#ppt_x"/>
+                                          </p:val>
+                                        </p:tav>
+                                      </p:tavLst>
+                                    </p:anim>
+                                    <p:anim calcmode="lin" valueType="num">
+                                      <p:cBhvr additive="base">
+                                        <p:cTn id="14" dur="500" fill="hold"/>
+                                        <p:tgtEl>
+                                          <p:spTgt spid="7">
+                                            <p:txEl>
+                                              <p:pRg st="1" end="1"/>
+                                            </p:txEl>
+                                          </p:spTgt>
+                                        </p:tgtEl>
+                                        <p:attrNameLst>
+                                          <p:attrName>ppt_y</p:attrName>
+                                        </p:attrNameLst>
+                                      </p:cBhvr>
+                                      <p:tavLst>
+                                        <p:tav tm="0">
+                                          <p:val>
+                                            <p:strVal val="#ppt_y"/>
+                                          </p:val>
+                                        </p:tav>
+                                        <p:tav tm="100000">
+                                          <p:val>
+                                            <p:strVal val="#ppt_y"/>
+                                          </p:val>
+                                        </p:tav>
+                                      </p:tavLst>
+                                    </p:anim>
+                                  </p:childTnLst>
+                                </p:cTn>
+                              </p:par>
+                            </p:childTnLst>
+                          </p:cTn>
+                        </p:par>
+                      </p:childTnLst>
+                    </p:cTn>
+                  </p:par>
+                  <p:par>
+                    <p:cTn id="15" fill="hold">
+                      <p:stCondLst>
+                        <p:cond delay="indefinite"/>
+                      </p:stCondLst>
+                      <p:childTnLst>
+                        <p:par>
+                          <p:cTn id="16" fill="hold">
+                            <p:stCondLst>
+                              <p:cond delay="0"/>
+                            </p:stCondLst>
+                            <p:childTnLst>
+                              <p:par>
+                                <p:cTn id="17" presetID="16" presetClass="entr" presetSubtype="21" fill="hold" nodeType="clickEffect">
+                                  <p:stCondLst>
+                                    <p:cond delay="0"/>
+                                  </p:stCondLst>
+                                  <p:childTnLst>
+                                    <p:set>
+                                      <p:cBhvr>
+                                        <p:cTn id="18" dur="1" fill="hold">
+                                          <p:stCondLst>
+                                            <p:cond delay="0"/>
+                                          </p:stCondLst>
+                                        </p:cTn>
+                                        <p:tgtEl>
+                                          <p:spTgt spid="6"/>
+                                        </p:tgtEl>
+                                        <p:attrNameLst>
+                                          <p:attrName>style.visibility</p:attrName>
+                                        </p:attrNameLst>
+                                      </p:cBhvr>
+                                      <p:to>
+                                        <p:strVal val="visible"/>
+                                      </p:to>
+                                    </p:set>
+                                    <p:animEffect transition="in" filter="barn(inVertical)">
+                                      <p:cBhvr>
+                                        <p:cTn id="19" dur="500"/>
+                                        <p:tgtEl>
+                                          <p:spTgt spid="6"/>
+                                        </p:tgtEl>
+                                      </p:cBhvr>
+                                    </p:animEffect>
+                                  </p:childTnLst>
+                                </p:cTn>
+                              </p:par>
+                            </p:childTnLst>
+                          </p:cTn>
+                        </p:par>
+                      </p:childTnLst>
+                    </p:cTn>
+                  </p:par>
+                </p:childTnLst>
+              </p:cTn>
+              <p:prevCondLst>
+                <p:cond evt="onPrev" delay="0">
+                  <p:tgtEl>
+                    <p:sldTgt/>
+                  </p:tgtEl>
+                </p:cond>
+              </p:prevCondLst>
+              <p:nextCondLst>
+                <p:cond evt="onNext" delay="0">
+                  <p:tgtEl>
+                    <p:sldTgt/>
+                  </p:tgtEl>
+                </p:cond>
+              </p:nextCondLst>
+            </p:seq>
+          </p:childTnLst>
+        </p:cTn>
+      </p:par>
+    </p:tnLst>
+  </p:timing>
+</p:sld>
+</file>
+
+<file path=ppt/slides/slide12.xml><?xml version="1.0" encoding="utf-8"?>
+<p:sld xmlns:a="http://schemas.openxmlformats.org/drawingml/2006/main" xmlns:r="http://schemas.openxmlformats.org/officeDocument/2006/relationships" xmlns:p="http://schemas.openxmlformats.org/presentationml/2006/main">
+  <p:cSld>
+    <p:spTree>
+      <p:nvGrpSpPr>
+        <p:cNvPr id="1" name=""/>
+        <p:cNvGrpSpPr/>
+        <p:nvPr/>
+      </p:nvGrpSpPr>
+      <p:grpSpPr>
+        <a:xfrm>
+          <a:off x="0" y="0"/>
+          <a:ext cx="0" cy="0"/>
+          <a:chOff x="0" y="0"/>
+          <a:chExt cx="0" cy="0"/>
+        </a:xfrm>
+      </p:grpSpPr>
+      <p:sp>
+        <p:nvSpPr>
+          <p:cNvPr id="2" name="Titolo 1"/>
+          <p:cNvSpPr>
+            <a:spLocks noGrp="1"/>
+          </p:cNvSpPr>
+          <p:nvPr>
+            <p:ph type="title"/>
+          </p:nvPr>
+        </p:nvSpPr>
+        <p:spPr/>
+        <p:txBody>
+          <a:bodyPr/>
+          <a:lstStyle/>
+          <a:p>
+            <a:r>
+              <a:rPr lang="it-IT" b="1" dirty="0" smtClean="0">
+                <a:latin typeface="Georgia" panose="02040502050405020303" pitchFamily="18" charset="0"/>
+              </a:rPr>
+              <a:t>The </a:t>
+            </a:r>
+            <a:r>
+              <a:rPr lang="it-IT" b="1" dirty="0">
+                <a:latin typeface="Georgia" panose="02040502050405020303" pitchFamily="18" charset="0"/>
+              </a:rPr>
+              <a:t>machine</a:t>
+            </a:r>
+          </a:p>
+        </p:txBody>
+      </p:sp>
+      <p:sp>
+        <p:nvSpPr>
+          <p:cNvPr id="3" name="Segnaposto contenuto 2"/>
+          <p:cNvSpPr>
+            <a:spLocks noGrp="1"/>
+          </p:cNvSpPr>
+          <p:nvPr>
+            <p:ph idx="1"/>
+          </p:nvPr>
+        </p:nvSpPr>
+        <p:spPr/>
+        <p:txBody>
+          <a:bodyPr/>
+          <a:lstStyle/>
+          <a:p>
+            <a:endParaRPr lang="it-IT"/>
+          </a:p>
+        </p:txBody>
+      </p:sp>
+    </p:spTree>
+    <p:extLst>
+      <p:ext uri="{BB962C8B-B14F-4D97-AF65-F5344CB8AC3E}">
+        <p14:creationId xmlns:p14="http://schemas.microsoft.com/office/powerpoint/2010/main" val="48647228"/>
+      </p:ext>
+    </p:extLst>
+  </p:cSld>
+  <p:clrMapOvr>
+    <a:masterClrMapping/>
+  </p:clrMapOvr>
+  <p:timing>
+    <p:tnLst>
+      <p:par>
+        <p:cTn id="1" dur="indefinite" restart="never" nodeType="tmRoot"/>
+      </p:par>
+    </p:tnLst>
+  </p:timing>
+</p:sld>
+</file>
+
+<file path=ppt/slides/slide2.xml><?xml version="1.0" encoding="utf-8"?>
+<p:sld xmlns:a="http://schemas.openxmlformats.org/drawingml/2006/main" xmlns:r="http://schemas.openxmlformats.org/officeDocument/2006/relationships" xmlns:p="http://schemas.openxmlformats.org/presentationml/2006/main">
+  <p:cSld>
+    <p:spTree>
+      <p:nvGrpSpPr>
+        <p:cNvPr id="1" name=""/>
+        <p:cNvGrpSpPr/>
+        <p:nvPr/>
+      </p:nvGrpSpPr>
+      <p:grpSpPr>
+        <a:xfrm>
+          <a:off x="0" y="0"/>
+          <a:ext cx="0" cy="0"/>
+          <a:chOff x="0" y="0"/>
+          <a:chExt cx="0" cy="0"/>
+        </a:xfrm>
+      </p:grpSpPr>
+      <p:sp>
+        <p:nvSpPr>
+          <p:cNvPr id="3" name="Segnaposto contenuto 2"/>
+          <p:cNvSpPr>
+            <a:spLocks noGrp="1"/>
+          </p:cNvSpPr>
+          <p:nvPr>
+            <p:ph idx="1"/>
+          </p:nvPr>
+        </p:nvSpPr>
+        <p:spPr>
+          <a:xfrm>
+            <a:off x="876300" y="2125361"/>
+            <a:ext cx="10515600" cy="3417287"/>
+          </a:xfrm>
+        </p:spPr>
+        <p:txBody>
+          <a:bodyPr>
+            <a:normAutofit/>
+          </a:bodyPr>
+          <a:lstStyle/>
+          <a:p>
+            <a:r>
+              <a:rPr lang="en-US" dirty="0"/>
+              <a:t>[R1] Only registered customers can request a taxi ride.</a:t>
+            </a:r>
+            <a:endParaRPr lang="it-IT" dirty="0"/>
+          </a:p>
+          <a:p>
+            <a:r>
+              <a:rPr lang="en-US" dirty="0"/>
+              <a:t>[R2] Customers must insert a valid origin location in order to request a ride.</a:t>
+            </a:r>
+            <a:endParaRPr lang="it-IT" dirty="0"/>
+          </a:p>
+          <a:p>
+            <a:r>
+              <a:rPr lang="en-US" dirty="0"/>
+              <a:t>[R3] The system will not allow more than a request if the previous one (either request or reservation) has not been accomplished yet.</a:t>
+            </a:r>
+            <a:endParaRPr lang="it-IT" dirty="0"/>
+          </a:p>
+          <a:p>
+            <a:endParaRPr lang="it-IT" dirty="0"/>
+          </a:p>
+          <a:p>
+            <a:endParaRPr lang="it-IT" dirty="0"/>
+          </a:p>
+        </p:txBody>
+      </p:sp>
+      <p:sp>
+        <p:nvSpPr>
+          <p:cNvPr id="5" name="CasellaDiTesto 4"/>
+          <p:cNvSpPr txBox="1"/>
+          <p:nvPr/>
+        </p:nvSpPr>
+        <p:spPr>
+          <a:xfrm>
+            <a:off x="876300" y="927208"/>
+            <a:ext cx="10439400" cy="800219"/>
+          </a:xfrm>
+          <a:prstGeom prst="rect">
+            <a:avLst/>
+          </a:prstGeom>
+          <a:noFill/>
+          <a:ln>
+            <a:solidFill>
+              <a:schemeClr val="tx1"/>
+            </a:solidFill>
+          </a:ln>
+          <a:effectLst>
+            <a:glow rad="63500">
+              <a:schemeClr val="accent3">
+                <a:satMod val="175000"/>
+                <a:alpha val="40000"/>
+              </a:schemeClr>
+            </a:glow>
+          </a:effectLst>
+        </p:spPr>
+        <p:txBody>
+          <a:bodyPr wrap="square" rtlCol="0">
+            <a:spAutoFit/>
+          </a:bodyPr>
+          <a:lstStyle/>
+          <a:p>
+            <a:r>
+              <a:rPr lang="en-US" sz="2800" i="1" dirty="0"/>
+              <a:t>[</a:t>
+            </a:r>
+            <a:r>
+              <a:rPr lang="en-US" sz="2800" b="1" i="1" dirty="0"/>
+              <a:t>G2</a:t>
+            </a:r>
+            <a:r>
+              <a:rPr lang="en-US" sz="2800" i="1" dirty="0"/>
+              <a:t>] Allow customers to request a taxi ride from an arranged location</a:t>
+            </a:r>
+            <a:r>
+              <a:rPr lang="en-US" sz="2800" i="1" dirty="0" smtClean="0"/>
+              <a:t>.</a:t>
+            </a:r>
+            <a:endParaRPr lang="en-US" sz="2800" i="1" dirty="0" smtClean="0"/>
+          </a:p>
+          <a:p>
+            <a:endParaRPr lang="it-IT" dirty="0"/>
+          </a:p>
+        </p:txBody>
+      </p:sp>
+    </p:spTree>
+    <p:extLst>
+      <p:ext uri="{BB962C8B-B14F-4D97-AF65-F5344CB8AC3E}">
+        <p14:creationId xmlns:p14="http://schemas.microsoft.com/office/powerpoint/2010/main" val="4113651730"/>
+      </p:ext>
+    </p:extLst>
+  </p:cSld>
+  <p:clrMapOvr>
+    <a:masterClrMapping/>
+  </p:clrMapOvr>
+  <p:timing>
+    <p:tnLst>
+      <p:par>
+        <p:cTn id="1" dur="indefinite" restart="never" nodeType="tmRoot">
+          <p:childTnLst>
+            <p:seq concurrent="1" nextAc="seek">
+              <p:cTn id="2" dur="indefinite" nodeType="mainSeq">
+                <p:childTnLst>
+                  <p:par>
+                    <p:cTn id="3" fill="hold">
+                      <p:stCondLst>
+                        <p:cond delay="indefinite"/>
+                      </p:stCondLst>
+                      <p:childTnLst>
+                        <p:par>
+                          <p:cTn id="4" fill="hold">
+                            <p:stCondLst>
+                              <p:cond delay="0"/>
+                            </p:stCondLst>
+                            <p:childTnLst>
+                              <p:par>
+                                <p:cTn id="5" presetID="2" presetClass="entr" presetSubtype="4" fill="hold" grpId="0" nodeType="clickEffect">
+                                  <p:stCondLst>
+                                    <p:cond delay="0"/>
+                                  </p:stCondLst>
+                                  <p:childTnLst>
+                                    <p:set>
+                                      <p:cBhvr>
+                                        <p:cTn id="6" dur="1" fill="hold">
+                                          <p:stCondLst>
+                                            <p:cond delay="0"/>
+                                          </p:stCondLst>
+                                        </p:cTn>
+                                        <p:tgtEl>
+                                          <p:spTgt spid="3">
+                                            <p:txEl>
+                                              <p:pRg st="0" end="0"/>
+                                            </p:txEl>
+                                          </p:spTgt>
+                                        </p:tgtEl>
+                                        <p:attrNameLst>
+                                          <p:attrName>style.visibility</p:attrName>
+                                        </p:attrNameLst>
+                                      </p:cBhvr>
+                                      <p:to>
+                                        <p:strVal val="visible"/>
+                                      </p:to>
+                                    </p:set>
+                                    <p:anim calcmode="lin" valueType="num">
+                                      <p:cBhvr additive="base">
+                                        <p:cTn id="7" dur="500" fill="hold"/>
+                                        <p:tgtEl>
+                                          <p:spTgt spid="3">
+                                            <p:txEl>
+                                              <p:pRg st="0" end="0"/>
+                                            </p:txEl>
+                                          </p:spTgt>
+                                        </p:tgtEl>
+                                        <p:attrNameLst>
+                                          <p:attrName>ppt_x</p:attrName>
+                                        </p:attrNameLst>
+                                      </p:cBhvr>
+                                      <p:tavLst>
+                                        <p:tav tm="0">
+                                          <p:val>
+                                            <p:strVal val="#ppt_x"/>
+                                          </p:val>
+                                        </p:tav>
+                                        <p:tav tm="100000">
+                                          <p:val>
+                                            <p:strVal val="#ppt_x"/>
+                                          </p:val>
+                                        </p:tav>
+                                      </p:tavLst>
+                                    </p:anim>
+                                    <p:anim calcmode="lin" valueType="num">
+                                      <p:cBhvr additive="base">
+                                        <p:cTn id="8" dur="500" fill="hold"/>
+                                        <p:tgtEl>
+                                          <p:spTgt spid="3">
+                                            <p:txEl>
+                                              <p:pRg st="0" end="0"/>
+                                            </p:txEl>
+                                          </p:spTgt>
+                                        </p:tgtEl>
+                                        <p:attrNameLst>
+                                          <p:attrName>ppt_y</p:attrName>
+                                        </p:attrNameLst>
+                                      </p:cBhvr>
+                                      <p:tavLst>
+                                        <p:tav tm="0">
+                                          <p:val>
+                                            <p:strVal val="1+#ppt_h/2"/>
+                                          </p:val>
+                                        </p:tav>
+                                        <p:tav tm="100000">
+                                          <p:val>
+                                            <p:strVal val="#ppt_y"/>
+                                          </p:val>
+                                        </p:tav>
+                                      </p:tavLst>
+                                    </p:anim>
+                                  </p:childTnLst>
+                                </p:cTn>
+                              </p:par>
+                            </p:childTnLst>
+                          </p:cTn>
+                        </p:par>
+                      </p:childTnLst>
+                    </p:cTn>
+                  </p:par>
+                  <p:par>
+                    <p:cTn id="9" fill="hold">
+                      <p:stCondLst>
+                        <p:cond delay="indefinite"/>
+                      </p:stCondLst>
+                      <p:childTnLst>
+                        <p:par>
+                          <p:cTn id="10" fill="hold">
+                            <p:stCondLst>
+                              <p:cond delay="0"/>
+                            </p:stCondLst>
+                            <p:childTnLst>
+                              <p:par>
+                                <p:cTn id="11" presetID="2" presetClass="entr" presetSubtype="4" fill="hold" grpId="0" nodeType="clickEffect">
+                                  <p:stCondLst>
+                                    <p:cond delay="0"/>
+                                  </p:stCondLst>
+                                  <p:childTnLst>
+                                    <p:set>
+                                      <p:cBhvr>
+                                        <p:cTn id="12" dur="1" fill="hold">
+                                          <p:stCondLst>
+                                            <p:cond delay="0"/>
+                                          </p:stCondLst>
+                                        </p:cTn>
+                                        <p:tgtEl>
+                                          <p:spTgt spid="3">
+                                            <p:txEl>
+                                              <p:pRg st="1" end="1"/>
+                                            </p:txEl>
+                                          </p:spTgt>
+                                        </p:tgtEl>
+                                        <p:attrNameLst>
+                                          <p:attrName>style.visibility</p:attrName>
+                                        </p:attrNameLst>
+                                      </p:cBhvr>
+                                      <p:to>
+                                        <p:strVal val="visible"/>
+                                      </p:to>
+                                    </p:set>
+                                    <p:anim calcmode="lin" valueType="num">
+                                      <p:cBhvr additive="base">
+                                        <p:cTn id="13" dur="500" fill="hold"/>
+                                        <p:tgtEl>
+                                          <p:spTgt spid="3">
+                                            <p:txEl>
+                                              <p:pRg st="1" end="1"/>
+                                            </p:txEl>
+                                          </p:spTgt>
+                                        </p:tgtEl>
+                                        <p:attrNameLst>
+                                          <p:attrName>ppt_x</p:attrName>
+                                        </p:attrNameLst>
+                                      </p:cBhvr>
+                                      <p:tavLst>
+                                        <p:tav tm="0">
+                                          <p:val>
+                                            <p:strVal val="#ppt_x"/>
+                                          </p:val>
+                                        </p:tav>
+                                        <p:tav tm="100000">
+                                          <p:val>
+                                            <p:strVal val="#ppt_x"/>
+                                          </p:val>
+                                        </p:tav>
+                                      </p:tavLst>
+                                    </p:anim>
+                                    <p:anim calcmode="lin" valueType="num">
+                                      <p:cBhvr additive="base">
+                                        <p:cTn id="14" dur="500" fill="hold"/>
+                                        <p:tgtEl>
+                                          <p:spTgt spid="3">
+                                            <p:txEl>
+                                              <p:pRg st="1" end="1"/>
+                                            </p:txEl>
+                                          </p:spTgt>
+                                        </p:tgtEl>
+                                        <p:attrNameLst>
+                                          <p:attrName>ppt_y</p:attrName>
+                                        </p:attrNameLst>
+                                      </p:cBhvr>
+                                      <p:tavLst>
+                                        <p:tav tm="0">
+                                          <p:val>
+                                            <p:strVal val="1+#ppt_h/2"/>
+                                          </p:val>
+                                        </p:tav>
+                                        <p:tav tm="100000">
+                                          <p:val>
+                                            <p:strVal val="#ppt_y"/>
+                                          </p:val>
+                                        </p:tav>
+                                      </p:tavLst>
+                                    </p:anim>
+                                  </p:childTnLst>
+                                </p:cTn>
+                              </p:par>
+                            </p:childTnLst>
+                          </p:cTn>
+                        </p:par>
+                      </p:childTnLst>
+                    </p:cTn>
+                  </p:par>
+                  <p:par>
+                    <p:cTn id="15" fill="hold">
+                      <p:stCondLst>
+                        <p:cond delay="indefinite"/>
+                      </p:stCondLst>
+                      <p:childTnLst>
+                        <p:par>
+                          <p:cTn id="16" fill="hold">
+                            <p:stCondLst>
+                              <p:cond delay="0"/>
+                            </p:stCondLst>
+                            <p:childTnLst>
+                              <p:par>
+                                <p:cTn id="17" presetID="2" presetClass="entr" presetSubtype="4" fill="hold" grpId="0" nodeType="clickEffect">
+                                  <p:stCondLst>
+                                    <p:cond delay="0"/>
+                                  </p:stCondLst>
+                                  <p:childTnLst>
+                                    <p:set>
+                                      <p:cBhvr>
+                                        <p:cTn id="18" dur="1" fill="hold">
+                                          <p:stCondLst>
+                                            <p:cond delay="0"/>
+                                          </p:stCondLst>
+                                        </p:cTn>
+                                        <p:tgtEl>
+                                          <p:spTgt spid="3">
+                                            <p:txEl>
+                                              <p:pRg st="2" end="2"/>
+                                            </p:txEl>
+                                          </p:spTgt>
+                                        </p:tgtEl>
+                                        <p:attrNameLst>
+                                          <p:attrName>style.visibility</p:attrName>
+                                        </p:attrNameLst>
+                                      </p:cBhvr>
+                                      <p:to>
+                                        <p:strVal val="visible"/>
+                                      </p:to>
+                                    </p:set>
+                                    <p:anim calcmode="lin" valueType="num">
+                                      <p:cBhvr additive="base">
+                                        <p:cTn id="19" dur="500" fill="hold"/>
+                                        <p:tgtEl>
+                                          <p:spTgt spid="3">
+                                            <p:txEl>
+                                              <p:pRg st="2" end="2"/>
+                                            </p:txEl>
+                                          </p:spTgt>
+                                        </p:tgtEl>
+                                        <p:attrNameLst>
+                                          <p:attrName>ppt_x</p:attrName>
+                                        </p:attrNameLst>
+                                      </p:cBhvr>
+                                      <p:tavLst>
+                                        <p:tav tm="0">
+                                          <p:val>
+                                            <p:strVal val="#ppt_x"/>
+                                          </p:val>
+                                        </p:tav>
+                                        <p:tav tm="100000">
+                                          <p:val>
+                                            <p:strVal val="#ppt_x"/>
+                                          </p:val>
+                                        </p:tav>
+                                      </p:tavLst>
+                                    </p:anim>
+                                    <p:anim calcmode="lin" valueType="num">
+                                      <p:cBhvr additive="base">
+                                        <p:cTn id="20" dur="500" fill="hold"/>
+                                        <p:tgtEl>
+                                          <p:spTgt spid="3">
+                                            <p:txEl>
+                                              <p:pRg st="2" end="2"/>
+                                            </p:txEl>
+                                          </p:spTgt>
+                                        </p:tgtEl>
+                                        <p:attrNameLst>
+                                          <p:attrName>ppt_y</p:attrName>
+                                        </p:attrNameLst>
+                                      </p:cBhvr>
+                                      <p:tavLst>
+                                        <p:tav tm="0">
+                                          <p:val>
+                                            <p:strVal val="1+#ppt_h/2"/>
+                                          </p:val>
+                                        </p:tav>
+                                        <p:tav tm="100000">
+                                          <p:val>
+                                            <p:strVal val="#ppt_y"/>
+                                          </p:val>
+                                        </p:tav>
+                                      </p:tavLst>
+                                    </p:anim>
+                                  </p:childTnLst>
+                                </p:cTn>
+                              </p:par>
+                            </p:childTnLst>
+                          </p:cTn>
+                        </p:par>
+                      </p:childTnLst>
+                    </p:cTn>
+                  </p:par>
+                </p:childTnLst>
+              </p:cTn>
+              <p:prevCondLst>
+                <p:cond evt="onPrev" delay="0">
+                  <p:tgtEl>
+                    <p:sldTgt/>
+                  </p:tgtEl>
+                </p:cond>
+              </p:prevCondLst>
+              <p:nextCondLst>
+                <p:cond evt="onNext" delay="0">
+                  <p:tgtEl>
+                    <p:sldTgt/>
+                  </p:tgtEl>
+                </p:cond>
+              </p:nextCondLst>
+            </p:seq>
+          </p:childTnLst>
+        </p:cTn>
+      </p:par>
+    </p:tnLst>
+    <p:bldLst>
+      <p:bldP spid="3" grpId="0" build="p"/>
+    </p:bldLst>
+  </p:timing>
+</p:sld>
+</file>
+
+<file path=ppt/slides/slide3.xml><?xml version="1.0" encoding="utf-8"?>
+<p:sld xmlns:a="http://schemas.openxmlformats.org/drawingml/2006/main" xmlns:r="http://schemas.openxmlformats.org/officeDocument/2006/relationships" xmlns:p="http://schemas.openxmlformats.org/presentationml/2006/main">
+  <p:cSld>
+    <p:spTree>
+      <p:nvGrpSpPr>
+        <p:cNvPr id="1" name=""/>
+        <p:cNvGrpSpPr/>
+        <p:nvPr/>
+      </p:nvGrpSpPr>
+      <p:grpSpPr>
+        <a:xfrm>
+          <a:off x="0" y="0"/>
+          <a:ext cx="0" cy="0"/>
+          <a:chOff x="0" y="0"/>
+          <a:chExt cx="0" cy="0"/>
+        </a:xfrm>
+      </p:grpSpPr>
+      <p:sp>
+        <p:nvSpPr>
+          <p:cNvPr id="3" name="Segnaposto contenuto 2"/>
+          <p:cNvSpPr>
+            <a:spLocks noGrp="1"/>
+          </p:cNvSpPr>
+          <p:nvPr>
+            <p:ph idx="1"/>
+          </p:nvPr>
+        </p:nvSpPr>
+        <p:spPr>
+          <a:xfrm>
+            <a:off x="876300" y="2529014"/>
+            <a:ext cx="10515600" cy="3912975"/>
+          </a:xfrm>
+        </p:spPr>
+        <p:txBody>
+          <a:bodyPr>
+            <a:normAutofit fontScale="92500" lnSpcReduction="10000"/>
+          </a:bodyPr>
+          <a:lstStyle/>
+          <a:p>
+            <a:r>
+              <a:rPr lang="en-US" dirty="0"/>
+              <a:t>[R1] The system should allow taxi reservations for a specific path communicated by the customer.</a:t>
+            </a:r>
+            <a:endParaRPr lang="it-IT" dirty="0"/>
+          </a:p>
+          <a:p>
+            <a:r>
+              <a:rPr lang="en-US" dirty="0"/>
+              <a:t>[R2] The system must not allow overlaps between reservations (or requests) made by the same customer.</a:t>
+            </a:r>
+            <a:endParaRPr lang="it-IT" dirty="0"/>
+          </a:p>
+          <a:p>
+            <a:r>
+              <a:rPr lang="en-US" dirty="0"/>
+              <a:t>[R3] The system should allow to delete a taxi reservation made by the same customer.</a:t>
+            </a:r>
+            <a:endParaRPr lang="it-IT" dirty="0"/>
+          </a:p>
+          <a:p>
+            <a:r>
+              <a:rPr lang="en-US" dirty="0"/>
+              <a:t>[R4] The system allows reservations only 2 hours before the time and date specified by the customer.</a:t>
+            </a:r>
+            <a:endParaRPr lang="it-IT" dirty="0"/>
+          </a:p>
+          <a:p>
+            <a:r>
+              <a:rPr lang="en-US" dirty="0"/>
+              <a:t>[R5] The system will assign a taxi driver for the reserved ride 10 minutes before the time and date specified by the customer. </a:t>
+            </a:r>
+            <a:endParaRPr lang="it-IT" dirty="0"/>
+          </a:p>
+          <a:p>
+            <a:endParaRPr lang="it-IT" dirty="0"/>
+          </a:p>
+          <a:p>
+            <a:endParaRPr lang="it-IT" dirty="0"/>
+          </a:p>
+        </p:txBody>
+      </p:sp>
+      <p:sp>
+        <p:nvSpPr>
+          <p:cNvPr id="5" name="CasellaDiTesto 4"/>
+          <p:cNvSpPr txBox="1"/>
+          <p:nvPr/>
+        </p:nvSpPr>
+        <p:spPr>
+          <a:xfrm>
+            <a:off x="876300" y="927208"/>
+            <a:ext cx="10439400" cy="1231106"/>
+          </a:xfrm>
+          <a:prstGeom prst="rect">
+            <a:avLst/>
+          </a:prstGeom>
+          <a:noFill/>
+          <a:ln>
+            <a:solidFill>
+              <a:schemeClr val="tx1"/>
+            </a:solidFill>
+          </a:ln>
+          <a:effectLst>
+            <a:glow rad="63500">
+              <a:schemeClr val="accent3">
+                <a:satMod val="175000"/>
+                <a:alpha val="40000"/>
+              </a:schemeClr>
+            </a:glow>
+          </a:effectLst>
+        </p:spPr>
+        <p:txBody>
+          <a:bodyPr wrap="square" rtlCol="0">
+            <a:spAutoFit/>
+          </a:bodyPr>
+          <a:lstStyle/>
+          <a:p>
+            <a:r>
+              <a:rPr lang="en-US" sz="2800" i="1" dirty="0"/>
+              <a:t>[</a:t>
+            </a:r>
+            <a:r>
+              <a:rPr lang="en-US" sz="2800" b="1" i="1" dirty="0"/>
+              <a:t>G3</a:t>
+            </a:r>
+            <a:r>
+              <a:rPr lang="en-US" sz="2800" i="1" dirty="0"/>
+              <a:t>] Allow customers to reserve a taxi ride at a specific time with a given origin and destination</a:t>
+            </a:r>
+            <a:r>
+              <a:rPr lang="en-US" sz="2800" i="1" dirty="0" smtClean="0"/>
+              <a:t>.</a:t>
+            </a:r>
+            <a:endParaRPr lang="en-US" sz="2800" i="1" dirty="0" smtClean="0"/>
+          </a:p>
+          <a:p>
+            <a:endParaRPr lang="it-IT" dirty="0"/>
+          </a:p>
+        </p:txBody>
+      </p:sp>
+    </p:spTree>
+    <p:extLst>
+      <p:ext uri="{BB962C8B-B14F-4D97-AF65-F5344CB8AC3E}">
+        <p14:creationId xmlns:p14="http://schemas.microsoft.com/office/powerpoint/2010/main" val="1098146800"/>
+      </p:ext>
+    </p:extLst>
+  </p:cSld>
+  <p:clrMapOvr>
+    <a:masterClrMapping/>
+  </p:clrMapOvr>
+  <p:timing>
+    <p:tnLst>
+      <p:par>
+        <p:cTn id="1" dur="indefinite" restart="never" nodeType="tmRoot">
+          <p:childTnLst>
+            <p:seq concurrent="1" nextAc="seek">
+              <p:cTn id="2" dur="indefinite" nodeType="mainSeq">
+                <p:childTnLst>
+                  <p:par>
+                    <p:cTn id="3" fill="hold">
+                      <p:stCondLst>
+                        <p:cond delay="indefinite"/>
+                      </p:stCondLst>
+                      <p:childTnLst>
+                        <p:par>
+                          <p:cTn id="4" fill="hold">
+                            <p:stCondLst>
+                              <p:cond delay="0"/>
+                            </p:stCondLst>
+                            <p:childTnLst>
+                              <p:par>
+                                <p:cTn id="5" presetID="2" presetClass="entr" presetSubtype="4" fill="hold" grpId="0" nodeType="clickEffect">
+                                  <p:stCondLst>
+                                    <p:cond delay="0"/>
+                                  </p:stCondLst>
+                                  <p:childTnLst>
+                                    <p:set>
+                                      <p:cBhvr>
+                                        <p:cTn id="6" dur="1" fill="hold">
+                                          <p:stCondLst>
+                                            <p:cond delay="0"/>
+                                          </p:stCondLst>
+                                        </p:cTn>
+                                        <p:tgtEl>
+                                          <p:spTgt spid="3">
+                                            <p:txEl>
+                                              <p:pRg st="0" end="0"/>
+                                            </p:txEl>
+                                          </p:spTgt>
+                                        </p:tgtEl>
+                                        <p:attrNameLst>
+                                          <p:attrName>style.visibility</p:attrName>
+                                        </p:attrNameLst>
+                                      </p:cBhvr>
+                                      <p:to>
+                                        <p:strVal val="visible"/>
+                                      </p:to>
+                                    </p:set>
+                                    <p:anim calcmode="lin" valueType="num">
+                                      <p:cBhvr additive="base">
+                                        <p:cTn id="7" dur="500" fill="hold"/>
+                                        <p:tgtEl>
+                                          <p:spTgt spid="3">
+                                            <p:txEl>
+                                              <p:pRg st="0" end="0"/>
+                                            </p:txEl>
+                                          </p:spTgt>
+                                        </p:tgtEl>
+                                        <p:attrNameLst>
+                                          <p:attrName>ppt_x</p:attrName>
+                                        </p:attrNameLst>
+                                      </p:cBhvr>
+                                      <p:tavLst>
+                                        <p:tav tm="0">
+                                          <p:val>
+                                            <p:strVal val="#ppt_x"/>
+                                          </p:val>
+                                        </p:tav>
+                                        <p:tav tm="100000">
+                                          <p:val>
+                                            <p:strVal val="#ppt_x"/>
+                                          </p:val>
+                                        </p:tav>
+                                      </p:tavLst>
+                                    </p:anim>
+                                    <p:anim calcmode="lin" valueType="num">
+                                      <p:cBhvr additive="base">
+                                        <p:cTn id="8" dur="500" fill="hold"/>
+                                        <p:tgtEl>
+                                          <p:spTgt spid="3">
+                                            <p:txEl>
+                                              <p:pRg st="0" end="0"/>
+                                            </p:txEl>
+                                          </p:spTgt>
+                                        </p:tgtEl>
+                                        <p:attrNameLst>
+                                          <p:attrName>ppt_y</p:attrName>
+                                        </p:attrNameLst>
+                                      </p:cBhvr>
+                                      <p:tavLst>
+                                        <p:tav tm="0">
+                                          <p:val>
+                                            <p:strVal val="1+#ppt_h/2"/>
+                                          </p:val>
+                                        </p:tav>
+                                        <p:tav tm="100000">
+                                          <p:val>
+                                            <p:strVal val="#ppt_y"/>
+                                          </p:val>
+                                        </p:tav>
+                                      </p:tavLst>
+                                    </p:anim>
+                                  </p:childTnLst>
+                                </p:cTn>
+                              </p:par>
+                            </p:childTnLst>
+                          </p:cTn>
+                        </p:par>
+                      </p:childTnLst>
+                    </p:cTn>
+                  </p:par>
+                  <p:par>
+                    <p:cTn id="9" fill="hold">
+                      <p:stCondLst>
+                        <p:cond delay="indefinite"/>
+                      </p:stCondLst>
+                      <p:childTnLst>
+                        <p:par>
+                          <p:cTn id="10" fill="hold">
+                            <p:stCondLst>
+                              <p:cond delay="0"/>
+                            </p:stCondLst>
+                            <p:childTnLst>
+                              <p:par>
+                                <p:cTn id="11" presetID="2" presetClass="entr" presetSubtype="4" fill="hold" grpId="0" nodeType="clickEffect">
+                                  <p:stCondLst>
+                                    <p:cond delay="0"/>
+                                  </p:stCondLst>
+                                  <p:childTnLst>
+                                    <p:set>
+                                      <p:cBhvr>
+                                        <p:cTn id="12" dur="1" fill="hold">
+                                          <p:stCondLst>
+                                            <p:cond delay="0"/>
+                                          </p:stCondLst>
+                                        </p:cTn>
+                                        <p:tgtEl>
+                                          <p:spTgt spid="3">
+                                            <p:txEl>
+                                              <p:pRg st="1" end="1"/>
+                                            </p:txEl>
+                                          </p:spTgt>
+                                        </p:tgtEl>
+                                        <p:attrNameLst>
+                                          <p:attrName>style.visibility</p:attrName>
+                                        </p:attrNameLst>
+                                      </p:cBhvr>
+                                      <p:to>
+                                        <p:strVal val="visible"/>
+                                      </p:to>
+                                    </p:set>
+                                    <p:anim calcmode="lin" valueType="num">
+                                      <p:cBhvr additive="base">
+                                        <p:cTn id="13" dur="500" fill="hold"/>
+                                        <p:tgtEl>
+                                          <p:spTgt spid="3">
+                                            <p:txEl>
+                                              <p:pRg st="1" end="1"/>
+                                            </p:txEl>
+                                          </p:spTgt>
+                                        </p:tgtEl>
+                                        <p:attrNameLst>
+                                          <p:attrName>ppt_x</p:attrName>
+                                        </p:attrNameLst>
+                                      </p:cBhvr>
+                                      <p:tavLst>
+                                        <p:tav tm="0">
+                                          <p:val>
+                                            <p:strVal val="#ppt_x"/>
+                                          </p:val>
+                                        </p:tav>
+                                        <p:tav tm="100000">
+                                          <p:val>
+                                            <p:strVal val="#ppt_x"/>
+                                          </p:val>
+                                        </p:tav>
+                                      </p:tavLst>
+                                    </p:anim>
+                                    <p:anim calcmode="lin" valueType="num">
+                                      <p:cBhvr additive="base">
+                                        <p:cTn id="14" dur="500" fill="hold"/>
+                                        <p:tgtEl>
+                                          <p:spTgt spid="3">
+                                            <p:txEl>
+                                              <p:pRg st="1" end="1"/>
+                                            </p:txEl>
+                                          </p:spTgt>
+                                        </p:tgtEl>
+                                        <p:attrNameLst>
+                                          <p:attrName>ppt_y</p:attrName>
+                                        </p:attrNameLst>
+                                      </p:cBhvr>
+                                      <p:tavLst>
+                                        <p:tav tm="0">
+                                          <p:val>
+                                            <p:strVal val="1+#ppt_h/2"/>
+                                          </p:val>
+                                        </p:tav>
+                                        <p:tav tm="100000">
+                                          <p:val>
+                                            <p:strVal val="#ppt_y"/>
+                                          </p:val>
+                                        </p:tav>
+                                      </p:tavLst>
+                                    </p:anim>
+                                  </p:childTnLst>
+                                </p:cTn>
+                              </p:par>
+                            </p:childTnLst>
+                          </p:cTn>
+                        </p:par>
+                      </p:childTnLst>
+                    </p:cTn>
+                  </p:par>
+                  <p:par>
+                    <p:cTn id="15" fill="hold">
+                      <p:stCondLst>
+                        <p:cond delay="indefinite"/>
+                      </p:stCondLst>
+                      <p:childTnLst>
+                        <p:par>
+                          <p:cTn id="16" fill="hold">
+                            <p:stCondLst>
+                              <p:cond delay="0"/>
+                            </p:stCondLst>
+                            <p:childTnLst>
+                              <p:par>
+                                <p:cTn id="17" presetID="2" presetClass="entr" presetSubtype="4" fill="hold" grpId="0" nodeType="clickEffect">
+                                  <p:stCondLst>
+                                    <p:cond delay="0"/>
+                                  </p:stCondLst>
+                                  <p:childTnLst>
+                                    <p:set>
+                                      <p:cBhvr>
+                                        <p:cTn id="18" dur="1" fill="hold">
+                                          <p:stCondLst>
+                                            <p:cond delay="0"/>
+                                          </p:stCondLst>
+                                        </p:cTn>
+                                        <p:tgtEl>
+                                          <p:spTgt spid="3">
+                                            <p:txEl>
+                                              <p:pRg st="2" end="2"/>
+                                            </p:txEl>
+                                          </p:spTgt>
+                                        </p:tgtEl>
+                                        <p:attrNameLst>
+                                          <p:attrName>style.visibility</p:attrName>
+                                        </p:attrNameLst>
+                                      </p:cBhvr>
+                                      <p:to>
+                                        <p:strVal val="visible"/>
+                                      </p:to>
+                                    </p:set>
+                                    <p:anim calcmode="lin" valueType="num">
+                                      <p:cBhvr additive="base">
+                                        <p:cTn id="19" dur="500" fill="hold"/>
+                                        <p:tgtEl>
+                                          <p:spTgt spid="3">
+                                            <p:txEl>
+                                              <p:pRg st="2" end="2"/>
+                                            </p:txEl>
+                                          </p:spTgt>
+                                        </p:tgtEl>
+                                        <p:attrNameLst>
+                                          <p:attrName>ppt_x</p:attrName>
+                                        </p:attrNameLst>
+                                      </p:cBhvr>
+                                      <p:tavLst>
+                                        <p:tav tm="0">
+                                          <p:val>
+                                            <p:strVal val="#ppt_x"/>
+                                          </p:val>
+                                        </p:tav>
+                                        <p:tav tm="100000">
+                                          <p:val>
+                                            <p:strVal val="#ppt_x"/>
+                                          </p:val>
+                                        </p:tav>
+                                      </p:tavLst>
+                                    </p:anim>
+                                    <p:anim calcmode="lin" valueType="num">
+                                      <p:cBhvr additive="base">
+                                        <p:cTn id="20" dur="500" fill="hold"/>
+                                        <p:tgtEl>
+                                          <p:spTgt spid="3">
+                                            <p:txEl>
+                                              <p:pRg st="2" end="2"/>
+                                            </p:txEl>
+                                          </p:spTgt>
+                                        </p:tgtEl>
+                                        <p:attrNameLst>
+                                          <p:attrName>ppt_y</p:attrName>
+                                        </p:attrNameLst>
+                                      </p:cBhvr>
+                                      <p:tavLst>
+                                        <p:tav tm="0">
+                                          <p:val>
+                                            <p:strVal val="1+#ppt_h/2"/>
+                                          </p:val>
+                                        </p:tav>
+                                        <p:tav tm="100000">
+                                          <p:val>
+                                            <p:strVal val="#ppt_y"/>
+                                          </p:val>
+                                        </p:tav>
+                                      </p:tavLst>
+                                    </p:anim>
+                                  </p:childTnLst>
+                                </p:cTn>
+                              </p:par>
+                            </p:childTnLst>
+                          </p:cTn>
+                        </p:par>
+                      </p:childTnLst>
+                    </p:cTn>
+                  </p:par>
+                  <p:par>
+                    <p:cTn id="21" fill="hold">
+                      <p:stCondLst>
+                        <p:cond delay="indefinite"/>
+                      </p:stCondLst>
+                      <p:childTnLst>
+                        <p:par>
+                          <p:cTn id="22" fill="hold">
+                            <p:stCondLst>
+                              <p:cond delay="0"/>
+                            </p:stCondLst>
+                            <p:childTnLst>
+                              <p:par>
+                                <p:cTn id="23" presetID="2" presetClass="entr" presetSubtype="4" fill="hold" grpId="0" nodeType="clickEffect">
+                                  <p:stCondLst>
+                                    <p:cond delay="0"/>
+                                  </p:stCondLst>
+                                  <p:childTnLst>
+                                    <p:set>
+                                      <p:cBhvr>
+                                        <p:cTn id="24" dur="1" fill="hold">
+                                          <p:stCondLst>
+                                            <p:cond delay="0"/>
+                                          </p:stCondLst>
+                                        </p:cTn>
+                                        <p:tgtEl>
+                                          <p:spTgt spid="3">
+                                            <p:txEl>
+                                              <p:pRg st="3" end="3"/>
+                                            </p:txEl>
+                                          </p:spTgt>
+                                        </p:tgtEl>
+                                        <p:attrNameLst>
+                                          <p:attrName>style.visibility</p:attrName>
+                                        </p:attrNameLst>
+                                      </p:cBhvr>
+                                      <p:to>
+                                        <p:strVal val="visible"/>
+                                      </p:to>
+                                    </p:set>
+                                    <p:anim calcmode="lin" valueType="num">
+                                      <p:cBhvr additive="base">
+                                        <p:cTn id="25" dur="500" fill="hold"/>
+                                        <p:tgtEl>
+                                          <p:spTgt spid="3">
+                                            <p:txEl>
+                                              <p:pRg st="3" end="3"/>
+                                            </p:txEl>
+                                          </p:spTgt>
+                                        </p:tgtEl>
+                                        <p:attrNameLst>
+                                          <p:attrName>ppt_x</p:attrName>
+                                        </p:attrNameLst>
+                                      </p:cBhvr>
+                                      <p:tavLst>
+                                        <p:tav tm="0">
+                                          <p:val>
+                                            <p:strVal val="#ppt_x"/>
+                                          </p:val>
+                                        </p:tav>
+                                        <p:tav tm="100000">
+                                          <p:val>
+                                            <p:strVal val="#ppt_x"/>
+                                          </p:val>
+                                        </p:tav>
+                                      </p:tavLst>
+                                    </p:anim>
+                                    <p:anim calcmode="lin" valueType="num">
+                                      <p:cBhvr additive="base">
+                                        <p:cTn id="26" dur="500" fill="hold"/>
+                                        <p:tgtEl>
+                                          <p:spTgt spid="3">
+                                            <p:txEl>
+                                              <p:pRg st="3" end="3"/>
+                                            </p:txEl>
+                                          </p:spTgt>
+                                        </p:tgtEl>
+                                        <p:attrNameLst>
+                                          <p:attrName>ppt_y</p:attrName>
+                                        </p:attrNameLst>
+                                      </p:cBhvr>
+                                      <p:tavLst>
+                                        <p:tav tm="0">
+                                          <p:val>
+                                            <p:strVal val="1+#ppt_h/2"/>
+                                          </p:val>
+                                        </p:tav>
+                                        <p:tav tm="100000">
+                                          <p:val>
+                                            <p:strVal val="#ppt_y"/>
+                                          </p:val>
+                                        </p:tav>
+                                      </p:tavLst>
+                                    </p:anim>
+                                  </p:childTnLst>
+                                </p:cTn>
+                              </p:par>
+                            </p:childTnLst>
+                          </p:cTn>
+                        </p:par>
+                      </p:childTnLst>
+                    </p:cTn>
+                  </p:par>
+                  <p:par>
+                    <p:cTn id="27" fill="hold">
+                      <p:stCondLst>
+                        <p:cond delay="indefinite"/>
+                      </p:stCondLst>
+                      <p:childTnLst>
+                        <p:par>
+                          <p:cTn id="28" fill="hold">
+                            <p:stCondLst>
+                              <p:cond delay="0"/>
+                            </p:stCondLst>
+                            <p:childTnLst>
+                              <p:par>
+                                <p:cTn id="29" presetID="2" presetClass="entr" presetSubtype="4" fill="hold" grpId="0" nodeType="clickEffect">
+                                  <p:stCondLst>
+                                    <p:cond delay="0"/>
+                                  </p:stCondLst>
+                                  <p:childTnLst>
+                                    <p:set>
+                                      <p:cBhvr>
+                                        <p:cTn id="30" dur="1" fill="hold">
+                                          <p:stCondLst>
+                                            <p:cond delay="0"/>
+                                          </p:stCondLst>
+                                        </p:cTn>
+                                        <p:tgtEl>
+                                          <p:spTgt spid="3">
+                                            <p:txEl>
+                                              <p:pRg st="4" end="4"/>
+                                            </p:txEl>
+                                          </p:spTgt>
+                                        </p:tgtEl>
+                                        <p:attrNameLst>
+                                          <p:attrName>style.visibility</p:attrName>
+                                        </p:attrNameLst>
+                                      </p:cBhvr>
+                                      <p:to>
+                                        <p:strVal val="visible"/>
+                                      </p:to>
+                                    </p:set>
+                                    <p:anim calcmode="lin" valueType="num">
+                                      <p:cBhvr additive="base">
+                                        <p:cTn id="31" dur="500" fill="hold"/>
+                                        <p:tgtEl>
+                                          <p:spTgt spid="3">
+                                            <p:txEl>
+                                              <p:pRg st="4" end="4"/>
+                                            </p:txEl>
+                                          </p:spTgt>
+                                        </p:tgtEl>
+                                        <p:attrNameLst>
+                                          <p:attrName>ppt_x</p:attrName>
+                                        </p:attrNameLst>
+                                      </p:cBhvr>
+                                      <p:tavLst>
+                                        <p:tav tm="0">
+                                          <p:val>
+                                            <p:strVal val="#ppt_x"/>
+                                          </p:val>
+                                        </p:tav>
+                                        <p:tav tm="100000">
+                                          <p:val>
+                                            <p:strVal val="#ppt_x"/>
+                                          </p:val>
+                                        </p:tav>
+                                      </p:tavLst>
+                                    </p:anim>
+                                    <p:anim calcmode="lin" valueType="num">
+                                      <p:cBhvr additive="base">
+                                        <p:cTn id="32" dur="500" fill="hold"/>
+                                        <p:tgtEl>
+                                          <p:spTgt spid="3">
+                                            <p:txEl>
+                                              <p:pRg st="4" end="4"/>
+                                            </p:txEl>
+                                          </p:spTgt>
+                                        </p:tgtEl>
+                                        <p:attrNameLst>
+                                          <p:attrName>ppt_y</p:attrName>
+                                        </p:attrNameLst>
+                                      </p:cBhvr>
+                                      <p:tavLst>
+                                        <p:tav tm="0">
+                                          <p:val>
+                                            <p:strVal val="1+#ppt_h/2"/>
+                                          </p:val>
+                                        </p:tav>
+                                        <p:tav tm="100000">
+                                          <p:val>
+                                            <p:strVal val="#ppt_y"/>
+                                          </p:val>
+                                        </p:tav>
+                                      </p:tavLst>
+                                    </p:anim>
+                                  </p:childTnLst>
+                                </p:cTn>
+                              </p:par>
+                            </p:childTnLst>
+                          </p:cTn>
+                        </p:par>
+                      </p:childTnLst>
+                    </p:cTn>
+                  </p:par>
+                </p:childTnLst>
+              </p:cTn>
+              <p:prevCondLst>
+                <p:cond evt="onPrev" delay="0">
+                  <p:tgtEl>
+                    <p:sldTgt/>
+                  </p:tgtEl>
+                </p:cond>
+              </p:prevCondLst>
+              <p:nextCondLst>
+                <p:cond evt="onNext" delay="0">
+                  <p:tgtEl>
+                    <p:sldTgt/>
+                  </p:tgtEl>
+                </p:cond>
+              </p:nextCondLst>
+            </p:seq>
+          </p:childTnLst>
+        </p:cTn>
+      </p:par>
+    </p:tnLst>
+    <p:bldLst>
+      <p:bldP spid="3" grpId="0" build="p"/>
+    </p:bldLst>
+  </p:timing>
+</p:sld>
+</file>
+
+<file path=ppt/slides/slide4.xml><?xml version="1.0" encoding="utf-8"?>
+<p:sld xmlns:a="http://schemas.openxmlformats.org/drawingml/2006/main" xmlns:r="http://schemas.openxmlformats.org/officeDocument/2006/relationships" xmlns:p="http://schemas.openxmlformats.org/presentationml/2006/main">
+  <p:cSld>
+    <p:spTree>
+      <p:nvGrpSpPr>
+        <p:cNvPr id="1" name=""/>
+        <p:cNvGrpSpPr/>
+        <p:nvPr/>
+      </p:nvGrpSpPr>
+      <p:grpSpPr>
+        <a:xfrm>
+          <a:off x="0" y="0"/>
+          <a:ext cx="0" cy="0"/>
+          <a:chOff x="0" y="0"/>
+          <a:chExt cx="0" cy="0"/>
+        </a:xfrm>
+      </p:grpSpPr>
+      <p:sp>
+        <p:nvSpPr>
+          <p:cNvPr id="3" name="Segnaposto contenuto 2"/>
+          <p:cNvSpPr>
+            <a:spLocks noGrp="1"/>
+          </p:cNvSpPr>
+          <p:nvPr>
+            <p:ph idx="1"/>
+          </p:nvPr>
+        </p:nvSpPr>
+        <p:spPr>
+          <a:xfrm>
+            <a:off x="876300" y="2529014"/>
+            <a:ext cx="10515600" cy="3912975"/>
+          </a:xfrm>
+        </p:spPr>
+        <p:txBody>
+          <a:bodyPr>
+            <a:normAutofit lnSpcReduction="10000"/>
+          </a:bodyPr>
+          <a:lstStyle/>
+          <a:p>
+            <a:r>
+              <a:rPr lang="en-US" dirty="0"/>
+              <a:t>[R1] Taxi drivers should be able to communicate their current availability state to the system.</a:t>
+            </a:r>
+            <a:endParaRPr lang="it-IT" dirty="0"/>
+          </a:p>
+          <a:p>
+            <a:r>
+              <a:rPr lang="en-US" dirty="0"/>
+              <a:t>[R2] If available, taxi drivers should be able to receive incoming requests.</a:t>
+            </a:r>
+            <a:endParaRPr lang="it-IT" dirty="0"/>
+          </a:p>
+          <a:p>
+            <a:r>
+              <a:rPr lang="en-US" dirty="0"/>
+              <a:t>[R3] After receiving an incoming request, the taxi driver should be able to either confirm or not his intention to take charge of the request.</a:t>
+            </a:r>
+            <a:endParaRPr lang="it-IT" dirty="0"/>
+          </a:p>
+          <a:p>
+            <a:r>
+              <a:rPr lang="en-US" dirty="0"/>
+              <a:t>[R4] Taxi drivers must be able to log in the mobile application with preassigned credential and be identified as drivers</a:t>
+            </a:r>
+            <a:r>
+              <a:rPr lang="en-US" dirty="0" smtClean="0"/>
+              <a:t>.</a:t>
+            </a:r>
+            <a:endParaRPr lang="it-IT" dirty="0"/>
+          </a:p>
+          <a:p>
+            <a:endParaRPr lang="it-IT" dirty="0"/>
+          </a:p>
+        </p:txBody>
+      </p:sp>
+      <p:sp>
+        <p:nvSpPr>
+          <p:cNvPr id="5" name="CasellaDiTesto 4"/>
+          <p:cNvSpPr txBox="1"/>
+          <p:nvPr/>
+        </p:nvSpPr>
+        <p:spPr>
+          <a:xfrm>
+            <a:off x="876300" y="927208"/>
+            <a:ext cx="10439400" cy="1231106"/>
+          </a:xfrm>
+          <a:prstGeom prst="rect">
+            <a:avLst/>
+          </a:prstGeom>
+          <a:noFill/>
+          <a:ln>
+            <a:solidFill>
+              <a:schemeClr val="tx1"/>
+            </a:solidFill>
+          </a:ln>
+          <a:effectLst>
+            <a:glow rad="63500">
+              <a:schemeClr val="accent3">
+                <a:satMod val="175000"/>
+                <a:alpha val="40000"/>
+              </a:schemeClr>
+            </a:glow>
+          </a:effectLst>
+        </p:spPr>
+        <p:txBody>
+          <a:bodyPr wrap="square" rtlCol="0">
+            <a:spAutoFit/>
+          </a:bodyPr>
+          <a:lstStyle/>
+          <a:p>
+            <a:r>
+              <a:rPr lang="en-US" sz="2800" i="1" dirty="0"/>
+              <a:t>[</a:t>
+            </a:r>
+            <a:r>
+              <a:rPr lang="en-US" sz="2800" b="1" i="1" dirty="0"/>
+              <a:t>G4</a:t>
+            </a:r>
+            <a:r>
+              <a:rPr lang="en-US" sz="2800" i="1" dirty="0"/>
+              <a:t>] Allow taxi drivers to answer a ride request and take care of customers</a:t>
+            </a:r>
+            <a:r>
+              <a:rPr lang="en-US" sz="2800" i="1" dirty="0" smtClean="0"/>
+              <a:t>.</a:t>
+            </a:r>
+          </a:p>
+          <a:p>
+            <a:endParaRPr lang="it-IT" dirty="0"/>
+          </a:p>
+        </p:txBody>
+      </p:sp>
+    </p:spTree>
+    <p:extLst>
+      <p:ext uri="{BB962C8B-B14F-4D97-AF65-F5344CB8AC3E}">
+        <p14:creationId xmlns:p14="http://schemas.microsoft.com/office/powerpoint/2010/main" val="3555067378"/>
+      </p:ext>
+    </p:extLst>
+  </p:cSld>
+  <p:clrMapOvr>
+    <a:masterClrMapping/>
+  </p:clrMapOvr>
+  <p:timing>
+    <p:tnLst>
+      <p:par>
+        <p:cTn id="1" dur="indefinite" restart="never" nodeType="tmRoot">
+          <p:childTnLst>
+            <p:seq concurrent="1" nextAc="seek">
+              <p:cTn id="2" dur="indefinite" nodeType="mainSeq">
+                <p:childTnLst>
+                  <p:par>
+                    <p:cTn id="3" fill="hold">
+                      <p:stCondLst>
+                        <p:cond delay="indefinite"/>
+                      </p:stCondLst>
+                      <p:childTnLst>
+                        <p:par>
+                          <p:cTn id="4" fill="hold">
+                            <p:stCondLst>
+                              <p:cond delay="0"/>
+                            </p:stCondLst>
+                            <p:childTnLst>
+                              <p:par>
+                                <p:cTn id="5" presetID="2" presetClass="entr" presetSubtype="4" fill="hold" grpId="0" nodeType="clickEffect">
+                                  <p:stCondLst>
+                                    <p:cond delay="0"/>
+                                  </p:stCondLst>
+                                  <p:childTnLst>
+                                    <p:set>
+                                      <p:cBhvr>
+                                        <p:cTn id="6" dur="1" fill="hold">
+                                          <p:stCondLst>
+                                            <p:cond delay="0"/>
+                                          </p:stCondLst>
+                                        </p:cTn>
+                                        <p:tgtEl>
+                                          <p:spTgt spid="3">
+                                            <p:txEl>
+                                              <p:pRg st="0" end="0"/>
+                                            </p:txEl>
+                                          </p:spTgt>
+                                        </p:tgtEl>
+                                        <p:attrNameLst>
+                                          <p:attrName>style.visibility</p:attrName>
+                                        </p:attrNameLst>
+                                      </p:cBhvr>
+                                      <p:to>
+                                        <p:strVal val="visible"/>
+                                      </p:to>
+                                    </p:set>
+                                    <p:anim calcmode="lin" valueType="num">
+                                      <p:cBhvr additive="base">
+                                        <p:cTn id="7" dur="500" fill="hold"/>
+                                        <p:tgtEl>
+                                          <p:spTgt spid="3">
+                                            <p:txEl>
+                                              <p:pRg st="0" end="0"/>
+                                            </p:txEl>
+                                          </p:spTgt>
+                                        </p:tgtEl>
+                                        <p:attrNameLst>
+                                          <p:attrName>ppt_x</p:attrName>
+                                        </p:attrNameLst>
+                                      </p:cBhvr>
+                                      <p:tavLst>
+                                        <p:tav tm="0">
+                                          <p:val>
+                                            <p:strVal val="#ppt_x"/>
+                                          </p:val>
+                                        </p:tav>
+                                        <p:tav tm="100000">
+                                          <p:val>
+                                            <p:strVal val="#ppt_x"/>
+                                          </p:val>
+                                        </p:tav>
+                                      </p:tavLst>
+                                    </p:anim>
+                                    <p:anim calcmode="lin" valueType="num">
+                                      <p:cBhvr additive="base">
+                                        <p:cTn id="8" dur="500" fill="hold"/>
+                                        <p:tgtEl>
+                                          <p:spTgt spid="3">
+                                            <p:txEl>
+                                              <p:pRg st="0" end="0"/>
+                                            </p:txEl>
+                                          </p:spTgt>
+                                        </p:tgtEl>
+                                        <p:attrNameLst>
+                                          <p:attrName>ppt_y</p:attrName>
+                                        </p:attrNameLst>
+                                      </p:cBhvr>
+                                      <p:tavLst>
+                                        <p:tav tm="0">
+                                          <p:val>
+                                            <p:strVal val="1+#ppt_h/2"/>
+                                          </p:val>
+                                        </p:tav>
+                                        <p:tav tm="100000">
+                                          <p:val>
+                                            <p:strVal val="#ppt_y"/>
+                                          </p:val>
+                                        </p:tav>
+                                      </p:tavLst>
+                                    </p:anim>
+                                  </p:childTnLst>
+                                </p:cTn>
+                              </p:par>
+                            </p:childTnLst>
+                          </p:cTn>
+                        </p:par>
+                      </p:childTnLst>
+                    </p:cTn>
+                  </p:par>
+                  <p:par>
+                    <p:cTn id="9" fill="hold">
+                      <p:stCondLst>
+                        <p:cond delay="indefinite"/>
+                      </p:stCondLst>
+                      <p:childTnLst>
+                        <p:par>
+                          <p:cTn id="10" fill="hold">
+                            <p:stCondLst>
+                              <p:cond delay="0"/>
+                            </p:stCondLst>
+                            <p:childTnLst>
+                              <p:par>
+                                <p:cTn id="11" presetID="2" presetClass="entr" presetSubtype="4" fill="hold" grpId="0" nodeType="clickEffect">
+                                  <p:stCondLst>
+                                    <p:cond delay="0"/>
+                                  </p:stCondLst>
+                                  <p:childTnLst>
+                                    <p:set>
+                                      <p:cBhvr>
+                                        <p:cTn id="12" dur="1" fill="hold">
+                                          <p:stCondLst>
+                                            <p:cond delay="0"/>
+                                          </p:stCondLst>
+                                        </p:cTn>
+                                        <p:tgtEl>
+                                          <p:spTgt spid="3">
+                                            <p:txEl>
+                                              <p:pRg st="1" end="1"/>
+                                            </p:txEl>
+                                          </p:spTgt>
+                                        </p:tgtEl>
+                                        <p:attrNameLst>
+                                          <p:attrName>style.visibility</p:attrName>
+                                        </p:attrNameLst>
+                                      </p:cBhvr>
+                                      <p:to>
+                                        <p:strVal val="visible"/>
+                                      </p:to>
+                                    </p:set>
+                                    <p:anim calcmode="lin" valueType="num">
+                                      <p:cBhvr additive="base">
+                                        <p:cTn id="13" dur="500" fill="hold"/>
+                                        <p:tgtEl>
+                                          <p:spTgt spid="3">
+                                            <p:txEl>
+                                              <p:pRg st="1" end="1"/>
+                                            </p:txEl>
+                                          </p:spTgt>
+                                        </p:tgtEl>
+                                        <p:attrNameLst>
+                                          <p:attrName>ppt_x</p:attrName>
+                                        </p:attrNameLst>
+                                      </p:cBhvr>
+                                      <p:tavLst>
+                                        <p:tav tm="0">
+                                          <p:val>
+                                            <p:strVal val="#ppt_x"/>
+                                          </p:val>
+                                        </p:tav>
+                                        <p:tav tm="100000">
+                                          <p:val>
+                                            <p:strVal val="#ppt_x"/>
+                                          </p:val>
+                                        </p:tav>
+                                      </p:tavLst>
+                                    </p:anim>
+                                    <p:anim calcmode="lin" valueType="num">
+                                      <p:cBhvr additive="base">
+                                        <p:cTn id="14" dur="500" fill="hold"/>
+                                        <p:tgtEl>
+                                          <p:spTgt spid="3">
+                                            <p:txEl>
+                                              <p:pRg st="1" end="1"/>
+                                            </p:txEl>
+                                          </p:spTgt>
+                                        </p:tgtEl>
+                                        <p:attrNameLst>
+                                          <p:attrName>ppt_y</p:attrName>
+                                        </p:attrNameLst>
+                                      </p:cBhvr>
+                                      <p:tavLst>
+                                        <p:tav tm="0">
+                                          <p:val>
+                                            <p:strVal val="1+#ppt_h/2"/>
+                                          </p:val>
+                                        </p:tav>
+                                        <p:tav tm="100000">
+                                          <p:val>
+                                            <p:strVal val="#ppt_y"/>
+                                          </p:val>
+                                        </p:tav>
+                                      </p:tavLst>
+                                    </p:anim>
+                                  </p:childTnLst>
+                                </p:cTn>
+                              </p:par>
+                            </p:childTnLst>
+                          </p:cTn>
+                        </p:par>
+                      </p:childTnLst>
+                    </p:cTn>
+                  </p:par>
+                  <p:par>
+                    <p:cTn id="15" fill="hold">
+                      <p:stCondLst>
+                        <p:cond delay="indefinite"/>
+                      </p:stCondLst>
+                      <p:childTnLst>
+                        <p:par>
+                          <p:cTn id="16" fill="hold">
+                            <p:stCondLst>
+                              <p:cond delay="0"/>
+                            </p:stCondLst>
+                            <p:childTnLst>
+                              <p:par>
+                                <p:cTn id="17" presetID="2" presetClass="entr" presetSubtype="4" fill="hold" grpId="0" nodeType="clickEffect">
+                                  <p:stCondLst>
+                                    <p:cond delay="0"/>
+                                  </p:stCondLst>
+                                  <p:childTnLst>
+                                    <p:set>
+                                      <p:cBhvr>
+                                        <p:cTn id="18" dur="1" fill="hold">
+                                          <p:stCondLst>
+                                            <p:cond delay="0"/>
+                                          </p:stCondLst>
+                                        </p:cTn>
+                                        <p:tgtEl>
+                                          <p:spTgt spid="3">
+                                            <p:txEl>
+                                              <p:pRg st="2" end="2"/>
+                                            </p:txEl>
+                                          </p:spTgt>
+                                        </p:tgtEl>
+                                        <p:attrNameLst>
+                                          <p:attrName>style.visibility</p:attrName>
+                                        </p:attrNameLst>
+                                      </p:cBhvr>
+                                      <p:to>
+                                        <p:strVal val="visible"/>
+                                      </p:to>
+                                    </p:set>
+                                    <p:anim calcmode="lin" valueType="num">
+                                      <p:cBhvr additive="base">
+                                        <p:cTn id="19" dur="500" fill="hold"/>
+                                        <p:tgtEl>
+                                          <p:spTgt spid="3">
+                                            <p:txEl>
+                                              <p:pRg st="2" end="2"/>
+                                            </p:txEl>
+                                          </p:spTgt>
+                                        </p:tgtEl>
+                                        <p:attrNameLst>
+                                          <p:attrName>ppt_x</p:attrName>
+                                        </p:attrNameLst>
+                                      </p:cBhvr>
+                                      <p:tavLst>
+                                        <p:tav tm="0">
+                                          <p:val>
+                                            <p:strVal val="#ppt_x"/>
+                                          </p:val>
+                                        </p:tav>
+                                        <p:tav tm="100000">
+                                          <p:val>
+                                            <p:strVal val="#ppt_x"/>
+                                          </p:val>
+                                        </p:tav>
+                                      </p:tavLst>
+                                    </p:anim>
+                                    <p:anim calcmode="lin" valueType="num">
+                                      <p:cBhvr additive="base">
+                                        <p:cTn id="20" dur="500" fill="hold"/>
+                                        <p:tgtEl>
+                                          <p:spTgt spid="3">
+                                            <p:txEl>
+                                              <p:pRg st="2" end="2"/>
+                                            </p:txEl>
+                                          </p:spTgt>
+                                        </p:tgtEl>
+                                        <p:attrNameLst>
+                                          <p:attrName>ppt_y</p:attrName>
+                                        </p:attrNameLst>
+                                      </p:cBhvr>
+                                      <p:tavLst>
+                                        <p:tav tm="0">
+                                          <p:val>
+                                            <p:strVal val="1+#ppt_h/2"/>
+                                          </p:val>
+                                        </p:tav>
+                                        <p:tav tm="100000">
+                                          <p:val>
+                                            <p:strVal val="#ppt_y"/>
+                                          </p:val>
+                                        </p:tav>
+                                      </p:tavLst>
+                                    </p:anim>
+                                  </p:childTnLst>
+                                </p:cTn>
+                              </p:par>
+                            </p:childTnLst>
+                          </p:cTn>
+                        </p:par>
+                      </p:childTnLst>
+                    </p:cTn>
+                  </p:par>
+                  <p:par>
+                    <p:cTn id="21" fill="hold">
+                      <p:stCondLst>
+                        <p:cond delay="indefinite"/>
+                      </p:stCondLst>
+                      <p:childTnLst>
+                        <p:par>
+                          <p:cTn id="22" fill="hold">
+                            <p:stCondLst>
+                              <p:cond delay="0"/>
+                            </p:stCondLst>
+                            <p:childTnLst>
+                              <p:par>
+                                <p:cTn id="23" presetID="2" presetClass="entr" presetSubtype="4" fill="hold" grpId="0" nodeType="clickEffect">
+                                  <p:stCondLst>
+                                    <p:cond delay="0"/>
+                                  </p:stCondLst>
+                                  <p:childTnLst>
+                                    <p:set>
+                                      <p:cBhvr>
+                                        <p:cTn id="24" dur="1" fill="hold">
+                                          <p:stCondLst>
+                                            <p:cond delay="0"/>
+                                          </p:stCondLst>
+                                        </p:cTn>
+                                        <p:tgtEl>
+                                          <p:spTgt spid="3">
+                                            <p:txEl>
+                                              <p:pRg st="3" end="3"/>
+                                            </p:txEl>
+                                          </p:spTgt>
+                                        </p:tgtEl>
+                                        <p:attrNameLst>
+                                          <p:attrName>style.visibility</p:attrName>
+                                        </p:attrNameLst>
+                                      </p:cBhvr>
+                                      <p:to>
+                                        <p:strVal val="visible"/>
+                                      </p:to>
+                                    </p:set>
+                                    <p:anim calcmode="lin" valueType="num">
+                                      <p:cBhvr additive="base">
+                                        <p:cTn id="25" dur="500" fill="hold"/>
+                                        <p:tgtEl>
+                                          <p:spTgt spid="3">
+                                            <p:txEl>
+                                              <p:pRg st="3" end="3"/>
+                                            </p:txEl>
+                                          </p:spTgt>
+                                        </p:tgtEl>
+                                        <p:attrNameLst>
+                                          <p:attrName>ppt_x</p:attrName>
+                                        </p:attrNameLst>
+                                      </p:cBhvr>
+                                      <p:tavLst>
+                                        <p:tav tm="0">
+                                          <p:val>
+                                            <p:strVal val="#ppt_x"/>
+                                          </p:val>
+                                        </p:tav>
+                                        <p:tav tm="100000">
+                                          <p:val>
+                                            <p:strVal val="#ppt_x"/>
+                                          </p:val>
+                                        </p:tav>
+                                      </p:tavLst>
+                                    </p:anim>
+                                    <p:anim calcmode="lin" valueType="num">
+                                      <p:cBhvr additive="base">
+                                        <p:cTn id="26" dur="500" fill="hold"/>
+                                        <p:tgtEl>
+                                          <p:spTgt spid="3">
+                                            <p:txEl>
+                                              <p:pRg st="3" end="3"/>
+                                            </p:txEl>
+                                          </p:spTgt>
+                                        </p:tgtEl>
+                                        <p:attrNameLst>
+                                          <p:attrName>ppt_y</p:attrName>
+                                        </p:attrNameLst>
+                                      </p:cBhvr>
+                                      <p:tavLst>
+                                        <p:tav tm="0">
+                                          <p:val>
+                                            <p:strVal val="1+#ppt_h/2"/>
+                                          </p:val>
+                                        </p:tav>
+                                        <p:tav tm="100000">
+                                          <p:val>
+                                            <p:strVal val="#ppt_y"/>
+                                          </p:val>
+                                        </p:tav>
+                                      </p:tavLst>
+                                    </p:anim>
+                                  </p:childTnLst>
+                                </p:cTn>
+                              </p:par>
+                            </p:childTnLst>
+                          </p:cTn>
+                        </p:par>
+                      </p:childTnLst>
+                    </p:cTn>
+                  </p:par>
+                </p:childTnLst>
+              </p:cTn>
+              <p:prevCondLst>
+                <p:cond evt="onPrev" delay="0">
+                  <p:tgtEl>
+                    <p:sldTgt/>
+                  </p:tgtEl>
+                </p:cond>
+              </p:prevCondLst>
+              <p:nextCondLst>
+                <p:cond evt="onNext" delay="0">
+                  <p:tgtEl>
+                    <p:sldTgt/>
+                  </p:tgtEl>
+                </p:cond>
+              </p:nextCondLst>
+            </p:seq>
+          </p:childTnLst>
+        </p:cTn>
+      </p:par>
+    </p:tnLst>
+    <p:bldLst>
+      <p:bldP spid="3" grpId="0" build="p"/>
+    </p:bldLst>
+  </p:timing>
+</p:sld>
+</file>
+
+<file path=ppt/slides/slide5.xml><?xml version="1.0" encoding="utf-8"?>
+<p:sld xmlns:a="http://schemas.openxmlformats.org/drawingml/2006/main" xmlns:r="http://schemas.openxmlformats.org/officeDocument/2006/relationships" xmlns:p="http://schemas.openxmlformats.org/presentationml/2006/main">
+  <p:cSld>
+    <p:spTree>
+      <p:nvGrpSpPr>
+        <p:cNvPr id="1" name=""/>
+        <p:cNvGrpSpPr/>
+        <p:nvPr/>
+      </p:nvGrpSpPr>
+      <p:grpSpPr>
+        <a:xfrm>
+          <a:off x="0" y="0"/>
+          <a:ext cx="0" cy="0"/>
+          <a:chOff x="0" y="0"/>
+          <a:chExt cx="0" cy="0"/>
+        </a:xfrm>
+      </p:grpSpPr>
+      <p:sp>
+        <p:nvSpPr>
+          <p:cNvPr id="3" name="Segnaposto contenuto 2"/>
+          <p:cNvSpPr>
+            <a:spLocks noGrp="1"/>
+          </p:cNvSpPr>
+          <p:nvPr>
+            <p:ph idx="1"/>
+          </p:nvPr>
+        </p:nvSpPr>
+        <p:spPr>
+          <a:xfrm>
+            <a:off x="876300" y="2529014"/>
+            <a:ext cx="10515600" cy="3912975"/>
+          </a:xfrm>
+        </p:spPr>
+        <p:txBody>
+          <a:bodyPr>
+            <a:normAutofit/>
+          </a:bodyPr>
+          <a:lstStyle/>
+          <a:p>
+            <a:r>
+              <a:rPr lang="en-US" dirty="0"/>
+              <a:t>[R1] The system should always search an available taxi giving maximum priority to the taxi zone related to the request and lower priority to the immediate near zones. Any other taxi zone should be ignored.</a:t>
+            </a:r>
+            <a:endParaRPr lang="it-IT" dirty="0"/>
+          </a:p>
+          <a:p>
+            <a:r>
+              <a:rPr lang="en-US" dirty="0"/>
+              <a:t>[R2] If no taxis are available in the zones specified in the previous requirement, the system should put the request on hold and periodically check again the taxi </a:t>
+            </a:r>
+            <a:r>
+              <a:rPr lang="en-US" dirty="0" smtClean="0"/>
+              <a:t>availability</a:t>
+            </a:r>
+            <a:r>
+              <a:rPr lang="en-US" dirty="0"/>
+              <a:t>.</a:t>
+            </a:r>
+            <a:endParaRPr lang="it-IT" dirty="0"/>
+          </a:p>
+        </p:txBody>
+      </p:sp>
+      <p:sp>
+        <p:nvSpPr>
+          <p:cNvPr id="5" name="CasellaDiTesto 4"/>
+          <p:cNvSpPr txBox="1"/>
+          <p:nvPr/>
+        </p:nvSpPr>
+        <p:spPr>
+          <a:xfrm>
+            <a:off x="876300" y="927208"/>
+            <a:ext cx="10439400" cy="1231106"/>
+          </a:xfrm>
+          <a:prstGeom prst="rect">
+            <a:avLst/>
+          </a:prstGeom>
+          <a:noFill/>
+          <a:ln>
+            <a:solidFill>
+              <a:schemeClr val="tx1"/>
+            </a:solidFill>
+          </a:ln>
+          <a:effectLst>
+            <a:glow rad="63500">
+              <a:schemeClr val="accent3">
+                <a:satMod val="175000"/>
+                <a:alpha val="40000"/>
+              </a:schemeClr>
+            </a:glow>
+          </a:effectLst>
+        </p:spPr>
+        <p:txBody>
+          <a:bodyPr wrap="square" rtlCol="0">
+            <a:spAutoFit/>
+          </a:bodyPr>
+          <a:lstStyle/>
+          <a:p>
+            <a:r>
+              <a:rPr lang="en-US" sz="2800" i="1" dirty="0"/>
+              <a:t>[</a:t>
+            </a:r>
+            <a:r>
+              <a:rPr lang="en-US" sz="2800" b="1" i="1" dirty="0"/>
+              <a:t>G5</a:t>
+            </a:r>
+            <a:r>
+              <a:rPr lang="en-US" sz="2800" i="1" dirty="0"/>
+              <a:t>] A ride request should always be satisfied within a considerable short amount of time, 15 minutes on average.</a:t>
+            </a:r>
+            <a:endParaRPr lang="it-IT" sz="2800" dirty="0"/>
+          </a:p>
+          <a:p>
+            <a:endParaRPr lang="it-IT" dirty="0"/>
+          </a:p>
+        </p:txBody>
+      </p:sp>
+    </p:spTree>
+    <p:extLst>
+      <p:ext uri="{BB962C8B-B14F-4D97-AF65-F5344CB8AC3E}">
+        <p14:creationId xmlns:p14="http://schemas.microsoft.com/office/powerpoint/2010/main" val="3131258530"/>
+      </p:ext>
+    </p:extLst>
+  </p:cSld>
+  <p:clrMapOvr>
+    <a:masterClrMapping/>
+  </p:clrMapOvr>
+  <p:timing>
+    <p:tnLst>
+      <p:par>
+        <p:cTn id="1" dur="indefinite" restart="never" nodeType="tmRoot">
+          <p:childTnLst>
+            <p:seq concurrent="1" nextAc="seek">
+              <p:cTn id="2" dur="indefinite" nodeType="mainSeq">
+                <p:childTnLst>
+                  <p:par>
+                    <p:cTn id="3" fill="hold">
+                      <p:stCondLst>
+                        <p:cond delay="indefinite"/>
+                      </p:stCondLst>
+                      <p:childTnLst>
+                        <p:par>
+                          <p:cTn id="4" fill="hold">
+                            <p:stCondLst>
+                              <p:cond delay="0"/>
+                            </p:stCondLst>
+                            <p:childTnLst>
+                              <p:par>
+                                <p:cTn id="5" presetID="2" presetClass="entr" presetSubtype="4" fill="hold" grpId="0" nodeType="clickEffect">
+                                  <p:stCondLst>
+                                    <p:cond delay="0"/>
+                                  </p:stCondLst>
+                                  <p:childTnLst>
+                                    <p:set>
+                                      <p:cBhvr>
+                                        <p:cTn id="6" dur="1" fill="hold">
+                                          <p:stCondLst>
+                                            <p:cond delay="0"/>
+                                          </p:stCondLst>
+                                        </p:cTn>
+                                        <p:tgtEl>
+                                          <p:spTgt spid="3">
+                                            <p:txEl>
+                                              <p:pRg st="0" end="0"/>
+                                            </p:txEl>
+                                          </p:spTgt>
+                                        </p:tgtEl>
+                                        <p:attrNameLst>
+                                          <p:attrName>style.visibility</p:attrName>
+                                        </p:attrNameLst>
+                                      </p:cBhvr>
+                                      <p:to>
+                                        <p:strVal val="visible"/>
+                                      </p:to>
+                                    </p:set>
+                                    <p:anim calcmode="lin" valueType="num">
+                                      <p:cBhvr additive="base">
+                                        <p:cTn id="7" dur="500" fill="hold"/>
+                                        <p:tgtEl>
+                                          <p:spTgt spid="3">
+                                            <p:txEl>
+                                              <p:pRg st="0" end="0"/>
+                                            </p:txEl>
+                                          </p:spTgt>
+                                        </p:tgtEl>
+                                        <p:attrNameLst>
+                                          <p:attrName>ppt_x</p:attrName>
+                                        </p:attrNameLst>
+                                      </p:cBhvr>
+                                      <p:tavLst>
+                                        <p:tav tm="0">
+                                          <p:val>
+                                            <p:strVal val="#ppt_x"/>
+                                          </p:val>
+                                        </p:tav>
+                                        <p:tav tm="100000">
+                                          <p:val>
+                                            <p:strVal val="#ppt_x"/>
+                                          </p:val>
+                                        </p:tav>
+                                      </p:tavLst>
+                                    </p:anim>
+                                    <p:anim calcmode="lin" valueType="num">
+                                      <p:cBhvr additive="base">
+                                        <p:cTn id="8" dur="500" fill="hold"/>
+                                        <p:tgtEl>
+                                          <p:spTgt spid="3">
+                                            <p:txEl>
+                                              <p:pRg st="0" end="0"/>
+                                            </p:txEl>
+                                          </p:spTgt>
+                                        </p:tgtEl>
+                                        <p:attrNameLst>
+                                          <p:attrName>ppt_y</p:attrName>
+                                        </p:attrNameLst>
+                                      </p:cBhvr>
+                                      <p:tavLst>
+                                        <p:tav tm="0">
+                                          <p:val>
+                                            <p:strVal val="1+#ppt_h/2"/>
+                                          </p:val>
+                                        </p:tav>
+                                        <p:tav tm="100000">
+                                          <p:val>
+                                            <p:strVal val="#ppt_y"/>
+                                          </p:val>
+                                        </p:tav>
+                                      </p:tavLst>
+                                    </p:anim>
+                                  </p:childTnLst>
+                                </p:cTn>
+                              </p:par>
+                            </p:childTnLst>
+                          </p:cTn>
+                        </p:par>
+                      </p:childTnLst>
+                    </p:cTn>
+                  </p:par>
+                  <p:par>
+                    <p:cTn id="9" fill="hold">
+                      <p:stCondLst>
+                        <p:cond delay="indefinite"/>
+                      </p:stCondLst>
+                      <p:childTnLst>
+                        <p:par>
+                          <p:cTn id="10" fill="hold">
+                            <p:stCondLst>
+                              <p:cond delay="0"/>
+                            </p:stCondLst>
+                            <p:childTnLst>
+                              <p:par>
+                                <p:cTn id="11" presetID="2" presetClass="entr" presetSubtype="4" fill="hold" grpId="0" nodeType="clickEffect">
+                                  <p:stCondLst>
+                                    <p:cond delay="0"/>
+                                  </p:stCondLst>
+                                  <p:childTnLst>
+                                    <p:set>
+                                      <p:cBhvr>
+                                        <p:cTn id="12" dur="1" fill="hold">
+                                          <p:stCondLst>
+                                            <p:cond delay="0"/>
+                                          </p:stCondLst>
+                                        </p:cTn>
+                                        <p:tgtEl>
+                                          <p:spTgt spid="3">
+                                            <p:txEl>
+                                              <p:pRg st="1" end="1"/>
+                                            </p:txEl>
+                                          </p:spTgt>
+                                        </p:tgtEl>
+                                        <p:attrNameLst>
+                                          <p:attrName>style.visibility</p:attrName>
+                                        </p:attrNameLst>
+                                      </p:cBhvr>
+                                      <p:to>
+                                        <p:strVal val="visible"/>
+                                      </p:to>
+                                    </p:set>
+                                    <p:anim calcmode="lin" valueType="num">
+                                      <p:cBhvr additive="base">
+                                        <p:cTn id="13" dur="500" fill="hold"/>
+                                        <p:tgtEl>
+                                          <p:spTgt spid="3">
+                                            <p:txEl>
+                                              <p:pRg st="1" end="1"/>
+                                            </p:txEl>
+                                          </p:spTgt>
+                                        </p:tgtEl>
+                                        <p:attrNameLst>
+                                          <p:attrName>ppt_x</p:attrName>
+                                        </p:attrNameLst>
+                                      </p:cBhvr>
+                                      <p:tavLst>
+                                        <p:tav tm="0">
+                                          <p:val>
+                                            <p:strVal val="#ppt_x"/>
+                                          </p:val>
+                                        </p:tav>
+                                        <p:tav tm="100000">
+                                          <p:val>
+                                            <p:strVal val="#ppt_x"/>
+                                          </p:val>
+                                        </p:tav>
+                                      </p:tavLst>
+                                    </p:anim>
+                                    <p:anim calcmode="lin" valueType="num">
+                                      <p:cBhvr additive="base">
+                                        <p:cTn id="14" dur="500" fill="hold"/>
+                                        <p:tgtEl>
+                                          <p:spTgt spid="3">
+                                            <p:txEl>
+                                              <p:pRg st="1" end="1"/>
+                                            </p:txEl>
+                                          </p:spTgt>
+                                        </p:tgtEl>
+                                        <p:attrNameLst>
+                                          <p:attrName>ppt_y</p:attrName>
+                                        </p:attrNameLst>
+                                      </p:cBhvr>
+                                      <p:tavLst>
+                                        <p:tav tm="0">
+                                          <p:val>
+                                            <p:strVal val="1+#ppt_h/2"/>
+                                          </p:val>
+                                        </p:tav>
+                                        <p:tav tm="100000">
+                                          <p:val>
+                                            <p:strVal val="#ppt_y"/>
+                                          </p:val>
+                                        </p:tav>
+                                      </p:tavLst>
+                                    </p:anim>
+                                  </p:childTnLst>
+                                </p:cTn>
+                              </p:par>
+                            </p:childTnLst>
+                          </p:cTn>
+                        </p:par>
+                      </p:childTnLst>
+                    </p:cTn>
+                  </p:par>
+                </p:childTnLst>
+              </p:cTn>
+              <p:prevCondLst>
+                <p:cond evt="onPrev" delay="0">
+                  <p:tgtEl>
+                    <p:sldTgt/>
+                  </p:tgtEl>
+                </p:cond>
+              </p:prevCondLst>
+              <p:nextCondLst>
+                <p:cond evt="onNext" delay="0">
+                  <p:tgtEl>
+                    <p:sldTgt/>
+                  </p:tgtEl>
+                </p:cond>
+              </p:nextCondLst>
+            </p:seq>
+          </p:childTnLst>
+        </p:cTn>
+      </p:par>
+    </p:tnLst>
+    <p:bldLst>
+      <p:bldP spid="3" grpId="0" build="p"/>
+    </p:bldLst>
+  </p:timing>
+</p:sld>
+</file>
+
+<file path=ppt/slides/slide6.xml><?xml version="1.0" encoding="utf-8"?>
+<p:sld xmlns:a="http://schemas.openxmlformats.org/drawingml/2006/main" xmlns:r="http://schemas.openxmlformats.org/officeDocument/2006/relationships" xmlns:p="http://schemas.openxmlformats.org/presentationml/2006/main">
+  <p:cSld>
+    <p:spTree>
+      <p:nvGrpSpPr>
+        <p:cNvPr id="1" name=""/>
+        <p:cNvGrpSpPr/>
+        <p:nvPr/>
+      </p:nvGrpSpPr>
+      <p:grpSpPr>
+        <a:xfrm>
+          <a:off x="0" y="0"/>
+          <a:ext cx="0" cy="0"/>
+          <a:chOff x="0" y="0"/>
+          <a:chExt cx="0" cy="0"/>
+        </a:xfrm>
+      </p:grpSpPr>
+      <p:sp>
+        <p:nvSpPr>
+          <p:cNvPr id="3" name="Segnaposto contenuto 2"/>
+          <p:cNvSpPr>
+            <a:spLocks noGrp="1"/>
+          </p:cNvSpPr>
+          <p:nvPr>
+            <p:ph idx="1"/>
+          </p:nvPr>
+        </p:nvSpPr>
+        <p:spPr>
+          <a:xfrm>
+            <a:off x="876300" y="2529014"/>
+            <a:ext cx="10515600" cy="3912975"/>
+          </a:xfrm>
+        </p:spPr>
+        <p:txBody>
+          <a:bodyPr>
+            <a:normAutofit/>
+          </a:bodyPr>
+          <a:lstStyle/>
+          <a:p>
+            <a:r>
+              <a:rPr lang="en-US" dirty="0"/>
+              <a:t>[R1] The system should send updates through email and/or in-app notification, as specified by the customer.</a:t>
+            </a:r>
+            <a:endParaRPr lang="it-IT" dirty="0"/>
+          </a:p>
+          <a:p>
+            <a:r>
+              <a:rPr lang="en-US" dirty="0"/>
+              <a:t>[R2] Absence of taxis available, reservations overlaps, taxi average waiting time and taxi assigned to customers are events that must be notified to the customer.</a:t>
+            </a:r>
+            <a:endParaRPr lang="it-IT" dirty="0"/>
+          </a:p>
+        </p:txBody>
+      </p:sp>
+      <p:sp>
+        <p:nvSpPr>
+          <p:cNvPr id="5" name="CasellaDiTesto 4"/>
+          <p:cNvSpPr txBox="1"/>
+          <p:nvPr/>
+        </p:nvSpPr>
+        <p:spPr>
+          <a:xfrm>
+            <a:off x="876300" y="927208"/>
+            <a:ext cx="10439400" cy="1231106"/>
+          </a:xfrm>
+          <a:prstGeom prst="rect">
+            <a:avLst/>
+          </a:prstGeom>
+          <a:noFill/>
+          <a:ln>
+            <a:solidFill>
+              <a:schemeClr val="tx1"/>
+            </a:solidFill>
+          </a:ln>
+          <a:effectLst>
+            <a:glow rad="63500">
+              <a:schemeClr val="accent3">
+                <a:satMod val="175000"/>
+                <a:alpha val="40000"/>
+              </a:schemeClr>
+            </a:glow>
+          </a:effectLst>
+        </p:spPr>
+        <p:txBody>
+          <a:bodyPr wrap="square" rtlCol="0">
+            <a:spAutoFit/>
+          </a:bodyPr>
+          <a:lstStyle/>
+          <a:p>
+            <a:r>
+              <a:rPr lang="en-US" sz="2800" i="1" dirty="0"/>
+              <a:t>[</a:t>
+            </a:r>
+            <a:r>
+              <a:rPr lang="en-US" sz="2800" b="1" i="1" dirty="0"/>
+              <a:t>G6</a:t>
+            </a:r>
+            <a:r>
+              <a:rPr lang="en-US" sz="2800" i="1" dirty="0"/>
+              <a:t>] Allow customers to be notified of any relevant update connected to their requests and reservations.</a:t>
+            </a:r>
+            <a:endParaRPr lang="it-IT" sz="2800" dirty="0"/>
+          </a:p>
+          <a:p>
+            <a:endParaRPr lang="it-IT" dirty="0"/>
+          </a:p>
+        </p:txBody>
+      </p:sp>
+    </p:spTree>
+    <p:extLst>
+      <p:ext uri="{BB962C8B-B14F-4D97-AF65-F5344CB8AC3E}">
+        <p14:creationId xmlns:p14="http://schemas.microsoft.com/office/powerpoint/2010/main" val="2409228249"/>
+      </p:ext>
+    </p:extLst>
+  </p:cSld>
+  <p:clrMapOvr>
+    <a:masterClrMapping/>
+  </p:clrMapOvr>
+  <p:timing>
+    <p:tnLst>
+      <p:par>
+        <p:cTn id="1" dur="indefinite" restart="never" nodeType="tmRoot">
+          <p:childTnLst>
+            <p:seq concurrent="1" nextAc="seek">
+              <p:cTn id="2" dur="indefinite" nodeType="mainSeq">
+                <p:childTnLst>
+                  <p:par>
+                    <p:cTn id="3" fill="hold">
+                      <p:stCondLst>
+                        <p:cond delay="indefinite"/>
+                      </p:stCondLst>
+                      <p:childTnLst>
+                        <p:par>
+                          <p:cTn id="4" fill="hold">
+                            <p:stCondLst>
+                              <p:cond delay="0"/>
+                            </p:stCondLst>
+                            <p:childTnLst>
+                              <p:par>
+                                <p:cTn id="5" presetID="2" presetClass="entr" presetSubtype="4" fill="hold" grpId="0" nodeType="clickEffect">
+                                  <p:stCondLst>
+                                    <p:cond delay="0"/>
+                                  </p:stCondLst>
+                                  <p:childTnLst>
+                                    <p:set>
+                                      <p:cBhvr>
+                                        <p:cTn id="6" dur="1" fill="hold">
+                                          <p:stCondLst>
+                                            <p:cond delay="0"/>
+                                          </p:stCondLst>
+                                        </p:cTn>
+                                        <p:tgtEl>
+                                          <p:spTgt spid="3">
+                                            <p:txEl>
+                                              <p:pRg st="0" end="0"/>
+                                            </p:txEl>
+                                          </p:spTgt>
+                                        </p:tgtEl>
+                                        <p:attrNameLst>
+                                          <p:attrName>style.visibility</p:attrName>
+                                        </p:attrNameLst>
+                                      </p:cBhvr>
+                                      <p:to>
+                                        <p:strVal val="visible"/>
+                                      </p:to>
+                                    </p:set>
+                                    <p:anim calcmode="lin" valueType="num">
+                                      <p:cBhvr additive="base">
+                                        <p:cTn id="7" dur="500" fill="hold"/>
+                                        <p:tgtEl>
+                                          <p:spTgt spid="3">
+                                            <p:txEl>
+                                              <p:pRg st="0" end="0"/>
+                                            </p:txEl>
+                                          </p:spTgt>
+                                        </p:tgtEl>
+                                        <p:attrNameLst>
+                                          <p:attrName>ppt_x</p:attrName>
+                                        </p:attrNameLst>
+                                      </p:cBhvr>
+                                      <p:tavLst>
+                                        <p:tav tm="0">
+                                          <p:val>
+                                            <p:strVal val="#ppt_x"/>
+                                          </p:val>
+                                        </p:tav>
+                                        <p:tav tm="100000">
+                                          <p:val>
+                                            <p:strVal val="#ppt_x"/>
+                                          </p:val>
+                                        </p:tav>
+                                      </p:tavLst>
+                                    </p:anim>
+                                    <p:anim calcmode="lin" valueType="num">
+                                      <p:cBhvr additive="base">
+                                        <p:cTn id="8" dur="500" fill="hold"/>
+                                        <p:tgtEl>
+                                          <p:spTgt spid="3">
+                                            <p:txEl>
+                                              <p:pRg st="0" end="0"/>
+                                            </p:txEl>
+                                          </p:spTgt>
+                                        </p:tgtEl>
+                                        <p:attrNameLst>
+                                          <p:attrName>ppt_y</p:attrName>
+                                        </p:attrNameLst>
+                                      </p:cBhvr>
+                                      <p:tavLst>
+                                        <p:tav tm="0">
+                                          <p:val>
+                                            <p:strVal val="1+#ppt_h/2"/>
+                                          </p:val>
+                                        </p:tav>
+                                        <p:tav tm="100000">
+                                          <p:val>
+                                            <p:strVal val="#ppt_y"/>
+                                          </p:val>
+                                        </p:tav>
+                                      </p:tavLst>
+                                    </p:anim>
+                                  </p:childTnLst>
+                                </p:cTn>
+                              </p:par>
+                            </p:childTnLst>
+                          </p:cTn>
+                        </p:par>
+                      </p:childTnLst>
+                    </p:cTn>
+                  </p:par>
+                  <p:par>
+                    <p:cTn id="9" fill="hold">
+                      <p:stCondLst>
+                        <p:cond delay="indefinite"/>
+                      </p:stCondLst>
+                      <p:childTnLst>
+                        <p:par>
+                          <p:cTn id="10" fill="hold">
+                            <p:stCondLst>
+                              <p:cond delay="0"/>
+                            </p:stCondLst>
+                            <p:childTnLst>
+                              <p:par>
+                                <p:cTn id="11" presetID="2" presetClass="entr" presetSubtype="4" fill="hold" grpId="0" nodeType="clickEffect">
+                                  <p:stCondLst>
+                                    <p:cond delay="0"/>
+                                  </p:stCondLst>
+                                  <p:childTnLst>
+                                    <p:set>
+                                      <p:cBhvr>
+                                        <p:cTn id="12" dur="1" fill="hold">
+                                          <p:stCondLst>
+                                            <p:cond delay="0"/>
+                                          </p:stCondLst>
+                                        </p:cTn>
+                                        <p:tgtEl>
+                                          <p:spTgt spid="3">
+                                            <p:txEl>
+                                              <p:pRg st="1" end="1"/>
+                                            </p:txEl>
+                                          </p:spTgt>
+                                        </p:tgtEl>
+                                        <p:attrNameLst>
+                                          <p:attrName>style.visibility</p:attrName>
+                                        </p:attrNameLst>
+                                      </p:cBhvr>
+                                      <p:to>
+                                        <p:strVal val="visible"/>
+                                      </p:to>
+                                    </p:set>
+                                    <p:anim calcmode="lin" valueType="num">
+                                      <p:cBhvr additive="base">
+                                        <p:cTn id="13" dur="500" fill="hold"/>
+                                        <p:tgtEl>
+                                          <p:spTgt spid="3">
+                                            <p:txEl>
+                                              <p:pRg st="1" end="1"/>
+                                            </p:txEl>
+                                          </p:spTgt>
+                                        </p:tgtEl>
+                                        <p:attrNameLst>
+                                          <p:attrName>ppt_x</p:attrName>
+                                        </p:attrNameLst>
+                                      </p:cBhvr>
+                                      <p:tavLst>
+                                        <p:tav tm="0">
+                                          <p:val>
+                                            <p:strVal val="#ppt_x"/>
+                                          </p:val>
+                                        </p:tav>
+                                        <p:tav tm="100000">
+                                          <p:val>
+                                            <p:strVal val="#ppt_x"/>
+                                          </p:val>
+                                        </p:tav>
+                                      </p:tavLst>
+                                    </p:anim>
+                                    <p:anim calcmode="lin" valueType="num">
+                                      <p:cBhvr additive="base">
+                                        <p:cTn id="14" dur="500" fill="hold"/>
+                                        <p:tgtEl>
+                                          <p:spTgt spid="3">
+                                            <p:txEl>
+                                              <p:pRg st="1" end="1"/>
+                                            </p:txEl>
+                                          </p:spTgt>
+                                        </p:tgtEl>
+                                        <p:attrNameLst>
+                                          <p:attrName>ppt_y</p:attrName>
+                                        </p:attrNameLst>
+                                      </p:cBhvr>
+                                      <p:tavLst>
+                                        <p:tav tm="0">
+                                          <p:val>
+                                            <p:strVal val="1+#ppt_h/2"/>
+                                          </p:val>
+                                        </p:tav>
+                                        <p:tav tm="100000">
+                                          <p:val>
+                                            <p:strVal val="#ppt_y"/>
+                                          </p:val>
+                                        </p:tav>
+                                      </p:tavLst>
+                                    </p:anim>
+                                  </p:childTnLst>
+                                </p:cTn>
+                              </p:par>
+                            </p:childTnLst>
+                          </p:cTn>
+                        </p:par>
+                      </p:childTnLst>
+                    </p:cTn>
+                  </p:par>
+                </p:childTnLst>
+              </p:cTn>
+              <p:prevCondLst>
+                <p:cond evt="onPrev" delay="0">
+                  <p:tgtEl>
+                    <p:sldTgt/>
+                  </p:tgtEl>
+                </p:cond>
+              </p:prevCondLst>
+              <p:nextCondLst>
+                <p:cond evt="onNext" delay="0">
+                  <p:tgtEl>
+                    <p:sldTgt/>
+                  </p:tgtEl>
+                </p:cond>
+              </p:nextCondLst>
+            </p:seq>
+          </p:childTnLst>
+        </p:cTn>
+      </p:par>
+    </p:tnLst>
+    <p:bldLst>
+      <p:bldP spid="3" grpId="0" build="p"/>
+    </p:bldLst>
+  </p:timing>
+</p:sld>
+</file>
+
+<file path=ppt/slides/slide7.xml><?xml version="1.0" encoding="utf-8"?>
+<p:sld xmlns:a="http://schemas.openxmlformats.org/drawingml/2006/main" xmlns:r="http://schemas.openxmlformats.org/officeDocument/2006/relationships" xmlns:p="http://schemas.openxmlformats.org/presentationml/2006/main">
+  <p:cSld>
+    <p:spTree>
+      <p:nvGrpSpPr>
+        <p:cNvPr id="1" name=""/>
+        <p:cNvGrpSpPr/>
+        <p:nvPr/>
+      </p:nvGrpSpPr>
+      <p:grpSpPr>
+        <a:xfrm>
+          <a:off x="0" y="0"/>
+          <a:ext cx="0" cy="0"/>
+          <a:chOff x="0" y="0"/>
+          <a:chExt cx="0" cy="0"/>
+        </a:xfrm>
+      </p:grpSpPr>
+      <p:sp>
+        <p:nvSpPr>
+          <p:cNvPr id="3" name="Segnaposto contenuto 2"/>
+          <p:cNvSpPr>
+            <a:spLocks noGrp="1"/>
+          </p:cNvSpPr>
+          <p:nvPr>
+            <p:ph idx="1"/>
+          </p:nvPr>
+        </p:nvSpPr>
+        <p:spPr>
+          <a:xfrm>
+            <a:off x="876300" y="2529014"/>
+            <a:ext cx="10515600" cy="3912975"/>
+          </a:xfrm>
+        </p:spPr>
+        <p:txBody>
+          <a:bodyPr>
+            <a:normAutofit/>
+          </a:bodyPr>
+          <a:lstStyle/>
+          <a:p>
+            <a:r>
+              <a:rPr lang="en-US" dirty="0"/>
+              <a:t>[R1] Customers must leave a valid phone number in order to complete the registration phase.</a:t>
+            </a:r>
+            <a:endParaRPr lang="it-IT" dirty="0"/>
+          </a:p>
+          <a:p>
+            <a:r>
+              <a:rPr lang="en-US" dirty="0"/>
+              <a:t>[R2] Taxi drivers must be able to access to the customer’s phone number when the system has paired them.</a:t>
+            </a:r>
+            <a:endParaRPr lang="it-IT" dirty="0"/>
+          </a:p>
+          <a:p>
+            <a:r>
+              <a:rPr lang="en-US" dirty="0"/>
+              <a:t>[R3] Customers must receive the taxi drivers’ contact number after the system has paired them.</a:t>
+            </a:r>
+            <a:endParaRPr lang="it-IT" dirty="0"/>
+          </a:p>
+          <a:p>
+            <a:r>
+              <a:rPr lang="en-US" dirty="0"/>
+              <a:t>[R4] Customers must receive the taxi code in order to be able to recognize its driver.</a:t>
+            </a:r>
+            <a:endParaRPr lang="it-IT" dirty="0"/>
+          </a:p>
+        </p:txBody>
+      </p:sp>
+      <p:sp>
+        <p:nvSpPr>
+          <p:cNvPr id="5" name="CasellaDiTesto 4"/>
+          <p:cNvSpPr txBox="1"/>
+          <p:nvPr/>
+        </p:nvSpPr>
+        <p:spPr>
+          <a:xfrm>
+            <a:off x="876300" y="927208"/>
+            <a:ext cx="10439400" cy="1231106"/>
+          </a:xfrm>
+          <a:prstGeom prst="rect">
+            <a:avLst/>
+          </a:prstGeom>
+          <a:noFill/>
+          <a:ln>
+            <a:solidFill>
+              <a:schemeClr val="tx1"/>
+            </a:solidFill>
+          </a:ln>
+          <a:effectLst>
+            <a:glow rad="63500">
+              <a:schemeClr val="accent3">
+                <a:satMod val="175000"/>
+                <a:alpha val="40000"/>
+              </a:schemeClr>
+            </a:glow>
+          </a:effectLst>
+        </p:spPr>
+        <p:txBody>
+          <a:bodyPr wrap="square" rtlCol="0">
+            <a:spAutoFit/>
+          </a:bodyPr>
+          <a:lstStyle/>
+          <a:p>
+            <a:r>
+              <a:rPr lang="en-US" sz="2800" i="1" dirty="0"/>
+              <a:t>[</a:t>
+            </a:r>
+            <a:r>
+              <a:rPr lang="en-US" sz="2800" b="1" i="1" dirty="0"/>
+              <a:t>G7</a:t>
+            </a:r>
+            <a:r>
+              <a:rPr lang="en-US" sz="2800" i="1" dirty="0"/>
+              <a:t>] Customers and taxi drivers must be able to contact each other after the system has paired them.</a:t>
+            </a:r>
+            <a:endParaRPr lang="it-IT" sz="2800" dirty="0"/>
+          </a:p>
+          <a:p>
+            <a:endParaRPr lang="it-IT" dirty="0"/>
+          </a:p>
+        </p:txBody>
+      </p:sp>
+    </p:spTree>
+    <p:extLst>
+      <p:ext uri="{BB962C8B-B14F-4D97-AF65-F5344CB8AC3E}">
+        <p14:creationId xmlns:p14="http://schemas.microsoft.com/office/powerpoint/2010/main" val="1486303544"/>
+      </p:ext>
+    </p:extLst>
+  </p:cSld>
+  <p:clrMapOvr>
+    <a:masterClrMapping/>
+  </p:clrMapOvr>
+  <p:timing>
+    <p:tnLst>
+      <p:par>
+        <p:cTn id="1" dur="indefinite" restart="never" nodeType="tmRoot">
+          <p:childTnLst>
+            <p:seq concurrent="1" nextAc="seek">
+              <p:cTn id="2" dur="indefinite" nodeType="mainSeq">
+                <p:childTnLst>
+                  <p:par>
+                    <p:cTn id="3" fill="hold">
+                      <p:stCondLst>
+                        <p:cond delay="indefinite"/>
+                      </p:stCondLst>
+                      <p:childTnLst>
+                        <p:par>
+                          <p:cTn id="4" fill="hold">
+                            <p:stCondLst>
+                              <p:cond delay="0"/>
+                            </p:stCondLst>
+                            <p:childTnLst>
+                              <p:par>
+                                <p:cTn id="5" presetID="2" presetClass="entr" presetSubtype="4" fill="hold" grpId="0" nodeType="clickEffect">
+                                  <p:stCondLst>
+                                    <p:cond delay="0"/>
+                                  </p:stCondLst>
+                                  <p:childTnLst>
+                                    <p:set>
+                                      <p:cBhvr>
+                                        <p:cTn id="6" dur="1" fill="hold">
+                                          <p:stCondLst>
+                                            <p:cond delay="0"/>
+                                          </p:stCondLst>
+                                        </p:cTn>
+                                        <p:tgtEl>
+                                          <p:spTgt spid="3">
+                                            <p:txEl>
+                                              <p:pRg st="0" end="0"/>
+                                            </p:txEl>
+                                          </p:spTgt>
+                                        </p:tgtEl>
+                                        <p:attrNameLst>
+                                          <p:attrName>style.visibility</p:attrName>
+                                        </p:attrNameLst>
+                                      </p:cBhvr>
+                                      <p:to>
+                                        <p:strVal val="visible"/>
+                                      </p:to>
+                                    </p:set>
+                                    <p:anim calcmode="lin" valueType="num">
+                                      <p:cBhvr additive="base">
+                                        <p:cTn id="7" dur="500" fill="hold"/>
+                                        <p:tgtEl>
+                                          <p:spTgt spid="3">
+                                            <p:txEl>
+                                              <p:pRg st="0" end="0"/>
+                                            </p:txEl>
+                                          </p:spTgt>
+                                        </p:tgtEl>
+                                        <p:attrNameLst>
+                                          <p:attrName>ppt_x</p:attrName>
+                                        </p:attrNameLst>
+                                      </p:cBhvr>
+                                      <p:tavLst>
+                                        <p:tav tm="0">
+                                          <p:val>
+                                            <p:strVal val="#ppt_x"/>
+                                          </p:val>
+                                        </p:tav>
+                                        <p:tav tm="100000">
+                                          <p:val>
+                                            <p:strVal val="#ppt_x"/>
+                                          </p:val>
+                                        </p:tav>
+                                      </p:tavLst>
+                                    </p:anim>
+                                    <p:anim calcmode="lin" valueType="num">
+                                      <p:cBhvr additive="base">
+                                        <p:cTn id="8" dur="500" fill="hold"/>
+                                        <p:tgtEl>
+                                          <p:spTgt spid="3">
+                                            <p:txEl>
+                                              <p:pRg st="0" end="0"/>
+                                            </p:txEl>
+                                          </p:spTgt>
+                                        </p:tgtEl>
+                                        <p:attrNameLst>
+                                          <p:attrName>ppt_y</p:attrName>
+                                        </p:attrNameLst>
+                                      </p:cBhvr>
+                                      <p:tavLst>
+                                        <p:tav tm="0">
+                                          <p:val>
+                                            <p:strVal val="1+#ppt_h/2"/>
+                                          </p:val>
+                                        </p:tav>
+                                        <p:tav tm="100000">
+                                          <p:val>
+                                            <p:strVal val="#ppt_y"/>
+                                          </p:val>
+                                        </p:tav>
+                                      </p:tavLst>
+                                    </p:anim>
+                                  </p:childTnLst>
+                                </p:cTn>
+                              </p:par>
+                            </p:childTnLst>
+                          </p:cTn>
+                        </p:par>
+                      </p:childTnLst>
+                    </p:cTn>
+                  </p:par>
+                  <p:par>
+                    <p:cTn id="9" fill="hold">
+                      <p:stCondLst>
+                        <p:cond delay="indefinite"/>
+                      </p:stCondLst>
+                      <p:childTnLst>
+                        <p:par>
+                          <p:cTn id="10" fill="hold">
+                            <p:stCondLst>
+                              <p:cond delay="0"/>
+                            </p:stCondLst>
+                            <p:childTnLst>
+                              <p:par>
+                                <p:cTn id="11" presetID="2" presetClass="entr" presetSubtype="4" fill="hold" grpId="0" nodeType="clickEffect">
+                                  <p:stCondLst>
+                                    <p:cond delay="0"/>
+                                  </p:stCondLst>
+                                  <p:childTnLst>
+                                    <p:set>
+                                      <p:cBhvr>
+                                        <p:cTn id="12" dur="1" fill="hold">
+                                          <p:stCondLst>
+                                            <p:cond delay="0"/>
+                                          </p:stCondLst>
+                                        </p:cTn>
+                                        <p:tgtEl>
+                                          <p:spTgt spid="3">
+                                            <p:txEl>
+                                              <p:pRg st="1" end="1"/>
+                                            </p:txEl>
+                                          </p:spTgt>
+                                        </p:tgtEl>
+                                        <p:attrNameLst>
+                                          <p:attrName>style.visibility</p:attrName>
+                                        </p:attrNameLst>
+                                      </p:cBhvr>
+                                      <p:to>
+                                        <p:strVal val="visible"/>
+                                      </p:to>
+                                    </p:set>
+                                    <p:anim calcmode="lin" valueType="num">
+                                      <p:cBhvr additive="base">
+                                        <p:cTn id="13" dur="500" fill="hold"/>
+                                        <p:tgtEl>
+                                          <p:spTgt spid="3">
+                                            <p:txEl>
+                                              <p:pRg st="1" end="1"/>
+                                            </p:txEl>
+                                          </p:spTgt>
+                                        </p:tgtEl>
+                                        <p:attrNameLst>
+                                          <p:attrName>ppt_x</p:attrName>
+                                        </p:attrNameLst>
+                                      </p:cBhvr>
+                                      <p:tavLst>
+                                        <p:tav tm="0">
+                                          <p:val>
+                                            <p:strVal val="#ppt_x"/>
+                                          </p:val>
+                                        </p:tav>
+                                        <p:tav tm="100000">
+                                          <p:val>
+                                            <p:strVal val="#ppt_x"/>
+                                          </p:val>
+                                        </p:tav>
+                                      </p:tavLst>
+                                    </p:anim>
+                                    <p:anim calcmode="lin" valueType="num">
+                                      <p:cBhvr additive="base">
+                                        <p:cTn id="14" dur="500" fill="hold"/>
+                                        <p:tgtEl>
+                                          <p:spTgt spid="3">
+                                            <p:txEl>
+                                              <p:pRg st="1" end="1"/>
+                                            </p:txEl>
+                                          </p:spTgt>
+                                        </p:tgtEl>
+                                        <p:attrNameLst>
+                                          <p:attrName>ppt_y</p:attrName>
+                                        </p:attrNameLst>
+                                      </p:cBhvr>
+                                      <p:tavLst>
+                                        <p:tav tm="0">
+                                          <p:val>
+                                            <p:strVal val="1+#ppt_h/2"/>
+                                          </p:val>
+                                        </p:tav>
+                                        <p:tav tm="100000">
+                                          <p:val>
+                                            <p:strVal val="#ppt_y"/>
+                                          </p:val>
+                                        </p:tav>
+                                      </p:tavLst>
+                                    </p:anim>
+                                  </p:childTnLst>
+                                </p:cTn>
+                              </p:par>
+                            </p:childTnLst>
+                          </p:cTn>
+                        </p:par>
+                      </p:childTnLst>
+                    </p:cTn>
+                  </p:par>
+                  <p:par>
+                    <p:cTn id="15" fill="hold">
+                      <p:stCondLst>
+                        <p:cond delay="indefinite"/>
+                      </p:stCondLst>
+                      <p:childTnLst>
+                        <p:par>
+                          <p:cTn id="16" fill="hold">
+                            <p:stCondLst>
+                              <p:cond delay="0"/>
+                            </p:stCondLst>
+                            <p:childTnLst>
+                              <p:par>
+                                <p:cTn id="17" presetID="2" presetClass="entr" presetSubtype="4" fill="hold" grpId="0" nodeType="clickEffect">
+                                  <p:stCondLst>
+                                    <p:cond delay="0"/>
+                                  </p:stCondLst>
+                                  <p:childTnLst>
+                                    <p:set>
+                                      <p:cBhvr>
+                                        <p:cTn id="18" dur="1" fill="hold">
+                                          <p:stCondLst>
+                                            <p:cond delay="0"/>
+                                          </p:stCondLst>
+                                        </p:cTn>
+                                        <p:tgtEl>
+                                          <p:spTgt spid="3">
+                                            <p:txEl>
+                                              <p:pRg st="2" end="2"/>
+                                            </p:txEl>
+                                          </p:spTgt>
+                                        </p:tgtEl>
+                                        <p:attrNameLst>
+                                          <p:attrName>style.visibility</p:attrName>
+                                        </p:attrNameLst>
+                                      </p:cBhvr>
+                                      <p:to>
+                                        <p:strVal val="visible"/>
+                                      </p:to>
+                                    </p:set>
+                                    <p:anim calcmode="lin" valueType="num">
+                                      <p:cBhvr additive="base">
+                                        <p:cTn id="19" dur="500" fill="hold"/>
+                                        <p:tgtEl>
+                                          <p:spTgt spid="3">
+                                            <p:txEl>
+                                              <p:pRg st="2" end="2"/>
+                                            </p:txEl>
+                                          </p:spTgt>
+                                        </p:tgtEl>
+                                        <p:attrNameLst>
+                                          <p:attrName>ppt_x</p:attrName>
+                                        </p:attrNameLst>
+                                      </p:cBhvr>
+                                      <p:tavLst>
+                                        <p:tav tm="0">
+                                          <p:val>
+                                            <p:strVal val="#ppt_x"/>
+                                          </p:val>
+                                        </p:tav>
+                                        <p:tav tm="100000">
+                                          <p:val>
+                                            <p:strVal val="#ppt_x"/>
+                                          </p:val>
+                                        </p:tav>
+                                      </p:tavLst>
+                                    </p:anim>
+                                    <p:anim calcmode="lin" valueType="num">
+                                      <p:cBhvr additive="base">
+                                        <p:cTn id="20" dur="500" fill="hold"/>
+                                        <p:tgtEl>
+                                          <p:spTgt spid="3">
+                                            <p:txEl>
+                                              <p:pRg st="2" end="2"/>
+                                            </p:txEl>
+                                          </p:spTgt>
+                                        </p:tgtEl>
+                                        <p:attrNameLst>
+                                          <p:attrName>ppt_y</p:attrName>
+                                        </p:attrNameLst>
+                                      </p:cBhvr>
+                                      <p:tavLst>
+                                        <p:tav tm="0">
+                                          <p:val>
+                                            <p:strVal val="1+#ppt_h/2"/>
+                                          </p:val>
+                                        </p:tav>
+                                        <p:tav tm="100000">
+                                          <p:val>
+                                            <p:strVal val="#ppt_y"/>
+                                          </p:val>
+                                        </p:tav>
+                                      </p:tavLst>
+                                    </p:anim>
+                                  </p:childTnLst>
+                                </p:cTn>
+                              </p:par>
+                            </p:childTnLst>
+                          </p:cTn>
+                        </p:par>
+                      </p:childTnLst>
+                    </p:cTn>
+                  </p:par>
+                  <p:par>
+                    <p:cTn id="21" fill="hold">
+                      <p:stCondLst>
+                        <p:cond delay="indefinite"/>
+                      </p:stCondLst>
+                      <p:childTnLst>
+                        <p:par>
+                          <p:cTn id="22" fill="hold">
+                            <p:stCondLst>
+                              <p:cond delay="0"/>
+                            </p:stCondLst>
+                            <p:childTnLst>
+                              <p:par>
+                                <p:cTn id="23" presetID="2" presetClass="entr" presetSubtype="4" fill="hold" grpId="0" nodeType="clickEffect">
+                                  <p:stCondLst>
+                                    <p:cond delay="0"/>
+                                  </p:stCondLst>
+                                  <p:childTnLst>
+                                    <p:set>
+                                      <p:cBhvr>
+                                        <p:cTn id="24" dur="1" fill="hold">
+                                          <p:stCondLst>
+                                            <p:cond delay="0"/>
+                                          </p:stCondLst>
+                                        </p:cTn>
+                                        <p:tgtEl>
+                                          <p:spTgt spid="3">
+                                            <p:txEl>
+                                              <p:pRg st="3" end="3"/>
+                                            </p:txEl>
+                                          </p:spTgt>
+                                        </p:tgtEl>
+                                        <p:attrNameLst>
+                                          <p:attrName>style.visibility</p:attrName>
+                                        </p:attrNameLst>
+                                      </p:cBhvr>
+                                      <p:to>
+                                        <p:strVal val="visible"/>
+                                      </p:to>
+                                    </p:set>
+                                    <p:anim calcmode="lin" valueType="num">
+                                      <p:cBhvr additive="base">
+                                        <p:cTn id="25" dur="500" fill="hold"/>
+                                        <p:tgtEl>
+                                          <p:spTgt spid="3">
+                                            <p:txEl>
+                                              <p:pRg st="3" end="3"/>
+                                            </p:txEl>
+                                          </p:spTgt>
+                                        </p:tgtEl>
+                                        <p:attrNameLst>
+                                          <p:attrName>ppt_x</p:attrName>
+                                        </p:attrNameLst>
+                                      </p:cBhvr>
+                                      <p:tavLst>
+                                        <p:tav tm="0">
+                                          <p:val>
+                                            <p:strVal val="#ppt_x"/>
+                                          </p:val>
+                                        </p:tav>
+                                        <p:tav tm="100000">
+                                          <p:val>
+                                            <p:strVal val="#ppt_x"/>
+                                          </p:val>
+                                        </p:tav>
+                                      </p:tavLst>
+                                    </p:anim>
+                                    <p:anim calcmode="lin" valueType="num">
+                                      <p:cBhvr additive="base">
+                                        <p:cTn id="26" dur="500" fill="hold"/>
+                                        <p:tgtEl>
+                                          <p:spTgt spid="3">
+                                            <p:txEl>
+                                              <p:pRg st="3" end="3"/>
+                                            </p:txEl>
+                                          </p:spTgt>
+                                        </p:tgtEl>
+                                        <p:attrNameLst>
+                                          <p:attrName>ppt_y</p:attrName>
+                                        </p:attrNameLst>
+                                      </p:cBhvr>
+                                      <p:tavLst>
+                                        <p:tav tm="0">
+                                          <p:val>
+                                            <p:strVal val="1+#ppt_h/2"/>
+                                          </p:val>
+                                        </p:tav>
+                                        <p:tav tm="100000">
+                                          <p:val>
+                                            <p:strVal val="#ppt_y"/>
+                                          </p:val>
+                                        </p:tav>
+                                      </p:tavLst>
+                                    </p:anim>
+                                  </p:childTnLst>
+                                </p:cTn>
+                              </p:par>
+                            </p:childTnLst>
+                          </p:cTn>
+                        </p:par>
+                      </p:childTnLst>
+                    </p:cTn>
+                  </p:par>
+                </p:childTnLst>
+              </p:cTn>
+              <p:prevCondLst>
+                <p:cond evt="onPrev" delay="0">
+                  <p:tgtEl>
+                    <p:sldTgt/>
+                  </p:tgtEl>
+                </p:cond>
+              </p:prevCondLst>
+              <p:nextCondLst>
+                <p:cond evt="onNext" delay="0">
+                  <p:tgtEl>
+                    <p:sldTgt/>
+                  </p:tgtEl>
+                </p:cond>
+              </p:nextCondLst>
+            </p:seq>
+          </p:childTnLst>
+        </p:cTn>
+      </p:par>
+    </p:tnLst>
+    <p:bldLst>
+      <p:bldP spid="3" grpId="0" build="p"/>
+    </p:bldLst>
+  </p:timing>
+</p:sld>
+</file>
+
+<file path=ppt/slides/slide8.xml><?xml version="1.0" encoding="utf-8"?>
+<p:sld xmlns:a="http://schemas.openxmlformats.org/drawingml/2006/main" xmlns:r="http://schemas.openxmlformats.org/officeDocument/2006/relationships" xmlns:p="http://schemas.openxmlformats.org/presentationml/2006/main">
+  <p:cSld>
+    <p:spTree>
+      <p:nvGrpSpPr>
+        <p:cNvPr id="1" name=""/>
+        <p:cNvGrpSpPr/>
+        <p:nvPr/>
+      </p:nvGrpSpPr>
+      <p:grpSpPr>
+        <a:xfrm>
+          <a:off x="0" y="0"/>
+          <a:ext cx="0" cy="0"/>
+          <a:chOff x="0" y="0"/>
+          <a:chExt cx="0" cy="0"/>
+        </a:xfrm>
+      </p:grpSpPr>
+      <p:sp>
+        <p:nvSpPr>
+          <p:cNvPr id="3" name="Segnaposto contenuto 2"/>
+          <p:cNvSpPr>
+            <a:spLocks noGrp="1"/>
+          </p:cNvSpPr>
+          <p:nvPr>
+            <p:ph idx="1"/>
+          </p:nvPr>
+        </p:nvSpPr>
+        <p:spPr>
+          <a:xfrm>
+            <a:off x="876300" y="2529014"/>
+            <a:ext cx="10515600" cy="3912975"/>
+          </a:xfrm>
+        </p:spPr>
+        <p:txBody>
+          <a:bodyPr>
+            <a:normAutofit/>
+          </a:bodyPr>
+          <a:lstStyle/>
+          <a:p>
+            <a:r>
+              <a:rPr lang="en-US" dirty="0"/>
+              <a:t>[R1] Customers can cancel a request or reservation only if it has not been assigned to a taxi driver yet.</a:t>
+            </a:r>
+            <a:endParaRPr lang="it-IT" dirty="0"/>
+          </a:p>
+        </p:txBody>
+      </p:sp>
+      <p:sp>
+        <p:nvSpPr>
+          <p:cNvPr id="5" name="CasellaDiTesto 4"/>
+          <p:cNvSpPr txBox="1"/>
+          <p:nvPr/>
+        </p:nvSpPr>
+        <p:spPr>
+          <a:xfrm>
+            <a:off x="876300" y="927208"/>
+            <a:ext cx="10439400" cy="800219"/>
+          </a:xfrm>
+          <a:prstGeom prst="rect">
+            <a:avLst/>
+          </a:prstGeom>
+          <a:noFill/>
+          <a:ln>
+            <a:solidFill>
+              <a:schemeClr val="tx1"/>
+            </a:solidFill>
+          </a:ln>
+          <a:effectLst>
+            <a:glow rad="63500">
+              <a:schemeClr val="accent3">
+                <a:satMod val="175000"/>
+                <a:alpha val="40000"/>
+              </a:schemeClr>
+            </a:glow>
+          </a:effectLst>
+        </p:spPr>
+        <p:txBody>
+          <a:bodyPr wrap="square" rtlCol="0">
+            <a:spAutoFit/>
+          </a:bodyPr>
+          <a:lstStyle/>
+          <a:p>
+            <a:r>
+              <a:rPr lang="en-US" sz="2800" i="1" dirty="0"/>
+              <a:t>[</a:t>
+            </a:r>
+            <a:r>
+              <a:rPr lang="en-US" sz="2800" b="1" i="1" dirty="0"/>
+              <a:t>G8</a:t>
+            </a:r>
+            <a:r>
+              <a:rPr lang="en-US" sz="2800" i="1" dirty="0"/>
+              <a:t>] Allow customers to cancel requests and reservations. </a:t>
+            </a:r>
+            <a:endParaRPr lang="it-IT" sz="2800" dirty="0"/>
+          </a:p>
+          <a:p>
+            <a:endParaRPr lang="it-IT" dirty="0"/>
+          </a:p>
+        </p:txBody>
+      </p:sp>
+    </p:spTree>
+    <p:extLst>
+      <p:ext uri="{BB962C8B-B14F-4D97-AF65-F5344CB8AC3E}">
+        <p14:creationId xmlns:p14="http://schemas.microsoft.com/office/powerpoint/2010/main" val="2258290469"/>
+      </p:ext>
+    </p:extLst>
+  </p:cSld>
+  <p:clrMapOvr>
+    <a:masterClrMapping/>
+  </p:clrMapOvr>
+  <p:timing>
+    <p:tnLst>
+      <p:par>
+        <p:cTn id="1" dur="indefinite" restart="never" nodeType="tmRoot">
+          <p:childTnLst>
+            <p:seq concurrent="1" nextAc="seek">
+              <p:cTn id="2" dur="indefinite" nodeType="mainSeq">
+                <p:childTnLst>
+                  <p:par>
+                    <p:cTn id="3" fill="hold">
+                      <p:stCondLst>
+                        <p:cond delay="indefinite"/>
+                      </p:stCondLst>
+                      <p:childTnLst>
+                        <p:par>
+                          <p:cTn id="4" fill="hold">
+                            <p:stCondLst>
+                              <p:cond delay="0"/>
+                            </p:stCondLst>
+                            <p:childTnLst>
+                              <p:par>
+                                <p:cTn id="5" presetID="2" presetClass="entr" presetSubtype="4" fill="hold" grpId="0" nodeType="clickEffect">
+                                  <p:stCondLst>
+                                    <p:cond delay="0"/>
+                                  </p:stCondLst>
+                                  <p:childTnLst>
+                                    <p:set>
+                                      <p:cBhvr>
+                                        <p:cTn id="6" dur="1" fill="hold">
+                                          <p:stCondLst>
+                                            <p:cond delay="0"/>
+                                          </p:stCondLst>
+                                        </p:cTn>
+                                        <p:tgtEl>
+                                          <p:spTgt spid="3">
+                                            <p:txEl>
+                                              <p:pRg st="0" end="0"/>
+                                            </p:txEl>
+                                          </p:spTgt>
+                                        </p:tgtEl>
+                                        <p:attrNameLst>
+                                          <p:attrName>style.visibility</p:attrName>
+                                        </p:attrNameLst>
+                                      </p:cBhvr>
+                                      <p:to>
+                                        <p:strVal val="visible"/>
+                                      </p:to>
+                                    </p:set>
+                                    <p:anim calcmode="lin" valueType="num">
+                                      <p:cBhvr additive="base">
+                                        <p:cTn id="7" dur="500" fill="hold"/>
+                                        <p:tgtEl>
+                                          <p:spTgt spid="3">
+                                            <p:txEl>
+                                              <p:pRg st="0" end="0"/>
+                                            </p:txEl>
+                                          </p:spTgt>
+                                        </p:tgtEl>
+                                        <p:attrNameLst>
+                                          <p:attrName>ppt_x</p:attrName>
+                                        </p:attrNameLst>
+                                      </p:cBhvr>
+                                      <p:tavLst>
+                                        <p:tav tm="0">
+                                          <p:val>
+                                            <p:strVal val="#ppt_x"/>
+                                          </p:val>
+                                        </p:tav>
+                                        <p:tav tm="100000">
+                                          <p:val>
+                                            <p:strVal val="#ppt_x"/>
+                                          </p:val>
+                                        </p:tav>
+                                      </p:tavLst>
+                                    </p:anim>
+                                    <p:anim calcmode="lin" valueType="num">
+                                      <p:cBhvr additive="base">
+                                        <p:cTn id="8" dur="500" fill="hold"/>
+                                        <p:tgtEl>
+                                          <p:spTgt spid="3">
+                                            <p:txEl>
+                                              <p:pRg st="0" end="0"/>
+                                            </p:txEl>
+                                          </p:spTgt>
+                                        </p:tgtEl>
+                                        <p:attrNameLst>
+                                          <p:attrName>ppt_y</p:attrName>
+                                        </p:attrNameLst>
+                                      </p:cBhvr>
+                                      <p:tavLst>
+                                        <p:tav tm="0">
+                                          <p:val>
+                                            <p:strVal val="1+#ppt_h/2"/>
+                                          </p:val>
+                                        </p:tav>
+                                        <p:tav tm="100000">
+                                          <p:val>
+                                            <p:strVal val="#ppt_y"/>
+                                          </p:val>
+                                        </p:tav>
+                                      </p:tavLst>
+                                    </p:anim>
+                                  </p:childTnLst>
+                                </p:cTn>
+                              </p:par>
+                            </p:childTnLst>
+                          </p:cTn>
+                        </p:par>
+                      </p:childTnLst>
+                    </p:cTn>
+                  </p:par>
+                </p:childTnLst>
+              </p:cTn>
+              <p:prevCondLst>
+                <p:cond evt="onPrev" delay="0">
+                  <p:tgtEl>
+                    <p:sldTgt/>
+                  </p:tgtEl>
+                </p:cond>
+              </p:prevCondLst>
+              <p:nextCondLst>
+                <p:cond evt="onNext" delay="0">
+                  <p:tgtEl>
+                    <p:sldTgt/>
+                  </p:tgtEl>
+                </p:cond>
+              </p:nextCondLst>
+            </p:seq>
+          </p:childTnLst>
+        </p:cTn>
+      </p:par>
+    </p:tnLst>
+    <p:bldLst>
+      <p:bldP spid="3" grpId="0" build="p"/>
+    </p:bldLst>
+  </p:timing>
+</p:sld>
+</file>
+
+<file path=ppt/slides/slide9.xml><?xml version="1.0" encoding="utf-8"?>
+<p:sld xmlns:a="http://schemas.openxmlformats.org/drawingml/2006/main" xmlns:r="http://schemas.openxmlformats.org/officeDocument/2006/relationships" xmlns:p="http://schemas.openxmlformats.org/presentationml/2006/main">
+  <p:cSld>
+    <p:spTree>
+      <p:nvGrpSpPr>
+        <p:cNvPr id="1" name=""/>
+        <p:cNvGrpSpPr/>
+        <p:nvPr/>
+      </p:nvGrpSpPr>
+      <p:grpSpPr>
+        <a:xfrm>
+          <a:off x="0" y="0"/>
+          <a:ext cx="0" cy="0"/>
+          <a:chOff x="0" y="0"/>
+          <a:chExt cx="0" cy="0"/>
+        </a:xfrm>
+      </p:grpSpPr>
+      <p:sp>
+        <p:nvSpPr>
+          <p:cNvPr id="3" name="Segnaposto contenuto 2"/>
+          <p:cNvSpPr>
+            <a:spLocks noGrp="1"/>
+          </p:cNvSpPr>
+          <p:nvPr>
+            <p:ph idx="1"/>
+          </p:nvPr>
+        </p:nvSpPr>
+        <p:spPr>
+          <a:xfrm>
+            <a:off x="876300" y="2529014"/>
+            <a:ext cx="10515600" cy="3912975"/>
+          </a:xfrm>
+        </p:spPr>
+        <p:txBody>
+          <a:bodyPr>
+            <a:normAutofit/>
+          </a:bodyPr>
+          <a:lstStyle/>
+          <a:p>
+            <a:r>
+              <a:rPr lang="en-US" dirty="0"/>
+              <a:t>[R1] Administrators must be able to create a taxi driver’s account.</a:t>
+            </a:r>
+            <a:endParaRPr lang="it-IT" dirty="0"/>
+          </a:p>
+          <a:p>
+            <a:r>
+              <a:rPr lang="en-US" dirty="0"/>
+              <a:t>[R2] Administrators must be able to delete a taxi driver’s account.</a:t>
+            </a:r>
+            <a:endParaRPr lang="it-IT" dirty="0"/>
+          </a:p>
+        </p:txBody>
+      </p:sp>
+      <p:sp>
+        <p:nvSpPr>
+          <p:cNvPr id="5" name="CasellaDiTesto 4"/>
+          <p:cNvSpPr txBox="1"/>
+          <p:nvPr/>
+        </p:nvSpPr>
+        <p:spPr>
+          <a:xfrm>
+            <a:off x="876300" y="927208"/>
+            <a:ext cx="10439400" cy="1231106"/>
+          </a:xfrm>
+          <a:prstGeom prst="rect">
+            <a:avLst/>
+          </a:prstGeom>
+          <a:noFill/>
+          <a:ln>
+            <a:solidFill>
+              <a:schemeClr val="tx1"/>
+            </a:solidFill>
+          </a:ln>
+          <a:effectLst>
+            <a:glow rad="63500">
+              <a:schemeClr val="accent3">
+                <a:satMod val="175000"/>
+                <a:alpha val="40000"/>
+              </a:schemeClr>
+            </a:glow>
+          </a:effectLst>
+        </p:spPr>
+        <p:txBody>
+          <a:bodyPr wrap="square" rtlCol="0">
+            <a:spAutoFit/>
+          </a:bodyPr>
+          <a:lstStyle/>
+          <a:p>
+            <a:r>
+              <a:rPr lang="en-US" sz="2800" i="1" dirty="0"/>
+              <a:t>[</a:t>
+            </a:r>
+            <a:r>
+              <a:rPr lang="en-US" sz="2800" b="1" i="1" dirty="0"/>
+              <a:t>G9</a:t>
+            </a:r>
+            <a:r>
+              <a:rPr lang="en-US" sz="2800" i="1" dirty="0"/>
+              <a:t>] Administrators must be able to assign and manage an account to the taxi drivers hired by the company.</a:t>
+            </a:r>
+            <a:endParaRPr lang="it-IT" sz="2800" dirty="0"/>
+          </a:p>
+          <a:p>
+            <a:endParaRPr lang="it-IT" dirty="0"/>
+          </a:p>
+        </p:txBody>
+      </p:sp>
+    </p:spTree>
+    <p:extLst>
+      <p:ext uri="{BB962C8B-B14F-4D97-AF65-F5344CB8AC3E}">
+        <p14:creationId xmlns:p14="http://schemas.microsoft.com/office/powerpoint/2010/main" val="3780177696"/>
+      </p:ext>
+    </p:extLst>
+  </p:cSld>
+  <p:clrMapOvr>
+    <a:masterClrMapping/>
+  </p:clrMapOvr>
+  <p:timing>
+    <p:tnLst>
+      <p:par>
+        <p:cTn id="1" dur="indefinite" restart="never" nodeType="tmRoot">
+          <p:childTnLst>
+            <p:seq concurrent="1" nextAc="seek">
+              <p:cTn id="2" dur="indefinite" nodeType="mainSeq">
+                <p:childTnLst>
+                  <p:par>
+                    <p:cTn id="3" fill="hold">
+                      <p:stCondLst>
+                        <p:cond delay="indefinite"/>
+                      </p:stCondLst>
+                      <p:childTnLst>
+                        <p:par>
+                          <p:cTn id="4" fill="hold">
+                            <p:stCondLst>
+                              <p:cond delay="0"/>
+                            </p:stCondLst>
+                            <p:childTnLst>
+                              <p:par>
+                                <p:cTn id="5" presetID="2" presetClass="entr" presetSubtype="4" fill="hold" grpId="0" nodeType="clickEffect">
+                                  <p:stCondLst>
+                                    <p:cond delay="0"/>
+                                  </p:stCondLst>
+                                  <p:childTnLst>
+                                    <p:set>
+                                      <p:cBhvr>
+                                        <p:cTn id="6" dur="1" fill="hold">
+                                          <p:stCondLst>
+                                            <p:cond delay="0"/>
+                                          </p:stCondLst>
+                                        </p:cTn>
+                                        <p:tgtEl>
+                                          <p:spTgt spid="3">
+                                            <p:txEl>
+                                              <p:pRg st="0" end="0"/>
+                                            </p:txEl>
+                                          </p:spTgt>
+                                        </p:tgtEl>
+                                        <p:attrNameLst>
+                                          <p:attrName>style.visibility</p:attrName>
+                                        </p:attrNameLst>
+                                      </p:cBhvr>
+                                      <p:to>
+                                        <p:strVal val="visible"/>
+                                      </p:to>
+                                    </p:set>
+                                    <p:anim calcmode="lin" valueType="num">
+                                      <p:cBhvr additive="base">
+                                        <p:cTn id="7" dur="500" fill="hold"/>
+                                        <p:tgtEl>
+                                          <p:spTgt spid="3">
+                                            <p:txEl>
+                                              <p:pRg st="0" end="0"/>
+                                            </p:txEl>
+                                          </p:spTgt>
+                                        </p:tgtEl>
+                                        <p:attrNameLst>
+                                          <p:attrName>ppt_x</p:attrName>
+                                        </p:attrNameLst>
+                                      </p:cBhvr>
+                                      <p:tavLst>
+                                        <p:tav tm="0">
+                                          <p:val>
+                                            <p:strVal val="#ppt_x"/>
+                                          </p:val>
+                                        </p:tav>
+                                        <p:tav tm="100000">
+                                          <p:val>
+                                            <p:strVal val="#ppt_x"/>
+                                          </p:val>
+                                        </p:tav>
+                                      </p:tavLst>
+                                    </p:anim>
+                                    <p:anim calcmode="lin" valueType="num">
+                                      <p:cBhvr additive="base">
+                                        <p:cTn id="8" dur="500" fill="hold"/>
+                                        <p:tgtEl>
+                                          <p:spTgt spid="3">
+                                            <p:txEl>
+                                              <p:pRg st="0" end="0"/>
+                                            </p:txEl>
+                                          </p:spTgt>
+                                        </p:tgtEl>
+                                        <p:attrNameLst>
+                                          <p:attrName>ppt_y</p:attrName>
+                                        </p:attrNameLst>
+                                      </p:cBhvr>
+                                      <p:tavLst>
+                                        <p:tav tm="0">
+                                          <p:val>
+                                            <p:strVal val="1+#ppt_h/2"/>
+                                          </p:val>
+                                        </p:tav>
+                                        <p:tav tm="100000">
+                                          <p:val>
+                                            <p:strVal val="#ppt_y"/>
+                                          </p:val>
+                                        </p:tav>
+                                      </p:tavLst>
+                                    </p:anim>
+                                  </p:childTnLst>
+                                </p:cTn>
+                              </p:par>
+                            </p:childTnLst>
+                          </p:cTn>
+                        </p:par>
+                      </p:childTnLst>
+                    </p:cTn>
+                  </p:par>
+                  <p:par>
+                    <p:cTn id="9" fill="hold">
+                      <p:stCondLst>
+                        <p:cond delay="indefinite"/>
+                      </p:stCondLst>
+                      <p:childTnLst>
+                        <p:par>
+                          <p:cTn id="10" fill="hold">
+                            <p:stCondLst>
+                              <p:cond delay="0"/>
+                            </p:stCondLst>
+                            <p:childTnLst>
+                              <p:par>
+                                <p:cTn id="11" presetID="2" presetClass="entr" presetSubtype="4" fill="hold" grpId="0" nodeType="clickEffect">
+                                  <p:stCondLst>
+                                    <p:cond delay="0"/>
+                                  </p:stCondLst>
+                                  <p:childTnLst>
+                                    <p:set>
+                                      <p:cBhvr>
+                                        <p:cTn id="12" dur="1" fill="hold">
+                                          <p:stCondLst>
+                                            <p:cond delay="0"/>
+                                          </p:stCondLst>
+                                        </p:cTn>
+                                        <p:tgtEl>
+                                          <p:spTgt spid="3">
+                                            <p:txEl>
+                                              <p:pRg st="1" end="1"/>
+                                            </p:txEl>
+                                          </p:spTgt>
+                                        </p:tgtEl>
+                                        <p:attrNameLst>
+                                          <p:attrName>style.visibility</p:attrName>
+                                        </p:attrNameLst>
+                                      </p:cBhvr>
+                                      <p:to>
+                                        <p:strVal val="visible"/>
+                                      </p:to>
+                                    </p:set>
+                                    <p:anim calcmode="lin" valueType="num">
+                                      <p:cBhvr additive="base">
+                                        <p:cTn id="13" dur="500" fill="hold"/>
+                                        <p:tgtEl>
+                                          <p:spTgt spid="3">
+                                            <p:txEl>
+                                              <p:pRg st="1" end="1"/>
+                                            </p:txEl>
+                                          </p:spTgt>
+                                        </p:tgtEl>
+                                        <p:attrNameLst>
+                                          <p:attrName>ppt_x</p:attrName>
+                                        </p:attrNameLst>
+                                      </p:cBhvr>
+                                      <p:tavLst>
+                                        <p:tav tm="0">
+                                          <p:val>
+                                            <p:strVal val="#ppt_x"/>
+                                          </p:val>
+                                        </p:tav>
+                                        <p:tav tm="100000">
+                                          <p:val>
+                                            <p:strVal val="#ppt_x"/>
+                                          </p:val>
+                                        </p:tav>
+                                      </p:tavLst>
+                                    </p:anim>
+                                    <p:anim calcmode="lin" valueType="num">
+                                      <p:cBhvr additive="base">
+                                        <p:cTn id="14" dur="500" fill="hold"/>
+                                        <p:tgtEl>
+                                          <p:spTgt spid="3">
+                                            <p:txEl>
+                                              <p:pRg st="1" end="1"/>
+                                            </p:txEl>
+                                          </p:spTgt>
+                                        </p:tgtEl>
+                                        <p:attrNameLst>
+                                          <p:attrName>ppt_y</p:attrName>
+                                        </p:attrNameLst>
+                                      </p:cBhvr>
+                                      <p:tavLst>
+                                        <p:tav tm="0">
+                                          <p:val>
+                                            <p:strVal val="1+#ppt_h/2"/>
+                                          </p:val>
+                                        </p:tav>
+                                        <p:tav tm="100000">
+                                          <p:val>
+                                            <p:strVal val="#ppt_y"/>
+                                          </p:val>
+                                        </p:tav>
+                                      </p:tavLst>
+                                    </p:anim>
+                                  </p:childTnLst>
+                                </p:cTn>
+                              </p:par>
+                            </p:childTnLst>
+                          </p:cTn>
+                        </p:par>
+                      </p:childTnLst>
+                    </p:cTn>
+                  </p:par>
+                </p:childTnLst>
+              </p:cTn>
+              <p:prevCondLst>
+                <p:cond evt="onPrev" delay="0">
+                  <p:tgtEl>
+                    <p:sldTgt/>
+                  </p:tgtEl>
+                </p:cond>
+              </p:prevCondLst>
+              <p:nextCondLst>
+                <p:cond evt="onNext" delay="0">
+                  <p:tgtEl>
+                    <p:sldTgt/>
+                  </p:tgtEl>
+                </p:cond>
+              </p:nextCondLst>
+            </p:seq>
+          </p:childTnLst>
+        </p:cTn>
+      </p:par>
+    </p:tnLst>
+    <p:bldLst>
+      <p:bldP spid="3" grpId="0" build="p"/>
     </p:bldLst>
   </p:timing>
 </p:sld>

--- a/OtherStuff/Presentation/Goal + fun req + world and the machine.pptx
+++ b/OtherStuff/Presentation/Goal + fun req + world and the machine.pptx
@@ -2,7 +2,7 @@
 <file path=ppt/presentation.xml><?xml version="1.0" encoding="utf-8"?>
 <p:presentation xmlns:a="http://schemas.openxmlformats.org/drawingml/2006/main" xmlns:r="http://schemas.openxmlformats.org/officeDocument/2006/relationships" xmlns:p="http://schemas.openxmlformats.org/presentationml/2006/main" saveSubsetFonts="1">
   <p:sldMasterIdLst>
-    <p:sldMasterId id="2147483648" r:id="rId1"/>
+    <p:sldMasterId id="2147483660" r:id="rId1"/>
   </p:sldMasterIdLst>
   <p:sldIdLst>
     <p:sldId id="257" r:id="rId2"/>
@@ -15,10 +15,11 @@
     <p:sldId id="264" r:id="rId9"/>
     <p:sldId id="265" r:id="rId10"/>
     <p:sldId id="266" r:id="rId11"/>
-    <p:sldId id="267" r:id="rId12"/>
+    <p:sldId id="269" r:id="rId12"/>
     <p:sldId id="268" r:id="rId13"/>
+    <p:sldId id="270" r:id="rId14"/>
   </p:sldIdLst>
-  <p:sldSz cx="12192000" cy="6858000"/>
+  <p:sldSz cx="9144000" cy="6858000" type="screen4x3"/>
   <p:notesSz cx="6858000" cy="9144000"/>
   <p:defaultTextStyle>
     <a:defPPr>
@@ -115,6 +116,11 @@
       </a:defRPr>
     </a:lvl9pPr>
   </p:defaultTextStyle>
+  <p:extLst>
+    <p:ext uri="{EFAFB233-063F-42B5-8137-9DF3F51BA10A}">
+      <p15:sldGuideLst xmlns:p15="http://schemas.microsoft.com/office/powerpoint/2012/main"/>
+    </p:ext>
+  </p:extLst>
 </p:presentation>
 </file>
 
@@ -137,7 +143,7 @@
       </p:grpSpPr>
       <p:sp>
         <p:nvSpPr>
-          <p:cNvPr id="2" name="Titolo 1"/>
+          <p:cNvPr id="2" name="Title 1"/>
           <p:cNvSpPr>
             <a:spLocks noGrp="1"/>
           </p:cNvSpPr>
@@ -147,8 +153,8 @@
         </p:nvSpPr>
         <p:spPr>
           <a:xfrm>
-            <a:off x="1524000" y="1122363"/>
-            <a:ext cx="9144000" cy="2387600"/>
+            <a:off x="685800" y="1122363"/>
+            <a:ext cx="7772400" cy="2387600"/>
           </a:xfrm>
         </p:spPr>
         <p:txBody>
@@ -163,13 +169,13 @@
               <a:rPr lang="it-IT" smtClean="0"/>
               <a:t>Fare clic per modificare lo stile del titolo</a:t>
             </a:r>
-            <a:endParaRPr lang="it-IT"/>
-          </a:p>
-        </p:txBody>
-      </p:sp>
-      <p:sp>
-        <p:nvSpPr>
-          <p:cNvPr id="3" name="Sottotitolo 2"/>
+            <a:endParaRPr lang="en-US" dirty="0"/>
+          </a:p>
+        </p:txBody>
+      </p:sp>
+      <p:sp>
+        <p:nvSpPr>
+          <p:cNvPr id="3" name="Subtitle 2"/>
           <p:cNvSpPr>
             <a:spLocks noGrp="1"/>
           </p:cNvSpPr>
@@ -179,8 +185,8 @@
         </p:nvSpPr>
         <p:spPr>
           <a:xfrm>
-            <a:off x="1524000" y="3602038"/>
-            <a:ext cx="9144000" cy="1655762"/>
+            <a:off x="1143000" y="3602038"/>
+            <a:ext cx="6858000" cy="1655762"/>
           </a:xfrm>
         </p:spPr>
         <p:txBody>
@@ -228,13 +234,13 @@
               <a:rPr lang="it-IT" smtClean="0"/>
               <a:t>Fare clic per modificare lo stile del sottotitolo dello schema</a:t>
             </a:r>
-            <a:endParaRPr lang="it-IT"/>
-          </a:p>
-        </p:txBody>
-      </p:sp>
-      <p:sp>
-        <p:nvSpPr>
-          <p:cNvPr id="4" name="Segnaposto data 3"/>
+            <a:endParaRPr lang="en-US" dirty="0"/>
+          </a:p>
+        </p:txBody>
+      </p:sp>
+      <p:sp>
+        <p:nvSpPr>
+          <p:cNvPr id="4" name="Date Placeholder 3"/>
           <p:cNvSpPr>
             <a:spLocks noGrp="1"/>
           </p:cNvSpPr>
@@ -249,7 +255,7 @@
           <a:p>
             <a:fld id="{25E65E3D-A1FC-4B1A-AB2F-83B863B73A76}" type="datetimeFigureOut">
               <a:rPr lang="it-IT" smtClean="0"/>
-              <a:t>07/11/2015</a:t>
+              <a:t>08/11/2015</a:t>
             </a:fld>
             <a:endParaRPr lang="it-IT"/>
           </a:p>
@@ -257,7 +263,7 @@
       </p:sp>
       <p:sp>
         <p:nvSpPr>
-          <p:cNvPr id="5" name="Segnaposto piè di pagina 4"/>
+          <p:cNvPr id="5" name="Footer Placeholder 4"/>
           <p:cNvSpPr>
             <a:spLocks noGrp="1"/>
           </p:cNvSpPr>
@@ -276,7 +282,7 @@
       </p:sp>
       <p:sp>
         <p:nvSpPr>
-          <p:cNvPr id="6" name="Segnaposto numero diapositiva 5"/>
+          <p:cNvPr id="6" name="Slide Number Placeholder 5"/>
           <p:cNvSpPr>
             <a:spLocks noGrp="1"/>
           </p:cNvSpPr>
@@ -300,7 +306,7 @@
     </p:spTree>
     <p:extLst>
       <p:ext uri="{BB962C8B-B14F-4D97-AF65-F5344CB8AC3E}">
-        <p14:creationId xmlns:p14="http://schemas.microsoft.com/office/powerpoint/2010/main" val="2064764293"/>
+        <p14:creationId xmlns:p14="http://schemas.microsoft.com/office/powerpoint/2010/main" val="4133538667"/>
       </p:ext>
     </p:extLst>
   </p:cSld>
@@ -329,7 +335,7 @@
       </p:grpSpPr>
       <p:sp>
         <p:nvSpPr>
-          <p:cNvPr id="2" name="Titolo 1"/>
+          <p:cNvPr id="2" name="Title 1"/>
           <p:cNvSpPr>
             <a:spLocks noGrp="1"/>
           </p:cNvSpPr>
@@ -346,13 +352,13 @@
               <a:rPr lang="it-IT" smtClean="0"/>
               <a:t>Fare clic per modificare lo stile del titolo</a:t>
             </a:r>
-            <a:endParaRPr lang="it-IT"/>
-          </a:p>
-        </p:txBody>
-      </p:sp>
-      <p:sp>
-        <p:nvSpPr>
-          <p:cNvPr id="3" name="Segnaposto testo verticale 2"/>
+            <a:endParaRPr lang="en-US" dirty="0"/>
+          </a:p>
+        </p:txBody>
+      </p:sp>
+      <p:sp>
+        <p:nvSpPr>
+          <p:cNvPr id="3" name="Vertical Text Placeholder 2"/>
           <p:cNvSpPr>
             <a:spLocks noGrp="1"/>
           </p:cNvSpPr>
@@ -398,13 +404,13 @@
               <a:rPr lang="it-IT" smtClean="0"/>
               <a:t>Quinto livello</a:t>
             </a:r>
-            <a:endParaRPr lang="it-IT"/>
-          </a:p>
-        </p:txBody>
-      </p:sp>
-      <p:sp>
-        <p:nvSpPr>
-          <p:cNvPr id="4" name="Segnaposto data 3"/>
+            <a:endParaRPr lang="en-US" dirty="0"/>
+          </a:p>
+        </p:txBody>
+      </p:sp>
+      <p:sp>
+        <p:nvSpPr>
+          <p:cNvPr id="4" name="Date Placeholder 3"/>
           <p:cNvSpPr>
             <a:spLocks noGrp="1"/>
           </p:cNvSpPr>
@@ -419,7 +425,7 @@
           <a:p>
             <a:fld id="{25E65E3D-A1FC-4B1A-AB2F-83B863B73A76}" type="datetimeFigureOut">
               <a:rPr lang="it-IT" smtClean="0"/>
-              <a:t>07/11/2015</a:t>
+              <a:t>08/11/2015</a:t>
             </a:fld>
             <a:endParaRPr lang="it-IT"/>
           </a:p>
@@ -427,7 +433,7 @@
       </p:sp>
       <p:sp>
         <p:nvSpPr>
-          <p:cNvPr id="5" name="Segnaposto piè di pagina 4"/>
+          <p:cNvPr id="5" name="Footer Placeholder 4"/>
           <p:cNvSpPr>
             <a:spLocks noGrp="1"/>
           </p:cNvSpPr>
@@ -446,7 +452,7 @@
       </p:sp>
       <p:sp>
         <p:nvSpPr>
-          <p:cNvPr id="6" name="Segnaposto numero diapositiva 5"/>
+          <p:cNvPr id="6" name="Slide Number Placeholder 5"/>
           <p:cNvSpPr>
             <a:spLocks noGrp="1"/>
           </p:cNvSpPr>
@@ -470,7 +476,7 @@
     </p:spTree>
     <p:extLst>
       <p:ext uri="{BB962C8B-B14F-4D97-AF65-F5344CB8AC3E}">
-        <p14:creationId xmlns:p14="http://schemas.microsoft.com/office/powerpoint/2010/main" val="2311555206"/>
+        <p14:creationId xmlns:p14="http://schemas.microsoft.com/office/powerpoint/2010/main" val="2483423465"/>
       </p:ext>
     </p:extLst>
   </p:cSld>
@@ -482,7 +488,7 @@
 
 <file path=ppt/slideLayouts/slideLayout11.xml><?xml version="1.0" encoding="utf-8"?>
 <p:sldLayout xmlns:a="http://schemas.openxmlformats.org/drawingml/2006/main" xmlns:r="http://schemas.openxmlformats.org/officeDocument/2006/relationships" xmlns:p="http://schemas.openxmlformats.org/presentationml/2006/main" type="vertTitleAndTx" preserve="1">
-  <p:cSld name="Titolo e testo verticale">
+  <p:cSld name="1_Titolo e testo verticale">
     <p:spTree>
       <p:nvGrpSpPr>
         <p:cNvPr id="1" name=""/>
@@ -499,7 +505,7 @@
       </p:grpSpPr>
       <p:sp>
         <p:nvSpPr>
-          <p:cNvPr id="2" name="Titolo verticale 1"/>
+          <p:cNvPr id="2" name="Vertical Title 1"/>
           <p:cNvSpPr>
             <a:spLocks noGrp="1"/>
           </p:cNvSpPr>
@@ -509,8 +515,8 @@
         </p:nvSpPr>
         <p:spPr>
           <a:xfrm>
-            <a:off x="8724900" y="365125"/>
-            <a:ext cx="2628900" cy="5811838"/>
+            <a:off x="6543675" y="365125"/>
+            <a:ext cx="1971675" cy="5811838"/>
           </a:xfrm>
         </p:spPr>
         <p:txBody>
@@ -521,13 +527,13 @@
               <a:rPr lang="it-IT" smtClean="0"/>
               <a:t>Fare clic per modificare lo stile del titolo</a:t>
             </a:r>
-            <a:endParaRPr lang="it-IT"/>
-          </a:p>
-        </p:txBody>
-      </p:sp>
-      <p:sp>
-        <p:nvSpPr>
-          <p:cNvPr id="3" name="Segnaposto testo verticale 2"/>
+            <a:endParaRPr lang="en-US" dirty="0"/>
+          </a:p>
+        </p:txBody>
+      </p:sp>
+      <p:sp>
+        <p:nvSpPr>
+          <p:cNvPr id="3" name="Vertical Text Placeholder 2"/>
           <p:cNvSpPr>
             <a:spLocks noGrp="1"/>
           </p:cNvSpPr>
@@ -537,8 +543,8 @@
         </p:nvSpPr>
         <p:spPr>
           <a:xfrm>
-            <a:off x="838200" y="365125"/>
-            <a:ext cx="7734300" cy="5811838"/>
+            <a:off x="628650" y="365125"/>
+            <a:ext cx="5800725" cy="5811838"/>
           </a:xfrm>
         </p:spPr>
         <p:txBody>
@@ -578,13 +584,13 @@
               <a:rPr lang="it-IT" smtClean="0"/>
               <a:t>Quinto livello</a:t>
             </a:r>
-            <a:endParaRPr lang="it-IT"/>
-          </a:p>
-        </p:txBody>
-      </p:sp>
-      <p:sp>
-        <p:nvSpPr>
-          <p:cNvPr id="4" name="Segnaposto data 3"/>
+            <a:endParaRPr lang="en-US" dirty="0"/>
+          </a:p>
+        </p:txBody>
+      </p:sp>
+      <p:sp>
+        <p:nvSpPr>
+          <p:cNvPr id="4" name="Date Placeholder 3"/>
           <p:cNvSpPr>
             <a:spLocks noGrp="1"/>
           </p:cNvSpPr>
@@ -599,7 +605,7 @@
           <a:p>
             <a:fld id="{25E65E3D-A1FC-4B1A-AB2F-83B863B73A76}" type="datetimeFigureOut">
               <a:rPr lang="it-IT" smtClean="0"/>
-              <a:t>07/11/2015</a:t>
+              <a:t>08/11/2015</a:t>
             </a:fld>
             <a:endParaRPr lang="it-IT"/>
           </a:p>
@@ -607,7 +613,7 @@
       </p:sp>
       <p:sp>
         <p:nvSpPr>
-          <p:cNvPr id="5" name="Segnaposto piè di pagina 4"/>
+          <p:cNvPr id="5" name="Footer Placeholder 4"/>
           <p:cNvSpPr>
             <a:spLocks noGrp="1"/>
           </p:cNvSpPr>
@@ -626,7 +632,7 @@
       </p:sp>
       <p:sp>
         <p:nvSpPr>
-          <p:cNvPr id="6" name="Segnaposto numero diapositiva 5"/>
+          <p:cNvPr id="6" name="Slide Number Placeholder 5"/>
           <p:cNvSpPr>
             <a:spLocks noGrp="1"/>
           </p:cNvSpPr>
@@ -650,7 +656,7 @@
     </p:spTree>
     <p:extLst>
       <p:ext uri="{BB962C8B-B14F-4D97-AF65-F5344CB8AC3E}">
-        <p14:creationId xmlns:p14="http://schemas.microsoft.com/office/powerpoint/2010/main" val="2236635289"/>
+        <p14:creationId xmlns:p14="http://schemas.microsoft.com/office/powerpoint/2010/main" val="2171315478"/>
       </p:ext>
     </p:extLst>
   </p:cSld>
@@ -679,7 +685,7 @@
       </p:grpSpPr>
       <p:sp>
         <p:nvSpPr>
-          <p:cNvPr id="2" name="Titolo 1"/>
+          <p:cNvPr id="2" name="Title 1"/>
           <p:cNvSpPr>
             <a:spLocks noGrp="1"/>
           </p:cNvSpPr>
@@ -696,13 +702,13 @@
               <a:rPr lang="it-IT" smtClean="0"/>
               <a:t>Fare clic per modificare lo stile del titolo</a:t>
             </a:r>
-            <a:endParaRPr lang="it-IT"/>
-          </a:p>
-        </p:txBody>
-      </p:sp>
-      <p:sp>
-        <p:nvSpPr>
-          <p:cNvPr id="3" name="Segnaposto contenuto 2"/>
+            <a:endParaRPr lang="en-US" dirty="0"/>
+          </a:p>
+        </p:txBody>
+      </p:sp>
+      <p:sp>
+        <p:nvSpPr>
+          <p:cNvPr id="3" name="Content Placeholder 2"/>
           <p:cNvSpPr>
             <a:spLocks noGrp="1"/>
           </p:cNvSpPr>
@@ -748,13 +754,13 @@
               <a:rPr lang="it-IT" smtClean="0"/>
               <a:t>Quinto livello</a:t>
             </a:r>
-            <a:endParaRPr lang="it-IT"/>
-          </a:p>
-        </p:txBody>
-      </p:sp>
-      <p:sp>
-        <p:nvSpPr>
-          <p:cNvPr id="4" name="Segnaposto data 3"/>
+            <a:endParaRPr lang="en-US" dirty="0"/>
+          </a:p>
+        </p:txBody>
+      </p:sp>
+      <p:sp>
+        <p:nvSpPr>
+          <p:cNvPr id="4" name="Date Placeholder 3"/>
           <p:cNvSpPr>
             <a:spLocks noGrp="1"/>
           </p:cNvSpPr>
@@ -769,7 +775,7 @@
           <a:p>
             <a:fld id="{25E65E3D-A1FC-4B1A-AB2F-83B863B73A76}" type="datetimeFigureOut">
               <a:rPr lang="it-IT" smtClean="0"/>
-              <a:t>07/11/2015</a:t>
+              <a:t>08/11/2015</a:t>
             </a:fld>
             <a:endParaRPr lang="it-IT"/>
           </a:p>
@@ -777,7 +783,7 @@
       </p:sp>
       <p:sp>
         <p:nvSpPr>
-          <p:cNvPr id="5" name="Segnaposto piè di pagina 4"/>
+          <p:cNvPr id="5" name="Footer Placeholder 4"/>
           <p:cNvSpPr>
             <a:spLocks noGrp="1"/>
           </p:cNvSpPr>
@@ -796,7 +802,7 @@
       </p:sp>
       <p:sp>
         <p:nvSpPr>
-          <p:cNvPr id="6" name="Segnaposto numero diapositiva 5"/>
+          <p:cNvPr id="6" name="Slide Number Placeholder 5"/>
           <p:cNvSpPr>
             <a:spLocks noGrp="1"/>
           </p:cNvSpPr>
@@ -820,7 +826,7 @@
     </p:spTree>
     <p:extLst>
       <p:ext uri="{BB962C8B-B14F-4D97-AF65-F5344CB8AC3E}">
-        <p14:creationId xmlns:p14="http://schemas.microsoft.com/office/powerpoint/2010/main" val="562581328"/>
+        <p14:creationId xmlns:p14="http://schemas.microsoft.com/office/powerpoint/2010/main" val="3343901949"/>
       </p:ext>
     </p:extLst>
   </p:cSld>
@@ -849,7 +855,7 @@
       </p:grpSpPr>
       <p:sp>
         <p:nvSpPr>
-          <p:cNvPr id="2" name="Titolo 1"/>
+          <p:cNvPr id="2" name="Title 1"/>
           <p:cNvSpPr>
             <a:spLocks noGrp="1"/>
           </p:cNvSpPr>
@@ -859,8 +865,8 @@
         </p:nvSpPr>
         <p:spPr>
           <a:xfrm>
-            <a:off x="831850" y="1709738"/>
-            <a:ext cx="10515600" cy="2852737"/>
+            <a:off x="623888" y="1709739"/>
+            <a:ext cx="7886700" cy="2852737"/>
           </a:xfrm>
         </p:spPr>
         <p:txBody>
@@ -875,13 +881,13 @@
               <a:rPr lang="it-IT" smtClean="0"/>
               <a:t>Fare clic per modificare lo stile del titolo</a:t>
             </a:r>
-            <a:endParaRPr lang="it-IT"/>
-          </a:p>
-        </p:txBody>
-      </p:sp>
-      <p:sp>
-        <p:nvSpPr>
-          <p:cNvPr id="3" name="Segnaposto testo 2"/>
+            <a:endParaRPr lang="en-US" dirty="0"/>
+          </a:p>
+        </p:txBody>
+      </p:sp>
+      <p:sp>
+        <p:nvSpPr>
+          <p:cNvPr id="3" name="Text Placeholder 2"/>
           <p:cNvSpPr>
             <a:spLocks noGrp="1"/>
           </p:cNvSpPr>
@@ -891,8 +897,8 @@
         </p:nvSpPr>
         <p:spPr>
           <a:xfrm>
-            <a:off x="831850" y="4589463"/>
-            <a:ext cx="10515600" cy="1500187"/>
+            <a:off x="623888" y="4589464"/>
+            <a:ext cx="7886700" cy="1500187"/>
           </a:xfrm>
         </p:spPr>
         <p:txBody>
@@ -902,9 +908,7 @@
               <a:buNone/>
               <a:defRPr sz="2400">
                 <a:solidFill>
-                  <a:schemeClr val="tx1">
-                    <a:tint val="75000"/>
-                  </a:schemeClr>
+                  <a:schemeClr val="tx1"/>
                 </a:solidFill>
               </a:defRPr>
             </a:lvl1pPr>
@@ -1000,7 +1004,7 @@
       </p:sp>
       <p:sp>
         <p:nvSpPr>
-          <p:cNvPr id="4" name="Segnaposto data 3"/>
+          <p:cNvPr id="4" name="Date Placeholder 3"/>
           <p:cNvSpPr>
             <a:spLocks noGrp="1"/>
           </p:cNvSpPr>
@@ -1015,7 +1019,7 @@
           <a:p>
             <a:fld id="{25E65E3D-A1FC-4B1A-AB2F-83B863B73A76}" type="datetimeFigureOut">
               <a:rPr lang="it-IT" smtClean="0"/>
-              <a:t>07/11/2015</a:t>
+              <a:t>08/11/2015</a:t>
             </a:fld>
             <a:endParaRPr lang="it-IT"/>
           </a:p>
@@ -1023,7 +1027,7 @@
       </p:sp>
       <p:sp>
         <p:nvSpPr>
-          <p:cNvPr id="5" name="Segnaposto piè di pagina 4"/>
+          <p:cNvPr id="5" name="Footer Placeholder 4"/>
           <p:cNvSpPr>
             <a:spLocks noGrp="1"/>
           </p:cNvSpPr>
@@ -1042,7 +1046,7 @@
       </p:sp>
       <p:sp>
         <p:nvSpPr>
-          <p:cNvPr id="6" name="Segnaposto numero diapositiva 5"/>
+          <p:cNvPr id="6" name="Slide Number Placeholder 5"/>
           <p:cNvSpPr>
             <a:spLocks noGrp="1"/>
           </p:cNvSpPr>
@@ -1066,7 +1070,7 @@
     </p:spTree>
     <p:extLst>
       <p:ext uri="{BB962C8B-B14F-4D97-AF65-F5344CB8AC3E}">
-        <p14:creationId xmlns:p14="http://schemas.microsoft.com/office/powerpoint/2010/main" val="572814429"/>
+        <p14:creationId xmlns:p14="http://schemas.microsoft.com/office/powerpoint/2010/main" val="4175397522"/>
       </p:ext>
     </p:extLst>
   </p:cSld>
@@ -1095,7 +1099,7 @@
       </p:grpSpPr>
       <p:sp>
         <p:nvSpPr>
-          <p:cNvPr id="2" name="Titolo 1"/>
+          <p:cNvPr id="2" name="Title 1"/>
           <p:cNvSpPr>
             <a:spLocks noGrp="1"/>
           </p:cNvSpPr>
@@ -1112,13 +1116,13 @@
               <a:rPr lang="it-IT" smtClean="0"/>
               <a:t>Fare clic per modificare lo stile del titolo</a:t>
             </a:r>
-            <a:endParaRPr lang="it-IT"/>
-          </a:p>
-        </p:txBody>
-      </p:sp>
-      <p:sp>
-        <p:nvSpPr>
-          <p:cNvPr id="3" name="Segnaposto contenuto 2"/>
+            <a:endParaRPr lang="en-US" dirty="0"/>
+          </a:p>
+        </p:txBody>
+      </p:sp>
+      <p:sp>
+        <p:nvSpPr>
+          <p:cNvPr id="3" name="Content Placeholder 2"/>
           <p:cNvSpPr>
             <a:spLocks noGrp="1"/>
           </p:cNvSpPr>
@@ -1128,8 +1132,8 @@
         </p:nvSpPr>
         <p:spPr>
           <a:xfrm>
-            <a:off x="838200" y="1825625"/>
-            <a:ext cx="5181600" cy="4351338"/>
+            <a:off x="628650" y="1825625"/>
+            <a:ext cx="3886200" cy="4351338"/>
           </a:xfrm>
         </p:spPr>
         <p:txBody>
@@ -1169,13 +1173,13 @@
               <a:rPr lang="it-IT" smtClean="0"/>
               <a:t>Quinto livello</a:t>
             </a:r>
-            <a:endParaRPr lang="it-IT"/>
-          </a:p>
-        </p:txBody>
-      </p:sp>
-      <p:sp>
-        <p:nvSpPr>
-          <p:cNvPr id="4" name="Segnaposto contenuto 3"/>
+            <a:endParaRPr lang="en-US" dirty="0"/>
+          </a:p>
+        </p:txBody>
+      </p:sp>
+      <p:sp>
+        <p:nvSpPr>
+          <p:cNvPr id="4" name="Content Placeholder 3"/>
           <p:cNvSpPr>
             <a:spLocks noGrp="1"/>
           </p:cNvSpPr>
@@ -1185,8 +1189,8 @@
         </p:nvSpPr>
         <p:spPr>
           <a:xfrm>
-            <a:off x="6172200" y="1825625"/>
-            <a:ext cx="5181600" cy="4351338"/>
+            <a:off x="4629150" y="1825625"/>
+            <a:ext cx="3886200" cy="4351338"/>
           </a:xfrm>
         </p:spPr>
         <p:txBody>
@@ -1226,13 +1230,13 @@
               <a:rPr lang="it-IT" smtClean="0"/>
               <a:t>Quinto livello</a:t>
             </a:r>
-            <a:endParaRPr lang="it-IT"/>
-          </a:p>
-        </p:txBody>
-      </p:sp>
-      <p:sp>
-        <p:nvSpPr>
-          <p:cNvPr id="5" name="Segnaposto data 4"/>
+            <a:endParaRPr lang="en-US" dirty="0"/>
+          </a:p>
+        </p:txBody>
+      </p:sp>
+      <p:sp>
+        <p:nvSpPr>
+          <p:cNvPr id="5" name="Date Placeholder 4"/>
           <p:cNvSpPr>
             <a:spLocks noGrp="1"/>
           </p:cNvSpPr>
@@ -1247,7 +1251,7 @@
           <a:p>
             <a:fld id="{25E65E3D-A1FC-4B1A-AB2F-83B863B73A76}" type="datetimeFigureOut">
               <a:rPr lang="it-IT" smtClean="0"/>
-              <a:t>07/11/2015</a:t>
+              <a:t>08/11/2015</a:t>
             </a:fld>
             <a:endParaRPr lang="it-IT"/>
           </a:p>
@@ -1255,7 +1259,7 @@
       </p:sp>
       <p:sp>
         <p:nvSpPr>
-          <p:cNvPr id="6" name="Segnaposto piè di pagina 5"/>
+          <p:cNvPr id="6" name="Footer Placeholder 5"/>
           <p:cNvSpPr>
             <a:spLocks noGrp="1"/>
           </p:cNvSpPr>
@@ -1274,7 +1278,7 @@
       </p:sp>
       <p:sp>
         <p:nvSpPr>
-          <p:cNvPr id="7" name="Segnaposto numero diapositiva 6"/>
+          <p:cNvPr id="7" name="Slide Number Placeholder 6"/>
           <p:cNvSpPr>
             <a:spLocks noGrp="1"/>
           </p:cNvSpPr>
@@ -1298,7 +1302,7 @@
     </p:spTree>
     <p:extLst>
       <p:ext uri="{BB962C8B-B14F-4D97-AF65-F5344CB8AC3E}">
-        <p14:creationId xmlns:p14="http://schemas.microsoft.com/office/powerpoint/2010/main" val="2913025369"/>
+        <p14:creationId xmlns:p14="http://schemas.microsoft.com/office/powerpoint/2010/main" val="1619531065"/>
       </p:ext>
     </p:extLst>
   </p:cSld>
@@ -1327,7 +1331,7 @@
       </p:grpSpPr>
       <p:sp>
         <p:nvSpPr>
-          <p:cNvPr id="2" name="Titolo 1"/>
+          <p:cNvPr id="2" name="Title 1"/>
           <p:cNvSpPr>
             <a:spLocks noGrp="1"/>
           </p:cNvSpPr>
@@ -1337,8 +1341,8 @@
         </p:nvSpPr>
         <p:spPr>
           <a:xfrm>
-            <a:off x="839788" y="365125"/>
-            <a:ext cx="10515600" cy="1325563"/>
+            <a:off x="629841" y="365126"/>
+            <a:ext cx="7886700" cy="1325563"/>
           </a:xfrm>
         </p:spPr>
         <p:txBody>
@@ -1349,13 +1353,13 @@
               <a:rPr lang="it-IT" smtClean="0"/>
               <a:t>Fare clic per modificare lo stile del titolo</a:t>
             </a:r>
-            <a:endParaRPr lang="it-IT"/>
-          </a:p>
-        </p:txBody>
-      </p:sp>
-      <p:sp>
-        <p:nvSpPr>
-          <p:cNvPr id="3" name="Segnaposto testo 2"/>
+            <a:endParaRPr lang="en-US" dirty="0"/>
+          </a:p>
+        </p:txBody>
+      </p:sp>
+      <p:sp>
+        <p:nvSpPr>
+          <p:cNvPr id="3" name="Text Placeholder 2"/>
           <p:cNvSpPr>
             <a:spLocks noGrp="1"/>
           </p:cNvSpPr>
@@ -1365,8 +1369,8 @@
         </p:nvSpPr>
         <p:spPr>
           <a:xfrm>
-            <a:off x="839788" y="1681163"/>
-            <a:ext cx="5157787" cy="823912"/>
+            <a:off x="629842" y="1681163"/>
+            <a:ext cx="3868340" cy="823912"/>
           </a:xfrm>
         </p:spPr>
         <p:txBody>
@@ -1420,7 +1424,7 @@
       </p:sp>
       <p:sp>
         <p:nvSpPr>
-          <p:cNvPr id="4" name="Segnaposto contenuto 3"/>
+          <p:cNvPr id="4" name="Content Placeholder 3"/>
           <p:cNvSpPr>
             <a:spLocks noGrp="1"/>
           </p:cNvSpPr>
@@ -1430,8 +1434,8 @@
         </p:nvSpPr>
         <p:spPr>
           <a:xfrm>
-            <a:off x="839788" y="2505075"/>
-            <a:ext cx="5157787" cy="3684588"/>
+            <a:off x="629842" y="2505075"/>
+            <a:ext cx="3868340" cy="3684588"/>
           </a:xfrm>
         </p:spPr>
         <p:txBody>
@@ -1471,13 +1475,13 @@
               <a:rPr lang="it-IT" smtClean="0"/>
               <a:t>Quinto livello</a:t>
             </a:r>
-            <a:endParaRPr lang="it-IT"/>
-          </a:p>
-        </p:txBody>
-      </p:sp>
-      <p:sp>
-        <p:nvSpPr>
-          <p:cNvPr id="5" name="Segnaposto testo 4"/>
+            <a:endParaRPr lang="en-US" dirty="0"/>
+          </a:p>
+        </p:txBody>
+      </p:sp>
+      <p:sp>
+        <p:nvSpPr>
+          <p:cNvPr id="5" name="Text Placeholder 4"/>
           <p:cNvSpPr>
             <a:spLocks noGrp="1"/>
           </p:cNvSpPr>
@@ -1487,8 +1491,8 @@
         </p:nvSpPr>
         <p:spPr>
           <a:xfrm>
-            <a:off x="6172200" y="1681163"/>
-            <a:ext cx="5183188" cy="823912"/>
+            <a:off x="4629150" y="1681163"/>
+            <a:ext cx="3887391" cy="823912"/>
           </a:xfrm>
         </p:spPr>
         <p:txBody>
@@ -1542,7 +1546,7 @@
       </p:sp>
       <p:sp>
         <p:nvSpPr>
-          <p:cNvPr id="6" name="Segnaposto contenuto 5"/>
+          <p:cNvPr id="6" name="Content Placeholder 5"/>
           <p:cNvSpPr>
             <a:spLocks noGrp="1"/>
           </p:cNvSpPr>
@@ -1552,8 +1556,8 @@
         </p:nvSpPr>
         <p:spPr>
           <a:xfrm>
-            <a:off x="6172200" y="2505075"/>
-            <a:ext cx="5183188" cy="3684588"/>
+            <a:off x="4629150" y="2505075"/>
+            <a:ext cx="3887391" cy="3684588"/>
           </a:xfrm>
         </p:spPr>
         <p:txBody>
@@ -1593,13 +1597,13 @@
               <a:rPr lang="it-IT" smtClean="0"/>
               <a:t>Quinto livello</a:t>
             </a:r>
-            <a:endParaRPr lang="it-IT"/>
-          </a:p>
-        </p:txBody>
-      </p:sp>
-      <p:sp>
-        <p:nvSpPr>
-          <p:cNvPr id="7" name="Segnaposto data 6"/>
+            <a:endParaRPr lang="en-US" dirty="0"/>
+          </a:p>
+        </p:txBody>
+      </p:sp>
+      <p:sp>
+        <p:nvSpPr>
+          <p:cNvPr id="7" name="Date Placeholder 6"/>
           <p:cNvSpPr>
             <a:spLocks noGrp="1"/>
           </p:cNvSpPr>
@@ -1614,7 +1618,7 @@
           <a:p>
             <a:fld id="{25E65E3D-A1FC-4B1A-AB2F-83B863B73A76}" type="datetimeFigureOut">
               <a:rPr lang="it-IT" smtClean="0"/>
-              <a:t>07/11/2015</a:t>
+              <a:t>08/11/2015</a:t>
             </a:fld>
             <a:endParaRPr lang="it-IT"/>
           </a:p>
@@ -1622,7 +1626,7 @@
       </p:sp>
       <p:sp>
         <p:nvSpPr>
-          <p:cNvPr id="8" name="Segnaposto piè di pagina 7"/>
+          <p:cNvPr id="8" name="Footer Placeholder 7"/>
           <p:cNvSpPr>
             <a:spLocks noGrp="1"/>
           </p:cNvSpPr>
@@ -1641,7 +1645,7 @@
       </p:sp>
       <p:sp>
         <p:nvSpPr>
-          <p:cNvPr id="9" name="Segnaposto numero diapositiva 8"/>
+          <p:cNvPr id="9" name="Slide Number Placeholder 8"/>
           <p:cNvSpPr>
             <a:spLocks noGrp="1"/>
           </p:cNvSpPr>
@@ -1665,7 +1669,7 @@
     </p:spTree>
     <p:extLst>
       <p:ext uri="{BB962C8B-B14F-4D97-AF65-F5344CB8AC3E}">
-        <p14:creationId xmlns:p14="http://schemas.microsoft.com/office/powerpoint/2010/main" val="3320919511"/>
+        <p14:creationId xmlns:p14="http://schemas.microsoft.com/office/powerpoint/2010/main" val="2893621734"/>
       </p:ext>
     </p:extLst>
   </p:cSld>
@@ -1694,7 +1698,7 @@
       </p:grpSpPr>
       <p:sp>
         <p:nvSpPr>
-          <p:cNvPr id="2" name="Titolo 1"/>
+          <p:cNvPr id="2" name="Title 1"/>
           <p:cNvSpPr>
             <a:spLocks noGrp="1"/>
           </p:cNvSpPr>
@@ -1711,13 +1715,13 @@
               <a:rPr lang="it-IT" smtClean="0"/>
               <a:t>Fare clic per modificare lo stile del titolo</a:t>
             </a:r>
-            <a:endParaRPr lang="it-IT"/>
-          </a:p>
-        </p:txBody>
-      </p:sp>
-      <p:sp>
-        <p:nvSpPr>
-          <p:cNvPr id="3" name="Segnaposto data 2"/>
+            <a:endParaRPr lang="en-US" dirty="0"/>
+          </a:p>
+        </p:txBody>
+      </p:sp>
+      <p:sp>
+        <p:nvSpPr>
+          <p:cNvPr id="3" name="Date Placeholder 2"/>
           <p:cNvSpPr>
             <a:spLocks noGrp="1"/>
           </p:cNvSpPr>
@@ -1732,7 +1736,7 @@
           <a:p>
             <a:fld id="{25E65E3D-A1FC-4B1A-AB2F-83B863B73A76}" type="datetimeFigureOut">
               <a:rPr lang="it-IT" smtClean="0"/>
-              <a:t>07/11/2015</a:t>
+              <a:t>08/11/2015</a:t>
             </a:fld>
             <a:endParaRPr lang="it-IT"/>
           </a:p>
@@ -1740,7 +1744,7 @@
       </p:sp>
       <p:sp>
         <p:nvSpPr>
-          <p:cNvPr id="4" name="Segnaposto piè di pagina 3"/>
+          <p:cNvPr id="4" name="Footer Placeholder 3"/>
           <p:cNvSpPr>
             <a:spLocks noGrp="1"/>
           </p:cNvSpPr>
@@ -1759,7 +1763,7 @@
       </p:sp>
       <p:sp>
         <p:nvSpPr>
-          <p:cNvPr id="5" name="Segnaposto numero diapositiva 4"/>
+          <p:cNvPr id="5" name="Slide Number Placeholder 4"/>
           <p:cNvSpPr>
             <a:spLocks noGrp="1"/>
           </p:cNvSpPr>
@@ -1783,7 +1787,7 @@
     </p:spTree>
     <p:extLst>
       <p:ext uri="{BB962C8B-B14F-4D97-AF65-F5344CB8AC3E}">
-        <p14:creationId xmlns:p14="http://schemas.microsoft.com/office/powerpoint/2010/main" val="3257822405"/>
+        <p14:creationId xmlns:p14="http://schemas.microsoft.com/office/powerpoint/2010/main" val="3237130036"/>
       </p:ext>
     </p:extLst>
   </p:cSld>
@@ -1812,7 +1816,7 @@
       </p:grpSpPr>
       <p:sp>
         <p:nvSpPr>
-          <p:cNvPr id="2" name="Segnaposto data 1"/>
+          <p:cNvPr id="2" name="Date Placeholder 1"/>
           <p:cNvSpPr>
             <a:spLocks noGrp="1"/>
           </p:cNvSpPr>
@@ -1827,7 +1831,7 @@
           <a:p>
             <a:fld id="{25E65E3D-A1FC-4B1A-AB2F-83B863B73A76}" type="datetimeFigureOut">
               <a:rPr lang="it-IT" smtClean="0"/>
-              <a:t>07/11/2015</a:t>
+              <a:t>08/11/2015</a:t>
             </a:fld>
             <a:endParaRPr lang="it-IT"/>
           </a:p>
@@ -1835,7 +1839,7 @@
       </p:sp>
       <p:sp>
         <p:nvSpPr>
-          <p:cNvPr id="3" name="Segnaposto piè di pagina 2"/>
+          <p:cNvPr id="3" name="Footer Placeholder 2"/>
           <p:cNvSpPr>
             <a:spLocks noGrp="1"/>
           </p:cNvSpPr>
@@ -1854,7 +1858,7 @@
       </p:sp>
       <p:sp>
         <p:nvSpPr>
-          <p:cNvPr id="4" name="Segnaposto numero diapositiva 3"/>
+          <p:cNvPr id="4" name="Slide Number Placeholder 3"/>
           <p:cNvSpPr>
             <a:spLocks noGrp="1"/>
           </p:cNvSpPr>
@@ -1878,7 +1882,7 @@
     </p:spTree>
     <p:extLst>
       <p:ext uri="{BB962C8B-B14F-4D97-AF65-F5344CB8AC3E}">
-        <p14:creationId xmlns:p14="http://schemas.microsoft.com/office/powerpoint/2010/main" val="867782540"/>
+        <p14:creationId xmlns:p14="http://schemas.microsoft.com/office/powerpoint/2010/main" val="1375196575"/>
       </p:ext>
     </p:extLst>
   </p:cSld>
@@ -1907,7 +1911,7 @@
       </p:grpSpPr>
       <p:sp>
         <p:nvSpPr>
-          <p:cNvPr id="2" name="Titolo 1"/>
+          <p:cNvPr id="2" name="Title 1"/>
           <p:cNvSpPr>
             <a:spLocks noGrp="1"/>
           </p:cNvSpPr>
@@ -1917,8 +1921,8 @@
         </p:nvSpPr>
         <p:spPr>
           <a:xfrm>
-            <a:off x="839788" y="457200"/>
-            <a:ext cx="3932237" cy="1600200"/>
+            <a:off x="629841" y="457200"/>
+            <a:ext cx="2949178" cy="1600200"/>
           </a:xfrm>
         </p:spPr>
         <p:txBody>
@@ -1933,13 +1937,13 @@
               <a:rPr lang="it-IT" smtClean="0"/>
               <a:t>Fare clic per modificare lo stile del titolo</a:t>
             </a:r>
-            <a:endParaRPr lang="it-IT"/>
-          </a:p>
-        </p:txBody>
-      </p:sp>
-      <p:sp>
-        <p:nvSpPr>
-          <p:cNvPr id="3" name="Segnaposto contenuto 2"/>
+            <a:endParaRPr lang="en-US" dirty="0"/>
+          </a:p>
+        </p:txBody>
+      </p:sp>
+      <p:sp>
+        <p:nvSpPr>
+          <p:cNvPr id="3" name="Content Placeholder 2"/>
           <p:cNvSpPr>
             <a:spLocks noGrp="1"/>
           </p:cNvSpPr>
@@ -1949,8 +1953,8 @@
         </p:nvSpPr>
         <p:spPr>
           <a:xfrm>
-            <a:off x="5183188" y="987425"/>
-            <a:ext cx="6172200" cy="4873625"/>
+            <a:off x="3887391" y="987426"/>
+            <a:ext cx="4629150" cy="4873625"/>
           </a:xfrm>
         </p:spPr>
         <p:txBody>
@@ -2018,13 +2022,13 @@
               <a:rPr lang="it-IT" smtClean="0"/>
               <a:t>Quinto livello</a:t>
             </a:r>
-            <a:endParaRPr lang="it-IT"/>
-          </a:p>
-        </p:txBody>
-      </p:sp>
-      <p:sp>
-        <p:nvSpPr>
-          <p:cNvPr id="4" name="Segnaposto testo 3"/>
+            <a:endParaRPr lang="en-US" dirty="0"/>
+          </a:p>
+        </p:txBody>
+      </p:sp>
+      <p:sp>
+        <p:nvSpPr>
+          <p:cNvPr id="4" name="Text Placeholder 3"/>
           <p:cNvSpPr>
             <a:spLocks noGrp="1"/>
           </p:cNvSpPr>
@@ -2034,8 +2038,8 @@
         </p:nvSpPr>
         <p:spPr>
           <a:xfrm>
-            <a:off x="839788" y="2057400"/>
-            <a:ext cx="3932237" cy="3811588"/>
+            <a:off x="629841" y="2057400"/>
+            <a:ext cx="2949178" cy="3811588"/>
           </a:xfrm>
         </p:spPr>
         <p:txBody>
@@ -2089,7 +2093,7 @@
       </p:sp>
       <p:sp>
         <p:nvSpPr>
-          <p:cNvPr id="5" name="Segnaposto data 4"/>
+          <p:cNvPr id="5" name="Date Placeholder 4"/>
           <p:cNvSpPr>
             <a:spLocks noGrp="1"/>
           </p:cNvSpPr>
@@ -2104,7 +2108,7 @@
           <a:p>
             <a:fld id="{25E65E3D-A1FC-4B1A-AB2F-83B863B73A76}" type="datetimeFigureOut">
               <a:rPr lang="it-IT" smtClean="0"/>
-              <a:t>07/11/2015</a:t>
+              <a:t>08/11/2015</a:t>
             </a:fld>
             <a:endParaRPr lang="it-IT"/>
           </a:p>
@@ -2112,7 +2116,7 @@
       </p:sp>
       <p:sp>
         <p:nvSpPr>
-          <p:cNvPr id="6" name="Segnaposto piè di pagina 5"/>
+          <p:cNvPr id="6" name="Footer Placeholder 5"/>
           <p:cNvSpPr>
             <a:spLocks noGrp="1"/>
           </p:cNvSpPr>
@@ -2131,7 +2135,7 @@
       </p:sp>
       <p:sp>
         <p:nvSpPr>
-          <p:cNvPr id="7" name="Segnaposto numero diapositiva 6"/>
+          <p:cNvPr id="7" name="Slide Number Placeholder 6"/>
           <p:cNvSpPr>
             <a:spLocks noGrp="1"/>
           </p:cNvSpPr>
@@ -2155,7 +2159,7 @@
     </p:spTree>
     <p:extLst>
       <p:ext uri="{BB962C8B-B14F-4D97-AF65-F5344CB8AC3E}">
-        <p14:creationId xmlns:p14="http://schemas.microsoft.com/office/powerpoint/2010/main" val="433875679"/>
+        <p14:creationId xmlns:p14="http://schemas.microsoft.com/office/powerpoint/2010/main" val="3390391868"/>
       </p:ext>
     </p:extLst>
   </p:cSld>
@@ -2184,7 +2188,7 @@
       </p:grpSpPr>
       <p:sp>
         <p:nvSpPr>
-          <p:cNvPr id="2" name="Titolo 1"/>
+          <p:cNvPr id="2" name="Title 1"/>
           <p:cNvSpPr>
             <a:spLocks noGrp="1"/>
           </p:cNvSpPr>
@@ -2194,8 +2198,8 @@
         </p:nvSpPr>
         <p:spPr>
           <a:xfrm>
-            <a:off x="839788" y="457200"/>
-            <a:ext cx="3932237" cy="1600200"/>
+            <a:off x="629841" y="457200"/>
+            <a:ext cx="2949178" cy="1600200"/>
           </a:xfrm>
         </p:spPr>
         <p:txBody>
@@ -2210,15 +2214,15 @@
               <a:rPr lang="it-IT" smtClean="0"/>
               <a:t>Fare clic per modificare lo stile del titolo</a:t>
             </a:r>
-            <a:endParaRPr lang="it-IT"/>
-          </a:p>
-        </p:txBody>
-      </p:sp>
-      <p:sp>
-        <p:nvSpPr>
-          <p:cNvPr id="3" name="Segnaposto immagine 2"/>
+            <a:endParaRPr lang="en-US" dirty="0"/>
+          </a:p>
+        </p:txBody>
+      </p:sp>
+      <p:sp>
+        <p:nvSpPr>
+          <p:cNvPr id="3" name="Picture Placeholder 2"/>
           <p:cNvSpPr>
-            <a:spLocks noGrp="1"/>
+            <a:spLocks noGrp="1" noChangeAspect="1"/>
           </p:cNvSpPr>
           <p:nvPr>
             <p:ph type="pic" idx="1"/>
@@ -2226,12 +2230,12 @@
         </p:nvSpPr>
         <p:spPr>
           <a:xfrm>
-            <a:off x="5183188" y="987425"/>
-            <a:ext cx="6172200" cy="4873625"/>
+            <a:off x="3887391" y="987426"/>
+            <a:ext cx="4629150" cy="4873625"/>
           </a:xfrm>
         </p:spPr>
         <p:txBody>
-          <a:bodyPr/>
+          <a:bodyPr anchor="t"/>
           <a:lstStyle>
             <a:lvl1pPr marL="0" indent="0">
               <a:buNone/>
@@ -2271,13 +2275,17 @@
             </a:lvl9pPr>
           </a:lstStyle>
           <a:p>
-            <a:endParaRPr lang="it-IT"/>
-          </a:p>
-        </p:txBody>
-      </p:sp>
-      <p:sp>
-        <p:nvSpPr>
-          <p:cNvPr id="4" name="Segnaposto testo 3"/>
+            <a:r>
+              <a:rPr lang="it-IT" smtClean="0"/>
+              <a:t>Fare clic sull'icona per inserire un'immagine</a:t>
+            </a:r>
+            <a:endParaRPr lang="en-US" dirty="0"/>
+          </a:p>
+        </p:txBody>
+      </p:sp>
+      <p:sp>
+        <p:nvSpPr>
+          <p:cNvPr id="4" name="Text Placeholder 3"/>
           <p:cNvSpPr>
             <a:spLocks noGrp="1"/>
           </p:cNvSpPr>
@@ -2287,8 +2295,8 @@
         </p:nvSpPr>
         <p:spPr>
           <a:xfrm>
-            <a:off x="839788" y="2057400"/>
-            <a:ext cx="3932237" cy="3811588"/>
+            <a:off x="629841" y="2057400"/>
+            <a:ext cx="2949178" cy="3811588"/>
           </a:xfrm>
         </p:spPr>
         <p:txBody>
@@ -2342,7 +2350,7 @@
       </p:sp>
       <p:sp>
         <p:nvSpPr>
-          <p:cNvPr id="5" name="Segnaposto data 4"/>
+          <p:cNvPr id="5" name="Date Placeholder 4"/>
           <p:cNvSpPr>
             <a:spLocks noGrp="1"/>
           </p:cNvSpPr>
@@ -2357,7 +2365,7 @@
           <a:p>
             <a:fld id="{25E65E3D-A1FC-4B1A-AB2F-83B863B73A76}" type="datetimeFigureOut">
               <a:rPr lang="it-IT" smtClean="0"/>
-              <a:t>07/11/2015</a:t>
+              <a:t>08/11/2015</a:t>
             </a:fld>
             <a:endParaRPr lang="it-IT"/>
           </a:p>
@@ -2365,7 +2373,7 @@
       </p:sp>
       <p:sp>
         <p:nvSpPr>
-          <p:cNvPr id="6" name="Segnaposto piè di pagina 5"/>
+          <p:cNvPr id="6" name="Footer Placeholder 5"/>
           <p:cNvSpPr>
             <a:spLocks noGrp="1"/>
           </p:cNvSpPr>
@@ -2384,7 +2392,7 @@
       </p:sp>
       <p:sp>
         <p:nvSpPr>
-          <p:cNvPr id="7" name="Segnaposto numero diapositiva 6"/>
+          <p:cNvPr id="7" name="Slide Number Placeholder 6"/>
           <p:cNvSpPr>
             <a:spLocks noGrp="1"/>
           </p:cNvSpPr>
@@ -2408,7 +2416,7 @@
     </p:spTree>
     <p:extLst>
       <p:ext uri="{BB962C8B-B14F-4D97-AF65-F5344CB8AC3E}">
-        <p14:creationId xmlns:p14="http://schemas.microsoft.com/office/powerpoint/2010/main" val="3038009568"/>
+        <p14:creationId xmlns:p14="http://schemas.microsoft.com/office/powerpoint/2010/main" val="1315390501"/>
       </p:ext>
     </p:extLst>
   </p:cSld>
@@ -2442,7 +2450,7 @@
       </p:grpSpPr>
       <p:sp>
         <p:nvSpPr>
-          <p:cNvPr id="2" name="Segnaposto titolo 1"/>
+          <p:cNvPr id="2" name="Title Placeholder 1"/>
           <p:cNvSpPr>
             <a:spLocks noGrp="1"/>
           </p:cNvSpPr>
@@ -2452,8 +2460,8 @@
         </p:nvSpPr>
         <p:spPr>
           <a:xfrm>
-            <a:off x="838200" y="365125"/>
-            <a:ext cx="10515600" cy="1325563"/>
+            <a:off x="628650" y="365126"/>
+            <a:ext cx="7886700" cy="1325563"/>
           </a:xfrm>
           <a:prstGeom prst="rect">
             <a:avLst/>
@@ -2469,13 +2477,13 @@
               <a:rPr lang="it-IT" smtClean="0"/>
               <a:t>Fare clic per modificare lo stile del titolo</a:t>
             </a:r>
-            <a:endParaRPr lang="it-IT"/>
-          </a:p>
-        </p:txBody>
-      </p:sp>
-      <p:sp>
-        <p:nvSpPr>
-          <p:cNvPr id="3" name="Segnaposto testo 2"/>
+            <a:endParaRPr lang="en-US" dirty="0"/>
+          </a:p>
+        </p:txBody>
+      </p:sp>
+      <p:sp>
+        <p:nvSpPr>
+          <p:cNvPr id="3" name="Text Placeholder 2"/>
           <p:cNvSpPr>
             <a:spLocks noGrp="1"/>
           </p:cNvSpPr>
@@ -2485,8 +2493,8 @@
         </p:nvSpPr>
         <p:spPr>
           <a:xfrm>
-            <a:off x="838200" y="1825625"/>
-            <a:ext cx="10515600" cy="4351338"/>
+            <a:off x="628650" y="1825625"/>
+            <a:ext cx="7886700" cy="4351338"/>
           </a:xfrm>
           <a:prstGeom prst="rect">
             <a:avLst/>
@@ -2531,13 +2539,13 @@
               <a:rPr lang="it-IT" smtClean="0"/>
               <a:t>Quinto livello</a:t>
             </a:r>
-            <a:endParaRPr lang="it-IT"/>
-          </a:p>
-        </p:txBody>
-      </p:sp>
-      <p:sp>
-        <p:nvSpPr>
-          <p:cNvPr id="4" name="Segnaposto data 3"/>
+            <a:endParaRPr lang="en-US" dirty="0"/>
+          </a:p>
+        </p:txBody>
+      </p:sp>
+      <p:sp>
+        <p:nvSpPr>
+          <p:cNvPr id="4" name="Date Placeholder 3"/>
           <p:cNvSpPr>
             <a:spLocks noGrp="1"/>
           </p:cNvSpPr>
@@ -2547,8 +2555,8 @@
         </p:nvSpPr>
         <p:spPr>
           <a:xfrm>
-            <a:off x="838200" y="6356350"/>
-            <a:ext cx="2743200" cy="365125"/>
+            <a:off x="628650" y="6356351"/>
+            <a:ext cx="2057400" cy="365125"/>
           </a:xfrm>
           <a:prstGeom prst="rect">
             <a:avLst/>
@@ -2570,7 +2578,7 @@
           <a:p>
             <a:fld id="{25E65E3D-A1FC-4B1A-AB2F-83B863B73A76}" type="datetimeFigureOut">
               <a:rPr lang="it-IT" smtClean="0"/>
-              <a:t>07/11/2015</a:t>
+              <a:t>08/11/2015</a:t>
             </a:fld>
             <a:endParaRPr lang="it-IT"/>
           </a:p>
@@ -2578,7 +2586,7 @@
       </p:sp>
       <p:sp>
         <p:nvSpPr>
-          <p:cNvPr id="5" name="Segnaposto piè di pagina 4"/>
+          <p:cNvPr id="5" name="Footer Placeholder 4"/>
           <p:cNvSpPr>
             <a:spLocks noGrp="1"/>
           </p:cNvSpPr>
@@ -2588,8 +2596,8 @@
         </p:nvSpPr>
         <p:spPr>
           <a:xfrm>
-            <a:off x="4038600" y="6356350"/>
-            <a:ext cx="4114800" cy="365125"/>
+            <a:off x="3028950" y="6356351"/>
+            <a:ext cx="3086100" cy="365125"/>
           </a:xfrm>
           <a:prstGeom prst="rect">
             <a:avLst/>
@@ -2615,7 +2623,7 @@
       </p:sp>
       <p:sp>
         <p:nvSpPr>
-          <p:cNvPr id="6" name="Segnaposto numero diapositiva 5"/>
+          <p:cNvPr id="6" name="Slide Number Placeholder 5"/>
           <p:cNvSpPr>
             <a:spLocks noGrp="1"/>
           </p:cNvSpPr>
@@ -2625,8 +2633,8 @@
         </p:nvSpPr>
         <p:spPr>
           <a:xfrm>
-            <a:off x="8610600" y="6356350"/>
-            <a:ext cx="2743200" cy="365125"/>
+            <a:off x="6457950" y="6356351"/>
+            <a:ext cx="2057400" cy="365125"/>
           </a:xfrm>
           <a:prstGeom prst="rect">
             <a:avLst/>
@@ -2657,23 +2665,23 @@
     </p:spTree>
     <p:extLst>
       <p:ext uri="{BB962C8B-B14F-4D97-AF65-F5344CB8AC3E}">
-        <p14:creationId xmlns:p14="http://schemas.microsoft.com/office/powerpoint/2010/main" val="3270795988"/>
+        <p14:creationId xmlns:p14="http://schemas.microsoft.com/office/powerpoint/2010/main" val="3171104730"/>
       </p:ext>
     </p:extLst>
   </p:cSld>
   <p:clrMap bg1="lt1" tx1="dk1" bg2="lt2" tx2="dk2" accent1="accent1" accent2="accent2" accent3="accent3" accent4="accent4" accent5="accent5" accent6="accent6" hlink="hlink" folHlink="folHlink"/>
   <p:sldLayoutIdLst>
-    <p:sldLayoutId id="2147483649" r:id="rId1"/>
-    <p:sldLayoutId id="2147483650" r:id="rId2"/>
-    <p:sldLayoutId id="2147483651" r:id="rId3"/>
-    <p:sldLayoutId id="2147483652" r:id="rId4"/>
-    <p:sldLayoutId id="2147483653" r:id="rId5"/>
-    <p:sldLayoutId id="2147483654" r:id="rId6"/>
-    <p:sldLayoutId id="2147483655" r:id="rId7"/>
-    <p:sldLayoutId id="2147483656" r:id="rId8"/>
-    <p:sldLayoutId id="2147483657" r:id="rId9"/>
-    <p:sldLayoutId id="2147483658" r:id="rId10"/>
-    <p:sldLayoutId id="2147483659" r:id="rId11"/>
+    <p:sldLayoutId id="2147483661" r:id="rId1"/>
+    <p:sldLayoutId id="2147483662" r:id="rId2"/>
+    <p:sldLayoutId id="2147483663" r:id="rId3"/>
+    <p:sldLayoutId id="2147483664" r:id="rId4"/>
+    <p:sldLayoutId id="2147483665" r:id="rId5"/>
+    <p:sldLayoutId id="2147483666" r:id="rId6"/>
+    <p:sldLayoutId id="2147483667" r:id="rId7"/>
+    <p:sldLayoutId id="2147483668" r:id="rId8"/>
+    <p:sldLayoutId id="2147483669" r:id="rId9"/>
+    <p:sldLayoutId id="2147483670" r:id="rId10"/>
+    <p:sldLayoutId id="2147483671" r:id="rId11"/>
   </p:sldLayoutIdLst>
   <p:txStyles>
     <p:titleStyle>
@@ -2861,7 +2869,7 @@
     </p:bodyStyle>
     <p:otherStyle>
       <a:defPPr>
-        <a:defRPr lang="it-IT"/>
+        <a:defRPr lang="en-US"/>
       </a:defPPr>
       <a:lvl1pPr marL="0" algn="l" defTabSz="914400" rtl="0" eaLnBrk="1" latinLnBrk="0" hangingPunct="1">
         <a:defRPr sz="1800" kern="1200">
@@ -3015,54 +3023,76 @@
         </p:nvSpPr>
         <p:spPr>
           <a:xfrm>
-            <a:off x="838200" y="2887083"/>
-            <a:ext cx="10515600" cy="3417287"/>
+            <a:off x="628650" y="3022567"/>
+            <a:ext cx="7886700" cy="3271141"/>
           </a:xfrm>
         </p:spPr>
         <p:txBody>
           <a:bodyPr>
-            <a:normAutofit/>
+            <a:normAutofit fontScale="92500" lnSpcReduction="20000"/>
           </a:bodyPr>
           <a:lstStyle/>
           <a:p>
             <a:r>
-              <a:rPr lang="en-US" dirty="0" smtClean="0"/>
+              <a:rPr lang="en-US" dirty="0" smtClean="0">
+                <a:latin typeface="Georgia" panose="02040502050405020303" pitchFamily="18" charset="0"/>
+              </a:rPr>
               <a:t>[</a:t>
             </a:r>
             <a:r>
-              <a:rPr lang="en-US" dirty="0"/>
+              <a:rPr lang="en-US" dirty="0">
+                <a:latin typeface="Georgia" panose="02040502050405020303" pitchFamily="18" charset="0"/>
+              </a:rPr>
               <a:t>R1] Customers should be able to access the service through both the web and the mobile application, even at the same time. </a:t>
             </a:r>
-            <a:endParaRPr lang="it-IT" dirty="0"/>
-          </a:p>
-          <a:p>
-            <a:r>
-              <a:rPr lang="en-US" dirty="0"/>
+            <a:endParaRPr lang="it-IT" dirty="0">
+              <a:latin typeface="Georgia" panose="02040502050405020303" pitchFamily="18" charset="0"/>
+            </a:endParaRPr>
+          </a:p>
+          <a:p>
+            <a:r>
+              <a:rPr lang="en-US" dirty="0">
+                <a:latin typeface="Georgia" panose="02040502050405020303" pitchFamily="18" charset="0"/>
+              </a:rPr>
               <a:t>[R2] Customers must be able to register to the taxi service from the mobile or web homepage.</a:t>
             </a:r>
-            <a:endParaRPr lang="it-IT" dirty="0"/>
-          </a:p>
-          <a:p>
-            <a:r>
-              <a:rPr lang="en-US" dirty="0"/>
+            <a:endParaRPr lang="it-IT" dirty="0">
+              <a:latin typeface="Georgia" panose="02040502050405020303" pitchFamily="18" charset="0"/>
+            </a:endParaRPr>
+          </a:p>
+          <a:p>
+            <a:r>
+              <a:rPr lang="en-US" dirty="0">
+                <a:latin typeface="Georgia" panose="02040502050405020303" pitchFamily="18" charset="0"/>
+              </a:rPr>
               <a:t>[R3] Only registered customers can access </a:t>
             </a:r>
             <a:r>
-              <a:rPr lang="en-US" dirty="0" smtClean="0"/>
+              <a:rPr lang="en-US" dirty="0" smtClean="0">
+                <a:latin typeface="Georgia" panose="02040502050405020303" pitchFamily="18" charset="0"/>
+              </a:rPr>
               <a:t>MTS’s services</a:t>
             </a:r>
             <a:r>
-              <a:rPr lang="en-US" dirty="0"/>
+              <a:rPr lang="en-US" dirty="0">
+                <a:latin typeface="Georgia" panose="02040502050405020303" pitchFamily="18" charset="0"/>
+              </a:rPr>
               <a:t>.</a:t>
             </a:r>
-            <a:endParaRPr lang="it-IT" dirty="0"/>
-          </a:p>
-          <a:p>
-            <a:r>
-              <a:rPr lang="en-US" dirty="0"/>
+            <a:endParaRPr lang="it-IT" dirty="0">
+              <a:latin typeface="Georgia" panose="02040502050405020303" pitchFamily="18" charset="0"/>
+            </a:endParaRPr>
+          </a:p>
+          <a:p>
+            <a:r>
+              <a:rPr lang="en-US" dirty="0">
+                <a:latin typeface="Georgia" panose="02040502050405020303" pitchFamily="18" charset="0"/>
+              </a:rPr>
               <a:t>[R4] The system should allow the log out functionality. </a:t>
             </a:r>
-            <a:endParaRPr lang="en-US" dirty="0" smtClean="0"/>
+            <a:endParaRPr lang="en-US" dirty="0" smtClean="0">
+              <a:latin typeface="Georgia" panose="02040502050405020303" pitchFamily="18" charset="0"/>
+            </a:endParaRPr>
           </a:p>
           <a:p>
             <a:endParaRPr lang="it-IT" dirty="0"/>
@@ -3080,8 +3110,8 @@
         </p:nvSpPr>
         <p:spPr>
           <a:xfrm>
-            <a:off x="1207938" y="1462666"/>
-            <a:ext cx="9776123" cy="1231106"/>
+            <a:off x="905956" y="1954253"/>
+            <a:ext cx="7332092" cy="946413"/>
           </a:xfrm>
           <a:prstGeom prst="rect">
             <a:avLst/>
@@ -3108,20 +3138,20 @@
           <a:lstStyle/>
           <a:p>
             <a:r>
-              <a:rPr lang="en-US" sz="2800" i="1" dirty="0" smtClean="0"/>
+              <a:rPr lang="en-US" sz="2100" i="1" dirty="0"/>
               <a:t>[</a:t>
             </a:r>
             <a:r>
-              <a:rPr lang="en-US" sz="2800" b="1" i="1" dirty="0" smtClean="0"/>
+              <a:rPr lang="en-US" sz="2100" b="1" i="1" dirty="0"/>
               <a:t>G1</a:t>
             </a:r>
             <a:r>
-              <a:rPr lang="en-US" sz="2800" i="1" dirty="0" smtClean="0"/>
+              <a:rPr lang="en-US" sz="2100" i="1" dirty="0"/>
               <a:t>] Allow customers to access the system’s taxi service in any moment, whether they are at home or anywhere else in the city.</a:t>
             </a:r>
           </a:p>
           <a:p>
-            <a:endParaRPr lang="it-IT" dirty="0"/>
+            <a:endParaRPr lang="it-IT" sz="1350" dirty="0"/>
           </a:p>
         </p:txBody>
       </p:sp>
@@ -3156,7 +3186,7 @@
                             </p:stCondLst>
                             <p:childTnLst>
                               <p:par>
-                                <p:cTn id="5" presetID="2" presetClass="entr" presetSubtype="4" fill="hold" grpId="0" nodeType="clickEffect">
+                                <p:cTn id="5" presetID="10" presetClass="entr" presetSubtype="0" fill="hold" grpId="0" nodeType="clickEffect">
                                   <p:stCondLst>
                                     <p:cond delay="0"/>
                                   </p:stCondLst>
@@ -3179,52 +3209,14 @@
                                         <p:strVal val="visible"/>
                                       </p:to>
                                     </p:set>
-                                    <p:anim calcmode="lin" valueType="num">
-                                      <p:cBhvr additive="base">
-                                        <p:cTn id="7" dur="500" fill="hold"/>
+                                    <p:animEffect transition="in" filter="fade">
+                                      <p:cBhvr>
+                                        <p:cTn id="7" dur="500"/>
                                         <p:tgtEl>
                                           <p:spTgt spid="5"/>
                                         </p:tgtEl>
-                                        <p:attrNameLst>
-                                          <p:attrName>ppt_x</p:attrName>
-                                        </p:attrNameLst>
-                                      </p:cBhvr>
-                                      <p:tavLst>
-                                        <p:tav tm="0">
-                                          <p:val>
-                                            <p:strVal val="#ppt_x"/>
-                                          </p:val>
-                                        </p:tav>
-                                        <p:tav tm="100000">
-                                          <p:val>
-                                            <p:strVal val="#ppt_x"/>
-                                          </p:val>
-                                        </p:tav>
-                                      </p:tavLst>
-                                    </p:anim>
-                                    <p:anim calcmode="lin" valueType="num">
-                                      <p:cBhvr additive="base">
-                                        <p:cTn id="8" dur="500" fill="hold"/>
-                                        <p:tgtEl>
-                                          <p:spTgt spid="5"/>
-                                        </p:tgtEl>
-                                        <p:attrNameLst>
-                                          <p:attrName>ppt_y</p:attrName>
-                                        </p:attrNameLst>
-                                      </p:cBhvr>
-                                      <p:tavLst>
-                                        <p:tav tm="0">
-                                          <p:val>
-                                            <p:strVal val="1+#ppt_h/2"/>
-                                          </p:val>
-                                        </p:tav>
-                                        <p:tav tm="100000">
-                                          <p:val>
-                                            <p:strVal val="#ppt_y"/>
-                                          </p:val>
-                                        </p:tav>
-                                      </p:tavLst>
-                                    </p:anim>
+                                      </p:cBhvr>
+                                    </p:animEffect>
                                   </p:childTnLst>
                                 </p:cTn>
                               </p:par>
@@ -3235,26 +3227,26 @@
                     </p:cTn>
                   </p:par>
                   <p:par>
-                    <p:cTn id="9" fill="hold">
+                    <p:cTn id="8" fill="hold">
                       <p:stCondLst>
                         <p:cond delay="indefinite"/>
                       </p:stCondLst>
                       <p:childTnLst>
                         <p:par>
-                          <p:cTn id="10" fill="hold">
+                          <p:cTn id="9" fill="hold">
                             <p:stCondLst>
                               <p:cond delay="0"/>
                             </p:stCondLst>
                             <p:childTnLst>
                               <p:par>
-                                <p:cTn id="11" presetID="2" presetClass="entr" presetSubtype="4" fill="hold" grpId="0" nodeType="clickEffect">
+                                <p:cTn id="10" presetID="10" presetClass="entr" presetSubtype="0" fill="hold" grpId="0" nodeType="clickEffect">
                                   <p:stCondLst>
                                     <p:cond delay="0"/>
                                   </p:stCondLst>
                                   <p:childTnLst>
                                     <p:set>
                                       <p:cBhvr>
-                                        <p:cTn id="12" dur="1" fill="hold">
+                                        <p:cTn id="11" dur="1" fill="hold">
                                           <p:stCondLst>
                                             <p:cond delay="0"/>
                                           </p:stCondLst>
@@ -3274,9 +3266,9 @@
                                         <p:strVal val="visible"/>
                                       </p:to>
                                     </p:set>
-                                    <p:anim calcmode="lin" valueType="num">
-                                      <p:cBhvr additive="base">
-                                        <p:cTn id="13" dur="500" fill="hold"/>
+                                    <p:animEffect transition="in" filter="fade">
+                                      <p:cBhvr>
+                                        <p:cTn id="12" dur="500"/>
                                         <p:tgtEl>
                                           <p:spTgt spid="3">
                                             <p:txEl>
@@ -3284,50 +3276,8 @@
                                             </p:txEl>
                                           </p:spTgt>
                                         </p:tgtEl>
-                                        <p:attrNameLst>
-                                          <p:attrName>ppt_x</p:attrName>
-                                        </p:attrNameLst>
-                                      </p:cBhvr>
-                                      <p:tavLst>
-                                        <p:tav tm="0">
-                                          <p:val>
-                                            <p:strVal val="#ppt_x"/>
-                                          </p:val>
-                                        </p:tav>
-                                        <p:tav tm="100000">
-                                          <p:val>
-                                            <p:strVal val="#ppt_x"/>
-                                          </p:val>
-                                        </p:tav>
-                                      </p:tavLst>
-                                    </p:anim>
-                                    <p:anim calcmode="lin" valueType="num">
-                                      <p:cBhvr additive="base">
-                                        <p:cTn id="14" dur="500" fill="hold"/>
-                                        <p:tgtEl>
-                                          <p:spTgt spid="3">
-                                            <p:txEl>
-                                              <p:pRg st="0" end="0"/>
-                                            </p:txEl>
-                                          </p:spTgt>
-                                        </p:tgtEl>
-                                        <p:attrNameLst>
-                                          <p:attrName>ppt_y</p:attrName>
-                                        </p:attrNameLst>
-                                      </p:cBhvr>
-                                      <p:tavLst>
-                                        <p:tav tm="0">
-                                          <p:val>
-                                            <p:strVal val="1+#ppt_h/2"/>
-                                          </p:val>
-                                        </p:tav>
-                                        <p:tav tm="100000">
-                                          <p:val>
-                                            <p:strVal val="#ppt_y"/>
-                                          </p:val>
-                                        </p:tav>
-                                      </p:tavLst>
-                                    </p:anim>
+                                      </p:cBhvr>
+                                    </p:animEffect>
                                   </p:childTnLst>
                                 </p:cTn>
                               </p:par>
@@ -3338,26 +3288,26 @@
                     </p:cTn>
                   </p:par>
                   <p:par>
-                    <p:cTn id="15" fill="hold">
+                    <p:cTn id="13" fill="hold">
                       <p:stCondLst>
                         <p:cond delay="indefinite"/>
                       </p:stCondLst>
                       <p:childTnLst>
                         <p:par>
-                          <p:cTn id="16" fill="hold">
+                          <p:cTn id="14" fill="hold">
                             <p:stCondLst>
                               <p:cond delay="0"/>
                             </p:stCondLst>
                             <p:childTnLst>
                               <p:par>
-                                <p:cTn id="17" presetID="2" presetClass="entr" presetSubtype="4" fill="hold" grpId="0" nodeType="clickEffect">
+                                <p:cTn id="15" presetID="10" presetClass="entr" presetSubtype="0" fill="hold" grpId="0" nodeType="clickEffect">
                                   <p:stCondLst>
                                     <p:cond delay="0"/>
                                   </p:stCondLst>
                                   <p:childTnLst>
                                     <p:set>
                                       <p:cBhvr>
-                                        <p:cTn id="18" dur="1" fill="hold">
+                                        <p:cTn id="16" dur="1" fill="hold">
                                           <p:stCondLst>
                                             <p:cond delay="0"/>
                                           </p:stCondLst>
@@ -3377,9 +3327,9 @@
                                         <p:strVal val="visible"/>
                                       </p:to>
                                     </p:set>
-                                    <p:anim calcmode="lin" valueType="num">
-                                      <p:cBhvr additive="base">
-                                        <p:cTn id="19" dur="500" fill="hold"/>
+                                    <p:animEffect transition="in" filter="fade">
+                                      <p:cBhvr>
+                                        <p:cTn id="17" dur="500"/>
                                         <p:tgtEl>
                                           <p:spTgt spid="3">
                                             <p:txEl>
@@ -3387,50 +3337,8 @@
                                             </p:txEl>
                                           </p:spTgt>
                                         </p:tgtEl>
-                                        <p:attrNameLst>
-                                          <p:attrName>ppt_x</p:attrName>
-                                        </p:attrNameLst>
-                                      </p:cBhvr>
-                                      <p:tavLst>
-                                        <p:tav tm="0">
-                                          <p:val>
-                                            <p:strVal val="#ppt_x"/>
-                                          </p:val>
-                                        </p:tav>
-                                        <p:tav tm="100000">
-                                          <p:val>
-                                            <p:strVal val="#ppt_x"/>
-                                          </p:val>
-                                        </p:tav>
-                                      </p:tavLst>
-                                    </p:anim>
-                                    <p:anim calcmode="lin" valueType="num">
-                                      <p:cBhvr additive="base">
-                                        <p:cTn id="20" dur="500" fill="hold"/>
-                                        <p:tgtEl>
-                                          <p:spTgt spid="3">
-                                            <p:txEl>
-                                              <p:pRg st="1" end="1"/>
-                                            </p:txEl>
-                                          </p:spTgt>
-                                        </p:tgtEl>
-                                        <p:attrNameLst>
-                                          <p:attrName>ppt_y</p:attrName>
-                                        </p:attrNameLst>
-                                      </p:cBhvr>
-                                      <p:tavLst>
-                                        <p:tav tm="0">
-                                          <p:val>
-                                            <p:strVal val="1+#ppt_h/2"/>
-                                          </p:val>
-                                        </p:tav>
-                                        <p:tav tm="100000">
-                                          <p:val>
-                                            <p:strVal val="#ppt_y"/>
-                                          </p:val>
-                                        </p:tav>
-                                      </p:tavLst>
-                                    </p:anim>
+                                      </p:cBhvr>
+                                    </p:animEffect>
                                   </p:childTnLst>
                                 </p:cTn>
                               </p:par>
@@ -3441,26 +3349,26 @@
                     </p:cTn>
                   </p:par>
                   <p:par>
-                    <p:cTn id="21" fill="hold">
+                    <p:cTn id="18" fill="hold">
                       <p:stCondLst>
                         <p:cond delay="indefinite"/>
                       </p:stCondLst>
                       <p:childTnLst>
                         <p:par>
-                          <p:cTn id="22" fill="hold">
+                          <p:cTn id="19" fill="hold">
                             <p:stCondLst>
                               <p:cond delay="0"/>
                             </p:stCondLst>
                             <p:childTnLst>
                               <p:par>
-                                <p:cTn id="23" presetID="2" presetClass="entr" presetSubtype="4" fill="hold" grpId="0" nodeType="clickEffect">
+                                <p:cTn id="20" presetID="10" presetClass="entr" presetSubtype="0" fill="hold" grpId="0" nodeType="clickEffect">
                                   <p:stCondLst>
                                     <p:cond delay="0"/>
                                   </p:stCondLst>
                                   <p:childTnLst>
                                     <p:set>
                                       <p:cBhvr>
-                                        <p:cTn id="24" dur="1" fill="hold">
+                                        <p:cTn id="21" dur="1" fill="hold">
                                           <p:stCondLst>
                                             <p:cond delay="0"/>
                                           </p:stCondLst>
@@ -3480,9 +3388,9 @@
                                         <p:strVal val="visible"/>
                                       </p:to>
                                     </p:set>
-                                    <p:anim calcmode="lin" valueType="num">
-                                      <p:cBhvr additive="base">
-                                        <p:cTn id="25" dur="500" fill="hold"/>
+                                    <p:animEffect transition="in" filter="fade">
+                                      <p:cBhvr>
+                                        <p:cTn id="22" dur="500"/>
                                         <p:tgtEl>
                                           <p:spTgt spid="3">
                                             <p:txEl>
@@ -3490,50 +3398,8 @@
                                             </p:txEl>
                                           </p:spTgt>
                                         </p:tgtEl>
-                                        <p:attrNameLst>
-                                          <p:attrName>ppt_x</p:attrName>
-                                        </p:attrNameLst>
-                                      </p:cBhvr>
-                                      <p:tavLst>
-                                        <p:tav tm="0">
-                                          <p:val>
-                                            <p:strVal val="#ppt_x"/>
-                                          </p:val>
-                                        </p:tav>
-                                        <p:tav tm="100000">
-                                          <p:val>
-                                            <p:strVal val="#ppt_x"/>
-                                          </p:val>
-                                        </p:tav>
-                                      </p:tavLst>
-                                    </p:anim>
-                                    <p:anim calcmode="lin" valueType="num">
-                                      <p:cBhvr additive="base">
-                                        <p:cTn id="26" dur="500" fill="hold"/>
-                                        <p:tgtEl>
-                                          <p:spTgt spid="3">
-                                            <p:txEl>
-                                              <p:pRg st="2" end="2"/>
-                                            </p:txEl>
-                                          </p:spTgt>
-                                        </p:tgtEl>
-                                        <p:attrNameLst>
-                                          <p:attrName>ppt_y</p:attrName>
-                                        </p:attrNameLst>
-                                      </p:cBhvr>
-                                      <p:tavLst>
-                                        <p:tav tm="0">
-                                          <p:val>
-                                            <p:strVal val="1+#ppt_h/2"/>
-                                          </p:val>
-                                        </p:tav>
-                                        <p:tav tm="100000">
-                                          <p:val>
-                                            <p:strVal val="#ppt_y"/>
-                                          </p:val>
-                                        </p:tav>
-                                      </p:tavLst>
-                                    </p:anim>
+                                      </p:cBhvr>
+                                    </p:animEffect>
                                   </p:childTnLst>
                                 </p:cTn>
                               </p:par>
@@ -3544,26 +3410,26 @@
                     </p:cTn>
                   </p:par>
                   <p:par>
-                    <p:cTn id="27" fill="hold">
+                    <p:cTn id="23" fill="hold">
                       <p:stCondLst>
                         <p:cond delay="indefinite"/>
                       </p:stCondLst>
                       <p:childTnLst>
                         <p:par>
-                          <p:cTn id="28" fill="hold">
+                          <p:cTn id="24" fill="hold">
                             <p:stCondLst>
                               <p:cond delay="0"/>
                             </p:stCondLst>
                             <p:childTnLst>
                               <p:par>
-                                <p:cTn id="29" presetID="2" presetClass="entr" presetSubtype="4" fill="hold" grpId="0" nodeType="clickEffect">
+                                <p:cTn id="25" presetID="10" presetClass="entr" presetSubtype="0" fill="hold" grpId="0" nodeType="clickEffect">
                                   <p:stCondLst>
                                     <p:cond delay="0"/>
                                   </p:stCondLst>
                                   <p:childTnLst>
                                     <p:set>
                                       <p:cBhvr>
-                                        <p:cTn id="30" dur="1" fill="hold">
+                                        <p:cTn id="26" dur="1" fill="hold">
                                           <p:stCondLst>
                                             <p:cond delay="0"/>
                                           </p:stCondLst>
@@ -3583,9 +3449,9 @@
                                         <p:strVal val="visible"/>
                                       </p:to>
                                     </p:set>
-                                    <p:anim calcmode="lin" valueType="num">
-                                      <p:cBhvr additive="base">
-                                        <p:cTn id="31" dur="500" fill="hold"/>
+                                    <p:animEffect transition="in" filter="fade">
+                                      <p:cBhvr>
+                                        <p:cTn id="27" dur="500"/>
                                         <p:tgtEl>
                                           <p:spTgt spid="3">
                                             <p:txEl>
@@ -3593,50 +3459,8 @@
                                             </p:txEl>
                                           </p:spTgt>
                                         </p:tgtEl>
-                                        <p:attrNameLst>
-                                          <p:attrName>ppt_x</p:attrName>
-                                        </p:attrNameLst>
-                                      </p:cBhvr>
-                                      <p:tavLst>
-                                        <p:tav tm="0">
-                                          <p:val>
-                                            <p:strVal val="#ppt_x"/>
-                                          </p:val>
-                                        </p:tav>
-                                        <p:tav tm="100000">
-                                          <p:val>
-                                            <p:strVal val="#ppt_x"/>
-                                          </p:val>
-                                        </p:tav>
-                                      </p:tavLst>
-                                    </p:anim>
-                                    <p:anim calcmode="lin" valueType="num">
-                                      <p:cBhvr additive="base">
-                                        <p:cTn id="32" dur="500" fill="hold"/>
-                                        <p:tgtEl>
-                                          <p:spTgt spid="3">
-                                            <p:txEl>
-                                              <p:pRg st="3" end="3"/>
-                                            </p:txEl>
-                                          </p:spTgt>
-                                        </p:tgtEl>
-                                        <p:attrNameLst>
-                                          <p:attrName>ppt_y</p:attrName>
-                                        </p:attrNameLst>
-                                      </p:cBhvr>
-                                      <p:tavLst>
-                                        <p:tav tm="0">
-                                          <p:val>
-                                            <p:strVal val="1+#ppt_h/2"/>
-                                          </p:val>
-                                        </p:tav>
-                                        <p:tav tm="100000">
-                                          <p:val>
-                                            <p:strVal val="#ppt_y"/>
-                                          </p:val>
-                                        </p:tav>
-                                      </p:tavLst>
-                                    </p:anim>
+                                      </p:cBhvr>
+                                    </p:animEffect>
                                   </p:childTnLst>
                                 </p:cTn>
                               </p:par>
@@ -3722,7 +3546,7 @@
       </p:sp>
       <p:pic>
         <p:nvPicPr>
-          <p:cNvPr id="6" name="Segnaposto contenuto 5"/>
+          <p:cNvPr id="4" name="Segnaposto contenuto 3"/>
           <p:cNvPicPr>
             <a:picLocks noGrp="1" noChangeAspect="1"/>
           </p:cNvPicPr>
@@ -3731,7 +3555,7 @@
           </p:nvPr>
         </p:nvPicPr>
         <p:blipFill>
-          <a:blip r:embed="rId2">
+          <a:blip r:embed="rId2" cstate="print">
             <a:extLst>
               <a:ext uri="{28A0092B-C50C-407E-A947-70E740481C1C}">
                 <a14:useLocalDpi xmlns:a14="http://schemas.microsoft.com/office/drawing/2010/main" val="0"/>
@@ -3744,8 +3568,8 @@
         </p:blipFill>
         <p:spPr>
           <a:xfrm>
-            <a:off x="2832496" y="1825625"/>
-            <a:ext cx="6527007" cy="4351338"/>
+            <a:off x="2124378" y="2226471"/>
+            <a:ext cx="4895255" cy="3263504"/>
           </a:xfrm>
         </p:spPr>
       </p:pic>
@@ -3759,6 +3583,14 @@
   <p:clrMapOvr>
     <a:masterClrMapping/>
   </p:clrMapOvr>
+  <mc:AlternateContent xmlns:mc="http://schemas.openxmlformats.org/markup-compatibility/2006" xmlns:p14="http://schemas.microsoft.com/office/powerpoint/2010/main">
+    <mc:Choice Requires="p14">
+      <p:transition spd="slow" p14:dur="2000"/>
+    </mc:Choice>
+    <mc:Fallback xmlns="">
+      <p:transition spd="slow"/>
+    </mc:Fallback>
+  </mc:AlternateContent>
   <p:timing>
     <p:tnLst>
       <p:par>
@@ -3780,7 +3612,7 @@
                             </p:stCondLst>
                             <p:childTnLst>
                               <p:par>
-                                <p:cTn id="5" presetID="16" presetClass="entr" presetSubtype="21" fill="hold" nodeType="clickEffect">
+                                <p:cTn id="5" presetID="42" presetClass="entr" presetSubtype="0" fill="hold" nodeType="clickEffect">
                                   <p:stCondLst>
                                     <p:cond delay="0"/>
                                   </p:stCondLst>
@@ -3793,7 +3625,7 @@
                                           </p:stCondLst>
                                         </p:cTn>
                                         <p:tgtEl>
-                                          <p:spTgt spid="6"/>
+                                          <p:spTgt spid="4"/>
                                         </p:tgtEl>
                                         <p:attrNameLst>
                                           <p:attrName>style.visibility</p:attrName>
@@ -3803,14 +3635,60 @@
                                         <p:strVal val="visible"/>
                                       </p:to>
                                     </p:set>
-                                    <p:animEffect transition="in" filter="barn(inVertical)">
-                                      <p:cBhvr>
-                                        <p:cTn id="7" dur="500"/>
-                                        <p:tgtEl>
-                                          <p:spTgt spid="6"/>
+                                    <p:animEffect transition="in" filter="fade">
+                                      <p:cBhvr>
+                                        <p:cTn id="7" dur="1000"/>
+                                        <p:tgtEl>
+                                          <p:spTgt spid="4"/>
                                         </p:tgtEl>
                                       </p:cBhvr>
                                     </p:animEffect>
+                                    <p:anim calcmode="lin" valueType="num">
+                                      <p:cBhvr>
+                                        <p:cTn id="8" dur="1000" fill="hold"/>
+                                        <p:tgtEl>
+                                          <p:spTgt spid="4"/>
+                                        </p:tgtEl>
+                                        <p:attrNameLst>
+                                          <p:attrName>ppt_x</p:attrName>
+                                        </p:attrNameLst>
+                                      </p:cBhvr>
+                                      <p:tavLst>
+                                        <p:tav tm="0">
+                                          <p:val>
+                                            <p:strVal val="#ppt_x"/>
+                                          </p:val>
+                                        </p:tav>
+                                        <p:tav tm="100000">
+                                          <p:val>
+                                            <p:strVal val="#ppt_x"/>
+                                          </p:val>
+                                        </p:tav>
+                                      </p:tavLst>
+                                    </p:anim>
+                                    <p:anim calcmode="lin" valueType="num">
+                                      <p:cBhvr>
+                                        <p:cTn id="9" dur="1000" fill="hold"/>
+                                        <p:tgtEl>
+                                          <p:spTgt spid="4"/>
+                                        </p:tgtEl>
+                                        <p:attrNameLst>
+                                          <p:attrName>ppt_y</p:attrName>
+                                        </p:attrNameLst>
+                                      </p:cBhvr>
+                                      <p:tavLst>
+                                        <p:tav tm="0">
+                                          <p:val>
+                                            <p:strVal val="#ppt_y+.1"/>
+                                          </p:val>
+                                        </p:tav>
+                                        <p:tav tm="100000">
+                                          <p:val>
+                                            <p:strVal val="#ppt_y"/>
+                                          </p:val>
+                                        </p:tav>
+                                      </p:tavLst>
+                                    </p:anim>
                                   </p:childTnLst>
                                 </p:cTn>
                               </p:par>
@@ -3882,17 +3760,26 @@
               <a:rPr lang="it-IT" b="1" dirty="0" smtClean="0">
                 <a:latin typeface="Georgia" panose="02040502050405020303" pitchFamily="18" charset="0"/>
               </a:rPr>
-              <a:t>The world</a:t>
-            </a:r>
-            <a:endParaRPr lang="it-IT" b="1" dirty="0">
-              <a:latin typeface="Georgia" panose="02040502050405020303" pitchFamily="18" charset="0"/>
-            </a:endParaRPr>
+              <a:t>The</a:t>
+            </a:r>
+            <a:r>
+              <a:rPr lang="it-IT" dirty="0" smtClean="0">
+                <a:latin typeface="Georgia" panose="02040502050405020303" pitchFamily="18" charset="0"/>
+              </a:rPr>
+              <a:t> </a:t>
+            </a:r>
+            <a:r>
+              <a:rPr lang="it-IT" b="1" dirty="0">
+                <a:latin typeface="Georgia" panose="02040502050405020303" pitchFamily="18" charset="0"/>
+              </a:rPr>
+              <a:t>world</a:t>
+            </a:r>
           </a:p>
         </p:txBody>
       </p:sp>
       <p:pic>
         <p:nvPicPr>
-          <p:cNvPr id="6" name="Segnaposto contenuto 5"/>
+          <p:cNvPr id="4" name="Segnaposto contenuto 7"/>
           <p:cNvPicPr>
             <a:picLocks noGrp="1" noChangeAspect="1"/>
           </p:cNvPicPr>
@@ -3901,7 +3788,7 @@
           </p:nvPr>
         </p:nvPicPr>
         <p:blipFill>
-          <a:blip r:embed="rId2">
+          <a:blip r:embed="rId2" cstate="print">
             <a:extLst>
               <a:ext uri="{28A0092B-C50C-407E-A947-70E740481C1C}">
                 <a14:useLocalDpi xmlns:a14="http://schemas.microsoft.com/office/drawing/2010/main" val="0"/>
@@ -3914,81 +3801,105 @@
         </p:blipFill>
         <p:spPr>
           <a:xfrm>
-            <a:off x="319957" y="1512586"/>
-            <a:ext cx="6380849" cy="4253900"/>
+            <a:off x="2124378" y="2226471"/>
+            <a:ext cx="4895255" cy="3263504"/>
           </a:xfrm>
         </p:spPr>
       </p:pic>
       <p:sp>
         <p:nvSpPr>
-          <p:cNvPr id="7" name="CasellaDiTesto 6"/>
-          <p:cNvSpPr txBox="1"/>
+          <p:cNvPr id="5" name="Rettangolo 4"/>
+          <p:cNvSpPr/>
           <p:nvPr/>
         </p:nvSpPr>
         <p:spPr>
           <a:xfrm>
-            <a:off x="7323439" y="1676144"/>
-            <a:ext cx="4176584" cy="1754326"/>
+            <a:off x="5190827" y="3015684"/>
+            <a:ext cx="3657600" cy="1938992"/>
           </a:xfrm>
           <a:prstGeom prst="rect">
             <a:avLst/>
           </a:prstGeom>
-          <a:noFill/>
         </p:spPr>
         <p:txBody>
-          <a:bodyPr wrap="square" rtlCol="0">
+          <a:bodyPr wrap="square">
             <a:spAutoFit/>
           </a:bodyPr>
           <a:lstStyle/>
           <a:p>
-            <a:pPr marL="285750" indent="-285750">
+            <a:pPr marL="214308" indent="-214308">
               <a:buFont typeface="Arial" panose="020B0604020202020204" pitchFamily="34" charset="0"/>
               <a:buChar char="•"/>
             </a:pPr>
             <a:r>
-              <a:rPr lang="en-US" i="1" dirty="0"/>
-              <a:t>Taxi picks up </a:t>
-            </a:r>
-            <a:r>
-              <a:rPr lang="en-US" i="1" dirty="0" smtClean="0"/>
-              <a:t>customers</a:t>
-            </a:r>
-            <a:r>
-              <a:rPr lang="en-US" dirty="0"/>
-              <a:t> </a:t>
-            </a:r>
-            <a:r>
-              <a:rPr lang="en-US" dirty="0" smtClean="0"/>
-              <a:t>– happens exclusively in the world and it is not observed by the machine</a:t>
-            </a:r>
-          </a:p>
-          <a:p>
-            <a:pPr marL="285750" indent="-285750">
+              <a:rPr lang="en-US" sz="1500" i="1" dirty="0">
+                <a:latin typeface="Georgia" panose="02040502050405020303" pitchFamily="18" charset="0"/>
+              </a:rPr>
+              <a:t>Taxi picks up customers</a:t>
+            </a:r>
+            <a:r>
+              <a:rPr lang="en-US" sz="1500" dirty="0">
+                <a:latin typeface="Georgia" panose="02040502050405020303" pitchFamily="18" charset="0"/>
+              </a:rPr>
+              <a:t> – happens exclusively in the world and it is not observed by the </a:t>
+            </a:r>
+            <a:r>
+              <a:rPr lang="en-US" sz="1500" dirty="0">
+                <a:latin typeface="Georgia" panose="02040502050405020303" pitchFamily="18" charset="0"/>
+              </a:rPr>
+              <a:t>machine</a:t>
+            </a:r>
+          </a:p>
+          <a:p>
+            <a:pPr marL="214308" indent="-214308">
               <a:buFont typeface="Arial" panose="020B0604020202020204" pitchFamily="34" charset="0"/>
               <a:buChar char="•"/>
             </a:pPr>
-            <a:r>
-              <a:rPr lang="en-US" i="1" dirty="0" smtClean="0"/>
+            <a:endParaRPr lang="en-US" sz="1500" dirty="0">
+              <a:latin typeface="Georgia" panose="02040502050405020303" pitchFamily="18" charset="0"/>
+            </a:endParaRPr>
+          </a:p>
+          <a:p>
+            <a:pPr marL="214308" indent="-214308">
+              <a:buFont typeface="Arial" panose="020B0604020202020204" pitchFamily="34" charset="0"/>
+              <a:buChar char="•"/>
+            </a:pPr>
+            <a:r>
+              <a:rPr lang="en-US" sz="1500" i="1" dirty="0">
+                <a:latin typeface="Georgia" panose="02040502050405020303" pitchFamily="18" charset="0"/>
+              </a:rPr>
               <a:t>Taxi drops customers to destination –</a:t>
             </a:r>
             <a:r>
-              <a:rPr lang="en-US" dirty="0" smtClean="0"/>
+              <a:rPr lang="en-US" sz="1500" dirty="0">
+                <a:latin typeface="Georgia" panose="02040502050405020303" pitchFamily="18" charset="0"/>
+              </a:rPr>
               <a:t> it is not seen by the machine, which can only see the driver’s change of status</a:t>
             </a:r>
-            <a:endParaRPr lang="it-IT" i="1" dirty="0"/>
+            <a:endParaRPr lang="it-IT" sz="1500" i="1" dirty="0">
+              <a:latin typeface="Georgia" panose="02040502050405020303" pitchFamily="18" charset="0"/>
+            </a:endParaRPr>
           </a:p>
         </p:txBody>
       </p:sp>
     </p:spTree>
     <p:extLst>
       <p:ext uri="{BB962C8B-B14F-4D97-AF65-F5344CB8AC3E}">
-        <p14:creationId xmlns:p14="http://schemas.microsoft.com/office/powerpoint/2010/main" val="1406241533"/>
+        <p14:creationId xmlns:p14="http://schemas.microsoft.com/office/powerpoint/2010/main" val="3686275869"/>
       </p:ext>
     </p:extLst>
   </p:cSld>
   <p:clrMapOvr>
     <a:masterClrMapping/>
   </p:clrMapOvr>
+  <mc:AlternateContent xmlns:mc="http://schemas.openxmlformats.org/markup-compatibility/2006" xmlns:p14="http://schemas.microsoft.com/office/powerpoint/2010/main">
+    <mc:Choice Requires="p14">
+      <p:transition spd="slow" p14:dur="2000"/>
+    </mc:Choice>
+    <mc:Fallback xmlns="">
+      <p:transition spd="slow"/>
+    </mc:Fallback>
+  </mc:AlternateContent>
   <p:timing>
     <p:tnLst>
       <p:par>
@@ -4001,6 +3912,9 @@
                     <p:cTn id="3" fill="hold">
                       <p:stCondLst>
                         <p:cond delay="indefinite"/>
+                        <p:cond evt="onBegin" delay="0">
+                          <p:tn val="2"/>
+                        </p:cond>
                       </p:stCondLst>
                       <p:childTnLst>
                         <p:par>
@@ -4010,7 +3924,7 @@
                             </p:stCondLst>
                             <p:childTnLst>
                               <p:par>
-                                <p:cTn id="5" presetID="2" presetClass="entr" presetSubtype="2" fill="hold" nodeType="clickEffect">
+                                <p:cTn id="5" presetID="10" presetClass="entr" presetSubtype="0" fill="hold" nodeType="withEffect">
                                   <p:stCondLst>
                                     <p:cond delay="0"/>
                                   </p:stCondLst>
@@ -4023,11 +3937,7 @@
                                           </p:stCondLst>
                                         </p:cTn>
                                         <p:tgtEl>
-                                          <p:spTgt spid="7">
-                                            <p:txEl>
-                                              <p:pRg st="0" end="0"/>
-                                            </p:txEl>
-                                          </p:spTgt>
+                                          <p:spTgt spid="4"/>
                                         </p:tgtEl>
                                         <p:attrNameLst>
                                           <p:attrName>style.visibility</p:attrName>
@@ -4037,60 +3947,49 @@
                                         <p:strVal val="visible"/>
                                       </p:to>
                                     </p:set>
-                                    <p:anim calcmode="lin" valueType="num">
-                                      <p:cBhvr additive="base">
-                                        <p:cTn id="7" dur="500" fill="hold"/>
-                                        <p:tgtEl>
-                                          <p:spTgt spid="7">
-                                            <p:txEl>
-                                              <p:pRg st="0" end="0"/>
-                                            </p:txEl>
-                                          </p:spTgt>
+                                    <p:animEffect transition="in" filter="fade">
+                                      <p:cBhvr>
+                                        <p:cTn id="7" dur="500"/>
+                                        <p:tgtEl>
+                                          <p:spTgt spid="4"/>
+                                        </p:tgtEl>
+                                      </p:cBhvr>
+                                    </p:animEffect>
+                                  </p:childTnLst>
+                                </p:cTn>
+                              </p:par>
+                              <p:par>
+                                <p:cTn id="8" presetID="10" presetClass="entr" presetSubtype="0" fill="hold" grpId="0" nodeType="withEffect">
+                                  <p:stCondLst>
+                                    <p:cond delay="0"/>
+                                  </p:stCondLst>
+                                  <p:childTnLst>
+                                    <p:set>
+                                      <p:cBhvr>
+                                        <p:cTn id="9" dur="1" fill="hold">
+                                          <p:stCondLst>
+                                            <p:cond delay="0"/>
+                                          </p:stCondLst>
+                                        </p:cTn>
+                                        <p:tgtEl>
+                                          <p:spTgt spid="2"/>
                                         </p:tgtEl>
                                         <p:attrNameLst>
-                                          <p:attrName>ppt_x</p:attrName>
+                                          <p:attrName>style.visibility</p:attrName>
                                         </p:attrNameLst>
                                       </p:cBhvr>
-                                      <p:tavLst>
-                                        <p:tav tm="0">
-                                          <p:val>
-                                            <p:strVal val="1+#ppt_w/2"/>
-                                          </p:val>
-                                        </p:tav>
-                                        <p:tav tm="100000">
-                                          <p:val>
-                                            <p:strVal val="#ppt_x"/>
-                                          </p:val>
-                                        </p:tav>
-                                      </p:tavLst>
-                                    </p:anim>
-                                    <p:anim calcmode="lin" valueType="num">
-                                      <p:cBhvr additive="base">
-                                        <p:cTn id="8" dur="500" fill="hold"/>
-                                        <p:tgtEl>
-                                          <p:spTgt spid="7">
-                                            <p:txEl>
-                                              <p:pRg st="0" end="0"/>
-                                            </p:txEl>
-                                          </p:spTgt>
-                                        </p:tgtEl>
-                                        <p:attrNameLst>
-                                          <p:attrName>ppt_y</p:attrName>
-                                        </p:attrNameLst>
-                                      </p:cBhvr>
-                                      <p:tavLst>
-                                        <p:tav tm="0">
-                                          <p:val>
-                                            <p:strVal val="#ppt_y"/>
-                                          </p:val>
-                                        </p:tav>
-                                        <p:tav tm="100000">
-                                          <p:val>
-                                            <p:strVal val="#ppt_y"/>
-                                          </p:val>
-                                        </p:tav>
-                                      </p:tavLst>
-                                    </p:anim>
+                                      <p:to>
+                                        <p:strVal val="visible"/>
+                                      </p:to>
+                                    </p:set>
+                                    <p:animEffect transition="in" filter="fade">
+                                      <p:cBhvr>
+                                        <p:cTn id="10" dur="500"/>
+                                        <p:tgtEl>
+                                          <p:spTgt spid="2"/>
+                                        </p:tgtEl>
+                                      </p:cBhvr>
+                                    </p:animEffect>
                                   </p:childTnLst>
                                 </p:cTn>
                               </p:par>
@@ -4101,99 +4000,36 @@
                     </p:cTn>
                   </p:par>
                   <p:par>
-                    <p:cTn id="9" fill="hold">
+                    <p:cTn id="11" fill="hold">
                       <p:stCondLst>
                         <p:cond delay="indefinite"/>
                       </p:stCondLst>
                       <p:childTnLst>
                         <p:par>
-                          <p:cTn id="10" fill="hold">
+                          <p:cTn id="12" fill="hold">
                             <p:stCondLst>
                               <p:cond delay="0"/>
                             </p:stCondLst>
                             <p:childTnLst>
                               <p:par>
-                                <p:cTn id="11" presetID="2" presetClass="entr" presetSubtype="2" fill="hold" nodeType="clickEffect">
+                                <p:cTn id="13" presetID="35" presetClass="path" presetSubtype="0" accel="50000" decel="50000" fill="hold" nodeType="clickEffect">
                                   <p:stCondLst>
                                     <p:cond delay="0"/>
                                   </p:stCondLst>
                                   <p:childTnLst>
-                                    <p:set>
-                                      <p:cBhvr>
-                                        <p:cTn id="12" dur="1" fill="hold">
-                                          <p:stCondLst>
-                                            <p:cond delay="0"/>
-                                          </p:stCondLst>
-                                        </p:cTn>
-                                        <p:tgtEl>
-                                          <p:spTgt spid="7">
-                                            <p:txEl>
-                                              <p:pRg st="1" end="1"/>
-                                            </p:txEl>
-                                          </p:spTgt>
-                                        </p:tgtEl>
-                                        <p:attrNameLst>
-                                          <p:attrName>style.visibility</p:attrName>
-                                        </p:attrNameLst>
-                                      </p:cBhvr>
-                                      <p:to>
-                                        <p:strVal val="visible"/>
-                                      </p:to>
-                                    </p:set>
-                                    <p:anim calcmode="lin" valueType="num">
-                                      <p:cBhvr additive="base">
-                                        <p:cTn id="13" dur="500" fill="hold"/>
-                                        <p:tgtEl>
-                                          <p:spTgt spid="7">
-                                            <p:txEl>
-                                              <p:pRg st="1" end="1"/>
-                                            </p:txEl>
-                                          </p:spTgt>
+                                    <p:animMotion origin="layout" path="M 0 -3.33333E-6 L -0.23047 0.00047 " pathEditMode="relative" rAng="0" ptsTypes="AA">
+                                      <p:cBhvr>
+                                        <p:cTn id="14" dur="2000" fill="hold"/>
+                                        <p:tgtEl>
+                                          <p:spTgt spid="4"/>
                                         </p:tgtEl>
                                         <p:attrNameLst>
                                           <p:attrName>ppt_x</p:attrName>
-                                        </p:attrNameLst>
-                                      </p:cBhvr>
-                                      <p:tavLst>
-                                        <p:tav tm="0">
-                                          <p:val>
-                                            <p:strVal val="1+#ppt_w/2"/>
-                                          </p:val>
-                                        </p:tav>
-                                        <p:tav tm="100000">
-                                          <p:val>
-                                            <p:strVal val="#ppt_x"/>
-                                          </p:val>
-                                        </p:tav>
-                                      </p:tavLst>
-                                    </p:anim>
-                                    <p:anim calcmode="lin" valueType="num">
-                                      <p:cBhvr additive="base">
-                                        <p:cTn id="14" dur="500" fill="hold"/>
-                                        <p:tgtEl>
-                                          <p:spTgt spid="7">
-                                            <p:txEl>
-                                              <p:pRg st="1" end="1"/>
-                                            </p:txEl>
-                                          </p:spTgt>
-                                        </p:tgtEl>
-                                        <p:attrNameLst>
                                           <p:attrName>ppt_y</p:attrName>
                                         </p:attrNameLst>
                                       </p:cBhvr>
-                                      <p:tavLst>
-                                        <p:tav tm="0">
-                                          <p:val>
-                                            <p:strVal val="#ppt_y"/>
-                                          </p:val>
-                                        </p:tav>
-                                        <p:tav tm="100000">
-                                          <p:val>
-                                            <p:strVal val="#ppt_y"/>
-                                          </p:val>
-                                        </p:tav>
-                                      </p:tavLst>
-                                    </p:anim>
+                                      <p:rCtr x="-11523" y="23"/>
+                                    </p:animMotion>
                                   </p:childTnLst>
                                 </p:cTn>
                               </p:par>
@@ -4216,7 +4052,7 @@
                             </p:stCondLst>
                             <p:childTnLst>
                               <p:par>
-                                <p:cTn id="17" presetID="16" presetClass="entr" presetSubtype="21" fill="hold" nodeType="clickEffect">
+                                <p:cTn id="17" presetID="10" presetClass="entr" presetSubtype="0" fill="hold" nodeType="clickEffect">
                                   <p:stCondLst>
                                     <p:cond delay="0"/>
                                   </p:stCondLst>
@@ -4229,7 +4065,11 @@
                                           </p:stCondLst>
                                         </p:cTn>
                                         <p:tgtEl>
-                                          <p:spTgt spid="6"/>
+                                          <p:spTgt spid="5">
+                                            <p:txEl>
+                                              <p:pRg st="0" end="0"/>
+                                            </p:txEl>
+                                          </p:spTgt>
                                         </p:tgtEl>
                                         <p:attrNameLst>
                                           <p:attrName>style.visibility</p:attrName>
@@ -4239,11 +4079,76 @@
                                         <p:strVal val="visible"/>
                                       </p:to>
                                     </p:set>
-                                    <p:animEffect transition="in" filter="barn(inVertical)">
+                                    <p:animEffect transition="in" filter="fade">
                                       <p:cBhvr>
                                         <p:cTn id="19" dur="500"/>
                                         <p:tgtEl>
-                                          <p:spTgt spid="6"/>
+                                          <p:spTgt spid="5">
+                                            <p:txEl>
+                                              <p:pRg st="0" end="0"/>
+                                            </p:txEl>
+                                          </p:spTgt>
+                                        </p:tgtEl>
+                                      </p:cBhvr>
+                                    </p:animEffect>
+                                  </p:childTnLst>
+                                </p:cTn>
+                              </p:par>
+                            </p:childTnLst>
+                          </p:cTn>
+                        </p:par>
+                      </p:childTnLst>
+                    </p:cTn>
+                  </p:par>
+                  <p:par>
+                    <p:cTn id="20" fill="hold">
+                      <p:stCondLst>
+                        <p:cond delay="indefinite"/>
+                      </p:stCondLst>
+                      <p:childTnLst>
+                        <p:par>
+                          <p:cTn id="21" fill="hold">
+                            <p:stCondLst>
+                              <p:cond delay="0"/>
+                            </p:stCondLst>
+                            <p:childTnLst>
+                              <p:par>
+                                <p:cTn id="22" presetID="10" presetClass="entr" presetSubtype="0" fill="hold" nodeType="clickEffect">
+                                  <p:stCondLst>
+                                    <p:cond delay="0"/>
+                                  </p:stCondLst>
+                                  <p:childTnLst>
+                                    <p:set>
+                                      <p:cBhvr>
+                                        <p:cTn id="23" dur="1" fill="hold">
+                                          <p:stCondLst>
+                                            <p:cond delay="0"/>
+                                          </p:stCondLst>
+                                        </p:cTn>
+                                        <p:tgtEl>
+                                          <p:spTgt spid="5">
+                                            <p:txEl>
+                                              <p:pRg st="2" end="2"/>
+                                            </p:txEl>
+                                          </p:spTgt>
+                                        </p:tgtEl>
+                                        <p:attrNameLst>
+                                          <p:attrName>style.visibility</p:attrName>
+                                        </p:attrNameLst>
+                                      </p:cBhvr>
+                                      <p:to>
+                                        <p:strVal val="visible"/>
+                                      </p:to>
+                                    </p:set>
+                                    <p:animEffect transition="in" filter="fade">
+                                      <p:cBhvr>
+                                        <p:cTn id="24" dur="500"/>
+                                        <p:tgtEl>
+                                          <p:spTgt spid="5">
+                                            <p:txEl>
+                                              <p:pRg st="2" end="2"/>
+                                            </p:txEl>
+                                          </p:spTgt>
                                         </p:tgtEl>
                                       </p:cBhvr>
                                     </p:animEffect>
@@ -4277,6 +4182,9 @@
         </p:cTn>
       </p:par>
     </p:tnLst>
+    <p:bldLst>
+      <p:bldP spid="2" grpId="0"/>
+    </p:bldLst>
   </p:timing>
 </p:sld>
 </file>
@@ -4313,6 +4221,7 @@
           <a:bodyPr/>
           <a:lstStyle/>
           <a:p>
+            <a:pPr algn="ctr"/>
             <a:r>
               <a:rPr lang="it-IT" b="1" dirty="0" smtClean="0">
                 <a:latin typeface="Georgia" panose="02040502050405020303" pitchFamily="18" charset="0"/>
@@ -4328,22 +4237,253 @@
           </a:p>
         </p:txBody>
       </p:sp>
-      <p:sp>
-        <p:nvSpPr>
-          <p:cNvPr id="3" name="Segnaposto contenuto 2"/>
-          <p:cNvSpPr>
-            <a:spLocks noGrp="1"/>
-          </p:cNvSpPr>
+      <p:pic>
+        <p:nvPicPr>
+          <p:cNvPr id="4" name="Segnaposto contenuto 3"/>
+          <p:cNvPicPr>
+            <a:picLocks noGrp="1" noChangeAspect="1"/>
+          </p:cNvPicPr>
           <p:nvPr>
             <p:ph idx="1"/>
           </p:nvPr>
-        </p:nvSpPr>
-        <p:spPr/>
-        <p:txBody>
-          <a:bodyPr/>
+        </p:nvPicPr>
+        <p:blipFill>
+          <a:blip r:embed="rId2" cstate="print">
+            <a:extLst>
+              <a:ext uri="{28A0092B-C50C-407E-A947-70E740481C1C}">
+                <a14:useLocalDpi xmlns:a14="http://schemas.microsoft.com/office/drawing/2010/main" val="0"/>
+              </a:ext>
+            </a:extLst>
+          </a:blip>
+          <a:stretch>
+            <a:fillRect/>
+          </a:stretch>
+        </p:blipFill>
+        <p:spPr>
+          <a:xfrm>
+            <a:off x="2124378" y="2226471"/>
+            <a:ext cx="4895255" cy="3263504"/>
+          </a:xfrm>
+        </p:spPr>
+      </p:pic>
+      <p:sp>
+        <p:nvSpPr>
+          <p:cNvPr id="5" name="CasellaDiTesto 4"/>
+          <p:cNvSpPr txBox="1"/>
+          <p:nvPr/>
+        </p:nvSpPr>
+        <p:spPr>
+          <a:xfrm>
+            <a:off x="5224590" y="2265481"/>
+            <a:ext cx="3462215" cy="3208571"/>
+          </a:xfrm>
+          <a:prstGeom prst="rect">
+            <a:avLst/>
+          </a:prstGeom>
+          <a:noFill/>
+        </p:spPr>
+        <p:txBody>
+          <a:bodyPr wrap="square" rtlCol="0">
+            <a:spAutoFit/>
+          </a:bodyPr>
           <a:lstStyle/>
           <a:p>
-            <a:endParaRPr lang="it-IT"/>
+            <a:pPr marL="214308" indent="-214308">
+              <a:buFont typeface="Arial" panose="020B0604020202020204" pitchFamily="34" charset="0"/>
+              <a:buChar char="•"/>
+            </a:pPr>
+            <a:r>
+              <a:rPr lang="en-US" sz="1350" i="1" dirty="0">
+                <a:latin typeface="Georgia" panose="02040502050405020303" pitchFamily="18" charset="0"/>
+              </a:rPr>
+              <a:t>Users database</a:t>
+            </a:r>
+            <a:r>
+              <a:rPr lang="it-IT" sz="1350" dirty="0">
+                <a:latin typeface="Georgia" panose="02040502050405020303" pitchFamily="18" charset="0"/>
+              </a:rPr>
+              <a:t> – </a:t>
+            </a:r>
+            <a:r>
+              <a:rPr lang="en-US" sz="1350" dirty="0">
+                <a:latin typeface="Georgia" panose="02040502050405020303" pitchFamily="18" charset="0"/>
+              </a:rPr>
+              <a:t>Contains</a:t>
+            </a:r>
+            <a:r>
+              <a:rPr lang="it-IT" sz="1350" dirty="0">
+                <a:latin typeface="Georgia" panose="02040502050405020303" pitchFamily="18" charset="0"/>
+              </a:rPr>
+              <a:t> </a:t>
+            </a:r>
+            <a:r>
+              <a:rPr lang="it-IT" sz="1350" dirty="0" err="1">
+                <a:latin typeface="Georgia" panose="02040502050405020303" pitchFamily="18" charset="0"/>
+              </a:rPr>
+              <a:t>all</a:t>
+            </a:r>
+            <a:r>
+              <a:rPr lang="it-IT" sz="1350" dirty="0">
+                <a:latin typeface="Georgia" panose="02040502050405020303" pitchFamily="18" charset="0"/>
+              </a:rPr>
+              <a:t> the </a:t>
+            </a:r>
+            <a:r>
+              <a:rPr lang="it-IT" sz="1350" dirty="0" err="1">
+                <a:latin typeface="Georgia" panose="02040502050405020303" pitchFamily="18" charset="0"/>
+              </a:rPr>
+              <a:t>users</a:t>
+            </a:r>
+            <a:r>
+              <a:rPr lang="it-IT" sz="1350" dirty="0">
+                <a:latin typeface="Georgia" panose="02040502050405020303" pitchFamily="18" charset="0"/>
+              </a:rPr>
+              <a:t>’ </a:t>
+            </a:r>
+            <a:r>
+              <a:rPr lang="it-IT" sz="1350" dirty="0">
+                <a:latin typeface="Georgia" panose="02040502050405020303" pitchFamily="18" charset="0"/>
+              </a:rPr>
+              <a:t>accounts: </a:t>
+            </a:r>
+            <a:r>
+              <a:rPr lang="it-IT" sz="1350" dirty="0" err="1">
+                <a:latin typeface="Georgia" panose="02040502050405020303" pitchFamily="18" charset="0"/>
+              </a:rPr>
+              <a:t>Admins</a:t>
+            </a:r>
+            <a:r>
+              <a:rPr lang="it-IT" sz="1350" dirty="0">
+                <a:latin typeface="Georgia" panose="02040502050405020303" pitchFamily="18" charset="0"/>
+              </a:rPr>
+              <a:t>, Taxi drivers and </a:t>
+            </a:r>
+            <a:r>
+              <a:rPr lang="it-IT" sz="1350" dirty="0" err="1">
+                <a:latin typeface="Georgia" panose="02040502050405020303" pitchFamily="18" charset="0"/>
+              </a:rPr>
+              <a:t>Customers</a:t>
+            </a:r>
+            <a:endParaRPr lang="it-IT" sz="1350" dirty="0">
+              <a:latin typeface="Georgia" panose="02040502050405020303" pitchFamily="18" charset="0"/>
+            </a:endParaRPr>
+          </a:p>
+          <a:p>
+            <a:pPr marL="214308" indent="-214308">
+              <a:buFont typeface="Arial" panose="020B0604020202020204" pitchFamily="34" charset="0"/>
+              <a:buChar char="•"/>
+            </a:pPr>
+            <a:r>
+              <a:rPr lang="en-US" sz="1350" i="1" dirty="0">
+                <a:latin typeface="Georgia" panose="02040502050405020303" pitchFamily="18" charset="0"/>
+              </a:rPr>
+              <a:t>Taxi identifier database - </a:t>
+            </a:r>
+            <a:r>
+              <a:rPr lang="en-US" sz="1350" dirty="0">
+                <a:latin typeface="Georgia" panose="02040502050405020303" pitchFamily="18" charset="0"/>
+              </a:rPr>
+              <a:t>contain all the information about taxis and their assigned drivers</a:t>
+            </a:r>
+            <a:r>
+              <a:rPr lang="en-US" sz="1350" dirty="0">
+                <a:latin typeface="Georgia" panose="02040502050405020303" pitchFamily="18" charset="0"/>
+              </a:rPr>
+              <a:t>.</a:t>
+            </a:r>
+          </a:p>
+          <a:p>
+            <a:pPr marL="214308" indent="-214308">
+              <a:buFont typeface="Arial" panose="020B0604020202020204" pitchFamily="34" charset="0"/>
+              <a:buChar char="•"/>
+            </a:pPr>
+            <a:r>
+              <a:rPr lang="en-US" sz="1350" i="1" dirty="0">
+                <a:latin typeface="Georgia" panose="02040502050405020303" pitchFamily="18" charset="0"/>
+              </a:rPr>
+              <a:t>Taxi ride database - </a:t>
+            </a:r>
+            <a:r>
+              <a:rPr lang="en-US" sz="1350" dirty="0">
+                <a:latin typeface="Georgia" panose="02040502050405020303" pitchFamily="18" charset="0"/>
+              </a:rPr>
+              <a:t>Store all the information regarding </a:t>
+            </a:r>
+            <a:r>
+              <a:rPr lang="en-US" sz="1350" dirty="0">
+                <a:latin typeface="Georgia" panose="02040502050405020303" pitchFamily="18" charset="0"/>
+              </a:rPr>
+              <a:t>actual, </a:t>
+            </a:r>
+            <a:r>
+              <a:rPr lang="en-US" sz="1350" dirty="0">
+                <a:latin typeface="Georgia" panose="02040502050405020303" pitchFamily="18" charset="0"/>
+              </a:rPr>
+              <a:t>past </a:t>
+            </a:r>
+            <a:r>
+              <a:rPr lang="en-US" sz="1350" dirty="0">
+                <a:latin typeface="Georgia" panose="02040502050405020303" pitchFamily="18" charset="0"/>
+              </a:rPr>
+              <a:t>and future taxi rides</a:t>
+            </a:r>
+          </a:p>
+          <a:p>
+            <a:pPr marL="214308" indent="-214308">
+              <a:buFont typeface="Arial" panose="020B0604020202020204" pitchFamily="34" charset="0"/>
+              <a:buChar char="•"/>
+            </a:pPr>
+            <a:r>
+              <a:rPr lang="en-US" sz="1350" i="1" dirty="0">
+                <a:latin typeface="Georgia" panose="02040502050405020303" pitchFamily="18" charset="0"/>
+              </a:rPr>
+              <a:t>City map and taxi zones system – </a:t>
+            </a:r>
+            <a:r>
+              <a:rPr lang="en-US" sz="1350" dirty="0">
+                <a:latin typeface="Georgia" panose="02040502050405020303" pitchFamily="18" charset="0"/>
+              </a:rPr>
+              <a:t>Contains and manages the taxi zones and the </a:t>
+            </a:r>
+            <a:r>
+              <a:rPr lang="en-US" sz="1350" dirty="0">
+                <a:latin typeface="Georgia" panose="02040502050405020303" pitchFamily="18" charset="0"/>
+              </a:rPr>
+              <a:t>queues</a:t>
+            </a:r>
+            <a:endParaRPr lang="en-US" sz="1350" i="1" dirty="0">
+              <a:latin typeface="Georgia" panose="02040502050405020303" pitchFamily="18" charset="0"/>
+            </a:endParaRPr>
+          </a:p>
+          <a:p>
+            <a:pPr marL="214308" indent="-214308">
+              <a:buFont typeface="Arial" panose="020B0604020202020204" pitchFamily="34" charset="0"/>
+              <a:buChar char="•"/>
+            </a:pPr>
+            <a:r>
+              <a:rPr lang="en-US" sz="1350" i="1" dirty="0">
+                <a:latin typeface="Georgia" panose="02040502050405020303" pitchFamily="18" charset="0"/>
+              </a:rPr>
+              <a:t>Request</a:t>
+            </a:r>
+            <a:r>
+              <a:rPr lang="en-US" sz="1350" i="1" dirty="0">
+                <a:latin typeface="Georgia" panose="02040502050405020303" pitchFamily="18" charset="0"/>
+              </a:rPr>
+              <a:t>, reservation and allocation </a:t>
+            </a:r>
+            <a:r>
+              <a:rPr lang="en-US" sz="1350" i="1" dirty="0">
+                <a:latin typeface="Georgia" panose="02040502050405020303" pitchFamily="18" charset="0"/>
+              </a:rPr>
+              <a:t>system – </a:t>
+            </a:r>
+            <a:r>
+              <a:rPr lang="en-US" sz="1350" dirty="0">
+                <a:latin typeface="Georgia" panose="02040502050405020303" pitchFamily="18" charset="0"/>
+              </a:rPr>
+              <a:t>manages the main application logic</a:t>
+            </a:r>
           </a:p>
         </p:txBody>
       </p:sp>
@@ -4360,9 +4500,1301 @@
   <p:timing>
     <p:tnLst>
       <p:par>
-        <p:cTn id="1" dur="indefinite" restart="never" nodeType="tmRoot"/>
+        <p:cTn id="1" dur="indefinite" restart="never" nodeType="tmRoot">
+          <p:childTnLst>
+            <p:seq concurrent="1" nextAc="seek">
+              <p:cTn id="2" dur="indefinite" nodeType="mainSeq">
+                <p:childTnLst>
+                  <p:par>
+                    <p:cTn id="3" fill="hold">
+                      <p:stCondLst>
+                        <p:cond delay="indefinite"/>
+                        <p:cond evt="onBegin" delay="0">
+                          <p:tn val="2"/>
+                        </p:cond>
+                      </p:stCondLst>
+                      <p:childTnLst>
+                        <p:par>
+                          <p:cTn id="4" fill="hold">
+                            <p:stCondLst>
+                              <p:cond delay="0"/>
+                            </p:stCondLst>
+                            <p:childTnLst>
+                              <p:par>
+                                <p:cTn id="5" presetID="10" presetClass="entr" presetSubtype="0" fill="hold" grpId="0" nodeType="withEffect">
+                                  <p:stCondLst>
+                                    <p:cond delay="0"/>
+                                  </p:stCondLst>
+                                  <p:childTnLst>
+                                    <p:set>
+                                      <p:cBhvr>
+                                        <p:cTn id="6" dur="1" fill="hold">
+                                          <p:stCondLst>
+                                            <p:cond delay="0"/>
+                                          </p:stCondLst>
+                                        </p:cTn>
+                                        <p:tgtEl>
+                                          <p:spTgt spid="2"/>
+                                        </p:tgtEl>
+                                        <p:attrNameLst>
+                                          <p:attrName>style.visibility</p:attrName>
+                                        </p:attrNameLst>
+                                      </p:cBhvr>
+                                      <p:to>
+                                        <p:strVal val="visible"/>
+                                      </p:to>
+                                    </p:set>
+                                    <p:animEffect transition="in" filter="fade">
+                                      <p:cBhvr>
+                                        <p:cTn id="7" dur="500"/>
+                                        <p:tgtEl>
+                                          <p:spTgt spid="2"/>
+                                        </p:tgtEl>
+                                      </p:cBhvr>
+                                    </p:animEffect>
+                                  </p:childTnLst>
+                                </p:cTn>
+                              </p:par>
+                              <p:par>
+                                <p:cTn id="8" presetID="10" presetClass="entr" presetSubtype="0" fill="hold" nodeType="withEffect">
+                                  <p:stCondLst>
+                                    <p:cond delay="0"/>
+                                  </p:stCondLst>
+                                  <p:childTnLst>
+                                    <p:set>
+                                      <p:cBhvr>
+                                        <p:cTn id="9" dur="1" fill="hold">
+                                          <p:stCondLst>
+                                            <p:cond delay="0"/>
+                                          </p:stCondLst>
+                                        </p:cTn>
+                                        <p:tgtEl>
+                                          <p:spTgt spid="4"/>
+                                        </p:tgtEl>
+                                        <p:attrNameLst>
+                                          <p:attrName>style.visibility</p:attrName>
+                                        </p:attrNameLst>
+                                      </p:cBhvr>
+                                      <p:to>
+                                        <p:strVal val="visible"/>
+                                      </p:to>
+                                    </p:set>
+                                    <p:animEffect transition="in" filter="fade">
+                                      <p:cBhvr>
+                                        <p:cTn id="10" dur="500"/>
+                                        <p:tgtEl>
+                                          <p:spTgt spid="4"/>
+                                        </p:tgtEl>
+                                      </p:cBhvr>
+                                    </p:animEffect>
+                                  </p:childTnLst>
+                                </p:cTn>
+                              </p:par>
+                            </p:childTnLst>
+                          </p:cTn>
+                        </p:par>
+                      </p:childTnLst>
+                    </p:cTn>
+                  </p:par>
+                  <p:par>
+                    <p:cTn id="11" fill="hold">
+                      <p:stCondLst>
+                        <p:cond delay="indefinite"/>
+                      </p:stCondLst>
+                      <p:childTnLst>
+                        <p:par>
+                          <p:cTn id="12" fill="hold">
+                            <p:stCondLst>
+                              <p:cond delay="0"/>
+                            </p:stCondLst>
+                            <p:childTnLst>
+                              <p:par>
+                                <p:cTn id="13" presetID="35" presetClass="path" presetSubtype="0" accel="50000" decel="50000" fill="hold" nodeType="clickEffect">
+                                  <p:stCondLst>
+                                    <p:cond delay="0"/>
+                                  </p:stCondLst>
+                                  <p:childTnLst>
+                                    <p:animMotion origin="layout" path="M 0 -3.33333E-6 L -0.2263 -0.00069 " pathEditMode="fixed" rAng="0" ptsTypes="AA">
+                                      <p:cBhvr>
+                                        <p:cTn id="14" dur="2000" fill="hold"/>
+                                        <p:tgtEl>
+                                          <p:spTgt spid="4"/>
+                                        </p:tgtEl>
+                                        <p:attrNameLst>
+                                          <p:attrName>ppt_x</p:attrName>
+                                          <p:attrName>ppt_y</p:attrName>
+                                        </p:attrNameLst>
+                                      </p:cBhvr>
+                                      <p:rCtr x="-11315" y="-46"/>
+                                    </p:animMotion>
+                                  </p:childTnLst>
+                                </p:cTn>
+                              </p:par>
+                            </p:childTnLst>
+                          </p:cTn>
+                        </p:par>
+                      </p:childTnLst>
+                    </p:cTn>
+                  </p:par>
+                  <p:par>
+                    <p:cTn id="15" fill="hold">
+                      <p:stCondLst>
+                        <p:cond delay="indefinite"/>
+                      </p:stCondLst>
+                      <p:childTnLst>
+                        <p:par>
+                          <p:cTn id="16" fill="hold">
+                            <p:stCondLst>
+                              <p:cond delay="0"/>
+                            </p:stCondLst>
+                            <p:childTnLst>
+                              <p:par>
+                                <p:cTn id="17" presetID="10" presetClass="entr" presetSubtype="0" fill="hold" nodeType="clickEffect">
+                                  <p:stCondLst>
+                                    <p:cond delay="0"/>
+                                  </p:stCondLst>
+                                  <p:childTnLst>
+                                    <p:set>
+                                      <p:cBhvr>
+                                        <p:cTn id="18" dur="1" fill="hold">
+                                          <p:stCondLst>
+                                            <p:cond delay="0"/>
+                                          </p:stCondLst>
+                                        </p:cTn>
+                                        <p:tgtEl>
+                                          <p:spTgt spid="5">
+                                            <p:txEl>
+                                              <p:pRg st="0" end="0"/>
+                                            </p:txEl>
+                                          </p:spTgt>
+                                        </p:tgtEl>
+                                        <p:attrNameLst>
+                                          <p:attrName>style.visibility</p:attrName>
+                                        </p:attrNameLst>
+                                      </p:cBhvr>
+                                      <p:to>
+                                        <p:strVal val="visible"/>
+                                      </p:to>
+                                    </p:set>
+                                    <p:animEffect transition="in" filter="fade">
+                                      <p:cBhvr>
+                                        <p:cTn id="19" dur="500"/>
+                                        <p:tgtEl>
+                                          <p:spTgt spid="5">
+                                            <p:txEl>
+                                              <p:pRg st="0" end="0"/>
+                                            </p:txEl>
+                                          </p:spTgt>
+                                        </p:tgtEl>
+                                      </p:cBhvr>
+                                    </p:animEffect>
+                                  </p:childTnLst>
+                                </p:cTn>
+                              </p:par>
+                            </p:childTnLst>
+                          </p:cTn>
+                        </p:par>
+                      </p:childTnLst>
+                    </p:cTn>
+                  </p:par>
+                  <p:par>
+                    <p:cTn id="20" fill="hold">
+                      <p:stCondLst>
+                        <p:cond delay="indefinite"/>
+                      </p:stCondLst>
+                      <p:childTnLst>
+                        <p:par>
+                          <p:cTn id="21" fill="hold">
+                            <p:stCondLst>
+                              <p:cond delay="0"/>
+                            </p:stCondLst>
+                            <p:childTnLst>
+                              <p:par>
+                                <p:cTn id="22" presetID="10" presetClass="entr" presetSubtype="0" fill="hold" nodeType="clickEffect">
+                                  <p:stCondLst>
+                                    <p:cond delay="0"/>
+                                  </p:stCondLst>
+                                  <p:childTnLst>
+                                    <p:set>
+                                      <p:cBhvr>
+                                        <p:cTn id="23" dur="1" fill="hold">
+                                          <p:stCondLst>
+                                            <p:cond delay="0"/>
+                                          </p:stCondLst>
+                                        </p:cTn>
+                                        <p:tgtEl>
+                                          <p:spTgt spid="5">
+                                            <p:txEl>
+                                              <p:pRg st="1" end="1"/>
+                                            </p:txEl>
+                                          </p:spTgt>
+                                        </p:tgtEl>
+                                        <p:attrNameLst>
+                                          <p:attrName>style.visibility</p:attrName>
+                                        </p:attrNameLst>
+                                      </p:cBhvr>
+                                      <p:to>
+                                        <p:strVal val="visible"/>
+                                      </p:to>
+                                    </p:set>
+                                    <p:animEffect transition="in" filter="fade">
+                                      <p:cBhvr>
+                                        <p:cTn id="24" dur="500"/>
+                                        <p:tgtEl>
+                                          <p:spTgt spid="5">
+                                            <p:txEl>
+                                              <p:pRg st="1" end="1"/>
+                                            </p:txEl>
+                                          </p:spTgt>
+                                        </p:tgtEl>
+                                      </p:cBhvr>
+                                    </p:animEffect>
+                                  </p:childTnLst>
+                                </p:cTn>
+                              </p:par>
+                            </p:childTnLst>
+                          </p:cTn>
+                        </p:par>
+                      </p:childTnLst>
+                    </p:cTn>
+                  </p:par>
+                  <p:par>
+                    <p:cTn id="25" fill="hold">
+                      <p:stCondLst>
+                        <p:cond delay="indefinite"/>
+                      </p:stCondLst>
+                      <p:childTnLst>
+                        <p:par>
+                          <p:cTn id="26" fill="hold">
+                            <p:stCondLst>
+                              <p:cond delay="0"/>
+                            </p:stCondLst>
+                            <p:childTnLst>
+                              <p:par>
+                                <p:cTn id="27" presetID="10" presetClass="entr" presetSubtype="0" fill="hold" nodeType="clickEffect">
+                                  <p:stCondLst>
+                                    <p:cond delay="0"/>
+                                  </p:stCondLst>
+                                  <p:childTnLst>
+                                    <p:set>
+                                      <p:cBhvr>
+                                        <p:cTn id="28" dur="1" fill="hold">
+                                          <p:stCondLst>
+                                            <p:cond delay="0"/>
+                                          </p:stCondLst>
+                                        </p:cTn>
+                                        <p:tgtEl>
+                                          <p:spTgt spid="5">
+                                            <p:txEl>
+                                              <p:pRg st="2" end="2"/>
+                                            </p:txEl>
+                                          </p:spTgt>
+                                        </p:tgtEl>
+                                        <p:attrNameLst>
+                                          <p:attrName>style.visibility</p:attrName>
+                                        </p:attrNameLst>
+                                      </p:cBhvr>
+                                      <p:to>
+                                        <p:strVal val="visible"/>
+                                      </p:to>
+                                    </p:set>
+                                    <p:animEffect transition="in" filter="fade">
+                                      <p:cBhvr>
+                                        <p:cTn id="29" dur="500"/>
+                                        <p:tgtEl>
+                                          <p:spTgt spid="5">
+                                            <p:txEl>
+                                              <p:pRg st="2" end="2"/>
+                                            </p:txEl>
+                                          </p:spTgt>
+                                        </p:tgtEl>
+                                      </p:cBhvr>
+                                    </p:animEffect>
+                                  </p:childTnLst>
+                                </p:cTn>
+                              </p:par>
+                            </p:childTnLst>
+                          </p:cTn>
+                        </p:par>
+                      </p:childTnLst>
+                    </p:cTn>
+                  </p:par>
+                  <p:par>
+                    <p:cTn id="30" fill="hold">
+                      <p:stCondLst>
+                        <p:cond delay="indefinite"/>
+                      </p:stCondLst>
+                      <p:childTnLst>
+                        <p:par>
+                          <p:cTn id="31" fill="hold">
+                            <p:stCondLst>
+                              <p:cond delay="0"/>
+                            </p:stCondLst>
+                            <p:childTnLst>
+                              <p:par>
+                                <p:cTn id="32" presetID="10" presetClass="entr" presetSubtype="0" fill="hold" nodeType="clickEffect">
+                                  <p:stCondLst>
+                                    <p:cond delay="0"/>
+                                  </p:stCondLst>
+                                  <p:childTnLst>
+                                    <p:set>
+                                      <p:cBhvr>
+                                        <p:cTn id="33" dur="1" fill="hold">
+                                          <p:stCondLst>
+                                            <p:cond delay="0"/>
+                                          </p:stCondLst>
+                                        </p:cTn>
+                                        <p:tgtEl>
+                                          <p:spTgt spid="5">
+                                            <p:txEl>
+                                              <p:pRg st="3" end="3"/>
+                                            </p:txEl>
+                                          </p:spTgt>
+                                        </p:tgtEl>
+                                        <p:attrNameLst>
+                                          <p:attrName>style.visibility</p:attrName>
+                                        </p:attrNameLst>
+                                      </p:cBhvr>
+                                      <p:to>
+                                        <p:strVal val="visible"/>
+                                      </p:to>
+                                    </p:set>
+                                    <p:animEffect transition="in" filter="fade">
+                                      <p:cBhvr>
+                                        <p:cTn id="34" dur="500"/>
+                                        <p:tgtEl>
+                                          <p:spTgt spid="5">
+                                            <p:txEl>
+                                              <p:pRg st="3" end="3"/>
+                                            </p:txEl>
+                                          </p:spTgt>
+                                        </p:tgtEl>
+                                      </p:cBhvr>
+                                    </p:animEffect>
+                                  </p:childTnLst>
+                                </p:cTn>
+                              </p:par>
+                            </p:childTnLst>
+                          </p:cTn>
+                        </p:par>
+                      </p:childTnLst>
+                    </p:cTn>
+                  </p:par>
+                  <p:par>
+                    <p:cTn id="35" fill="hold">
+                      <p:stCondLst>
+                        <p:cond delay="indefinite"/>
+                      </p:stCondLst>
+                      <p:childTnLst>
+                        <p:par>
+                          <p:cTn id="36" fill="hold">
+                            <p:stCondLst>
+                              <p:cond delay="0"/>
+                            </p:stCondLst>
+                            <p:childTnLst>
+                              <p:par>
+                                <p:cTn id="37" presetID="10" presetClass="entr" presetSubtype="0" fill="hold" nodeType="clickEffect">
+                                  <p:stCondLst>
+                                    <p:cond delay="0"/>
+                                  </p:stCondLst>
+                                  <p:childTnLst>
+                                    <p:set>
+                                      <p:cBhvr>
+                                        <p:cTn id="38" dur="1" fill="hold">
+                                          <p:stCondLst>
+                                            <p:cond delay="0"/>
+                                          </p:stCondLst>
+                                        </p:cTn>
+                                        <p:tgtEl>
+                                          <p:spTgt spid="5">
+                                            <p:txEl>
+                                              <p:pRg st="4" end="4"/>
+                                            </p:txEl>
+                                          </p:spTgt>
+                                        </p:tgtEl>
+                                        <p:attrNameLst>
+                                          <p:attrName>style.visibility</p:attrName>
+                                        </p:attrNameLst>
+                                      </p:cBhvr>
+                                      <p:to>
+                                        <p:strVal val="visible"/>
+                                      </p:to>
+                                    </p:set>
+                                    <p:animEffect transition="in" filter="fade">
+                                      <p:cBhvr>
+                                        <p:cTn id="39" dur="500"/>
+                                        <p:tgtEl>
+                                          <p:spTgt spid="5">
+                                            <p:txEl>
+                                              <p:pRg st="4" end="4"/>
+                                            </p:txEl>
+                                          </p:spTgt>
+                                        </p:tgtEl>
+                                      </p:cBhvr>
+                                    </p:animEffect>
+                                  </p:childTnLst>
+                                </p:cTn>
+                              </p:par>
+                            </p:childTnLst>
+                          </p:cTn>
+                        </p:par>
+                      </p:childTnLst>
+                    </p:cTn>
+                  </p:par>
+                </p:childTnLst>
+              </p:cTn>
+              <p:prevCondLst>
+                <p:cond evt="onPrev" delay="0">
+                  <p:tgtEl>
+                    <p:sldTgt/>
+                  </p:tgtEl>
+                </p:cond>
+              </p:prevCondLst>
+              <p:nextCondLst>
+                <p:cond evt="onNext" delay="0">
+                  <p:tgtEl>
+                    <p:sldTgt/>
+                  </p:tgtEl>
+                </p:cond>
+              </p:nextCondLst>
+            </p:seq>
+          </p:childTnLst>
+        </p:cTn>
       </p:par>
     </p:tnLst>
+    <p:bldLst>
+      <p:bldP spid="2" grpId="0"/>
+    </p:bldLst>
+  </p:timing>
+</p:sld>
+</file>
+
+<file path=ppt/slides/slide13.xml><?xml version="1.0" encoding="utf-8"?>
+<p:sld xmlns:a="http://schemas.openxmlformats.org/drawingml/2006/main" xmlns:r="http://schemas.openxmlformats.org/officeDocument/2006/relationships" xmlns:p="http://schemas.openxmlformats.org/presentationml/2006/main">
+  <p:cSld>
+    <p:spTree>
+      <p:nvGrpSpPr>
+        <p:cNvPr id="1" name=""/>
+        <p:cNvGrpSpPr/>
+        <p:nvPr/>
+      </p:nvGrpSpPr>
+      <p:grpSpPr>
+        <a:xfrm>
+          <a:off x="0" y="0"/>
+          <a:ext cx="0" cy="0"/>
+          <a:chOff x="0" y="0"/>
+          <a:chExt cx="0" cy="0"/>
+        </a:xfrm>
+      </p:grpSpPr>
+      <p:sp>
+        <p:nvSpPr>
+          <p:cNvPr id="2" name="Titolo 1"/>
+          <p:cNvSpPr>
+            <a:spLocks noGrp="1"/>
+          </p:cNvSpPr>
+          <p:nvPr>
+            <p:ph type="title"/>
+          </p:nvPr>
+        </p:nvSpPr>
+        <p:spPr/>
+        <p:txBody>
+          <a:bodyPr/>
+          <a:lstStyle/>
+          <a:p>
+            <a:pPr algn="ctr"/>
+            <a:r>
+              <a:rPr lang="it-IT" b="1" dirty="0" smtClean="0">
+                <a:latin typeface="Georgia" panose="02040502050405020303" pitchFamily="18" charset="0"/>
+              </a:rPr>
+              <a:t>The </a:t>
+            </a:r>
+            <a:r>
+              <a:rPr lang="it-IT" b="1" dirty="0" err="1">
+                <a:latin typeface="Georgia" panose="02040502050405020303" pitchFamily="18" charset="0"/>
+              </a:rPr>
+              <a:t>S</a:t>
+            </a:r>
+            <a:r>
+              <a:rPr lang="it-IT" b="1" dirty="0" err="1" smtClean="0">
+                <a:latin typeface="Georgia" panose="02040502050405020303" pitchFamily="18" charset="0"/>
+              </a:rPr>
+              <a:t>hared</a:t>
+            </a:r>
+            <a:r>
+              <a:rPr lang="it-IT" b="1" dirty="0" smtClean="0">
+                <a:latin typeface="Georgia" panose="02040502050405020303" pitchFamily="18" charset="0"/>
+              </a:rPr>
+              <a:t> </a:t>
+            </a:r>
+            <a:r>
+              <a:rPr lang="it-IT" b="1" dirty="0" err="1">
+                <a:latin typeface="Georgia" panose="02040502050405020303" pitchFamily="18" charset="0"/>
+              </a:rPr>
+              <a:t>P</a:t>
+            </a:r>
+            <a:r>
+              <a:rPr lang="it-IT" b="1" dirty="0" err="1" smtClean="0">
+                <a:latin typeface="Georgia" panose="02040502050405020303" pitchFamily="18" charset="0"/>
+              </a:rPr>
+              <a:t>henomena</a:t>
+            </a:r>
+            <a:endParaRPr lang="it-IT" b="1" dirty="0">
+              <a:latin typeface="Georgia" panose="02040502050405020303" pitchFamily="18" charset="0"/>
+            </a:endParaRPr>
+          </a:p>
+        </p:txBody>
+      </p:sp>
+      <p:pic>
+        <p:nvPicPr>
+          <p:cNvPr id="4" name="Segnaposto contenuto 3"/>
+          <p:cNvPicPr>
+            <a:picLocks noGrp="1" noChangeAspect="1"/>
+          </p:cNvPicPr>
+          <p:nvPr>
+            <p:ph idx="1"/>
+          </p:nvPr>
+        </p:nvPicPr>
+        <p:blipFill>
+          <a:blip r:embed="rId2" cstate="print">
+            <a:extLst>
+              <a:ext uri="{28A0092B-C50C-407E-A947-70E740481C1C}">
+                <a14:useLocalDpi xmlns:a14="http://schemas.microsoft.com/office/drawing/2010/main" val="0"/>
+              </a:ext>
+            </a:extLst>
+          </a:blip>
+          <a:stretch>
+            <a:fillRect/>
+          </a:stretch>
+        </p:blipFill>
+        <p:spPr>
+          <a:xfrm>
+            <a:off x="2124378" y="2226471"/>
+            <a:ext cx="4895255" cy="3263504"/>
+          </a:xfrm>
+        </p:spPr>
+      </p:pic>
+      <p:sp>
+        <p:nvSpPr>
+          <p:cNvPr id="5" name="CasellaDiTesto 4"/>
+          <p:cNvSpPr txBox="1"/>
+          <p:nvPr/>
+        </p:nvSpPr>
+        <p:spPr>
+          <a:xfrm>
+            <a:off x="5328681" y="1999345"/>
+            <a:ext cx="3381896" cy="4189608"/>
+          </a:xfrm>
+          <a:prstGeom prst="rect">
+            <a:avLst/>
+          </a:prstGeom>
+          <a:noFill/>
+        </p:spPr>
+        <p:txBody>
+          <a:bodyPr wrap="square" rtlCol="0">
+            <a:spAutoFit/>
+          </a:bodyPr>
+          <a:lstStyle/>
+          <a:p>
+            <a:pPr marL="214308" indent="-214308">
+              <a:buFont typeface="Arial" panose="020B0604020202020204" pitchFamily="34" charset="0"/>
+              <a:buChar char="•"/>
+            </a:pPr>
+            <a:r>
+              <a:rPr lang="en-US" sz="1200" i="1" dirty="0">
+                <a:latin typeface="Georgia" panose="02040502050405020303" pitchFamily="18" charset="0"/>
+              </a:rPr>
+              <a:t>Taxi allocation</a:t>
+            </a:r>
+            <a:r>
+              <a:rPr lang="en-US" sz="1200" dirty="0">
+                <a:latin typeface="Georgia" panose="02040502050405020303" pitchFamily="18" charset="0"/>
+              </a:rPr>
+              <a:t> </a:t>
+            </a:r>
+            <a:r>
+              <a:rPr lang="en-US" sz="1200" dirty="0">
+                <a:latin typeface="Georgia" panose="02040502050405020303" pitchFamily="18" charset="0"/>
+              </a:rPr>
+              <a:t>- </a:t>
+            </a:r>
+            <a:r>
+              <a:rPr lang="en-US" sz="1200" dirty="0">
+                <a:latin typeface="Georgia" panose="02040502050405020303" pitchFamily="18" charset="0"/>
+              </a:rPr>
+              <a:t>is observed by the world and controlled by the machine, which sets the taxi’s next destination accordingly to the customer requests. </a:t>
+            </a:r>
+            <a:endParaRPr lang="it-IT" sz="1200" dirty="0">
+              <a:latin typeface="Georgia" panose="02040502050405020303" pitchFamily="18" charset="0"/>
+            </a:endParaRPr>
+          </a:p>
+          <a:p>
+            <a:pPr marL="214308" indent="-214308">
+              <a:buFont typeface="Arial" panose="020B0604020202020204" pitchFamily="34" charset="0"/>
+              <a:buChar char="•"/>
+            </a:pPr>
+            <a:r>
+              <a:rPr lang="en-US" sz="1200" i="1" dirty="0">
+                <a:latin typeface="Georgia" panose="02040502050405020303" pitchFamily="18" charset="0"/>
+              </a:rPr>
+              <a:t>Customer </a:t>
+            </a:r>
+            <a:r>
+              <a:rPr lang="en-US" sz="1200" i="1" dirty="0">
+                <a:latin typeface="Georgia" panose="02040502050405020303" pitchFamily="18" charset="0"/>
+              </a:rPr>
+              <a:t>requesting </a:t>
+            </a:r>
+            <a:r>
+              <a:rPr lang="en-US" sz="1200" i="1" dirty="0">
+                <a:latin typeface="Georgia" panose="02040502050405020303" pitchFamily="18" charset="0"/>
+              </a:rPr>
+              <a:t>ride </a:t>
+            </a:r>
+            <a:r>
+              <a:rPr lang="en-US" sz="1200" dirty="0">
+                <a:latin typeface="Georgia" panose="02040502050405020303" pitchFamily="18" charset="0"/>
+              </a:rPr>
+              <a:t>- </a:t>
+            </a:r>
+            <a:r>
+              <a:rPr lang="en-US" sz="1200" dirty="0">
+                <a:latin typeface="Georgia" panose="02040502050405020303" pitchFamily="18" charset="0"/>
+              </a:rPr>
+              <a:t>happens in the world and is only observed by the machine, which will react accordingly</a:t>
+            </a:r>
+            <a:r>
+              <a:rPr lang="en-US" sz="1200" dirty="0">
+                <a:latin typeface="Georgia" panose="02040502050405020303" pitchFamily="18" charset="0"/>
+              </a:rPr>
+              <a:t>.</a:t>
+            </a:r>
+            <a:endParaRPr lang="en-US" sz="1200" i="1" dirty="0">
+              <a:latin typeface="Georgia" panose="02040502050405020303" pitchFamily="18" charset="0"/>
+            </a:endParaRPr>
+          </a:p>
+          <a:p>
+            <a:pPr marL="214308" indent="-214308">
+              <a:buFont typeface="Arial" panose="020B0604020202020204" pitchFamily="34" charset="0"/>
+              <a:buChar char="•"/>
+            </a:pPr>
+            <a:r>
+              <a:rPr lang="en-US" sz="1200" i="1" dirty="0">
+                <a:latin typeface="Georgia" panose="02040502050405020303" pitchFamily="18" charset="0"/>
+              </a:rPr>
+              <a:t>Taxi moves</a:t>
+            </a:r>
+            <a:r>
+              <a:rPr lang="en-US" sz="1200" dirty="0">
+                <a:latin typeface="Georgia" panose="02040502050405020303" pitchFamily="18" charset="0"/>
+              </a:rPr>
+              <a:t> </a:t>
+            </a:r>
+            <a:r>
+              <a:rPr lang="en-US" sz="1200" dirty="0">
+                <a:latin typeface="Georgia" panose="02040502050405020303" pitchFamily="18" charset="0"/>
+              </a:rPr>
+              <a:t>- </a:t>
+            </a:r>
+            <a:r>
+              <a:rPr lang="en-US" sz="1200" dirty="0">
+                <a:latin typeface="Georgia" panose="02040502050405020303" pitchFamily="18" charset="0"/>
+              </a:rPr>
+              <a:t>is a shared phenomenon, which is controlled by the world and observed by the machine through the GPS system. </a:t>
+            </a:r>
+            <a:endParaRPr lang="en-US" sz="1200" dirty="0">
+              <a:latin typeface="Georgia" panose="02040502050405020303" pitchFamily="18" charset="0"/>
+            </a:endParaRPr>
+          </a:p>
+          <a:p>
+            <a:pPr marL="214308" indent="-214308">
+              <a:buFont typeface="Arial" panose="020B0604020202020204" pitchFamily="34" charset="0"/>
+              <a:buChar char="•"/>
+            </a:pPr>
+            <a:r>
+              <a:rPr lang="en-US" sz="1200" i="1" dirty="0">
+                <a:latin typeface="Georgia" panose="02040502050405020303" pitchFamily="18" charset="0"/>
+              </a:rPr>
+              <a:t>Taxi </a:t>
+            </a:r>
+            <a:r>
+              <a:rPr lang="en-US" sz="1200" i="1" dirty="0">
+                <a:latin typeface="Georgia" panose="02040502050405020303" pitchFamily="18" charset="0"/>
+              </a:rPr>
+              <a:t>status </a:t>
+            </a:r>
+            <a:r>
+              <a:rPr lang="en-US" sz="1200" i="1" dirty="0">
+                <a:latin typeface="Georgia" panose="02040502050405020303" pitchFamily="18" charset="0"/>
+              </a:rPr>
+              <a:t>update</a:t>
+            </a:r>
+            <a:r>
+              <a:rPr lang="en-US" sz="1200" dirty="0">
+                <a:latin typeface="Georgia" panose="02040502050405020303" pitchFamily="18" charset="0"/>
+              </a:rPr>
+              <a:t> </a:t>
+            </a:r>
+            <a:r>
+              <a:rPr lang="en-US" sz="1200" dirty="0">
+                <a:latin typeface="Georgia" panose="02040502050405020303" pitchFamily="18" charset="0"/>
+              </a:rPr>
+              <a:t>- </a:t>
+            </a:r>
+            <a:r>
+              <a:rPr lang="en-US" sz="1200" dirty="0">
+                <a:latin typeface="Georgia" panose="02040502050405020303" pitchFamily="18" charset="0"/>
+              </a:rPr>
+              <a:t>is also a phenomenon controlled by the world (i.e. the taxi driver that changes their status by picking up and dropping of customers) and observed by the system</a:t>
+            </a:r>
+            <a:r>
+              <a:rPr lang="en-US" sz="1200" dirty="0">
+                <a:latin typeface="Georgia" panose="02040502050405020303" pitchFamily="18" charset="0"/>
+              </a:rPr>
+              <a:t>.</a:t>
+            </a:r>
+          </a:p>
+          <a:p>
+            <a:pPr marL="214308" indent="-214308">
+              <a:buFont typeface="Arial" panose="020B0604020202020204" pitchFamily="34" charset="0"/>
+              <a:buChar char="•"/>
+            </a:pPr>
+            <a:r>
+              <a:rPr lang="en-US" sz="1200" i="1" dirty="0">
+                <a:latin typeface="Georgia" panose="02040502050405020303" pitchFamily="18" charset="0"/>
+              </a:rPr>
+              <a:t>Customers </a:t>
+            </a:r>
+            <a:r>
+              <a:rPr lang="en-US" sz="1200" i="1" dirty="0">
+                <a:latin typeface="Georgia" panose="02040502050405020303" pitchFamily="18" charset="0"/>
+              </a:rPr>
+              <a:t>receive </a:t>
+            </a:r>
+            <a:r>
+              <a:rPr lang="en-US" sz="1200" i="1" dirty="0">
+                <a:latin typeface="Georgia" panose="02040502050405020303" pitchFamily="18" charset="0"/>
+              </a:rPr>
+              <a:t>notifications</a:t>
+            </a:r>
+            <a:r>
+              <a:rPr lang="en-US" sz="1200" dirty="0">
+                <a:latin typeface="Georgia" panose="02040502050405020303" pitchFamily="18" charset="0"/>
+              </a:rPr>
+              <a:t> </a:t>
+            </a:r>
+            <a:r>
+              <a:rPr lang="en-US" sz="1200" dirty="0">
+                <a:latin typeface="Georgia" panose="02040502050405020303" pitchFamily="18" charset="0"/>
+              </a:rPr>
+              <a:t>- </a:t>
+            </a:r>
+            <a:r>
+              <a:rPr lang="en-US" sz="1200" dirty="0">
+                <a:latin typeface="Georgia" panose="02040502050405020303" pitchFamily="18" charset="0"/>
+              </a:rPr>
+              <a:t>is machine-controlled, since customers receive updates about their rides by the system.</a:t>
+            </a:r>
+            <a:endParaRPr lang="it-IT" sz="1200" dirty="0">
+              <a:latin typeface="Georgia" panose="02040502050405020303" pitchFamily="18" charset="0"/>
+            </a:endParaRPr>
+          </a:p>
+          <a:p>
+            <a:pPr marL="214308" indent="-214308">
+              <a:buFont typeface="Arial" panose="020B0604020202020204" pitchFamily="34" charset="0"/>
+              <a:buChar char="•"/>
+            </a:pPr>
+            <a:endParaRPr lang="it-IT" sz="1275" dirty="0"/>
+          </a:p>
+          <a:p>
+            <a:pPr marL="214308" indent="-214308">
+              <a:buFont typeface="Arial" panose="020B0604020202020204" pitchFamily="34" charset="0"/>
+              <a:buChar char="•"/>
+            </a:pPr>
+            <a:endParaRPr lang="it-IT" sz="1275" dirty="0"/>
+          </a:p>
+          <a:p>
+            <a:endParaRPr lang="it-IT" sz="1275" dirty="0"/>
+          </a:p>
+        </p:txBody>
+      </p:sp>
+    </p:spTree>
+    <p:extLst>
+      <p:ext uri="{BB962C8B-B14F-4D97-AF65-F5344CB8AC3E}">
+        <p14:creationId xmlns:p14="http://schemas.microsoft.com/office/powerpoint/2010/main" val="1596034653"/>
+      </p:ext>
+    </p:extLst>
+  </p:cSld>
+  <p:clrMapOvr>
+    <a:masterClrMapping/>
+  </p:clrMapOvr>
+  <p:timing>
+    <p:tnLst>
+      <p:par>
+        <p:cTn id="1" dur="indefinite" restart="never" nodeType="tmRoot">
+          <p:childTnLst>
+            <p:seq concurrent="1" nextAc="seek">
+              <p:cTn id="2" dur="indefinite" nodeType="mainSeq">
+                <p:childTnLst>
+                  <p:par>
+                    <p:cTn id="3" fill="hold">
+                      <p:stCondLst>
+                        <p:cond delay="indefinite"/>
+                        <p:cond evt="onBegin" delay="0">
+                          <p:tn val="2"/>
+                        </p:cond>
+                      </p:stCondLst>
+                      <p:childTnLst>
+                        <p:par>
+                          <p:cTn id="4" fill="hold">
+                            <p:stCondLst>
+                              <p:cond delay="0"/>
+                            </p:stCondLst>
+                            <p:childTnLst>
+                              <p:par>
+                                <p:cTn id="5" presetID="10" presetClass="entr" presetSubtype="0" fill="hold" nodeType="withEffect">
+                                  <p:stCondLst>
+                                    <p:cond delay="0"/>
+                                  </p:stCondLst>
+                                  <p:childTnLst>
+                                    <p:set>
+                                      <p:cBhvr>
+                                        <p:cTn id="6" dur="1" fill="hold">
+                                          <p:stCondLst>
+                                            <p:cond delay="0"/>
+                                          </p:stCondLst>
+                                        </p:cTn>
+                                        <p:tgtEl>
+                                          <p:spTgt spid="4"/>
+                                        </p:tgtEl>
+                                        <p:attrNameLst>
+                                          <p:attrName>style.visibility</p:attrName>
+                                        </p:attrNameLst>
+                                      </p:cBhvr>
+                                      <p:to>
+                                        <p:strVal val="visible"/>
+                                      </p:to>
+                                    </p:set>
+                                    <p:animEffect transition="in" filter="fade">
+                                      <p:cBhvr>
+                                        <p:cTn id="7" dur="500"/>
+                                        <p:tgtEl>
+                                          <p:spTgt spid="4"/>
+                                        </p:tgtEl>
+                                      </p:cBhvr>
+                                    </p:animEffect>
+                                  </p:childTnLst>
+                                </p:cTn>
+                              </p:par>
+                              <p:par>
+                                <p:cTn id="8" presetID="10" presetClass="entr" presetSubtype="0" fill="hold" grpId="0" nodeType="withEffect">
+                                  <p:stCondLst>
+                                    <p:cond delay="0"/>
+                                  </p:stCondLst>
+                                  <p:childTnLst>
+                                    <p:set>
+                                      <p:cBhvr>
+                                        <p:cTn id="9" dur="1" fill="hold">
+                                          <p:stCondLst>
+                                            <p:cond delay="0"/>
+                                          </p:stCondLst>
+                                        </p:cTn>
+                                        <p:tgtEl>
+                                          <p:spTgt spid="2"/>
+                                        </p:tgtEl>
+                                        <p:attrNameLst>
+                                          <p:attrName>style.visibility</p:attrName>
+                                        </p:attrNameLst>
+                                      </p:cBhvr>
+                                      <p:to>
+                                        <p:strVal val="visible"/>
+                                      </p:to>
+                                    </p:set>
+                                    <p:animEffect transition="in" filter="fade">
+                                      <p:cBhvr>
+                                        <p:cTn id="10" dur="500"/>
+                                        <p:tgtEl>
+                                          <p:spTgt spid="2"/>
+                                        </p:tgtEl>
+                                      </p:cBhvr>
+                                    </p:animEffect>
+                                  </p:childTnLst>
+                                </p:cTn>
+                              </p:par>
+                            </p:childTnLst>
+                          </p:cTn>
+                        </p:par>
+                      </p:childTnLst>
+                    </p:cTn>
+                  </p:par>
+                  <p:par>
+                    <p:cTn id="11" fill="hold">
+                      <p:stCondLst>
+                        <p:cond delay="indefinite"/>
+                      </p:stCondLst>
+                      <p:childTnLst>
+                        <p:par>
+                          <p:cTn id="12" fill="hold">
+                            <p:stCondLst>
+                              <p:cond delay="0"/>
+                            </p:stCondLst>
+                            <p:childTnLst>
+                              <p:par>
+                                <p:cTn id="13" presetID="35" presetClass="path" presetSubtype="0" accel="50000" decel="50000" fill="hold" nodeType="clickEffect">
+                                  <p:stCondLst>
+                                    <p:cond delay="0"/>
+                                  </p:stCondLst>
+                                  <p:childTnLst>
+                                    <p:animMotion origin="layout" path="M 0 -3.33333E-6 L -0.22565 0.00278 " pathEditMode="relative" rAng="0" ptsTypes="AA">
+                                      <p:cBhvr>
+                                        <p:cTn id="14" dur="2000" fill="hold"/>
+                                        <p:tgtEl>
+                                          <p:spTgt spid="4"/>
+                                        </p:tgtEl>
+                                        <p:attrNameLst>
+                                          <p:attrName>ppt_x</p:attrName>
+                                          <p:attrName>ppt_y</p:attrName>
+                                        </p:attrNameLst>
+                                      </p:cBhvr>
+                                      <p:rCtr x="-11289" y="139"/>
+                                    </p:animMotion>
+                                  </p:childTnLst>
+                                </p:cTn>
+                              </p:par>
+                            </p:childTnLst>
+                          </p:cTn>
+                        </p:par>
+                      </p:childTnLst>
+                    </p:cTn>
+                  </p:par>
+                  <p:par>
+                    <p:cTn id="15" fill="hold">
+                      <p:stCondLst>
+                        <p:cond delay="indefinite"/>
+                      </p:stCondLst>
+                      <p:childTnLst>
+                        <p:par>
+                          <p:cTn id="16" fill="hold">
+                            <p:stCondLst>
+                              <p:cond delay="0"/>
+                            </p:stCondLst>
+                            <p:childTnLst>
+                              <p:par>
+                                <p:cTn id="17" presetID="10" presetClass="entr" presetSubtype="0" fill="hold" nodeType="clickEffect">
+                                  <p:stCondLst>
+                                    <p:cond delay="0"/>
+                                  </p:stCondLst>
+                                  <p:childTnLst>
+                                    <p:set>
+                                      <p:cBhvr>
+                                        <p:cTn id="18" dur="1" fill="hold">
+                                          <p:stCondLst>
+                                            <p:cond delay="0"/>
+                                          </p:stCondLst>
+                                        </p:cTn>
+                                        <p:tgtEl>
+                                          <p:spTgt spid="5">
+                                            <p:txEl>
+                                              <p:pRg st="0" end="0"/>
+                                            </p:txEl>
+                                          </p:spTgt>
+                                        </p:tgtEl>
+                                        <p:attrNameLst>
+                                          <p:attrName>style.visibility</p:attrName>
+                                        </p:attrNameLst>
+                                      </p:cBhvr>
+                                      <p:to>
+                                        <p:strVal val="visible"/>
+                                      </p:to>
+                                    </p:set>
+                                    <p:animEffect transition="in" filter="fade">
+                                      <p:cBhvr>
+                                        <p:cTn id="19" dur="500"/>
+                                        <p:tgtEl>
+                                          <p:spTgt spid="5">
+                                            <p:txEl>
+                                              <p:pRg st="0" end="0"/>
+                                            </p:txEl>
+                                          </p:spTgt>
+                                        </p:tgtEl>
+                                      </p:cBhvr>
+                                    </p:animEffect>
+                                  </p:childTnLst>
+                                </p:cTn>
+                              </p:par>
+                            </p:childTnLst>
+                          </p:cTn>
+                        </p:par>
+                      </p:childTnLst>
+                    </p:cTn>
+                  </p:par>
+                  <p:par>
+                    <p:cTn id="20" fill="hold">
+                      <p:stCondLst>
+                        <p:cond delay="indefinite"/>
+                      </p:stCondLst>
+                      <p:childTnLst>
+                        <p:par>
+                          <p:cTn id="21" fill="hold">
+                            <p:stCondLst>
+                              <p:cond delay="0"/>
+                            </p:stCondLst>
+                            <p:childTnLst>
+                              <p:par>
+                                <p:cTn id="22" presetID="10" presetClass="entr" presetSubtype="0" fill="hold" nodeType="clickEffect">
+                                  <p:stCondLst>
+                                    <p:cond delay="0"/>
+                                  </p:stCondLst>
+                                  <p:childTnLst>
+                                    <p:set>
+                                      <p:cBhvr>
+                                        <p:cTn id="23" dur="1" fill="hold">
+                                          <p:stCondLst>
+                                            <p:cond delay="0"/>
+                                          </p:stCondLst>
+                                        </p:cTn>
+                                        <p:tgtEl>
+                                          <p:spTgt spid="5">
+                                            <p:txEl>
+                                              <p:pRg st="1" end="1"/>
+                                            </p:txEl>
+                                          </p:spTgt>
+                                        </p:tgtEl>
+                                        <p:attrNameLst>
+                                          <p:attrName>style.visibility</p:attrName>
+                                        </p:attrNameLst>
+                                      </p:cBhvr>
+                                      <p:to>
+                                        <p:strVal val="visible"/>
+                                      </p:to>
+                                    </p:set>
+                                    <p:animEffect transition="in" filter="fade">
+                                      <p:cBhvr>
+                                        <p:cTn id="24" dur="500"/>
+                                        <p:tgtEl>
+                                          <p:spTgt spid="5">
+                                            <p:txEl>
+                                              <p:pRg st="1" end="1"/>
+                                            </p:txEl>
+                                          </p:spTgt>
+                                        </p:tgtEl>
+                                      </p:cBhvr>
+                                    </p:animEffect>
+                                  </p:childTnLst>
+                                </p:cTn>
+                              </p:par>
+                            </p:childTnLst>
+                          </p:cTn>
+                        </p:par>
+                      </p:childTnLst>
+                    </p:cTn>
+                  </p:par>
+                  <p:par>
+                    <p:cTn id="25" fill="hold">
+                      <p:stCondLst>
+                        <p:cond delay="indefinite"/>
+                      </p:stCondLst>
+                      <p:childTnLst>
+                        <p:par>
+                          <p:cTn id="26" fill="hold">
+                            <p:stCondLst>
+                              <p:cond delay="0"/>
+                            </p:stCondLst>
+                            <p:childTnLst>
+                              <p:par>
+                                <p:cTn id="27" presetID="10" presetClass="entr" presetSubtype="0" fill="hold" nodeType="clickEffect">
+                                  <p:stCondLst>
+                                    <p:cond delay="0"/>
+                                  </p:stCondLst>
+                                  <p:childTnLst>
+                                    <p:set>
+                                      <p:cBhvr>
+                                        <p:cTn id="28" dur="1" fill="hold">
+                                          <p:stCondLst>
+                                            <p:cond delay="0"/>
+                                          </p:stCondLst>
+                                        </p:cTn>
+                                        <p:tgtEl>
+                                          <p:spTgt spid="5">
+                                            <p:txEl>
+                                              <p:pRg st="2" end="2"/>
+                                            </p:txEl>
+                                          </p:spTgt>
+                                        </p:tgtEl>
+                                        <p:attrNameLst>
+                                          <p:attrName>style.visibility</p:attrName>
+                                        </p:attrNameLst>
+                                      </p:cBhvr>
+                                      <p:to>
+                                        <p:strVal val="visible"/>
+                                      </p:to>
+                                    </p:set>
+                                    <p:animEffect transition="in" filter="fade">
+                                      <p:cBhvr>
+                                        <p:cTn id="29" dur="500"/>
+                                        <p:tgtEl>
+                                          <p:spTgt spid="5">
+                                            <p:txEl>
+                                              <p:pRg st="2" end="2"/>
+                                            </p:txEl>
+                                          </p:spTgt>
+                                        </p:tgtEl>
+                                      </p:cBhvr>
+                                    </p:animEffect>
+                                  </p:childTnLst>
+                                </p:cTn>
+                              </p:par>
+                            </p:childTnLst>
+                          </p:cTn>
+                        </p:par>
+                      </p:childTnLst>
+                    </p:cTn>
+                  </p:par>
+                  <p:par>
+                    <p:cTn id="30" fill="hold">
+                      <p:stCondLst>
+                        <p:cond delay="indefinite"/>
+                      </p:stCondLst>
+                      <p:childTnLst>
+                        <p:par>
+                          <p:cTn id="31" fill="hold">
+                            <p:stCondLst>
+                              <p:cond delay="0"/>
+                            </p:stCondLst>
+                            <p:childTnLst>
+                              <p:par>
+                                <p:cTn id="32" presetID="10" presetClass="entr" presetSubtype="0" fill="hold" nodeType="clickEffect">
+                                  <p:stCondLst>
+                                    <p:cond delay="0"/>
+                                  </p:stCondLst>
+                                  <p:childTnLst>
+                                    <p:set>
+                                      <p:cBhvr>
+                                        <p:cTn id="33" dur="1" fill="hold">
+                                          <p:stCondLst>
+                                            <p:cond delay="0"/>
+                                          </p:stCondLst>
+                                        </p:cTn>
+                                        <p:tgtEl>
+                                          <p:spTgt spid="5">
+                                            <p:txEl>
+                                              <p:pRg st="3" end="3"/>
+                                            </p:txEl>
+                                          </p:spTgt>
+                                        </p:tgtEl>
+                                        <p:attrNameLst>
+                                          <p:attrName>style.visibility</p:attrName>
+                                        </p:attrNameLst>
+                                      </p:cBhvr>
+                                      <p:to>
+                                        <p:strVal val="visible"/>
+                                      </p:to>
+                                    </p:set>
+                                    <p:animEffect transition="in" filter="fade">
+                                      <p:cBhvr>
+                                        <p:cTn id="34" dur="500"/>
+                                        <p:tgtEl>
+                                          <p:spTgt spid="5">
+                                            <p:txEl>
+                                              <p:pRg st="3" end="3"/>
+                                            </p:txEl>
+                                          </p:spTgt>
+                                        </p:tgtEl>
+                                      </p:cBhvr>
+                                    </p:animEffect>
+                                  </p:childTnLst>
+                                </p:cTn>
+                              </p:par>
+                            </p:childTnLst>
+                          </p:cTn>
+                        </p:par>
+                      </p:childTnLst>
+                    </p:cTn>
+                  </p:par>
+                  <p:par>
+                    <p:cTn id="35" fill="hold">
+                      <p:stCondLst>
+                        <p:cond delay="indefinite"/>
+                      </p:stCondLst>
+                      <p:childTnLst>
+                        <p:par>
+                          <p:cTn id="36" fill="hold">
+                            <p:stCondLst>
+                              <p:cond delay="0"/>
+                            </p:stCondLst>
+                            <p:childTnLst>
+                              <p:par>
+                                <p:cTn id="37" presetID="10" presetClass="entr" presetSubtype="0" fill="hold" nodeType="clickEffect">
+                                  <p:stCondLst>
+                                    <p:cond delay="0"/>
+                                  </p:stCondLst>
+                                  <p:childTnLst>
+                                    <p:set>
+                                      <p:cBhvr>
+                                        <p:cTn id="38" dur="1" fill="hold">
+                                          <p:stCondLst>
+                                            <p:cond delay="0"/>
+                                          </p:stCondLst>
+                                        </p:cTn>
+                                        <p:tgtEl>
+                                          <p:spTgt spid="5">
+                                            <p:txEl>
+                                              <p:pRg st="4" end="4"/>
+                                            </p:txEl>
+                                          </p:spTgt>
+                                        </p:tgtEl>
+                                        <p:attrNameLst>
+                                          <p:attrName>style.visibility</p:attrName>
+                                        </p:attrNameLst>
+                                      </p:cBhvr>
+                                      <p:to>
+                                        <p:strVal val="visible"/>
+                                      </p:to>
+                                    </p:set>
+                                    <p:animEffect transition="in" filter="fade">
+                                      <p:cBhvr>
+                                        <p:cTn id="39" dur="500"/>
+                                        <p:tgtEl>
+                                          <p:spTgt spid="5">
+                                            <p:txEl>
+                                              <p:pRg st="4" end="4"/>
+                                            </p:txEl>
+                                          </p:spTgt>
+                                        </p:tgtEl>
+                                      </p:cBhvr>
+                                    </p:animEffect>
+                                  </p:childTnLst>
+                                </p:cTn>
+                              </p:par>
+                            </p:childTnLst>
+                          </p:cTn>
+                        </p:par>
+                      </p:childTnLst>
+                    </p:cTn>
+                  </p:par>
+                </p:childTnLst>
+              </p:cTn>
+              <p:prevCondLst>
+                <p:cond evt="onPrev" delay="0">
+                  <p:tgtEl>
+                    <p:sldTgt/>
+                  </p:tgtEl>
+                </p:cond>
+              </p:prevCondLst>
+              <p:nextCondLst>
+                <p:cond evt="onNext" delay="0">
+                  <p:tgtEl>
+                    <p:sldTgt/>
+                  </p:tgtEl>
+                </p:cond>
+              </p:nextCondLst>
+            </p:seq>
+          </p:childTnLst>
+        </p:cTn>
+      </p:par>
+    </p:tnLst>
+    <p:bldLst>
+      <p:bldP spid="2" grpId="0"/>
+    </p:bldLst>
   </p:timing>
 </p:sld>
 </file>
@@ -4396,8 +5828,8 @@
         </p:nvSpPr>
         <p:spPr>
           <a:xfrm>
-            <a:off x="876300" y="2125361"/>
-            <a:ext cx="10515600" cy="3417287"/>
+            <a:off x="657225" y="2451276"/>
+            <a:ext cx="7886700" cy="3858908"/>
           </a:xfrm>
         </p:spPr>
         <p:txBody>
@@ -4407,24 +5839,36 @@
           <a:lstStyle/>
           <a:p>
             <a:r>
-              <a:rPr lang="en-US" dirty="0"/>
+              <a:rPr lang="en-US" dirty="0">
+                <a:latin typeface="Georgia" panose="02040502050405020303" pitchFamily="18" charset="0"/>
+              </a:rPr>
               <a:t>[R1] Only registered customers can request a taxi ride.</a:t>
             </a:r>
-            <a:endParaRPr lang="it-IT" dirty="0"/>
-          </a:p>
-          <a:p>
-            <a:r>
-              <a:rPr lang="en-US" dirty="0"/>
+            <a:endParaRPr lang="it-IT" dirty="0">
+              <a:latin typeface="Georgia" panose="02040502050405020303" pitchFamily="18" charset="0"/>
+            </a:endParaRPr>
+          </a:p>
+          <a:p>
+            <a:r>
+              <a:rPr lang="en-US" dirty="0">
+                <a:latin typeface="Georgia" panose="02040502050405020303" pitchFamily="18" charset="0"/>
+              </a:rPr>
               <a:t>[R2] Customers must insert a valid origin location in order to request a ride.</a:t>
             </a:r>
-            <a:endParaRPr lang="it-IT" dirty="0"/>
-          </a:p>
-          <a:p>
-            <a:r>
-              <a:rPr lang="en-US" dirty="0"/>
+            <a:endParaRPr lang="it-IT" dirty="0">
+              <a:latin typeface="Georgia" panose="02040502050405020303" pitchFamily="18" charset="0"/>
+            </a:endParaRPr>
+          </a:p>
+          <a:p>
+            <a:r>
+              <a:rPr lang="en-US" dirty="0">
+                <a:latin typeface="Georgia" panose="02040502050405020303" pitchFamily="18" charset="0"/>
+              </a:rPr>
               <a:t>[R3] The system will not allow more than a request if the previous one (either request or reservation) has not been accomplished yet.</a:t>
             </a:r>
-            <a:endParaRPr lang="it-IT" dirty="0"/>
+            <a:endParaRPr lang="it-IT" dirty="0">
+              <a:latin typeface="Georgia" panose="02040502050405020303" pitchFamily="18" charset="0"/>
+            </a:endParaRPr>
           </a:p>
           <a:p>
             <a:endParaRPr lang="it-IT" dirty="0"/>
@@ -4442,8 +5886,8 @@
         </p:nvSpPr>
         <p:spPr>
           <a:xfrm>
-            <a:off x="876300" y="927208"/>
-            <a:ext cx="10439400" cy="800219"/>
+            <a:off x="657225" y="1552658"/>
+            <a:ext cx="7829550" cy="623248"/>
           </a:xfrm>
           <a:prstGeom prst="rect">
             <a:avLst/>
@@ -4470,25 +5914,59 @@
           <a:lstStyle/>
           <a:p>
             <a:r>
-              <a:rPr lang="en-US" sz="2800" i="1" dirty="0"/>
+              <a:rPr lang="en-US" sz="2100" i="1" dirty="0"/>
               <a:t>[</a:t>
             </a:r>
             <a:r>
-              <a:rPr lang="en-US" sz="2800" b="1" i="1" dirty="0"/>
+              <a:rPr lang="en-US" sz="2100" b="1" i="1" dirty="0"/>
               <a:t>G2</a:t>
             </a:r>
             <a:r>
-              <a:rPr lang="en-US" sz="2800" i="1" dirty="0"/>
+              <a:rPr lang="en-US" sz="2100" i="1" dirty="0"/>
               <a:t>] Allow customers to request a taxi ride from an arranged location</a:t>
             </a:r>
             <a:r>
-              <a:rPr lang="en-US" sz="2800" i="1" dirty="0" smtClean="0"/>
+              <a:rPr lang="en-US" sz="2100" i="1" dirty="0"/>
               <a:t>.</a:t>
             </a:r>
-            <a:endParaRPr lang="en-US" sz="2800" i="1" dirty="0" smtClean="0"/>
-          </a:p>
-          <a:p>
-            <a:endParaRPr lang="it-IT" dirty="0"/>
+          </a:p>
+          <a:p>
+            <a:endParaRPr lang="it-IT" sz="1350" dirty="0"/>
+          </a:p>
+        </p:txBody>
+      </p:sp>
+      <p:sp>
+        <p:nvSpPr>
+          <p:cNvPr id="4" name="Titolo 1"/>
+          <p:cNvSpPr>
+            <a:spLocks noGrp="1"/>
+          </p:cNvSpPr>
+          <p:nvPr>
+            <p:ph type="title"/>
+          </p:nvPr>
+        </p:nvSpPr>
+        <p:spPr>
+          <a:xfrm>
+            <a:off x="628650" y="365126"/>
+            <a:ext cx="7798658" cy="1010593"/>
+          </a:xfrm>
+        </p:spPr>
+        <p:txBody>
+          <a:bodyPr>
+            <a:normAutofit fontScale="90000"/>
+          </a:bodyPr>
+          <a:lstStyle/>
+          <a:p>
+            <a:pPr algn="ctr"/>
+            <a:r>
+              <a:rPr lang="en-US" b="1" dirty="0" smtClean="0">
+                <a:latin typeface="Georgia" panose="02040502050405020303" pitchFamily="18" charset="0"/>
+              </a:rPr>
+              <a:t>Goals and functional requirements</a:t>
+            </a:r>
+            <a:endParaRPr lang="en-US" b="1" dirty="0">
+              <a:latin typeface="Georgia" panose="02040502050405020303" pitchFamily="18" charset="0"/>
+            </a:endParaRPr>
           </a:p>
         </p:txBody>
       </p:sp>
@@ -4523,7 +6001,7 @@
                             </p:stCondLst>
                             <p:childTnLst>
                               <p:par>
-                                <p:cTn id="5" presetID="2" presetClass="entr" presetSubtype="4" fill="hold" grpId="0" nodeType="clickEffect">
+                                <p:cTn id="5" presetID="10" presetClass="entr" presetSubtype="0" fill="hold" grpId="0" nodeType="clickEffect">
                                   <p:stCondLst>
                                     <p:cond delay="0"/>
                                   </p:stCondLst>
@@ -4550,9 +6028,9 @@
                                         <p:strVal val="visible"/>
                                       </p:to>
                                     </p:set>
-                                    <p:anim calcmode="lin" valueType="num">
-                                      <p:cBhvr additive="base">
-                                        <p:cTn id="7" dur="500" fill="hold"/>
+                                    <p:animEffect transition="in" filter="fade">
+                                      <p:cBhvr>
+                                        <p:cTn id="7" dur="500"/>
                                         <p:tgtEl>
                                           <p:spTgt spid="3">
                                             <p:txEl>
@@ -4560,50 +6038,8 @@
                                             </p:txEl>
                                           </p:spTgt>
                                         </p:tgtEl>
-                                        <p:attrNameLst>
-                                          <p:attrName>ppt_x</p:attrName>
-                                        </p:attrNameLst>
-                                      </p:cBhvr>
-                                      <p:tavLst>
-                                        <p:tav tm="0">
-                                          <p:val>
-                                            <p:strVal val="#ppt_x"/>
-                                          </p:val>
-                                        </p:tav>
-                                        <p:tav tm="100000">
-                                          <p:val>
-                                            <p:strVal val="#ppt_x"/>
-                                          </p:val>
-                                        </p:tav>
-                                      </p:tavLst>
-                                    </p:anim>
-                                    <p:anim calcmode="lin" valueType="num">
-                                      <p:cBhvr additive="base">
-                                        <p:cTn id="8" dur="500" fill="hold"/>
-                                        <p:tgtEl>
-                                          <p:spTgt spid="3">
-                                            <p:txEl>
-                                              <p:pRg st="0" end="0"/>
-                                            </p:txEl>
-                                          </p:spTgt>
-                                        </p:tgtEl>
-                                        <p:attrNameLst>
-                                          <p:attrName>ppt_y</p:attrName>
-                                        </p:attrNameLst>
-                                      </p:cBhvr>
-                                      <p:tavLst>
-                                        <p:tav tm="0">
-                                          <p:val>
-                                            <p:strVal val="1+#ppt_h/2"/>
-                                          </p:val>
-                                        </p:tav>
-                                        <p:tav tm="100000">
-                                          <p:val>
-                                            <p:strVal val="#ppt_y"/>
-                                          </p:val>
-                                        </p:tav>
-                                      </p:tavLst>
-                                    </p:anim>
+                                      </p:cBhvr>
+                                    </p:animEffect>
                                   </p:childTnLst>
                                 </p:cTn>
                               </p:par>
@@ -4614,26 +6050,26 @@
                     </p:cTn>
                   </p:par>
                   <p:par>
-                    <p:cTn id="9" fill="hold">
+                    <p:cTn id="8" fill="hold">
                       <p:stCondLst>
                         <p:cond delay="indefinite"/>
                       </p:stCondLst>
                       <p:childTnLst>
                         <p:par>
-                          <p:cTn id="10" fill="hold">
+                          <p:cTn id="9" fill="hold">
                             <p:stCondLst>
                               <p:cond delay="0"/>
                             </p:stCondLst>
                             <p:childTnLst>
                               <p:par>
-                                <p:cTn id="11" presetID="2" presetClass="entr" presetSubtype="4" fill="hold" grpId="0" nodeType="clickEffect">
+                                <p:cTn id="10" presetID="10" presetClass="entr" presetSubtype="0" fill="hold" grpId="0" nodeType="clickEffect">
                                   <p:stCondLst>
                                     <p:cond delay="0"/>
                                   </p:stCondLst>
                                   <p:childTnLst>
                                     <p:set>
                                       <p:cBhvr>
-                                        <p:cTn id="12" dur="1" fill="hold">
+                                        <p:cTn id="11" dur="1" fill="hold">
                                           <p:stCondLst>
                                             <p:cond delay="0"/>
                                           </p:stCondLst>
@@ -4653,9 +6089,9 @@
                                         <p:strVal val="visible"/>
                                       </p:to>
                                     </p:set>
-                                    <p:anim calcmode="lin" valueType="num">
-                                      <p:cBhvr additive="base">
-                                        <p:cTn id="13" dur="500" fill="hold"/>
+                                    <p:animEffect transition="in" filter="fade">
+                                      <p:cBhvr>
+                                        <p:cTn id="12" dur="500"/>
                                         <p:tgtEl>
                                           <p:spTgt spid="3">
                                             <p:txEl>
@@ -4663,50 +6099,8 @@
                                             </p:txEl>
                                           </p:spTgt>
                                         </p:tgtEl>
-                                        <p:attrNameLst>
-                                          <p:attrName>ppt_x</p:attrName>
-                                        </p:attrNameLst>
-                                      </p:cBhvr>
-                                      <p:tavLst>
-                                        <p:tav tm="0">
-                                          <p:val>
-                                            <p:strVal val="#ppt_x"/>
-                                          </p:val>
-                                        </p:tav>
-                                        <p:tav tm="100000">
-                                          <p:val>
-                                            <p:strVal val="#ppt_x"/>
-                                          </p:val>
-                                        </p:tav>
-                                      </p:tavLst>
-                                    </p:anim>
-                                    <p:anim calcmode="lin" valueType="num">
-                                      <p:cBhvr additive="base">
-                                        <p:cTn id="14" dur="500" fill="hold"/>
-                                        <p:tgtEl>
-                                          <p:spTgt spid="3">
-                                            <p:txEl>
-                                              <p:pRg st="1" end="1"/>
-                                            </p:txEl>
-                                          </p:spTgt>
-                                        </p:tgtEl>
-                                        <p:attrNameLst>
-                                          <p:attrName>ppt_y</p:attrName>
-                                        </p:attrNameLst>
-                                      </p:cBhvr>
-                                      <p:tavLst>
-                                        <p:tav tm="0">
-                                          <p:val>
-                                            <p:strVal val="1+#ppt_h/2"/>
-                                          </p:val>
-                                        </p:tav>
-                                        <p:tav tm="100000">
-                                          <p:val>
-                                            <p:strVal val="#ppt_y"/>
-                                          </p:val>
-                                        </p:tav>
-                                      </p:tavLst>
-                                    </p:anim>
+                                      </p:cBhvr>
+                                    </p:animEffect>
                                   </p:childTnLst>
                                 </p:cTn>
                               </p:par>
@@ -4717,26 +6111,26 @@
                     </p:cTn>
                   </p:par>
                   <p:par>
-                    <p:cTn id="15" fill="hold">
+                    <p:cTn id="13" fill="hold">
                       <p:stCondLst>
                         <p:cond delay="indefinite"/>
                       </p:stCondLst>
                       <p:childTnLst>
                         <p:par>
-                          <p:cTn id="16" fill="hold">
+                          <p:cTn id="14" fill="hold">
                             <p:stCondLst>
                               <p:cond delay="0"/>
                             </p:stCondLst>
                             <p:childTnLst>
                               <p:par>
-                                <p:cTn id="17" presetID="2" presetClass="entr" presetSubtype="4" fill="hold" grpId="0" nodeType="clickEffect">
+                                <p:cTn id="15" presetID="10" presetClass="entr" presetSubtype="0" fill="hold" grpId="0" nodeType="clickEffect">
                                   <p:stCondLst>
                                     <p:cond delay="0"/>
                                   </p:stCondLst>
                                   <p:childTnLst>
                                     <p:set>
                                       <p:cBhvr>
-                                        <p:cTn id="18" dur="1" fill="hold">
+                                        <p:cTn id="16" dur="1" fill="hold">
                                           <p:stCondLst>
                                             <p:cond delay="0"/>
                                           </p:stCondLst>
@@ -4756,9 +6150,9 @@
                                         <p:strVal val="visible"/>
                                       </p:to>
                                     </p:set>
-                                    <p:anim calcmode="lin" valueType="num">
-                                      <p:cBhvr additive="base">
-                                        <p:cTn id="19" dur="500" fill="hold"/>
+                                    <p:animEffect transition="in" filter="fade">
+                                      <p:cBhvr>
+                                        <p:cTn id="17" dur="500"/>
                                         <p:tgtEl>
                                           <p:spTgt spid="3">
                                             <p:txEl>
@@ -4766,50 +6160,8 @@
                                             </p:txEl>
                                           </p:spTgt>
                                         </p:tgtEl>
-                                        <p:attrNameLst>
-                                          <p:attrName>ppt_x</p:attrName>
-                                        </p:attrNameLst>
-                                      </p:cBhvr>
-                                      <p:tavLst>
-                                        <p:tav tm="0">
-                                          <p:val>
-                                            <p:strVal val="#ppt_x"/>
-                                          </p:val>
-                                        </p:tav>
-                                        <p:tav tm="100000">
-                                          <p:val>
-                                            <p:strVal val="#ppt_x"/>
-                                          </p:val>
-                                        </p:tav>
-                                      </p:tavLst>
-                                    </p:anim>
-                                    <p:anim calcmode="lin" valueType="num">
-                                      <p:cBhvr additive="base">
-                                        <p:cTn id="20" dur="500" fill="hold"/>
-                                        <p:tgtEl>
-                                          <p:spTgt spid="3">
-                                            <p:txEl>
-                                              <p:pRg st="2" end="2"/>
-                                            </p:txEl>
-                                          </p:spTgt>
-                                        </p:tgtEl>
-                                        <p:attrNameLst>
-                                          <p:attrName>ppt_y</p:attrName>
-                                        </p:attrNameLst>
-                                      </p:cBhvr>
-                                      <p:tavLst>
-                                        <p:tav tm="0">
-                                          <p:val>
-                                            <p:strVal val="1+#ppt_h/2"/>
-                                          </p:val>
-                                        </p:tav>
-                                        <p:tav tm="100000">
-                                          <p:val>
-                                            <p:strVal val="#ppt_y"/>
-                                          </p:val>
-                                        </p:tav>
-                                      </p:tavLst>
-                                    </p:anim>
+                                      </p:cBhvr>
+                                    </p:animEffect>
                                   </p:childTnLst>
                                 </p:cTn>
                               </p:par>
@@ -4876,49 +6228,76 @@
         </p:nvSpPr>
         <p:spPr>
           <a:xfrm>
-            <a:off x="876300" y="2529014"/>
-            <a:ext cx="10515600" cy="3912975"/>
+            <a:off x="657225" y="2754016"/>
+            <a:ext cx="7886700" cy="3564406"/>
           </a:xfrm>
         </p:spPr>
         <p:txBody>
           <a:bodyPr>
-            <a:normAutofit fontScale="92500" lnSpcReduction="10000"/>
+            <a:normAutofit fontScale="92500" lnSpcReduction="20000"/>
           </a:bodyPr>
           <a:lstStyle/>
           <a:p>
             <a:r>
-              <a:rPr lang="en-US" dirty="0"/>
+              <a:rPr lang="en-US" dirty="0">
+                <a:latin typeface="Georgia" panose="02040502050405020303" pitchFamily="18" charset="0"/>
+              </a:rPr>
               <a:t>[R1] The system should allow taxi reservations for a specific path communicated by the customer.</a:t>
             </a:r>
-            <a:endParaRPr lang="it-IT" dirty="0"/>
-          </a:p>
-          <a:p>
-            <a:r>
-              <a:rPr lang="en-US" dirty="0"/>
+            <a:endParaRPr lang="it-IT" dirty="0">
+              <a:latin typeface="Georgia" panose="02040502050405020303" pitchFamily="18" charset="0"/>
+            </a:endParaRPr>
+          </a:p>
+          <a:p>
+            <a:r>
+              <a:rPr lang="en-US" dirty="0">
+                <a:latin typeface="Georgia" panose="02040502050405020303" pitchFamily="18" charset="0"/>
+              </a:rPr>
               <a:t>[R2] The system must not allow overlaps between reservations (or requests) made by the same customer.</a:t>
             </a:r>
-            <a:endParaRPr lang="it-IT" dirty="0"/>
-          </a:p>
-          <a:p>
-            <a:r>
-              <a:rPr lang="en-US" dirty="0"/>
-              <a:t>[R3] The system should allow to delete a taxi reservation made by the same customer.</a:t>
-            </a:r>
-            <a:endParaRPr lang="it-IT" dirty="0"/>
-          </a:p>
-          <a:p>
-            <a:r>
-              <a:rPr lang="en-US" dirty="0"/>
-              <a:t>[R4] The system allows reservations only 2 hours before the time and date specified by the customer.</a:t>
-            </a:r>
-            <a:endParaRPr lang="it-IT" dirty="0"/>
-          </a:p>
-          <a:p>
-            <a:r>
-              <a:rPr lang="en-US" dirty="0"/>
-              <a:t>[R5] The system will assign a taxi driver for the reserved ride 10 minutes before the time and date specified by the customer. </a:t>
-            </a:r>
-            <a:endParaRPr lang="it-IT" dirty="0"/>
+            <a:endParaRPr lang="it-IT" dirty="0">
+              <a:latin typeface="Georgia" panose="02040502050405020303" pitchFamily="18" charset="0"/>
+            </a:endParaRPr>
+          </a:p>
+          <a:p>
+            <a:r>
+              <a:rPr lang="en-US" dirty="0" smtClean="0">
+                <a:latin typeface="Georgia" panose="02040502050405020303" pitchFamily="18" charset="0"/>
+              </a:rPr>
+              <a:t>[R3] </a:t>
+            </a:r>
+            <a:r>
+              <a:rPr lang="en-US" dirty="0">
+                <a:latin typeface="Georgia" panose="02040502050405020303" pitchFamily="18" charset="0"/>
+              </a:rPr>
+              <a:t>The system allows reservations only 2 hours before the time and date specified by the customer.</a:t>
+            </a:r>
+            <a:endParaRPr lang="it-IT" dirty="0">
+              <a:latin typeface="Georgia" panose="02040502050405020303" pitchFamily="18" charset="0"/>
+            </a:endParaRPr>
+          </a:p>
+          <a:p>
+            <a:r>
+              <a:rPr lang="en-US" dirty="0">
+                <a:latin typeface="Georgia" panose="02040502050405020303" pitchFamily="18" charset="0"/>
+              </a:rPr>
+              <a:t>[</a:t>
+            </a:r>
+            <a:r>
+              <a:rPr lang="en-US" dirty="0" smtClean="0">
+                <a:latin typeface="Georgia" panose="02040502050405020303" pitchFamily="18" charset="0"/>
+              </a:rPr>
+              <a:t>R4] </a:t>
+            </a:r>
+            <a:r>
+              <a:rPr lang="en-US" dirty="0">
+                <a:latin typeface="Georgia" panose="02040502050405020303" pitchFamily="18" charset="0"/>
+              </a:rPr>
+              <a:t>The system will assign a taxi driver for the reserved ride 10 minutes before the time and date specified by the customer. </a:t>
+            </a:r>
+            <a:endParaRPr lang="it-IT" dirty="0">
+              <a:latin typeface="Georgia" panose="02040502050405020303" pitchFamily="18" charset="0"/>
+            </a:endParaRPr>
           </a:p>
           <a:p>
             <a:endParaRPr lang="it-IT" dirty="0"/>
@@ -4936,8 +6315,8 @@
         </p:nvSpPr>
         <p:spPr>
           <a:xfrm>
-            <a:off x="876300" y="927208"/>
-            <a:ext cx="10439400" cy="1231106"/>
+            <a:off x="657225" y="1552659"/>
+            <a:ext cx="7829550" cy="946413"/>
           </a:xfrm>
           <a:prstGeom prst="rect">
             <a:avLst/>
@@ -4964,25 +6343,59 @@
           <a:lstStyle/>
           <a:p>
             <a:r>
-              <a:rPr lang="en-US" sz="2800" i="1" dirty="0"/>
+              <a:rPr lang="en-US" sz="2100" i="1" dirty="0"/>
               <a:t>[</a:t>
             </a:r>
             <a:r>
-              <a:rPr lang="en-US" sz="2800" b="1" i="1" dirty="0"/>
+              <a:rPr lang="en-US" sz="2100" b="1" i="1" dirty="0"/>
               <a:t>G3</a:t>
             </a:r>
             <a:r>
-              <a:rPr lang="en-US" sz="2800" i="1" dirty="0"/>
+              <a:rPr lang="en-US" sz="2100" i="1" dirty="0"/>
               <a:t>] Allow customers to reserve a taxi ride at a specific time with a given origin and destination</a:t>
             </a:r>
             <a:r>
-              <a:rPr lang="en-US" sz="2800" i="1" dirty="0" smtClean="0"/>
+              <a:rPr lang="en-US" sz="2100" i="1" dirty="0"/>
               <a:t>.</a:t>
             </a:r>
-            <a:endParaRPr lang="en-US" sz="2800" i="1" dirty="0" smtClean="0"/>
-          </a:p>
-          <a:p>
-            <a:endParaRPr lang="it-IT" dirty="0"/>
+          </a:p>
+          <a:p>
+            <a:endParaRPr lang="it-IT" sz="1350" dirty="0"/>
+          </a:p>
+        </p:txBody>
+      </p:sp>
+      <p:sp>
+        <p:nvSpPr>
+          <p:cNvPr id="4" name="Titolo 1"/>
+          <p:cNvSpPr>
+            <a:spLocks noGrp="1"/>
+          </p:cNvSpPr>
+          <p:nvPr>
+            <p:ph type="title"/>
+          </p:nvPr>
+        </p:nvSpPr>
+        <p:spPr>
+          <a:xfrm>
+            <a:off x="628650" y="365126"/>
+            <a:ext cx="7798658" cy="1010593"/>
+          </a:xfrm>
+        </p:spPr>
+        <p:txBody>
+          <a:bodyPr>
+            <a:normAutofit fontScale="90000"/>
+          </a:bodyPr>
+          <a:lstStyle/>
+          <a:p>
+            <a:pPr algn="ctr"/>
+            <a:r>
+              <a:rPr lang="en-US" b="1" dirty="0" smtClean="0">
+                <a:latin typeface="Georgia" panose="02040502050405020303" pitchFamily="18" charset="0"/>
+              </a:rPr>
+              <a:t>Goals and functional requirements</a:t>
+            </a:r>
+            <a:endParaRPr lang="en-US" b="1" dirty="0">
+              <a:latin typeface="Georgia" panose="02040502050405020303" pitchFamily="18" charset="0"/>
+            </a:endParaRPr>
           </a:p>
         </p:txBody>
       </p:sp>
@@ -5017,7 +6430,7 @@
                             </p:stCondLst>
                             <p:childTnLst>
                               <p:par>
-                                <p:cTn id="5" presetID="2" presetClass="entr" presetSubtype="4" fill="hold" grpId="0" nodeType="clickEffect">
+                                <p:cTn id="5" presetID="10" presetClass="entr" presetSubtype="0" fill="hold" grpId="0" nodeType="clickEffect">
                                   <p:stCondLst>
                                     <p:cond delay="0"/>
                                   </p:stCondLst>
@@ -5044,9 +6457,9 @@
                                         <p:strVal val="visible"/>
                                       </p:to>
                                     </p:set>
-                                    <p:anim calcmode="lin" valueType="num">
-                                      <p:cBhvr additive="base">
-                                        <p:cTn id="7" dur="500" fill="hold"/>
+                                    <p:animEffect transition="in" filter="fade">
+                                      <p:cBhvr>
+                                        <p:cTn id="7" dur="500"/>
                                         <p:tgtEl>
                                           <p:spTgt spid="3">
                                             <p:txEl>
@@ -5054,50 +6467,8 @@
                                             </p:txEl>
                                           </p:spTgt>
                                         </p:tgtEl>
-                                        <p:attrNameLst>
-                                          <p:attrName>ppt_x</p:attrName>
-                                        </p:attrNameLst>
-                                      </p:cBhvr>
-                                      <p:tavLst>
-                                        <p:tav tm="0">
-                                          <p:val>
-                                            <p:strVal val="#ppt_x"/>
-                                          </p:val>
-                                        </p:tav>
-                                        <p:tav tm="100000">
-                                          <p:val>
-                                            <p:strVal val="#ppt_x"/>
-                                          </p:val>
-                                        </p:tav>
-                                      </p:tavLst>
-                                    </p:anim>
-                                    <p:anim calcmode="lin" valueType="num">
-                                      <p:cBhvr additive="base">
-                                        <p:cTn id="8" dur="500" fill="hold"/>
-                                        <p:tgtEl>
-                                          <p:spTgt spid="3">
-                                            <p:txEl>
-                                              <p:pRg st="0" end="0"/>
-                                            </p:txEl>
-                                          </p:spTgt>
-                                        </p:tgtEl>
-                                        <p:attrNameLst>
-                                          <p:attrName>ppt_y</p:attrName>
-                                        </p:attrNameLst>
-                                      </p:cBhvr>
-                                      <p:tavLst>
-                                        <p:tav tm="0">
-                                          <p:val>
-                                            <p:strVal val="1+#ppt_h/2"/>
-                                          </p:val>
-                                        </p:tav>
-                                        <p:tav tm="100000">
-                                          <p:val>
-                                            <p:strVal val="#ppt_y"/>
-                                          </p:val>
-                                        </p:tav>
-                                      </p:tavLst>
-                                    </p:anim>
+                                      </p:cBhvr>
+                                    </p:animEffect>
                                   </p:childTnLst>
                                 </p:cTn>
                               </p:par>
@@ -5108,26 +6479,26 @@
                     </p:cTn>
                   </p:par>
                   <p:par>
-                    <p:cTn id="9" fill="hold">
+                    <p:cTn id="8" fill="hold">
                       <p:stCondLst>
                         <p:cond delay="indefinite"/>
                       </p:stCondLst>
                       <p:childTnLst>
                         <p:par>
-                          <p:cTn id="10" fill="hold">
+                          <p:cTn id="9" fill="hold">
                             <p:stCondLst>
                               <p:cond delay="0"/>
                             </p:stCondLst>
                             <p:childTnLst>
                               <p:par>
-                                <p:cTn id="11" presetID="2" presetClass="entr" presetSubtype="4" fill="hold" grpId="0" nodeType="clickEffect">
+                                <p:cTn id="10" presetID="10" presetClass="entr" presetSubtype="0" fill="hold" grpId="0" nodeType="clickEffect">
                                   <p:stCondLst>
                                     <p:cond delay="0"/>
                                   </p:stCondLst>
                                   <p:childTnLst>
                                     <p:set>
                                       <p:cBhvr>
-                                        <p:cTn id="12" dur="1" fill="hold">
+                                        <p:cTn id="11" dur="1" fill="hold">
                                           <p:stCondLst>
                                             <p:cond delay="0"/>
                                           </p:stCondLst>
@@ -5147,9 +6518,9 @@
                                         <p:strVal val="visible"/>
                                       </p:to>
                                     </p:set>
-                                    <p:anim calcmode="lin" valueType="num">
-                                      <p:cBhvr additive="base">
-                                        <p:cTn id="13" dur="500" fill="hold"/>
+                                    <p:animEffect transition="in" filter="fade">
+                                      <p:cBhvr>
+                                        <p:cTn id="12" dur="500"/>
                                         <p:tgtEl>
                                           <p:spTgt spid="3">
                                             <p:txEl>
@@ -5157,50 +6528,8 @@
                                             </p:txEl>
                                           </p:spTgt>
                                         </p:tgtEl>
-                                        <p:attrNameLst>
-                                          <p:attrName>ppt_x</p:attrName>
-                                        </p:attrNameLst>
-                                      </p:cBhvr>
-                                      <p:tavLst>
-                                        <p:tav tm="0">
-                                          <p:val>
-                                            <p:strVal val="#ppt_x"/>
-                                          </p:val>
-                                        </p:tav>
-                                        <p:tav tm="100000">
-                                          <p:val>
-                                            <p:strVal val="#ppt_x"/>
-                                          </p:val>
-                                        </p:tav>
-                                      </p:tavLst>
-                                    </p:anim>
-                                    <p:anim calcmode="lin" valueType="num">
-                                      <p:cBhvr additive="base">
-                                        <p:cTn id="14" dur="500" fill="hold"/>
-                                        <p:tgtEl>
-                                          <p:spTgt spid="3">
-                                            <p:txEl>
-                                              <p:pRg st="1" end="1"/>
-                                            </p:txEl>
-                                          </p:spTgt>
-                                        </p:tgtEl>
-                                        <p:attrNameLst>
-                                          <p:attrName>ppt_y</p:attrName>
-                                        </p:attrNameLst>
-                                      </p:cBhvr>
-                                      <p:tavLst>
-                                        <p:tav tm="0">
-                                          <p:val>
-                                            <p:strVal val="1+#ppt_h/2"/>
-                                          </p:val>
-                                        </p:tav>
-                                        <p:tav tm="100000">
-                                          <p:val>
-                                            <p:strVal val="#ppt_y"/>
-                                          </p:val>
-                                        </p:tav>
-                                      </p:tavLst>
-                                    </p:anim>
+                                      </p:cBhvr>
+                                    </p:animEffect>
                                   </p:childTnLst>
                                 </p:cTn>
                               </p:par>
@@ -5211,26 +6540,26 @@
                     </p:cTn>
                   </p:par>
                   <p:par>
-                    <p:cTn id="15" fill="hold">
+                    <p:cTn id="13" fill="hold">
                       <p:stCondLst>
                         <p:cond delay="indefinite"/>
                       </p:stCondLst>
                       <p:childTnLst>
                         <p:par>
-                          <p:cTn id="16" fill="hold">
+                          <p:cTn id="14" fill="hold">
                             <p:stCondLst>
                               <p:cond delay="0"/>
                             </p:stCondLst>
                             <p:childTnLst>
                               <p:par>
-                                <p:cTn id="17" presetID="2" presetClass="entr" presetSubtype="4" fill="hold" grpId="0" nodeType="clickEffect">
+                                <p:cTn id="15" presetID="10" presetClass="entr" presetSubtype="0" fill="hold" grpId="0" nodeType="clickEffect">
                                   <p:stCondLst>
                                     <p:cond delay="0"/>
                                   </p:stCondLst>
                                   <p:childTnLst>
                                     <p:set>
                                       <p:cBhvr>
-                                        <p:cTn id="18" dur="1" fill="hold">
+                                        <p:cTn id="16" dur="1" fill="hold">
                                           <p:stCondLst>
                                             <p:cond delay="0"/>
                                           </p:stCondLst>
@@ -5250,9 +6579,9 @@
                                         <p:strVal val="visible"/>
                                       </p:to>
                                     </p:set>
-                                    <p:anim calcmode="lin" valueType="num">
-                                      <p:cBhvr additive="base">
-                                        <p:cTn id="19" dur="500" fill="hold"/>
+                                    <p:animEffect transition="in" filter="fade">
+                                      <p:cBhvr>
+                                        <p:cTn id="17" dur="500"/>
                                         <p:tgtEl>
                                           <p:spTgt spid="3">
                                             <p:txEl>
@@ -5260,50 +6589,8 @@
                                             </p:txEl>
                                           </p:spTgt>
                                         </p:tgtEl>
-                                        <p:attrNameLst>
-                                          <p:attrName>ppt_x</p:attrName>
-                                        </p:attrNameLst>
-                                      </p:cBhvr>
-                                      <p:tavLst>
-                                        <p:tav tm="0">
-                                          <p:val>
-                                            <p:strVal val="#ppt_x"/>
-                                          </p:val>
-                                        </p:tav>
-                                        <p:tav tm="100000">
-                                          <p:val>
-                                            <p:strVal val="#ppt_x"/>
-                                          </p:val>
-                                        </p:tav>
-                                      </p:tavLst>
-                                    </p:anim>
-                                    <p:anim calcmode="lin" valueType="num">
-                                      <p:cBhvr additive="base">
-                                        <p:cTn id="20" dur="500" fill="hold"/>
-                                        <p:tgtEl>
-                                          <p:spTgt spid="3">
-                                            <p:txEl>
-                                              <p:pRg st="2" end="2"/>
-                                            </p:txEl>
-                                          </p:spTgt>
-                                        </p:tgtEl>
-                                        <p:attrNameLst>
-                                          <p:attrName>ppt_y</p:attrName>
-                                        </p:attrNameLst>
-                                      </p:cBhvr>
-                                      <p:tavLst>
-                                        <p:tav tm="0">
-                                          <p:val>
-                                            <p:strVal val="1+#ppt_h/2"/>
-                                          </p:val>
-                                        </p:tav>
-                                        <p:tav tm="100000">
-                                          <p:val>
-                                            <p:strVal val="#ppt_y"/>
-                                          </p:val>
-                                        </p:tav>
-                                      </p:tavLst>
-                                    </p:anim>
+                                      </p:cBhvr>
+                                    </p:animEffect>
                                   </p:childTnLst>
                                 </p:cTn>
                               </p:par>
@@ -5314,26 +6601,26 @@
                     </p:cTn>
                   </p:par>
                   <p:par>
-                    <p:cTn id="21" fill="hold">
+                    <p:cTn id="18" fill="hold">
                       <p:stCondLst>
                         <p:cond delay="indefinite"/>
                       </p:stCondLst>
                       <p:childTnLst>
                         <p:par>
-                          <p:cTn id="22" fill="hold">
+                          <p:cTn id="19" fill="hold">
                             <p:stCondLst>
                               <p:cond delay="0"/>
                             </p:stCondLst>
                             <p:childTnLst>
                               <p:par>
-                                <p:cTn id="23" presetID="2" presetClass="entr" presetSubtype="4" fill="hold" grpId="0" nodeType="clickEffect">
+                                <p:cTn id="20" presetID="10" presetClass="entr" presetSubtype="0" fill="hold" grpId="0" nodeType="clickEffect">
                                   <p:stCondLst>
                                     <p:cond delay="0"/>
                                   </p:stCondLst>
                                   <p:childTnLst>
                                     <p:set>
                                       <p:cBhvr>
-                                        <p:cTn id="24" dur="1" fill="hold">
+                                        <p:cTn id="21" dur="1" fill="hold">
                                           <p:stCondLst>
                                             <p:cond delay="0"/>
                                           </p:stCondLst>
@@ -5353,9 +6640,9 @@
                                         <p:strVal val="visible"/>
                                       </p:to>
                                     </p:set>
-                                    <p:anim calcmode="lin" valueType="num">
-                                      <p:cBhvr additive="base">
-                                        <p:cTn id="25" dur="500" fill="hold"/>
+                                    <p:animEffect transition="in" filter="fade">
+                                      <p:cBhvr>
+                                        <p:cTn id="22" dur="500"/>
                                         <p:tgtEl>
                                           <p:spTgt spid="3">
                                             <p:txEl>
@@ -5363,153 +6650,8 @@
                                             </p:txEl>
                                           </p:spTgt>
                                         </p:tgtEl>
-                                        <p:attrNameLst>
-                                          <p:attrName>ppt_x</p:attrName>
-                                        </p:attrNameLst>
-                                      </p:cBhvr>
-                                      <p:tavLst>
-                                        <p:tav tm="0">
-                                          <p:val>
-                                            <p:strVal val="#ppt_x"/>
-                                          </p:val>
-                                        </p:tav>
-                                        <p:tav tm="100000">
-                                          <p:val>
-                                            <p:strVal val="#ppt_x"/>
-                                          </p:val>
-                                        </p:tav>
-                                      </p:tavLst>
-                                    </p:anim>
-                                    <p:anim calcmode="lin" valueType="num">
-                                      <p:cBhvr additive="base">
-                                        <p:cTn id="26" dur="500" fill="hold"/>
-                                        <p:tgtEl>
-                                          <p:spTgt spid="3">
-                                            <p:txEl>
-                                              <p:pRg st="3" end="3"/>
-                                            </p:txEl>
-                                          </p:spTgt>
-                                        </p:tgtEl>
-                                        <p:attrNameLst>
-                                          <p:attrName>ppt_y</p:attrName>
-                                        </p:attrNameLst>
-                                      </p:cBhvr>
-                                      <p:tavLst>
-                                        <p:tav tm="0">
-                                          <p:val>
-                                            <p:strVal val="1+#ppt_h/2"/>
-                                          </p:val>
-                                        </p:tav>
-                                        <p:tav tm="100000">
-                                          <p:val>
-                                            <p:strVal val="#ppt_y"/>
-                                          </p:val>
-                                        </p:tav>
-                                      </p:tavLst>
-                                    </p:anim>
-                                  </p:childTnLst>
-                                </p:cTn>
-                              </p:par>
-                            </p:childTnLst>
-                          </p:cTn>
-                        </p:par>
-                      </p:childTnLst>
-                    </p:cTn>
-                  </p:par>
-                  <p:par>
-                    <p:cTn id="27" fill="hold">
-                      <p:stCondLst>
-                        <p:cond delay="indefinite"/>
-                      </p:stCondLst>
-                      <p:childTnLst>
-                        <p:par>
-                          <p:cTn id="28" fill="hold">
-                            <p:stCondLst>
-                              <p:cond delay="0"/>
-                            </p:stCondLst>
-                            <p:childTnLst>
-                              <p:par>
-                                <p:cTn id="29" presetID="2" presetClass="entr" presetSubtype="4" fill="hold" grpId="0" nodeType="clickEffect">
-                                  <p:stCondLst>
-                                    <p:cond delay="0"/>
-                                  </p:stCondLst>
-                                  <p:childTnLst>
-                                    <p:set>
-                                      <p:cBhvr>
-                                        <p:cTn id="30" dur="1" fill="hold">
-                                          <p:stCondLst>
-                                            <p:cond delay="0"/>
-                                          </p:stCondLst>
-                                        </p:cTn>
-                                        <p:tgtEl>
-                                          <p:spTgt spid="3">
-                                            <p:txEl>
-                                              <p:pRg st="4" end="4"/>
-                                            </p:txEl>
-                                          </p:spTgt>
-                                        </p:tgtEl>
-                                        <p:attrNameLst>
-                                          <p:attrName>style.visibility</p:attrName>
-                                        </p:attrNameLst>
-                                      </p:cBhvr>
-                                      <p:to>
-                                        <p:strVal val="visible"/>
-                                      </p:to>
-                                    </p:set>
-                                    <p:anim calcmode="lin" valueType="num">
-                                      <p:cBhvr additive="base">
-                                        <p:cTn id="31" dur="500" fill="hold"/>
-                                        <p:tgtEl>
-                                          <p:spTgt spid="3">
-                                            <p:txEl>
-                                              <p:pRg st="4" end="4"/>
-                                            </p:txEl>
-                                          </p:spTgt>
-                                        </p:tgtEl>
-                                        <p:attrNameLst>
-                                          <p:attrName>ppt_x</p:attrName>
-                                        </p:attrNameLst>
-                                      </p:cBhvr>
-                                      <p:tavLst>
-                                        <p:tav tm="0">
-                                          <p:val>
-                                            <p:strVal val="#ppt_x"/>
-                                          </p:val>
-                                        </p:tav>
-                                        <p:tav tm="100000">
-                                          <p:val>
-                                            <p:strVal val="#ppt_x"/>
-                                          </p:val>
-                                        </p:tav>
-                                      </p:tavLst>
-                                    </p:anim>
-                                    <p:anim calcmode="lin" valueType="num">
-                                      <p:cBhvr additive="base">
-                                        <p:cTn id="32" dur="500" fill="hold"/>
-                                        <p:tgtEl>
-                                          <p:spTgt spid="3">
-                                            <p:txEl>
-                                              <p:pRg st="4" end="4"/>
-                                            </p:txEl>
-                                          </p:spTgt>
-                                        </p:tgtEl>
-                                        <p:attrNameLst>
-                                          <p:attrName>ppt_y</p:attrName>
-                                        </p:attrNameLst>
-                                      </p:cBhvr>
-                                      <p:tavLst>
-                                        <p:tav tm="0">
-                                          <p:val>
-                                            <p:strVal val="1+#ppt_h/2"/>
-                                          </p:val>
-                                        </p:tav>
-                                        <p:tav tm="100000">
-                                          <p:val>
-                                            <p:strVal val="#ppt_y"/>
-                                          </p:val>
-                                        </p:tav>
-                                      </p:tavLst>
-                                    </p:anim>
+                                      </p:cBhvr>
+                                    </p:animEffect>
                                   </p:childTnLst>
                                 </p:cTn>
                               </p:par>
@@ -5576,46 +6718,64 @@
         </p:nvSpPr>
         <p:spPr>
           <a:xfrm>
-            <a:off x="876300" y="2529014"/>
-            <a:ext cx="10515600" cy="3912975"/>
+            <a:off x="657225" y="2754017"/>
+            <a:ext cx="7886700" cy="3144276"/>
           </a:xfrm>
         </p:spPr>
         <p:txBody>
           <a:bodyPr>
-            <a:normAutofit lnSpcReduction="10000"/>
+            <a:normAutofit fontScale="85000" lnSpcReduction="20000"/>
           </a:bodyPr>
           <a:lstStyle/>
           <a:p>
             <a:r>
-              <a:rPr lang="en-US" dirty="0"/>
+              <a:rPr lang="en-US" dirty="0">
+                <a:latin typeface="Georgia" panose="02040502050405020303" pitchFamily="18" charset="0"/>
+              </a:rPr>
               <a:t>[R1] Taxi drivers should be able to communicate their current availability state to the system.</a:t>
             </a:r>
-            <a:endParaRPr lang="it-IT" dirty="0"/>
-          </a:p>
-          <a:p>
-            <a:r>
-              <a:rPr lang="en-US" dirty="0"/>
+            <a:endParaRPr lang="it-IT" dirty="0">
+              <a:latin typeface="Georgia" panose="02040502050405020303" pitchFamily="18" charset="0"/>
+            </a:endParaRPr>
+          </a:p>
+          <a:p>
+            <a:r>
+              <a:rPr lang="en-US" dirty="0">
+                <a:latin typeface="Georgia" panose="02040502050405020303" pitchFamily="18" charset="0"/>
+              </a:rPr>
               <a:t>[R2] If available, taxi drivers should be able to receive incoming requests.</a:t>
             </a:r>
-            <a:endParaRPr lang="it-IT" dirty="0"/>
-          </a:p>
-          <a:p>
-            <a:r>
-              <a:rPr lang="en-US" dirty="0"/>
+            <a:endParaRPr lang="it-IT" dirty="0">
+              <a:latin typeface="Georgia" panose="02040502050405020303" pitchFamily="18" charset="0"/>
+            </a:endParaRPr>
+          </a:p>
+          <a:p>
+            <a:r>
+              <a:rPr lang="en-US" dirty="0">
+                <a:latin typeface="Georgia" panose="02040502050405020303" pitchFamily="18" charset="0"/>
+              </a:rPr>
               <a:t>[R3] After receiving an incoming request, the taxi driver should be able to either confirm or not his intention to take charge of the request.</a:t>
             </a:r>
-            <a:endParaRPr lang="it-IT" dirty="0"/>
-          </a:p>
-          <a:p>
-            <a:r>
-              <a:rPr lang="en-US" dirty="0"/>
+            <a:endParaRPr lang="it-IT" dirty="0">
+              <a:latin typeface="Georgia" panose="02040502050405020303" pitchFamily="18" charset="0"/>
+            </a:endParaRPr>
+          </a:p>
+          <a:p>
+            <a:r>
+              <a:rPr lang="en-US" dirty="0">
+                <a:latin typeface="Georgia" panose="02040502050405020303" pitchFamily="18" charset="0"/>
+              </a:rPr>
               <a:t>[R4] Taxi drivers must be able to log in the mobile application with preassigned credential and be identified as drivers</a:t>
             </a:r>
             <a:r>
-              <a:rPr lang="en-US" dirty="0" smtClean="0"/>
+              <a:rPr lang="en-US" dirty="0" smtClean="0">
+                <a:latin typeface="Georgia" panose="02040502050405020303" pitchFamily="18" charset="0"/>
+              </a:rPr>
               <a:t>.</a:t>
             </a:r>
-            <a:endParaRPr lang="it-IT" dirty="0"/>
+            <a:endParaRPr lang="it-IT" dirty="0">
+              <a:latin typeface="Georgia" panose="02040502050405020303" pitchFamily="18" charset="0"/>
+            </a:endParaRPr>
           </a:p>
           <a:p>
             <a:endParaRPr lang="it-IT" dirty="0"/>
@@ -5630,8 +6790,8 @@
         </p:nvSpPr>
         <p:spPr>
           <a:xfrm>
-            <a:off x="876300" y="927208"/>
-            <a:ext cx="10439400" cy="1231106"/>
+            <a:off x="657225" y="1552658"/>
+            <a:ext cx="7829550" cy="946413"/>
           </a:xfrm>
           <a:prstGeom prst="rect">
             <a:avLst/>
@@ -5658,24 +6818,59 @@
           <a:lstStyle/>
           <a:p>
             <a:r>
-              <a:rPr lang="en-US" sz="2800" i="1" dirty="0"/>
+              <a:rPr lang="en-US" sz="2100" i="1" dirty="0"/>
               <a:t>[</a:t>
             </a:r>
             <a:r>
-              <a:rPr lang="en-US" sz="2800" b="1" i="1" dirty="0"/>
+              <a:rPr lang="en-US" sz="2100" b="1" i="1" dirty="0"/>
               <a:t>G4</a:t>
             </a:r>
             <a:r>
-              <a:rPr lang="en-US" sz="2800" i="1" dirty="0"/>
+              <a:rPr lang="en-US" sz="2100" i="1" dirty="0"/>
               <a:t>] Allow taxi drivers to answer a ride request and take care of customers</a:t>
             </a:r>
             <a:r>
-              <a:rPr lang="en-US" sz="2800" i="1" dirty="0" smtClean="0"/>
+              <a:rPr lang="en-US" sz="2100" i="1" dirty="0"/>
               <a:t>.</a:t>
             </a:r>
           </a:p>
           <a:p>
-            <a:endParaRPr lang="it-IT" dirty="0"/>
+            <a:endParaRPr lang="it-IT" sz="1350" dirty="0"/>
+          </a:p>
+        </p:txBody>
+      </p:sp>
+      <p:sp>
+        <p:nvSpPr>
+          <p:cNvPr id="4" name="Titolo 1"/>
+          <p:cNvSpPr>
+            <a:spLocks noGrp="1"/>
+          </p:cNvSpPr>
+          <p:nvPr>
+            <p:ph type="title"/>
+          </p:nvPr>
+        </p:nvSpPr>
+        <p:spPr>
+          <a:xfrm>
+            <a:off x="628650" y="365126"/>
+            <a:ext cx="7798658" cy="1010593"/>
+          </a:xfrm>
+        </p:spPr>
+        <p:txBody>
+          <a:bodyPr>
+            <a:normAutofit fontScale="90000"/>
+          </a:bodyPr>
+          <a:lstStyle/>
+          <a:p>
+            <a:pPr algn="ctr"/>
+            <a:r>
+              <a:rPr lang="en-US" b="1" dirty="0" smtClean="0">
+                <a:latin typeface="Georgia" panose="02040502050405020303" pitchFamily="18" charset="0"/>
+              </a:rPr>
+              <a:t>Goals and functional requirements</a:t>
+            </a:r>
+            <a:endParaRPr lang="en-US" b="1" dirty="0">
+              <a:latin typeface="Georgia" panose="02040502050405020303" pitchFamily="18" charset="0"/>
+            </a:endParaRPr>
           </a:p>
         </p:txBody>
       </p:sp>
@@ -5710,7 +6905,7 @@
                             </p:stCondLst>
                             <p:childTnLst>
                               <p:par>
-                                <p:cTn id="5" presetID="2" presetClass="entr" presetSubtype="4" fill="hold" grpId="0" nodeType="clickEffect">
+                                <p:cTn id="5" presetID="10" presetClass="entr" presetSubtype="0" fill="hold" grpId="0" nodeType="clickEffect">
                                   <p:stCondLst>
                                     <p:cond delay="0"/>
                                   </p:stCondLst>
@@ -5737,9 +6932,9 @@
                                         <p:strVal val="visible"/>
                                       </p:to>
                                     </p:set>
-                                    <p:anim calcmode="lin" valueType="num">
-                                      <p:cBhvr additive="base">
-                                        <p:cTn id="7" dur="500" fill="hold"/>
+                                    <p:animEffect transition="in" filter="fade">
+                                      <p:cBhvr>
+                                        <p:cTn id="7" dur="500"/>
                                         <p:tgtEl>
                                           <p:spTgt spid="3">
                                             <p:txEl>
@@ -5747,50 +6942,8 @@
                                             </p:txEl>
                                           </p:spTgt>
                                         </p:tgtEl>
-                                        <p:attrNameLst>
-                                          <p:attrName>ppt_x</p:attrName>
-                                        </p:attrNameLst>
-                                      </p:cBhvr>
-                                      <p:tavLst>
-                                        <p:tav tm="0">
-                                          <p:val>
-                                            <p:strVal val="#ppt_x"/>
-                                          </p:val>
-                                        </p:tav>
-                                        <p:tav tm="100000">
-                                          <p:val>
-                                            <p:strVal val="#ppt_x"/>
-                                          </p:val>
-                                        </p:tav>
-                                      </p:tavLst>
-                                    </p:anim>
-                                    <p:anim calcmode="lin" valueType="num">
-                                      <p:cBhvr additive="base">
-                                        <p:cTn id="8" dur="500" fill="hold"/>
-                                        <p:tgtEl>
-                                          <p:spTgt spid="3">
-                                            <p:txEl>
-                                              <p:pRg st="0" end="0"/>
-                                            </p:txEl>
-                                          </p:spTgt>
-                                        </p:tgtEl>
-                                        <p:attrNameLst>
-                                          <p:attrName>ppt_y</p:attrName>
-                                        </p:attrNameLst>
-                                      </p:cBhvr>
-                                      <p:tavLst>
-                                        <p:tav tm="0">
-                                          <p:val>
-                                            <p:strVal val="1+#ppt_h/2"/>
-                                          </p:val>
-                                        </p:tav>
-                                        <p:tav tm="100000">
-                                          <p:val>
-                                            <p:strVal val="#ppt_y"/>
-                                          </p:val>
-                                        </p:tav>
-                                      </p:tavLst>
-                                    </p:anim>
+                                      </p:cBhvr>
+                                    </p:animEffect>
                                   </p:childTnLst>
                                 </p:cTn>
                               </p:par>
@@ -5801,26 +6954,26 @@
                     </p:cTn>
                   </p:par>
                   <p:par>
-                    <p:cTn id="9" fill="hold">
+                    <p:cTn id="8" fill="hold">
                       <p:stCondLst>
                         <p:cond delay="indefinite"/>
                       </p:stCondLst>
                       <p:childTnLst>
                         <p:par>
-                          <p:cTn id="10" fill="hold">
+                          <p:cTn id="9" fill="hold">
                             <p:stCondLst>
                               <p:cond delay="0"/>
                             </p:stCondLst>
                             <p:childTnLst>
                               <p:par>
-                                <p:cTn id="11" presetID="2" presetClass="entr" presetSubtype="4" fill="hold" grpId="0" nodeType="clickEffect">
+                                <p:cTn id="10" presetID="10" presetClass="entr" presetSubtype="0" fill="hold" grpId="0" nodeType="clickEffect">
                                   <p:stCondLst>
                                     <p:cond delay="0"/>
                                   </p:stCondLst>
                                   <p:childTnLst>
                                     <p:set>
                                       <p:cBhvr>
-                                        <p:cTn id="12" dur="1" fill="hold">
+                                        <p:cTn id="11" dur="1" fill="hold">
                                           <p:stCondLst>
                                             <p:cond delay="0"/>
                                           </p:stCondLst>
@@ -5840,9 +6993,9 @@
                                         <p:strVal val="visible"/>
                                       </p:to>
                                     </p:set>
-                                    <p:anim calcmode="lin" valueType="num">
-                                      <p:cBhvr additive="base">
-                                        <p:cTn id="13" dur="500" fill="hold"/>
+                                    <p:animEffect transition="in" filter="fade">
+                                      <p:cBhvr>
+                                        <p:cTn id="12" dur="500"/>
                                         <p:tgtEl>
                                           <p:spTgt spid="3">
                                             <p:txEl>
@@ -5850,50 +7003,8 @@
                                             </p:txEl>
                                           </p:spTgt>
                                         </p:tgtEl>
-                                        <p:attrNameLst>
-                                          <p:attrName>ppt_x</p:attrName>
-                                        </p:attrNameLst>
-                                      </p:cBhvr>
-                                      <p:tavLst>
-                                        <p:tav tm="0">
-                                          <p:val>
-                                            <p:strVal val="#ppt_x"/>
-                                          </p:val>
-                                        </p:tav>
-                                        <p:tav tm="100000">
-                                          <p:val>
-                                            <p:strVal val="#ppt_x"/>
-                                          </p:val>
-                                        </p:tav>
-                                      </p:tavLst>
-                                    </p:anim>
-                                    <p:anim calcmode="lin" valueType="num">
-                                      <p:cBhvr additive="base">
-                                        <p:cTn id="14" dur="500" fill="hold"/>
-                                        <p:tgtEl>
-                                          <p:spTgt spid="3">
-                                            <p:txEl>
-                                              <p:pRg st="1" end="1"/>
-                                            </p:txEl>
-                                          </p:spTgt>
-                                        </p:tgtEl>
-                                        <p:attrNameLst>
-                                          <p:attrName>ppt_y</p:attrName>
-                                        </p:attrNameLst>
-                                      </p:cBhvr>
-                                      <p:tavLst>
-                                        <p:tav tm="0">
-                                          <p:val>
-                                            <p:strVal val="1+#ppt_h/2"/>
-                                          </p:val>
-                                        </p:tav>
-                                        <p:tav tm="100000">
-                                          <p:val>
-                                            <p:strVal val="#ppt_y"/>
-                                          </p:val>
-                                        </p:tav>
-                                      </p:tavLst>
-                                    </p:anim>
+                                      </p:cBhvr>
+                                    </p:animEffect>
                                   </p:childTnLst>
                                 </p:cTn>
                               </p:par>
@@ -5904,26 +7015,26 @@
                     </p:cTn>
                   </p:par>
                   <p:par>
-                    <p:cTn id="15" fill="hold">
+                    <p:cTn id="13" fill="hold">
                       <p:stCondLst>
                         <p:cond delay="indefinite"/>
                       </p:stCondLst>
                       <p:childTnLst>
                         <p:par>
-                          <p:cTn id="16" fill="hold">
+                          <p:cTn id="14" fill="hold">
                             <p:stCondLst>
                               <p:cond delay="0"/>
                             </p:stCondLst>
                             <p:childTnLst>
                               <p:par>
-                                <p:cTn id="17" presetID="2" presetClass="entr" presetSubtype="4" fill="hold" grpId="0" nodeType="clickEffect">
+                                <p:cTn id="15" presetID="10" presetClass="entr" presetSubtype="0" fill="hold" grpId="0" nodeType="clickEffect">
                                   <p:stCondLst>
                                     <p:cond delay="0"/>
                                   </p:stCondLst>
                                   <p:childTnLst>
                                     <p:set>
                                       <p:cBhvr>
-                                        <p:cTn id="18" dur="1" fill="hold">
+                                        <p:cTn id="16" dur="1" fill="hold">
                                           <p:stCondLst>
                                             <p:cond delay="0"/>
                                           </p:stCondLst>
@@ -5943,9 +7054,9 @@
                                         <p:strVal val="visible"/>
                                       </p:to>
                                     </p:set>
-                                    <p:anim calcmode="lin" valueType="num">
-                                      <p:cBhvr additive="base">
-                                        <p:cTn id="19" dur="500" fill="hold"/>
+                                    <p:animEffect transition="in" filter="fade">
+                                      <p:cBhvr>
+                                        <p:cTn id="17" dur="500"/>
                                         <p:tgtEl>
                                           <p:spTgt spid="3">
                                             <p:txEl>
@@ -5953,50 +7064,8 @@
                                             </p:txEl>
                                           </p:spTgt>
                                         </p:tgtEl>
-                                        <p:attrNameLst>
-                                          <p:attrName>ppt_x</p:attrName>
-                                        </p:attrNameLst>
-                                      </p:cBhvr>
-                                      <p:tavLst>
-                                        <p:tav tm="0">
-                                          <p:val>
-                                            <p:strVal val="#ppt_x"/>
-                                          </p:val>
-                                        </p:tav>
-                                        <p:tav tm="100000">
-                                          <p:val>
-                                            <p:strVal val="#ppt_x"/>
-                                          </p:val>
-                                        </p:tav>
-                                      </p:tavLst>
-                                    </p:anim>
-                                    <p:anim calcmode="lin" valueType="num">
-                                      <p:cBhvr additive="base">
-                                        <p:cTn id="20" dur="500" fill="hold"/>
-                                        <p:tgtEl>
-                                          <p:spTgt spid="3">
-                                            <p:txEl>
-                                              <p:pRg st="2" end="2"/>
-                                            </p:txEl>
-                                          </p:spTgt>
-                                        </p:tgtEl>
-                                        <p:attrNameLst>
-                                          <p:attrName>ppt_y</p:attrName>
-                                        </p:attrNameLst>
-                                      </p:cBhvr>
-                                      <p:tavLst>
-                                        <p:tav tm="0">
-                                          <p:val>
-                                            <p:strVal val="1+#ppt_h/2"/>
-                                          </p:val>
-                                        </p:tav>
-                                        <p:tav tm="100000">
-                                          <p:val>
-                                            <p:strVal val="#ppt_y"/>
-                                          </p:val>
-                                        </p:tav>
-                                      </p:tavLst>
-                                    </p:anim>
+                                      </p:cBhvr>
+                                    </p:animEffect>
                                   </p:childTnLst>
                                 </p:cTn>
                               </p:par>
@@ -6007,26 +7076,26 @@
                     </p:cTn>
                   </p:par>
                   <p:par>
-                    <p:cTn id="21" fill="hold">
+                    <p:cTn id="18" fill="hold">
                       <p:stCondLst>
                         <p:cond delay="indefinite"/>
                       </p:stCondLst>
                       <p:childTnLst>
                         <p:par>
-                          <p:cTn id="22" fill="hold">
+                          <p:cTn id="19" fill="hold">
                             <p:stCondLst>
                               <p:cond delay="0"/>
                             </p:stCondLst>
                             <p:childTnLst>
                               <p:par>
-                                <p:cTn id="23" presetID="2" presetClass="entr" presetSubtype="4" fill="hold" grpId="0" nodeType="clickEffect">
+                                <p:cTn id="20" presetID="10" presetClass="entr" presetSubtype="0" fill="hold" grpId="0" nodeType="clickEffect">
                                   <p:stCondLst>
                                     <p:cond delay="0"/>
                                   </p:stCondLst>
                                   <p:childTnLst>
                                     <p:set>
                                       <p:cBhvr>
-                                        <p:cTn id="24" dur="1" fill="hold">
+                                        <p:cTn id="21" dur="1" fill="hold">
                                           <p:stCondLst>
                                             <p:cond delay="0"/>
                                           </p:stCondLst>
@@ -6046,9 +7115,9 @@
                                         <p:strVal val="visible"/>
                                       </p:to>
                                     </p:set>
-                                    <p:anim calcmode="lin" valueType="num">
-                                      <p:cBhvr additive="base">
-                                        <p:cTn id="25" dur="500" fill="hold"/>
+                                    <p:animEffect transition="in" filter="fade">
+                                      <p:cBhvr>
+                                        <p:cTn id="22" dur="500"/>
                                         <p:tgtEl>
                                           <p:spTgt spid="3">
                                             <p:txEl>
@@ -6056,50 +7125,8 @@
                                             </p:txEl>
                                           </p:spTgt>
                                         </p:tgtEl>
-                                        <p:attrNameLst>
-                                          <p:attrName>ppt_x</p:attrName>
-                                        </p:attrNameLst>
-                                      </p:cBhvr>
-                                      <p:tavLst>
-                                        <p:tav tm="0">
-                                          <p:val>
-                                            <p:strVal val="#ppt_x"/>
-                                          </p:val>
-                                        </p:tav>
-                                        <p:tav tm="100000">
-                                          <p:val>
-                                            <p:strVal val="#ppt_x"/>
-                                          </p:val>
-                                        </p:tav>
-                                      </p:tavLst>
-                                    </p:anim>
-                                    <p:anim calcmode="lin" valueType="num">
-                                      <p:cBhvr additive="base">
-                                        <p:cTn id="26" dur="500" fill="hold"/>
-                                        <p:tgtEl>
-                                          <p:spTgt spid="3">
-                                            <p:txEl>
-                                              <p:pRg st="3" end="3"/>
-                                            </p:txEl>
-                                          </p:spTgt>
-                                        </p:tgtEl>
-                                        <p:attrNameLst>
-                                          <p:attrName>ppt_y</p:attrName>
-                                        </p:attrNameLst>
-                                      </p:cBhvr>
-                                      <p:tavLst>
-                                        <p:tav tm="0">
-                                          <p:val>
-                                            <p:strVal val="1+#ppt_h/2"/>
-                                          </p:val>
-                                        </p:tav>
-                                        <p:tav tm="100000">
-                                          <p:val>
-                                            <p:strVal val="#ppt_y"/>
-                                          </p:val>
-                                        </p:tav>
-                                      </p:tavLst>
-                                    </p:anim>
+                                      </p:cBhvr>
+                                    </p:animEffect>
                                   </p:childTnLst>
                                 </p:cTn>
                               </p:par>
@@ -6166,36 +7193,48 @@
         </p:nvSpPr>
         <p:spPr>
           <a:xfrm>
-            <a:off x="876300" y="2529014"/>
-            <a:ext cx="10515600" cy="3912975"/>
+            <a:off x="657225" y="2754016"/>
+            <a:ext cx="7886700" cy="3391411"/>
           </a:xfrm>
         </p:spPr>
         <p:txBody>
           <a:bodyPr>
-            <a:normAutofit/>
+            <a:normAutofit fontScale="92500" lnSpcReduction="10000"/>
           </a:bodyPr>
           <a:lstStyle/>
           <a:p>
             <a:r>
-              <a:rPr lang="en-US" dirty="0"/>
+              <a:rPr lang="en-US" dirty="0">
+                <a:latin typeface="Georgia" panose="02040502050405020303" pitchFamily="18" charset="0"/>
+              </a:rPr>
               <a:t>[R1] The system should always search an available taxi giving maximum priority to the taxi zone related to the request and lower priority to the immediate near zones. Any other taxi zone should be ignored.</a:t>
             </a:r>
-            <a:endParaRPr lang="it-IT" dirty="0"/>
-          </a:p>
-          <a:p>
-            <a:r>
-              <a:rPr lang="en-US" dirty="0"/>
+            <a:endParaRPr lang="it-IT" dirty="0">
+              <a:latin typeface="Georgia" panose="02040502050405020303" pitchFamily="18" charset="0"/>
+            </a:endParaRPr>
+          </a:p>
+          <a:p>
+            <a:r>
+              <a:rPr lang="en-US" dirty="0">
+                <a:latin typeface="Georgia" panose="02040502050405020303" pitchFamily="18" charset="0"/>
+              </a:rPr>
               <a:t>[R2] If no taxis are available in the zones specified in the previous requirement, the system should put the request on hold and periodically check again the taxi </a:t>
             </a:r>
             <a:r>
-              <a:rPr lang="en-US" dirty="0" smtClean="0"/>
+              <a:rPr lang="en-US" dirty="0" smtClean="0">
+                <a:latin typeface="Georgia" panose="02040502050405020303" pitchFamily="18" charset="0"/>
+              </a:rPr>
               <a:t>availability</a:t>
             </a:r>
             <a:r>
-              <a:rPr lang="en-US" dirty="0"/>
+              <a:rPr lang="en-US" dirty="0">
+                <a:latin typeface="Georgia" panose="02040502050405020303" pitchFamily="18" charset="0"/>
+              </a:rPr>
               <a:t>.</a:t>
             </a:r>
-            <a:endParaRPr lang="it-IT" dirty="0"/>
+            <a:endParaRPr lang="it-IT" dirty="0">
+              <a:latin typeface="Georgia" panose="02040502050405020303" pitchFamily="18" charset="0"/>
+            </a:endParaRPr>
           </a:p>
         </p:txBody>
       </p:sp>
@@ -6207,8 +7246,8 @@
         </p:nvSpPr>
         <p:spPr>
           <a:xfrm>
-            <a:off x="876300" y="927208"/>
-            <a:ext cx="10439400" cy="1231106"/>
+            <a:off x="657225" y="1552659"/>
+            <a:ext cx="7829550" cy="946413"/>
           </a:xfrm>
           <a:prstGeom prst="rect">
             <a:avLst/>
@@ -6235,21 +7274,56 @@
           <a:lstStyle/>
           <a:p>
             <a:r>
-              <a:rPr lang="en-US" sz="2800" i="1" dirty="0"/>
+              <a:rPr lang="en-US" sz="2100" i="1" dirty="0"/>
               <a:t>[</a:t>
             </a:r>
             <a:r>
-              <a:rPr lang="en-US" sz="2800" b="1" i="1" dirty="0"/>
+              <a:rPr lang="en-US" sz="2100" b="1" i="1" dirty="0"/>
               <a:t>G5</a:t>
             </a:r>
             <a:r>
-              <a:rPr lang="en-US" sz="2800" i="1" dirty="0"/>
+              <a:rPr lang="en-US" sz="2100" i="1" dirty="0"/>
               <a:t>] A ride request should always be satisfied within a considerable short amount of time, 15 minutes on average.</a:t>
             </a:r>
-            <a:endParaRPr lang="it-IT" sz="2800" dirty="0"/>
-          </a:p>
-          <a:p>
-            <a:endParaRPr lang="it-IT" dirty="0"/>
+            <a:endParaRPr lang="it-IT" sz="2100" dirty="0"/>
+          </a:p>
+          <a:p>
+            <a:endParaRPr lang="it-IT" sz="1350" dirty="0"/>
+          </a:p>
+        </p:txBody>
+      </p:sp>
+      <p:sp>
+        <p:nvSpPr>
+          <p:cNvPr id="4" name="Titolo 1"/>
+          <p:cNvSpPr>
+            <a:spLocks noGrp="1"/>
+          </p:cNvSpPr>
+          <p:nvPr>
+            <p:ph type="title"/>
+          </p:nvPr>
+        </p:nvSpPr>
+        <p:spPr>
+          <a:xfrm>
+            <a:off x="628650" y="365126"/>
+            <a:ext cx="7798658" cy="1010593"/>
+          </a:xfrm>
+        </p:spPr>
+        <p:txBody>
+          <a:bodyPr>
+            <a:normAutofit fontScale="90000"/>
+          </a:bodyPr>
+          <a:lstStyle/>
+          <a:p>
+            <a:pPr algn="ctr"/>
+            <a:r>
+              <a:rPr lang="en-US" b="1" dirty="0" smtClean="0">
+                <a:latin typeface="Georgia" panose="02040502050405020303" pitchFamily="18" charset="0"/>
+              </a:rPr>
+              <a:t>Goals and functional requirements</a:t>
+            </a:r>
+            <a:endParaRPr lang="en-US" b="1" dirty="0">
+              <a:latin typeface="Georgia" panose="02040502050405020303" pitchFamily="18" charset="0"/>
+            </a:endParaRPr>
           </a:p>
         </p:txBody>
       </p:sp>
@@ -6284,7 +7358,7 @@
                             </p:stCondLst>
                             <p:childTnLst>
                               <p:par>
-                                <p:cTn id="5" presetID="2" presetClass="entr" presetSubtype="4" fill="hold" grpId="0" nodeType="clickEffect">
+                                <p:cTn id="5" presetID="10" presetClass="entr" presetSubtype="0" fill="hold" grpId="0" nodeType="clickEffect">
                                   <p:stCondLst>
                                     <p:cond delay="0"/>
                                   </p:stCondLst>
@@ -6311,9 +7385,9 @@
                                         <p:strVal val="visible"/>
                                       </p:to>
                                     </p:set>
-                                    <p:anim calcmode="lin" valueType="num">
-                                      <p:cBhvr additive="base">
-                                        <p:cTn id="7" dur="500" fill="hold"/>
+                                    <p:animEffect transition="in" filter="fade">
+                                      <p:cBhvr>
+                                        <p:cTn id="7" dur="500"/>
                                         <p:tgtEl>
                                           <p:spTgt spid="3">
                                             <p:txEl>
@@ -6321,50 +7395,8 @@
                                             </p:txEl>
                                           </p:spTgt>
                                         </p:tgtEl>
-                                        <p:attrNameLst>
-                                          <p:attrName>ppt_x</p:attrName>
-                                        </p:attrNameLst>
-                                      </p:cBhvr>
-                                      <p:tavLst>
-                                        <p:tav tm="0">
-                                          <p:val>
-                                            <p:strVal val="#ppt_x"/>
-                                          </p:val>
-                                        </p:tav>
-                                        <p:tav tm="100000">
-                                          <p:val>
-                                            <p:strVal val="#ppt_x"/>
-                                          </p:val>
-                                        </p:tav>
-                                      </p:tavLst>
-                                    </p:anim>
-                                    <p:anim calcmode="lin" valueType="num">
-                                      <p:cBhvr additive="base">
-                                        <p:cTn id="8" dur="500" fill="hold"/>
-                                        <p:tgtEl>
-                                          <p:spTgt spid="3">
-                                            <p:txEl>
-                                              <p:pRg st="0" end="0"/>
-                                            </p:txEl>
-                                          </p:spTgt>
-                                        </p:tgtEl>
-                                        <p:attrNameLst>
-                                          <p:attrName>ppt_y</p:attrName>
-                                        </p:attrNameLst>
-                                      </p:cBhvr>
-                                      <p:tavLst>
-                                        <p:tav tm="0">
-                                          <p:val>
-                                            <p:strVal val="1+#ppt_h/2"/>
-                                          </p:val>
-                                        </p:tav>
-                                        <p:tav tm="100000">
-                                          <p:val>
-                                            <p:strVal val="#ppt_y"/>
-                                          </p:val>
-                                        </p:tav>
-                                      </p:tavLst>
-                                    </p:anim>
+                                      </p:cBhvr>
+                                    </p:animEffect>
                                   </p:childTnLst>
                                 </p:cTn>
                               </p:par>
@@ -6375,26 +7407,26 @@
                     </p:cTn>
                   </p:par>
                   <p:par>
-                    <p:cTn id="9" fill="hold">
+                    <p:cTn id="8" fill="hold">
                       <p:stCondLst>
                         <p:cond delay="indefinite"/>
                       </p:stCondLst>
                       <p:childTnLst>
                         <p:par>
-                          <p:cTn id="10" fill="hold">
+                          <p:cTn id="9" fill="hold">
                             <p:stCondLst>
                               <p:cond delay="0"/>
                             </p:stCondLst>
                             <p:childTnLst>
                               <p:par>
-                                <p:cTn id="11" presetID="2" presetClass="entr" presetSubtype="4" fill="hold" grpId="0" nodeType="clickEffect">
+                                <p:cTn id="10" presetID="10" presetClass="entr" presetSubtype="0" fill="hold" grpId="0" nodeType="clickEffect">
                                   <p:stCondLst>
                                     <p:cond delay="0"/>
                                   </p:stCondLst>
                                   <p:childTnLst>
                                     <p:set>
                                       <p:cBhvr>
-                                        <p:cTn id="12" dur="1" fill="hold">
+                                        <p:cTn id="11" dur="1" fill="hold">
                                           <p:stCondLst>
                                             <p:cond delay="0"/>
                                           </p:stCondLst>
@@ -6414,9 +7446,9 @@
                                         <p:strVal val="visible"/>
                                       </p:to>
                                     </p:set>
-                                    <p:anim calcmode="lin" valueType="num">
-                                      <p:cBhvr additive="base">
-                                        <p:cTn id="13" dur="500" fill="hold"/>
+                                    <p:animEffect transition="in" filter="fade">
+                                      <p:cBhvr>
+                                        <p:cTn id="12" dur="500"/>
                                         <p:tgtEl>
                                           <p:spTgt spid="3">
                                             <p:txEl>
@@ -6424,50 +7456,8 @@
                                             </p:txEl>
                                           </p:spTgt>
                                         </p:tgtEl>
-                                        <p:attrNameLst>
-                                          <p:attrName>ppt_x</p:attrName>
-                                        </p:attrNameLst>
-                                      </p:cBhvr>
-                                      <p:tavLst>
-                                        <p:tav tm="0">
-                                          <p:val>
-                                            <p:strVal val="#ppt_x"/>
-                                          </p:val>
-                                        </p:tav>
-                                        <p:tav tm="100000">
-                                          <p:val>
-                                            <p:strVal val="#ppt_x"/>
-                                          </p:val>
-                                        </p:tav>
-                                      </p:tavLst>
-                                    </p:anim>
-                                    <p:anim calcmode="lin" valueType="num">
-                                      <p:cBhvr additive="base">
-                                        <p:cTn id="14" dur="500" fill="hold"/>
-                                        <p:tgtEl>
-                                          <p:spTgt spid="3">
-                                            <p:txEl>
-                                              <p:pRg st="1" end="1"/>
-                                            </p:txEl>
-                                          </p:spTgt>
-                                        </p:tgtEl>
-                                        <p:attrNameLst>
-                                          <p:attrName>ppt_y</p:attrName>
-                                        </p:attrNameLst>
-                                      </p:cBhvr>
-                                      <p:tavLst>
-                                        <p:tav tm="0">
-                                          <p:val>
-                                            <p:strVal val="1+#ppt_h/2"/>
-                                          </p:val>
-                                        </p:tav>
-                                        <p:tav tm="100000">
-                                          <p:val>
-                                            <p:strVal val="#ppt_y"/>
-                                          </p:val>
-                                        </p:tav>
-                                      </p:tavLst>
-                                    </p:anim>
+                                      </p:cBhvr>
+                                    </p:animEffect>
                                   </p:childTnLst>
                                 </p:cTn>
                               </p:par>
@@ -6534,8 +7524,8 @@
         </p:nvSpPr>
         <p:spPr>
           <a:xfrm>
-            <a:off x="876300" y="2529014"/>
-            <a:ext cx="10515600" cy="3912975"/>
+            <a:off x="657225" y="2754016"/>
+            <a:ext cx="7886700" cy="2934731"/>
           </a:xfrm>
         </p:spPr>
         <p:txBody>
@@ -6545,17 +7535,25 @@
           <a:lstStyle/>
           <a:p>
             <a:r>
-              <a:rPr lang="en-US" dirty="0"/>
+              <a:rPr lang="en-US" dirty="0">
+                <a:latin typeface="Georgia" panose="02040502050405020303" pitchFamily="18" charset="0"/>
+              </a:rPr>
               <a:t>[R1] The system should send updates through email and/or in-app notification, as specified by the customer.</a:t>
             </a:r>
-            <a:endParaRPr lang="it-IT" dirty="0"/>
-          </a:p>
-          <a:p>
-            <a:r>
-              <a:rPr lang="en-US" dirty="0"/>
+            <a:endParaRPr lang="it-IT" dirty="0">
+              <a:latin typeface="Georgia" panose="02040502050405020303" pitchFamily="18" charset="0"/>
+            </a:endParaRPr>
+          </a:p>
+          <a:p>
+            <a:r>
+              <a:rPr lang="en-US" dirty="0">
+                <a:latin typeface="Georgia" panose="02040502050405020303" pitchFamily="18" charset="0"/>
+              </a:rPr>
               <a:t>[R2] Absence of taxis available, reservations overlaps, taxi average waiting time and taxi assigned to customers are events that must be notified to the customer.</a:t>
             </a:r>
-            <a:endParaRPr lang="it-IT" dirty="0"/>
+            <a:endParaRPr lang="it-IT" dirty="0">
+              <a:latin typeface="Georgia" panose="02040502050405020303" pitchFamily="18" charset="0"/>
+            </a:endParaRPr>
           </a:p>
         </p:txBody>
       </p:sp>
@@ -6567,8 +7565,8 @@
         </p:nvSpPr>
         <p:spPr>
           <a:xfrm>
-            <a:off x="876300" y="927208"/>
-            <a:ext cx="10439400" cy="1231106"/>
+            <a:off x="657225" y="1552659"/>
+            <a:ext cx="7829550" cy="946413"/>
           </a:xfrm>
           <a:prstGeom prst="rect">
             <a:avLst/>
@@ -6595,21 +7593,56 @@
           <a:lstStyle/>
           <a:p>
             <a:r>
-              <a:rPr lang="en-US" sz="2800" i="1" dirty="0"/>
+              <a:rPr lang="en-US" sz="2100" i="1" dirty="0"/>
               <a:t>[</a:t>
             </a:r>
             <a:r>
-              <a:rPr lang="en-US" sz="2800" b="1" i="1" dirty="0"/>
+              <a:rPr lang="en-US" sz="2100" b="1" i="1" dirty="0"/>
               <a:t>G6</a:t>
             </a:r>
             <a:r>
-              <a:rPr lang="en-US" sz="2800" i="1" dirty="0"/>
+              <a:rPr lang="en-US" sz="2100" i="1" dirty="0"/>
               <a:t>] Allow customers to be notified of any relevant update connected to their requests and reservations.</a:t>
             </a:r>
-            <a:endParaRPr lang="it-IT" sz="2800" dirty="0"/>
-          </a:p>
-          <a:p>
-            <a:endParaRPr lang="it-IT" dirty="0"/>
+            <a:endParaRPr lang="it-IT" sz="2100" dirty="0"/>
+          </a:p>
+          <a:p>
+            <a:endParaRPr lang="it-IT" sz="1350" dirty="0"/>
+          </a:p>
+        </p:txBody>
+      </p:sp>
+      <p:sp>
+        <p:nvSpPr>
+          <p:cNvPr id="4" name="Titolo 1"/>
+          <p:cNvSpPr>
+            <a:spLocks noGrp="1"/>
+          </p:cNvSpPr>
+          <p:nvPr>
+            <p:ph type="title"/>
+          </p:nvPr>
+        </p:nvSpPr>
+        <p:spPr>
+          <a:xfrm>
+            <a:off x="628650" y="365126"/>
+            <a:ext cx="7798658" cy="1010593"/>
+          </a:xfrm>
+        </p:spPr>
+        <p:txBody>
+          <a:bodyPr>
+            <a:normAutofit fontScale="90000"/>
+          </a:bodyPr>
+          <a:lstStyle/>
+          <a:p>
+            <a:pPr algn="ctr"/>
+            <a:r>
+              <a:rPr lang="en-US" b="1" dirty="0" smtClean="0">
+                <a:latin typeface="Georgia" panose="02040502050405020303" pitchFamily="18" charset="0"/>
+              </a:rPr>
+              <a:t>Goals and functional requirements</a:t>
+            </a:r>
+            <a:endParaRPr lang="en-US" b="1" dirty="0">
+              <a:latin typeface="Georgia" panose="02040502050405020303" pitchFamily="18" charset="0"/>
+            </a:endParaRPr>
           </a:p>
         </p:txBody>
       </p:sp>
@@ -6644,7 +7677,7 @@
                             </p:stCondLst>
                             <p:childTnLst>
                               <p:par>
-                                <p:cTn id="5" presetID="2" presetClass="entr" presetSubtype="4" fill="hold" grpId="0" nodeType="clickEffect">
+                                <p:cTn id="5" presetID="10" presetClass="entr" presetSubtype="0" fill="hold" grpId="0" nodeType="clickEffect">
                                   <p:stCondLst>
                                     <p:cond delay="0"/>
                                   </p:stCondLst>
@@ -6671,9 +7704,9 @@
                                         <p:strVal val="visible"/>
                                       </p:to>
                                     </p:set>
-                                    <p:anim calcmode="lin" valueType="num">
-                                      <p:cBhvr additive="base">
-                                        <p:cTn id="7" dur="500" fill="hold"/>
+                                    <p:animEffect transition="in" filter="fade">
+                                      <p:cBhvr>
+                                        <p:cTn id="7" dur="500"/>
                                         <p:tgtEl>
                                           <p:spTgt spid="3">
                                             <p:txEl>
@@ -6681,50 +7714,8 @@
                                             </p:txEl>
                                           </p:spTgt>
                                         </p:tgtEl>
-                                        <p:attrNameLst>
-                                          <p:attrName>ppt_x</p:attrName>
-                                        </p:attrNameLst>
-                                      </p:cBhvr>
-                                      <p:tavLst>
-                                        <p:tav tm="0">
-                                          <p:val>
-                                            <p:strVal val="#ppt_x"/>
-                                          </p:val>
-                                        </p:tav>
-                                        <p:tav tm="100000">
-                                          <p:val>
-                                            <p:strVal val="#ppt_x"/>
-                                          </p:val>
-                                        </p:tav>
-                                      </p:tavLst>
-                                    </p:anim>
-                                    <p:anim calcmode="lin" valueType="num">
-                                      <p:cBhvr additive="base">
-                                        <p:cTn id="8" dur="500" fill="hold"/>
-                                        <p:tgtEl>
-                                          <p:spTgt spid="3">
-                                            <p:txEl>
-                                              <p:pRg st="0" end="0"/>
-                                            </p:txEl>
-                                          </p:spTgt>
-                                        </p:tgtEl>
-                                        <p:attrNameLst>
-                                          <p:attrName>ppt_y</p:attrName>
-                                        </p:attrNameLst>
-                                      </p:cBhvr>
-                                      <p:tavLst>
-                                        <p:tav tm="0">
-                                          <p:val>
-                                            <p:strVal val="1+#ppt_h/2"/>
-                                          </p:val>
-                                        </p:tav>
-                                        <p:tav tm="100000">
-                                          <p:val>
-                                            <p:strVal val="#ppt_y"/>
-                                          </p:val>
-                                        </p:tav>
-                                      </p:tavLst>
-                                    </p:anim>
+                                      </p:cBhvr>
+                                    </p:animEffect>
                                   </p:childTnLst>
                                 </p:cTn>
                               </p:par>
@@ -6735,26 +7726,26 @@
                     </p:cTn>
                   </p:par>
                   <p:par>
-                    <p:cTn id="9" fill="hold">
+                    <p:cTn id="8" fill="hold">
                       <p:stCondLst>
                         <p:cond delay="indefinite"/>
                       </p:stCondLst>
                       <p:childTnLst>
                         <p:par>
-                          <p:cTn id="10" fill="hold">
+                          <p:cTn id="9" fill="hold">
                             <p:stCondLst>
                               <p:cond delay="0"/>
                             </p:stCondLst>
                             <p:childTnLst>
                               <p:par>
-                                <p:cTn id="11" presetID="2" presetClass="entr" presetSubtype="4" fill="hold" grpId="0" nodeType="clickEffect">
+                                <p:cTn id="10" presetID="10" presetClass="entr" presetSubtype="0" fill="hold" grpId="0" nodeType="clickEffect">
                                   <p:stCondLst>
                                     <p:cond delay="0"/>
                                   </p:stCondLst>
                                   <p:childTnLst>
                                     <p:set>
                                       <p:cBhvr>
-                                        <p:cTn id="12" dur="1" fill="hold">
+                                        <p:cTn id="11" dur="1" fill="hold">
                                           <p:stCondLst>
                                             <p:cond delay="0"/>
                                           </p:stCondLst>
@@ -6774,9 +7765,9 @@
                                         <p:strVal val="visible"/>
                                       </p:to>
                                     </p:set>
-                                    <p:anim calcmode="lin" valueType="num">
-                                      <p:cBhvr additive="base">
-                                        <p:cTn id="13" dur="500" fill="hold"/>
+                                    <p:animEffect transition="in" filter="fade">
+                                      <p:cBhvr>
+                                        <p:cTn id="12" dur="500"/>
                                         <p:tgtEl>
                                           <p:spTgt spid="3">
                                             <p:txEl>
@@ -6784,50 +7775,8 @@
                                             </p:txEl>
                                           </p:spTgt>
                                         </p:tgtEl>
-                                        <p:attrNameLst>
-                                          <p:attrName>ppt_x</p:attrName>
-                                        </p:attrNameLst>
-                                      </p:cBhvr>
-                                      <p:tavLst>
-                                        <p:tav tm="0">
-                                          <p:val>
-                                            <p:strVal val="#ppt_x"/>
-                                          </p:val>
-                                        </p:tav>
-                                        <p:tav tm="100000">
-                                          <p:val>
-                                            <p:strVal val="#ppt_x"/>
-                                          </p:val>
-                                        </p:tav>
-                                      </p:tavLst>
-                                    </p:anim>
-                                    <p:anim calcmode="lin" valueType="num">
-                                      <p:cBhvr additive="base">
-                                        <p:cTn id="14" dur="500" fill="hold"/>
-                                        <p:tgtEl>
-                                          <p:spTgt spid="3">
-                                            <p:txEl>
-                                              <p:pRg st="1" end="1"/>
-                                            </p:txEl>
-                                          </p:spTgt>
-                                        </p:tgtEl>
-                                        <p:attrNameLst>
-                                          <p:attrName>ppt_y</p:attrName>
-                                        </p:attrNameLst>
-                                      </p:cBhvr>
-                                      <p:tavLst>
-                                        <p:tav tm="0">
-                                          <p:val>
-                                            <p:strVal val="1+#ppt_h/2"/>
-                                          </p:val>
-                                        </p:tav>
-                                        <p:tav tm="100000">
-                                          <p:val>
-                                            <p:strVal val="#ppt_y"/>
-                                          </p:val>
-                                        </p:tav>
-                                      </p:tavLst>
-                                    </p:anim>
+                                      </p:cBhvr>
+                                    </p:animEffect>
                                   </p:childTnLst>
                                 </p:cTn>
                               </p:par>
@@ -6894,42 +7843,58 @@
         </p:nvSpPr>
         <p:spPr>
           <a:xfrm>
-            <a:off x="876300" y="2529014"/>
-            <a:ext cx="10515600" cy="3912975"/>
+            <a:off x="657225" y="2754016"/>
+            <a:ext cx="7886700" cy="2934731"/>
           </a:xfrm>
         </p:spPr>
         <p:txBody>
           <a:bodyPr>
-            <a:normAutofit/>
+            <a:normAutofit fontScale="85000" lnSpcReduction="20000"/>
           </a:bodyPr>
           <a:lstStyle/>
           <a:p>
             <a:r>
-              <a:rPr lang="en-US" dirty="0"/>
+              <a:rPr lang="en-US" dirty="0">
+                <a:latin typeface="Georgia" panose="02040502050405020303" pitchFamily="18" charset="0"/>
+              </a:rPr>
               <a:t>[R1] Customers must leave a valid phone number in order to complete the registration phase.</a:t>
             </a:r>
-            <a:endParaRPr lang="it-IT" dirty="0"/>
-          </a:p>
-          <a:p>
-            <a:r>
-              <a:rPr lang="en-US" dirty="0"/>
+            <a:endParaRPr lang="it-IT" dirty="0">
+              <a:latin typeface="Georgia" panose="02040502050405020303" pitchFamily="18" charset="0"/>
+            </a:endParaRPr>
+          </a:p>
+          <a:p>
+            <a:r>
+              <a:rPr lang="en-US" dirty="0">
+                <a:latin typeface="Georgia" panose="02040502050405020303" pitchFamily="18" charset="0"/>
+              </a:rPr>
               <a:t>[R2] Taxi drivers must be able to access to the customer’s phone number when the system has paired them.</a:t>
             </a:r>
-            <a:endParaRPr lang="it-IT" dirty="0"/>
-          </a:p>
-          <a:p>
-            <a:r>
-              <a:rPr lang="en-US" dirty="0"/>
+            <a:endParaRPr lang="it-IT" dirty="0">
+              <a:latin typeface="Georgia" panose="02040502050405020303" pitchFamily="18" charset="0"/>
+            </a:endParaRPr>
+          </a:p>
+          <a:p>
+            <a:r>
+              <a:rPr lang="en-US" dirty="0">
+                <a:latin typeface="Georgia" panose="02040502050405020303" pitchFamily="18" charset="0"/>
+              </a:rPr>
               <a:t>[R3] Customers must receive the taxi drivers’ contact number after the system has paired them.</a:t>
             </a:r>
-            <a:endParaRPr lang="it-IT" dirty="0"/>
-          </a:p>
-          <a:p>
-            <a:r>
-              <a:rPr lang="en-US" dirty="0"/>
+            <a:endParaRPr lang="it-IT" dirty="0">
+              <a:latin typeface="Georgia" panose="02040502050405020303" pitchFamily="18" charset="0"/>
+            </a:endParaRPr>
+          </a:p>
+          <a:p>
+            <a:r>
+              <a:rPr lang="en-US" dirty="0">
+                <a:latin typeface="Georgia" panose="02040502050405020303" pitchFamily="18" charset="0"/>
+              </a:rPr>
               <a:t>[R4] Customers must receive the taxi code in order to be able to recognize its driver.</a:t>
             </a:r>
-            <a:endParaRPr lang="it-IT" dirty="0"/>
+            <a:endParaRPr lang="it-IT" dirty="0">
+              <a:latin typeface="Georgia" panose="02040502050405020303" pitchFamily="18" charset="0"/>
+            </a:endParaRPr>
           </a:p>
         </p:txBody>
       </p:sp>
@@ -6941,8 +7906,8 @@
         </p:nvSpPr>
         <p:spPr>
           <a:xfrm>
-            <a:off x="876300" y="927208"/>
-            <a:ext cx="10439400" cy="1231106"/>
+            <a:off x="657225" y="1552659"/>
+            <a:ext cx="7829550" cy="946413"/>
           </a:xfrm>
           <a:prstGeom prst="rect">
             <a:avLst/>
@@ -6969,21 +7934,56 @@
           <a:lstStyle/>
           <a:p>
             <a:r>
-              <a:rPr lang="en-US" sz="2800" i="1" dirty="0"/>
+              <a:rPr lang="en-US" sz="2100" i="1" dirty="0"/>
               <a:t>[</a:t>
             </a:r>
             <a:r>
-              <a:rPr lang="en-US" sz="2800" b="1" i="1" dirty="0"/>
+              <a:rPr lang="en-US" sz="2100" b="1" i="1" dirty="0"/>
               <a:t>G7</a:t>
             </a:r>
             <a:r>
-              <a:rPr lang="en-US" sz="2800" i="1" dirty="0"/>
+              <a:rPr lang="en-US" sz="2100" i="1" dirty="0"/>
               <a:t>] Customers and taxi drivers must be able to contact each other after the system has paired them.</a:t>
             </a:r>
-            <a:endParaRPr lang="it-IT" sz="2800" dirty="0"/>
-          </a:p>
-          <a:p>
-            <a:endParaRPr lang="it-IT" dirty="0"/>
+            <a:endParaRPr lang="it-IT" sz="2100" dirty="0"/>
+          </a:p>
+          <a:p>
+            <a:endParaRPr lang="it-IT" sz="1350" dirty="0"/>
+          </a:p>
+        </p:txBody>
+      </p:sp>
+      <p:sp>
+        <p:nvSpPr>
+          <p:cNvPr id="4" name="Titolo 1"/>
+          <p:cNvSpPr>
+            <a:spLocks noGrp="1"/>
+          </p:cNvSpPr>
+          <p:nvPr>
+            <p:ph type="title"/>
+          </p:nvPr>
+        </p:nvSpPr>
+        <p:spPr>
+          <a:xfrm>
+            <a:off x="628650" y="365126"/>
+            <a:ext cx="7798658" cy="1010593"/>
+          </a:xfrm>
+        </p:spPr>
+        <p:txBody>
+          <a:bodyPr>
+            <a:normAutofit fontScale="90000"/>
+          </a:bodyPr>
+          <a:lstStyle/>
+          <a:p>
+            <a:pPr algn="ctr"/>
+            <a:r>
+              <a:rPr lang="en-US" b="1" dirty="0" smtClean="0">
+                <a:latin typeface="Georgia" panose="02040502050405020303" pitchFamily="18" charset="0"/>
+              </a:rPr>
+              <a:t>Goals and functional requirements</a:t>
+            </a:r>
+            <a:endParaRPr lang="en-US" b="1" dirty="0">
+              <a:latin typeface="Georgia" panose="02040502050405020303" pitchFamily="18" charset="0"/>
+            </a:endParaRPr>
           </a:p>
         </p:txBody>
       </p:sp>
@@ -7018,7 +8018,7 @@
                             </p:stCondLst>
                             <p:childTnLst>
                               <p:par>
-                                <p:cTn id="5" presetID="2" presetClass="entr" presetSubtype="4" fill="hold" grpId="0" nodeType="clickEffect">
+                                <p:cTn id="5" presetID="10" presetClass="entr" presetSubtype="0" fill="hold" grpId="0" nodeType="clickEffect">
                                   <p:stCondLst>
                                     <p:cond delay="0"/>
                                   </p:stCondLst>
@@ -7045,9 +8045,9 @@
                                         <p:strVal val="visible"/>
                                       </p:to>
                                     </p:set>
-                                    <p:anim calcmode="lin" valueType="num">
-                                      <p:cBhvr additive="base">
-                                        <p:cTn id="7" dur="500" fill="hold"/>
+                                    <p:animEffect transition="in" filter="fade">
+                                      <p:cBhvr>
+                                        <p:cTn id="7" dur="500"/>
                                         <p:tgtEl>
                                           <p:spTgt spid="3">
                                             <p:txEl>
@@ -7055,50 +8055,8 @@
                                             </p:txEl>
                                           </p:spTgt>
                                         </p:tgtEl>
-                                        <p:attrNameLst>
-                                          <p:attrName>ppt_x</p:attrName>
-                                        </p:attrNameLst>
-                                      </p:cBhvr>
-                                      <p:tavLst>
-                                        <p:tav tm="0">
-                                          <p:val>
-                                            <p:strVal val="#ppt_x"/>
-                                          </p:val>
-                                        </p:tav>
-                                        <p:tav tm="100000">
-                                          <p:val>
-                                            <p:strVal val="#ppt_x"/>
-                                          </p:val>
-                                        </p:tav>
-                                      </p:tavLst>
-                                    </p:anim>
-                                    <p:anim calcmode="lin" valueType="num">
-                                      <p:cBhvr additive="base">
-                                        <p:cTn id="8" dur="500" fill="hold"/>
-                                        <p:tgtEl>
-                                          <p:spTgt spid="3">
-                                            <p:txEl>
-                                              <p:pRg st="0" end="0"/>
-                                            </p:txEl>
-                                          </p:spTgt>
-                                        </p:tgtEl>
-                                        <p:attrNameLst>
-                                          <p:attrName>ppt_y</p:attrName>
-                                        </p:attrNameLst>
-                                      </p:cBhvr>
-                                      <p:tavLst>
-                                        <p:tav tm="0">
-                                          <p:val>
-                                            <p:strVal val="1+#ppt_h/2"/>
-                                          </p:val>
-                                        </p:tav>
-                                        <p:tav tm="100000">
-                                          <p:val>
-                                            <p:strVal val="#ppt_y"/>
-                                          </p:val>
-                                        </p:tav>
-                                      </p:tavLst>
-                                    </p:anim>
+                                      </p:cBhvr>
+                                    </p:animEffect>
                                   </p:childTnLst>
                                 </p:cTn>
                               </p:par>
@@ -7109,26 +8067,26 @@
                     </p:cTn>
                   </p:par>
                   <p:par>
-                    <p:cTn id="9" fill="hold">
+                    <p:cTn id="8" fill="hold">
                       <p:stCondLst>
                         <p:cond delay="indefinite"/>
                       </p:stCondLst>
                       <p:childTnLst>
                         <p:par>
-                          <p:cTn id="10" fill="hold">
+                          <p:cTn id="9" fill="hold">
                             <p:stCondLst>
                               <p:cond delay="0"/>
                             </p:stCondLst>
                             <p:childTnLst>
                               <p:par>
-                                <p:cTn id="11" presetID="2" presetClass="entr" presetSubtype="4" fill="hold" grpId="0" nodeType="clickEffect">
+                                <p:cTn id="10" presetID="10" presetClass="entr" presetSubtype="0" fill="hold" grpId="0" nodeType="clickEffect">
                                   <p:stCondLst>
                                     <p:cond delay="0"/>
                                   </p:stCondLst>
                                   <p:childTnLst>
                                     <p:set>
                                       <p:cBhvr>
-                                        <p:cTn id="12" dur="1" fill="hold">
+                                        <p:cTn id="11" dur="1" fill="hold">
                                           <p:stCondLst>
                                             <p:cond delay="0"/>
                                           </p:stCondLst>
@@ -7148,9 +8106,9 @@
                                         <p:strVal val="visible"/>
                                       </p:to>
                                     </p:set>
-                                    <p:anim calcmode="lin" valueType="num">
-                                      <p:cBhvr additive="base">
-                                        <p:cTn id="13" dur="500" fill="hold"/>
+                                    <p:animEffect transition="in" filter="fade">
+                                      <p:cBhvr>
+                                        <p:cTn id="12" dur="500"/>
                                         <p:tgtEl>
                                           <p:spTgt spid="3">
                                             <p:txEl>
@@ -7158,50 +8116,8 @@
                                             </p:txEl>
                                           </p:spTgt>
                                         </p:tgtEl>
-                                        <p:attrNameLst>
-                                          <p:attrName>ppt_x</p:attrName>
-                                        </p:attrNameLst>
-                                      </p:cBhvr>
-                                      <p:tavLst>
-                                        <p:tav tm="0">
-                                          <p:val>
-                                            <p:strVal val="#ppt_x"/>
-                                          </p:val>
-                                        </p:tav>
-                                        <p:tav tm="100000">
-                                          <p:val>
-                                            <p:strVal val="#ppt_x"/>
-                                          </p:val>
-                                        </p:tav>
-                                      </p:tavLst>
-                                    </p:anim>
-                                    <p:anim calcmode="lin" valueType="num">
-                                      <p:cBhvr additive="base">
-                                        <p:cTn id="14" dur="500" fill="hold"/>
-                                        <p:tgtEl>
-                                          <p:spTgt spid="3">
-                                            <p:txEl>
-                                              <p:pRg st="1" end="1"/>
-                                            </p:txEl>
-                                          </p:spTgt>
-                                        </p:tgtEl>
-                                        <p:attrNameLst>
-                                          <p:attrName>ppt_y</p:attrName>
-                                        </p:attrNameLst>
-                                      </p:cBhvr>
-                                      <p:tavLst>
-                                        <p:tav tm="0">
-                                          <p:val>
-                                            <p:strVal val="1+#ppt_h/2"/>
-                                          </p:val>
-                                        </p:tav>
-                                        <p:tav tm="100000">
-                                          <p:val>
-                                            <p:strVal val="#ppt_y"/>
-                                          </p:val>
-                                        </p:tav>
-                                      </p:tavLst>
-                                    </p:anim>
+                                      </p:cBhvr>
+                                    </p:animEffect>
                                   </p:childTnLst>
                                 </p:cTn>
                               </p:par>
@@ -7212,26 +8128,26 @@
                     </p:cTn>
                   </p:par>
                   <p:par>
-                    <p:cTn id="15" fill="hold">
+                    <p:cTn id="13" fill="hold">
                       <p:stCondLst>
                         <p:cond delay="indefinite"/>
                       </p:stCondLst>
                       <p:childTnLst>
                         <p:par>
-                          <p:cTn id="16" fill="hold">
+                          <p:cTn id="14" fill="hold">
                             <p:stCondLst>
                               <p:cond delay="0"/>
                             </p:stCondLst>
                             <p:childTnLst>
                               <p:par>
-                                <p:cTn id="17" presetID="2" presetClass="entr" presetSubtype="4" fill="hold" grpId="0" nodeType="clickEffect">
+                                <p:cTn id="15" presetID="10" presetClass="entr" presetSubtype="0" fill="hold" grpId="0" nodeType="clickEffect">
                                   <p:stCondLst>
                                     <p:cond delay="0"/>
                                   </p:stCondLst>
                                   <p:childTnLst>
                                     <p:set>
                                       <p:cBhvr>
-                                        <p:cTn id="18" dur="1" fill="hold">
+                                        <p:cTn id="16" dur="1" fill="hold">
                                           <p:stCondLst>
                                             <p:cond delay="0"/>
                                           </p:stCondLst>
@@ -7251,9 +8167,9 @@
                                         <p:strVal val="visible"/>
                                       </p:to>
                                     </p:set>
-                                    <p:anim calcmode="lin" valueType="num">
-                                      <p:cBhvr additive="base">
-                                        <p:cTn id="19" dur="500" fill="hold"/>
+                                    <p:animEffect transition="in" filter="fade">
+                                      <p:cBhvr>
+                                        <p:cTn id="17" dur="500"/>
                                         <p:tgtEl>
                                           <p:spTgt spid="3">
                                             <p:txEl>
@@ -7261,50 +8177,8 @@
                                             </p:txEl>
                                           </p:spTgt>
                                         </p:tgtEl>
-                                        <p:attrNameLst>
-                                          <p:attrName>ppt_x</p:attrName>
-                                        </p:attrNameLst>
-                                      </p:cBhvr>
-                                      <p:tavLst>
-                                        <p:tav tm="0">
-                                          <p:val>
-                                            <p:strVal val="#ppt_x"/>
-                                          </p:val>
-                                        </p:tav>
-                                        <p:tav tm="100000">
-                                          <p:val>
-                                            <p:strVal val="#ppt_x"/>
-                                          </p:val>
-                                        </p:tav>
-                                      </p:tavLst>
-                                    </p:anim>
-                                    <p:anim calcmode="lin" valueType="num">
-                                      <p:cBhvr additive="base">
-                                        <p:cTn id="20" dur="500" fill="hold"/>
-                                        <p:tgtEl>
-                                          <p:spTgt spid="3">
-                                            <p:txEl>
-                                              <p:pRg st="2" end="2"/>
-                                            </p:txEl>
-                                          </p:spTgt>
-                                        </p:tgtEl>
-                                        <p:attrNameLst>
-                                          <p:attrName>ppt_y</p:attrName>
-                                        </p:attrNameLst>
-                                      </p:cBhvr>
-                                      <p:tavLst>
-                                        <p:tav tm="0">
-                                          <p:val>
-                                            <p:strVal val="1+#ppt_h/2"/>
-                                          </p:val>
-                                        </p:tav>
-                                        <p:tav tm="100000">
-                                          <p:val>
-                                            <p:strVal val="#ppt_y"/>
-                                          </p:val>
-                                        </p:tav>
-                                      </p:tavLst>
-                                    </p:anim>
+                                      </p:cBhvr>
+                                    </p:animEffect>
                                   </p:childTnLst>
                                 </p:cTn>
                               </p:par>
@@ -7315,26 +8189,26 @@
                     </p:cTn>
                   </p:par>
                   <p:par>
-                    <p:cTn id="21" fill="hold">
+                    <p:cTn id="18" fill="hold">
                       <p:stCondLst>
                         <p:cond delay="indefinite"/>
                       </p:stCondLst>
                       <p:childTnLst>
                         <p:par>
-                          <p:cTn id="22" fill="hold">
+                          <p:cTn id="19" fill="hold">
                             <p:stCondLst>
                               <p:cond delay="0"/>
                             </p:stCondLst>
                             <p:childTnLst>
                               <p:par>
-                                <p:cTn id="23" presetID="2" presetClass="entr" presetSubtype="4" fill="hold" grpId="0" nodeType="clickEffect">
+                                <p:cTn id="20" presetID="10" presetClass="entr" presetSubtype="0" fill="hold" grpId="0" nodeType="clickEffect">
                                   <p:stCondLst>
                                     <p:cond delay="0"/>
                                   </p:stCondLst>
                                   <p:childTnLst>
                                     <p:set>
                                       <p:cBhvr>
-                                        <p:cTn id="24" dur="1" fill="hold">
+                                        <p:cTn id="21" dur="1" fill="hold">
                                           <p:stCondLst>
                                             <p:cond delay="0"/>
                                           </p:stCondLst>
@@ -7354,9 +8228,9 @@
                                         <p:strVal val="visible"/>
                                       </p:to>
                                     </p:set>
-                                    <p:anim calcmode="lin" valueType="num">
-                                      <p:cBhvr additive="base">
-                                        <p:cTn id="25" dur="500" fill="hold"/>
+                                    <p:animEffect transition="in" filter="fade">
+                                      <p:cBhvr>
+                                        <p:cTn id="22" dur="500"/>
                                         <p:tgtEl>
                                           <p:spTgt spid="3">
                                             <p:txEl>
@@ -7364,50 +8238,8 @@
                                             </p:txEl>
                                           </p:spTgt>
                                         </p:tgtEl>
-                                        <p:attrNameLst>
-                                          <p:attrName>ppt_x</p:attrName>
-                                        </p:attrNameLst>
-                                      </p:cBhvr>
-                                      <p:tavLst>
-                                        <p:tav tm="0">
-                                          <p:val>
-                                            <p:strVal val="#ppt_x"/>
-                                          </p:val>
-                                        </p:tav>
-                                        <p:tav tm="100000">
-                                          <p:val>
-                                            <p:strVal val="#ppt_x"/>
-                                          </p:val>
-                                        </p:tav>
-                                      </p:tavLst>
-                                    </p:anim>
-                                    <p:anim calcmode="lin" valueType="num">
-                                      <p:cBhvr additive="base">
-                                        <p:cTn id="26" dur="500" fill="hold"/>
-                                        <p:tgtEl>
-                                          <p:spTgt spid="3">
-                                            <p:txEl>
-                                              <p:pRg st="3" end="3"/>
-                                            </p:txEl>
-                                          </p:spTgt>
-                                        </p:tgtEl>
-                                        <p:attrNameLst>
-                                          <p:attrName>ppt_y</p:attrName>
-                                        </p:attrNameLst>
-                                      </p:cBhvr>
-                                      <p:tavLst>
-                                        <p:tav tm="0">
-                                          <p:val>
-                                            <p:strVal val="1+#ppt_h/2"/>
-                                          </p:val>
-                                        </p:tav>
-                                        <p:tav tm="100000">
-                                          <p:val>
-                                            <p:strVal val="#ppt_y"/>
-                                          </p:val>
-                                        </p:tav>
-                                      </p:tavLst>
-                                    </p:anim>
+                                      </p:cBhvr>
+                                    </p:animEffect>
                                   </p:childTnLst>
                                 </p:cTn>
                               </p:par>
@@ -7474,8 +8306,8 @@
         </p:nvSpPr>
         <p:spPr>
           <a:xfrm>
-            <a:off x="876300" y="2529014"/>
-            <a:ext cx="10515600" cy="3912975"/>
+            <a:off x="657225" y="2754016"/>
+            <a:ext cx="7886700" cy="2934731"/>
           </a:xfrm>
         </p:spPr>
         <p:txBody>
@@ -7485,10 +8317,14 @@
           <a:lstStyle/>
           <a:p>
             <a:r>
-              <a:rPr lang="en-US" dirty="0"/>
+              <a:rPr lang="en-US" dirty="0">
+                <a:latin typeface="Georgia" panose="02040502050405020303" pitchFamily="18" charset="0"/>
+              </a:rPr>
               <a:t>[R1] Customers can cancel a request or reservation only if it has not been assigned to a taxi driver yet.</a:t>
             </a:r>
-            <a:endParaRPr lang="it-IT" dirty="0"/>
+            <a:endParaRPr lang="it-IT" dirty="0">
+              <a:latin typeface="Georgia" panose="02040502050405020303" pitchFamily="18" charset="0"/>
+            </a:endParaRPr>
           </a:p>
         </p:txBody>
       </p:sp>
@@ -7500,8 +8336,8 @@
         </p:nvSpPr>
         <p:spPr>
           <a:xfrm>
-            <a:off x="876300" y="927208"/>
-            <a:ext cx="10439400" cy="800219"/>
+            <a:off x="657225" y="1552658"/>
+            <a:ext cx="7829550" cy="623248"/>
           </a:xfrm>
           <a:prstGeom prst="rect">
             <a:avLst/>
@@ -7528,21 +8364,56 @@
           <a:lstStyle/>
           <a:p>
             <a:r>
-              <a:rPr lang="en-US" sz="2800" i="1" dirty="0"/>
+              <a:rPr lang="en-US" sz="2100" i="1" dirty="0"/>
               <a:t>[</a:t>
             </a:r>
             <a:r>
-              <a:rPr lang="en-US" sz="2800" b="1" i="1" dirty="0"/>
+              <a:rPr lang="en-US" sz="2100" b="1" i="1" dirty="0"/>
               <a:t>G8</a:t>
             </a:r>
             <a:r>
-              <a:rPr lang="en-US" sz="2800" i="1" dirty="0"/>
+              <a:rPr lang="en-US" sz="2100" i="1" dirty="0"/>
               <a:t>] Allow customers to cancel requests and reservations. </a:t>
             </a:r>
-            <a:endParaRPr lang="it-IT" sz="2800" dirty="0"/>
-          </a:p>
-          <a:p>
-            <a:endParaRPr lang="it-IT" dirty="0"/>
+            <a:endParaRPr lang="it-IT" sz="2100" dirty="0"/>
+          </a:p>
+          <a:p>
+            <a:endParaRPr lang="it-IT" sz="1350" dirty="0"/>
+          </a:p>
+        </p:txBody>
+      </p:sp>
+      <p:sp>
+        <p:nvSpPr>
+          <p:cNvPr id="4" name="Titolo 1"/>
+          <p:cNvSpPr>
+            <a:spLocks noGrp="1"/>
+          </p:cNvSpPr>
+          <p:nvPr>
+            <p:ph type="title"/>
+          </p:nvPr>
+        </p:nvSpPr>
+        <p:spPr>
+          <a:xfrm>
+            <a:off x="628650" y="365126"/>
+            <a:ext cx="7798658" cy="1010593"/>
+          </a:xfrm>
+        </p:spPr>
+        <p:txBody>
+          <a:bodyPr>
+            <a:normAutofit fontScale="90000"/>
+          </a:bodyPr>
+          <a:lstStyle/>
+          <a:p>
+            <a:pPr algn="ctr"/>
+            <a:r>
+              <a:rPr lang="en-US" b="1" dirty="0" smtClean="0">
+                <a:latin typeface="Georgia" panose="02040502050405020303" pitchFamily="18" charset="0"/>
+              </a:rPr>
+              <a:t>Goals and functional requirements</a:t>
+            </a:r>
+            <a:endParaRPr lang="en-US" b="1" dirty="0">
+              <a:latin typeface="Georgia" panose="02040502050405020303" pitchFamily="18" charset="0"/>
+            </a:endParaRPr>
           </a:p>
         </p:txBody>
       </p:sp>
@@ -7577,7 +8448,7 @@
                             </p:stCondLst>
                             <p:childTnLst>
                               <p:par>
-                                <p:cTn id="5" presetID="2" presetClass="entr" presetSubtype="4" fill="hold" grpId="0" nodeType="clickEffect">
+                                <p:cTn id="5" presetID="10" presetClass="entr" presetSubtype="0" fill="hold" grpId="0" nodeType="clickEffect">
                                   <p:stCondLst>
                                     <p:cond delay="0"/>
                                   </p:stCondLst>
@@ -7604,9 +8475,9 @@
                                         <p:strVal val="visible"/>
                                       </p:to>
                                     </p:set>
-                                    <p:anim calcmode="lin" valueType="num">
-                                      <p:cBhvr additive="base">
-                                        <p:cTn id="7" dur="500" fill="hold"/>
+                                    <p:animEffect transition="in" filter="fade">
+                                      <p:cBhvr>
+                                        <p:cTn id="7" dur="500"/>
                                         <p:tgtEl>
                                           <p:spTgt spid="3">
                                             <p:txEl>
@@ -7614,50 +8485,8 @@
                                             </p:txEl>
                                           </p:spTgt>
                                         </p:tgtEl>
-                                        <p:attrNameLst>
-                                          <p:attrName>ppt_x</p:attrName>
-                                        </p:attrNameLst>
-                                      </p:cBhvr>
-                                      <p:tavLst>
-                                        <p:tav tm="0">
-                                          <p:val>
-                                            <p:strVal val="#ppt_x"/>
-                                          </p:val>
-                                        </p:tav>
-                                        <p:tav tm="100000">
-                                          <p:val>
-                                            <p:strVal val="#ppt_x"/>
-                                          </p:val>
-                                        </p:tav>
-                                      </p:tavLst>
-                                    </p:anim>
-                                    <p:anim calcmode="lin" valueType="num">
-                                      <p:cBhvr additive="base">
-                                        <p:cTn id="8" dur="500" fill="hold"/>
-                                        <p:tgtEl>
-                                          <p:spTgt spid="3">
-                                            <p:txEl>
-                                              <p:pRg st="0" end="0"/>
-                                            </p:txEl>
-                                          </p:spTgt>
-                                        </p:tgtEl>
-                                        <p:attrNameLst>
-                                          <p:attrName>ppt_y</p:attrName>
-                                        </p:attrNameLst>
-                                      </p:cBhvr>
-                                      <p:tavLst>
-                                        <p:tav tm="0">
-                                          <p:val>
-                                            <p:strVal val="1+#ppt_h/2"/>
-                                          </p:val>
-                                        </p:tav>
-                                        <p:tav tm="100000">
-                                          <p:val>
-                                            <p:strVal val="#ppt_y"/>
-                                          </p:val>
-                                        </p:tav>
-                                      </p:tavLst>
-                                    </p:anim>
+                                      </p:cBhvr>
+                                    </p:animEffect>
                                   </p:childTnLst>
                                 </p:cTn>
                               </p:par>
@@ -7724,8 +8553,8 @@
         </p:nvSpPr>
         <p:spPr>
           <a:xfrm>
-            <a:off x="876300" y="2529014"/>
-            <a:ext cx="10515600" cy="3912975"/>
+            <a:off x="657225" y="2754016"/>
+            <a:ext cx="7886700" cy="2934731"/>
           </a:xfrm>
         </p:spPr>
         <p:txBody>
@@ -7735,17 +8564,25 @@
           <a:lstStyle/>
           <a:p>
             <a:r>
-              <a:rPr lang="en-US" dirty="0"/>
+              <a:rPr lang="en-US" dirty="0">
+                <a:latin typeface="Georgia" panose="02040502050405020303" pitchFamily="18" charset="0"/>
+              </a:rPr>
               <a:t>[R1] Administrators must be able to create a taxi driver’s account.</a:t>
             </a:r>
-            <a:endParaRPr lang="it-IT" dirty="0"/>
-          </a:p>
-          <a:p>
-            <a:r>
-              <a:rPr lang="en-US" dirty="0"/>
+            <a:endParaRPr lang="it-IT" dirty="0">
+              <a:latin typeface="Georgia" panose="02040502050405020303" pitchFamily="18" charset="0"/>
+            </a:endParaRPr>
+          </a:p>
+          <a:p>
+            <a:r>
+              <a:rPr lang="en-US" dirty="0">
+                <a:latin typeface="Georgia" panose="02040502050405020303" pitchFamily="18" charset="0"/>
+              </a:rPr>
               <a:t>[R2] Administrators must be able to delete a taxi driver’s account.</a:t>
             </a:r>
-            <a:endParaRPr lang="it-IT" dirty="0"/>
+            <a:endParaRPr lang="it-IT" dirty="0">
+              <a:latin typeface="Georgia" panose="02040502050405020303" pitchFamily="18" charset="0"/>
+            </a:endParaRPr>
           </a:p>
         </p:txBody>
       </p:sp>
@@ -7757,8 +8594,8 @@
         </p:nvSpPr>
         <p:spPr>
           <a:xfrm>
-            <a:off x="876300" y="927208"/>
-            <a:ext cx="10439400" cy="1231106"/>
+            <a:off x="657225" y="1552659"/>
+            <a:ext cx="7829550" cy="946413"/>
           </a:xfrm>
           <a:prstGeom prst="rect">
             <a:avLst/>
@@ -7785,21 +8622,56 @@
           <a:lstStyle/>
           <a:p>
             <a:r>
-              <a:rPr lang="en-US" sz="2800" i="1" dirty="0"/>
+              <a:rPr lang="en-US" sz="2100" i="1" dirty="0"/>
               <a:t>[</a:t>
             </a:r>
             <a:r>
-              <a:rPr lang="en-US" sz="2800" b="1" i="1" dirty="0"/>
+              <a:rPr lang="en-US" sz="2100" b="1" i="1" dirty="0"/>
               <a:t>G9</a:t>
             </a:r>
             <a:r>
-              <a:rPr lang="en-US" sz="2800" i="1" dirty="0"/>
+              <a:rPr lang="en-US" sz="2100" i="1" dirty="0"/>
               <a:t>] Administrators must be able to assign and manage an account to the taxi drivers hired by the company.</a:t>
             </a:r>
-            <a:endParaRPr lang="it-IT" sz="2800" dirty="0"/>
-          </a:p>
-          <a:p>
-            <a:endParaRPr lang="it-IT" dirty="0"/>
+            <a:endParaRPr lang="it-IT" sz="2100" dirty="0"/>
+          </a:p>
+          <a:p>
+            <a:endParaRPr lang="it-IT" sz="1350" dirty="0"/>
+          </a:p>
+        </p:txBody>
+      </p:sp>
+      <p:sp>
+        <p:nvSpPr>
+          <p:cNvPr id="4" name="Titolo 1"/>
+          <p:cNvSpPr>
+            <a:spLocks noGrp="1"/>
+          </p:cNvSpPr>
+          <p:nvPr>
+            <p:ph type="title"/>
+          </p:nvPr>
+        </p:nvSpPr>
+        <p:spPr>
+          <a:xfrm>
+            <a:off x="628650" y="365126"/>
+            <a:ext cx="7798658" cy="1010593"/>
+          </a:xfrm>
+        </p:spPr>
+        <p:txBody>
+          <a:bodyPr>
+            <a:normAutofit fontScale="90000"/>
+          </a:bodyPr>
+          <a:lstStyle/>
+          <a:p>
+            <a:pPr algn="ctr"/>
+            <a:r>
+              <a:rPr lang="en-US" b="1" dirty="0" smtClean="0">
+                <a:latin typeface="Georgia" panose="02040502050405020303" pitchFamily="18" charset="0"/>
+              </a:rPr>
+              <a:t>Goals and functional requirements</a:t>
+            </a:r>
+            <a:endParaRPr lang="en-US" b="1" dirty="0">
+              <a:latin typeface="Georgia" panose="02040502050405020303" pitchFamily="18" charset="0"/>
+            </a:endParaRPr>
           </a:p>
         </p:txBody>
       </p:sp>
@@ -7834,7 +8706,7 @@
                             </p:stCondLst>
                             <p:childTnLst>
                               <p:par>
-                                <p:cTn id="5" presetID="2" presetClass="entr" presetSubtype="4" fill="hold" grpId="0" nodeType="clickEffect">
+                                <p:cTn id="5" presetID="10" presetClass="entr" presetSubtype="0" fill="hold" grpId="0" nodeType="clickEffect">
                                   <p:stCondLst>
                                     <p:cond delay="0"/>
                                   </p:stCondLst>
@@ -7861,9 +8733,9 @@
                                         <p:strVal val="visible"/>
                                       </p:to>
                                     </p:set>
-                                    <p:anim calcmode="lin" valueType="num">
-                                      <p:cBhvr additive="base">
-                                        <p:cTn id="7" dur="500" fill="hold"/>
+                                    <p:animEffect transition="in" filter="fade">
+                                      <p:cBhvr>
+                                        <p:cTn id="7" dur="500"/>
                                         <p:tgtEl>
                                           <p:spTgt spid="3">
                                             <p:txEl>
@@ -7871,50 +8743,8 @@
                                             </p:txEl>
                                           </p:spTgt>
                                         </p:tgtEl>
-                                        <p:attrNameLst>
-                                          <p:attrName>ppt_x</p:attrName>
-                                        </p:attrNameLst>
-                                      </p:cBhvr>
-                                      <p:tavLst>
-                                        <p:tav tm="0">
-                                          <p:val>
-                                            <p:strVal val="#ppt_x"/>
-                                          </p:val>
-                                        </p:tav>
-                                        <p:tav tm="100000">
-                                          <p:val>
-                                            <p:strVal val="#ppt_x"/>
-                                          </p:val>
-                                        </p:tav>
-                                      </p:tavLst>
-                                    </p:anim>
-                                    <p:anim calcmode="lin" valueType="num">
-                                      <p:cBhvr additive="base">
-                                        <p:cTn id="8" dur="500" fill="hold"/>
-                                        <p:tgtEl>
-                                          <p:spTgt spid="3">
-                                            <p:txEl>
-                                              <p:pRg st="0" end="0"/>
-                                            </p:txEl>
-                                          </p:spTgt>
-                                        </p:tgtEl>
-                                        <p:attrNameLst>
-                                          <p:attrName>ppt_y</p:attrName>
-                                        </p:attrNameLst>
-                                      </p:cBhvr>
-                                      <p:tavLst>
-                                        <p:tav tm="0">
-                                          <p:val>
-                                            <p:strVal val="1+#ppt_h/2"/>
-                                          </p:val>
-                                        </p:tav>
-                                        <p:tav tm="100000">
-                                          <p:val>
-                                            <p:strVal val="#ppt_y"/>
-                                          </p:val>
-                                        </p:tav>
-                                      </p:tavLst>
-                                    </p:anim>
+                                      </p:cBhvr>
+                                    </p:animEffect>
                                   </p:childTnLst>
                                 </p:cTn>
                               </p:par>
@@ -7925,26 +8755,26 @@
                     </p:cTn>
                   </p:par>
                   <p:par>
-                    <p:cTn id="9" fill="hold">
+                    <p:cTn id="8" fill="hold">
                       <p:stCondLst>
                         <p:cond delay="indefinite"/>
                       </p:stCondLst>
                       <p:childTnLst>
                         <p:par>
-                          <p:cTn id="10" fill="hold">
+                          <p:cTn id="9" fill="hold">
                             <p:stCondLst>
                               <p:cond delay="0"/>
                             </p:stCondLst>
                             <p:childTnLst>
                               <p:par>
-                                <p:cTn id="11" presetID="2" presetClass="entr" presetSubtype="4" fill="hold" grpId="0" nodeType="clickEffect">
+                                <p:cTn id="10" presetID="10" presetClass="entr" presetSubtype="0" fill="hold" grpId="0" nodeType="clickEffect">
                                   <p:stCondLst>
                                     <p:cond delay="0"/>
                                   </p:stCondLst>
                                   <p:childTnLst>
                                     <p:set>
                                       <p:cBhvr>
-                                        <p:cTn id="12" dur="1" fill="hold">
+                                        <p:cTn id="11" dur="1" fill="hold">
                                           <p:stCondLst>
                                             <p:cond delay="0"/>
                                           </p:stCondLst>
@@ -7964,9 +8794,9 @@
                                         <p:strVal val="visible"/>
                                       </p:to>
                                     </p:set>
-                                    <p:anim calcmode="lin" valueType="num">
-                                      <p:cBhvr additive="base">
-                                        <p:cTn id="13" dur="500" fill="hold"/>
+                                    <p:animEffect transition="in" filter="fade">
+                                      <p:cBhvr>
+                                        <p:cTn id="12" dur="500"/>
                                         <p:tgtEl>
                                           <p:spTgt spid="3">
                                             <p:txEl>
@@ -7974,50 +8804,8 @@
                                             </p:txEl>
                                           </p:spTgt>
                                         </p:tgtEl>
-                                        <p:attrNameLst>
-                                          <p:attrName>ppt_x</p:attrName>
-                                        </p:attrNameLst>
-                                      </p:cBhvr>
-                                      <p:tavLst>
-                                        <p:tav tm="0">
-                                          <p:val>
-                                            <p:strVal val="#ppt_x"/>
-                                          </p:val>
-                                        </p:tav>
-                                        <p:tav tm="100000">
-                                          <p:val>
-                                            <p:strVal val="#ppt_x"/>
-                                          </p:val>
-                                        </p:tav>
-                                      </p:tavLst>
-                                    </p:anim>
-                                    <p:anim calcmode="lin" valueType="num">
-                                      <p:cBhvr additive="base">
-                                        <p:cTn id="14" dur="500" fill="hold"/>
-                                        <p:tgtEl>
-                                          <p:spTgt spid="3">
-                                            <p:txEl>
-                                              <p:pRg st="1" end="1"/>
-                                            </p:txEl>
-                                          </p:spTgt>
-                                        </p:tgtEl>
-                                        <p:attrNameLst>
-                                          <p:attrName>ppt_y</p:attrName>
-                                        </p:attrNameLst>
-                                      </p:cBhvr>
-                                      <p:tavLst>
-                                        <p:tav tm="0">
-                                          <p:val>
-                                            <p:strVal val="1+#ppt_h/2"/>
-                                          </p:val>
-                                        </p:tav>
-                                        <p:tav tm="100000">
-                                          <p:val>
-                                            <p:strVal val="#ppt_y"/>
-                                          </p:val>
-                                        </p:tav>
-                                      </p:tavLst>
-                                    </p:anim>
+                                      </p:cBhvr>
+                                    </p:animEffect>
                                   </p:childTnLst>
                                 </p:cTn>
                               </p:par>
@@ -8058,7 +8846,7 @@
 <file path=ppt/theme/theme1.xml><?xml version="1.0" encoding="utf-8"?>
 <a:theme xmlns:a="http://schemas.openxmlformats.org/drawingml/2006/main" name="Tema di Office">
   <a:themeElements>
-    <a:clrScheme name="Office">
+    <a:clrScheme name="Tema di Office">
       <a:dk1>
         <a:sysClr val="windowText" lastClr="000000"/>
       </a:dk1>
@@ -8096,7 +8884,7 @@
         <a:srgbClr val="954F72"/>
       </a:folHlink>
     </a:clrScheme>
-    <a:fontScheme name="Office">
+    <a:fontScheme name="Tema di Office">
       <a:majorFont>
         <a:latin typeface="Calibri Light" panose="020F0302020204030204"/>
         <a:ea typeface=""/>
@@ -8168,7 +8956,7 @@
         <a:font script="Geor" typeface="Sylfaen"/>
       </a:minorFont>
     </a:fontScheme>
-    <a:fmtScheme name="Office">
+    <a:fmtScheme name="Tema di Office">
       <a:fillStyleLst>
         <a:solidFill>
           <a:schemeClr val="phClr"/>

--- a/OtherStuff/Presentation/Goal + fun req + world and the machine.pptx
+++ b/OtherStuff/Presentation/Goal + fun req + world and the machine.pptx
@@ -255,7 +255,7 @@
           <a:p>
             <a:fld id="{25E65E3D-A1FC-4B1A-AB2F-83B863B73A76}" type="datetimeFigureOut">
               <a:rPr lang="it-IT" smtClean="0"/>
-              <a:t>08/11/2015</a:t>
+              <a:t>09/11/2015</a:t>
             </a:fld>
             <a:endParaRPr lang="it-IT"/>
           </a:p>
@@ -425,7 +425,7 @@
           <a:p>
             <a:fld id="{25E65E3D-A1FC-4B1A-AB2F-83B863B73A76}" type="datetimeFigureOut">
               <a:rPr lang="it-IT" smtClean="0"/>
-              <a:t>08/11/2015</a:t>
+              <a:t>09/11/2015</a:t>
             </a:fld>
             <a:endParaRPr lang="it-IT"/>
           </a:p>
@@ -605,7 +605,7 @@
           <a:p>
             <a:fld id="{25E65E3D-A1FC-4B1A-AB2F-83B863B73A76}" type="datetimeFigureOut">
               <a:rPr lang="it-IT" smtClean="0"/>
-              <a:t>08/11/2015</a:t>
+              <a:t>09/11/2015</a:t>
             </a:fld>
             <a:endParaRPr lang="it-IT"/>
           </a:p>
@@ -775,7 +775,7 @@
           <a:p>
             <a:fld id="{25E65E3D-A1FC-4B1A-AB2F-83B863B73A76}" type="datetimeFigureOut">
               <a:rPr lang="it-IT" smtClean="0"/>
-              <a:t>08/11/2015</a:t>
+              <a:t>09/11/2015</a:t>
             </a:fld>
             <a:endParaRPr lang="it-IT"/>
           </a:p>
@@ -1019,7 +1019,7 @@
           <a:p>
             <a:fld id="{25E65E3D-A1FC-4B1A-AB2F-83B863B73A76}" type="datetimeFigureOut">
               <a:rPr lang="it-IT" smtClean="0"/>
-              <a:t>08/11/2015</a:t>
+              <a:t>09/11/2015</a:t>
             </a:fld>
             <a:endParaRPr lang="it-IT"/>
           </a:p>
@@ -1251,7 +1251,7 @@
           <a:p>
             <a:fld id="{25E65E3D-A1FC-4B1A-AB2F-83B863B73A76}" type="datetimeFigureOut">
               <a:rPr lang="it-IT" smtClean="0"/>
-              <a:t>08/11/2015</a:t>
+              <a:t>09/11/2015</a:t>
             </a:fld>
             <a:endParaRPr lang="it-IT"/>
           </a:p>
@@ -1618,7 +1618,7 @@
           <a:p>
             <a:fld id="{25E65E3D-A1FC-4B1A-AB2F-83B863B73A76}" type="datetimeFigureOut">
               <a:rPr lang="it-IT" smtClean="0"/>
-              <a:t>08/11/2015</a:t>
+              <a:t>09/11/2015</a:t>
             </a:fld>
             <a:endParaRPr lang="it-IT"/>
           </a:p>
@@ -1736,7 +1736,7 @@
           <a:p>
             <a:fld id="{25E65E3D-A1FC-4B1A-AB2F-83B863B73A76}" type="datetimeFigureOut">
               <a:rPr lang="it-IT" smtClean="0"/>
-              <a:t>08/11/2015</a:t>
+              <a:t>09/11/2015</a:t>
             </a:fld>
             <a:endParaRPr lang="it-IT"/>
           </a:p>
@@ -1831,7 +1831,7 @@
           <a:p>
             <a:fld id="{25E65E3D-A1FC-4B1A-AB2F-83B863B73A76}" type="datetimeFigureOut">
               <a:rPr lang="it-IT" smtClean="0"/>
-              <a:t>08/11/2015</a:t>
+              <a:t>09/11/2015</a:t>
             </a:fld>
             <a:endParaRPr lang="it-IT"/>
           </a:p>
@@ -2108,7 +2108,7 @@
           <a:p>
             <a:fld id="{25E65E3D-A1FC-4B1A-AB2F-83B863B73A76}" type="datetimeFigureOut">
               <a:rPr lang="it-IT" smtClean="0"/>
-              <a:t>08/11/2015</a:t>
+              <a:t>09/11/2015</a:t>
             </a:fld>
             <a:endParaRPr lang="it-IT"/>
           </a:p>
@@ -2365,7 +2365,7 @@
           <a:p>
             <a:fld id="{25E65E3D-A1FC-4B1A-AB2F-83B863B73A76}" type="datetimeFigureOut">
               <a:rPr lang="it-IT" smtClean="0"/>
-              <a:t>08/11/2015</a:t>
+              <a:t>09/11/2015</a:t>
             </a:fld>
             <a:endParaRPr lang="it-IT"/>
           </a:p>
@@ -2578,7 +2578,7 @@
           <a:p>
             <a:fld id="{25E65E3D-A1FC-4B1A-AB2F-83B863B73A76}" type="datetimeFigureOut">
               <a:rPr lang="it-IT" smtClean="0"/>
-              <a:t>08/11/2015</a:t>
+              <a:t>09/11/2015</a:t>
             </a:fld>
             <a:endParaRPr lang="it-IT"/>
           </a:p>
@@ -3029,68 +3029,68 @@
         </p:spPr>
         <p:txBody>
           <a:bodyPr>
-            <a:normAutofit fontScale="92500" lnSpcReduction="20000"/>
+            <a:normAutofit fontScale="92500" lnSpcReduction="10000"/>
           </a:bodyPr>
           <a:lstStyle/>
           <a:p>
             <a:r>
-              <a:rPr lang="en-US" dirty="0" smtClean="0">
+              <a:rPr lang="en-US" sz="2700" dirty="0" smtClean="0">
                 <a:latin typeface="Georgia" panose="02040502050405020303" pitchFamily="18" charset="0"/>
               </a:rPr>
               <a:t>[</a:t>
             </a:r>
             <a:r>
-              <a:rPr lang="en-US" dirty="0">
+              <a:rPr lang="en-US" sz="2700" dirty="0">
                 <a:latin typeface="Georgia" panose="02040502050405020303" pitchFamily="18" charset="0"/>
               </a:rPr>
               <a:t>R1] Customers should be able to access the service through both the web and the mobile application, even at the same time. </a:t>
             </a:r>
-            <a:endParaRPr lang="it-IT" dirty="0">
+            <a:endParaRPr lang="it-IT" sz="2700" dirty="0">
               <a:latin typeface="Georgia" panose="02040502050405020303" pitchFamily="18" charset="0"/>
             </a:endParaRPr>
           </a:p>
           <a:p>
             <a:r>
-              <a:rPr lang="en-US" dirty="0">
+              <a:rPr lang="en-US" sz="2700" dirty="0">
                 <a:latin typeface="Georgia" panose="02040502050405020303" pitchFamily="18" charset="0"/>
               </a:rPr>
               <a:t>[R2] Customers must be able to register to the taxi service from the mobile or web homepage.</a:t>
             </a:r>
-            <a:endParaRPr lang="it-IT" dirty="0">
+            <a:endParaRPr lang="it-IT" sz="2700" dirty="0">
               <a:latin typeface="Georgia" panose="02040502050405020303" pitchFamily="18" charset="0"/>
             </a:endParaRPr>
           </a:p>
           <a:p>
             <a:r>
-              <a:rPr lang="en-US" dirty="0">
+              <a:rPr lang="en-US" sz="2700" dirty="0">
                 <a:latin typeface="Georgia" panose="02040502050405020303" pitchFamily="18" charset="0"/>
               </a:rPr>
               <a:t>[R3] Only registered customers can access </a:t>
             </a:r>
             <a:r>
-              <a:rPr lang="en-US" dirty="0" smtClean="0">
+              <a:rPr lang="en-US" sz="2700" dirty="0" smtClean="0">
                 <a:latin typeface="Georgia" panose="02040502050405020303" pitchFamily="18" charset="0"/>
               </a:rPr>
               <a:t>MTS’s services</a:t>
             </a:r>
             <a:r>
-              <a:rPr lang="en-US" dirty="0">
+              <a:rPr lang="en-US" sz="2700" dirty="0">
                 <a:latin typeface="Georgia" panose="02040502050405020303" pitchFamily="18" charset="0"/>
               </a:rPr>
               <a:t>.</a:t>
             </a:r>
-            <a:endParaRPr lang="it-IT" dirty="0">
+            <a:endParaRPr lang="it-IT" sz="2700" dirty="0">
               <a:latin typeface="Georgia" panose="02040502050405020303" pitchFamily="18" charset="0"/>
             </a:endParaRPr>
           </a:p>
           <a:p>
             <a:r>
-              <a:rPr lang="en-US" dirty="0">
+              <a:rPr lang="en-US" sz="2700" dirty="0">
                 <a:latin typeface="Georgia" panose="02040502050405020303" pitchFamily="18" charset="0"/>
               </a:rPr>
               <a:t>[R4] The system should allow the log out functionality. </a:t>
             </a:r>
-            <a:endParaRPr lang="en-US" dirty="0" smtClean="0">
+            <a:endParaRPr lang="en-US" sz="2700" dirty="0" smtClean="0">
               <a:latin typeface="Georgia" panose="02040502050405020303" pitchFamily="18" charset="0"/>
             </a:endParaRPr>
           </a:p>
@@ -3568,8 +3568,8 @@
         </p:blipFill>
         <p:spPr>
           <a:xfrm>
-            <a:off x="2124378" y="2226471"/>
-            <a:ext cx="4895255" cy="3263504"/>
+            <a:off x="1660739" y="1930256"/>
+            <a:ext cx="6027948" cy="4018633"/>
           </a:xfrm>
         </p:spPr>
       </p:pic>
@@ -3841,13 +3841,7 @@
               <a:rPr lang="en-US" sz="1500" dirty="0">
                 <a:latin typeface="Georgia" panose="02040502050405020303" pitchFamily="18" charset="0"/>
               </a:rPr>
-              <a:t> – happens exclusively in the world and it is not observed by the </a:t>
-            </a:r>
-            <a:r>
-              <a:rPr lang="en-US" sz="1500" dirty="0">
-                <a:latin typeface="Georgia" panose="02040502050405020303" pitchFamily="18" charset="0"/>
-              </a:rPr>
-              <a:t>machine</a:t>
+              <a:t> – happens exclusively in the world and it is not observed by the machine</a:t>
             </a:r>
           </a:p>
           <a:p>
@@ -4338,13 +4332,7 @@
               <a:rPr lang="it-IT" sz="1350" dirty="0">
                 <a:latin typeface="Georgia" panose="02040502050405020303" pitchFamily="18" charset="0"/>
               </a:rPr>
-              <a:t>’ </a:t>
-            </a:r>
-            <a:r>
-              <a:rPr lang="it-IT" sz="1350" dirty="0">
-                <a:latin typeface="Georgia" panose="02040502050405020303" pitchFamily="18" charset="0"/>
-              </a:rPr>
-              <a:t>accounts: </a:t>
+              <a:t>’ accounts: </a:t>
             </a:r>
             <a:r>
               <a:rPr lang="it-IT" sz="1350" dirty="0" err="1">
@@ -4383,13 +4371,7 @@
               <a:rPr lang="en-US" sz="1350" dirty="0">
                 <a:latin typeface="Georgia" panose="02040502050405020303" pitchFamily="18" charset="0"/>
               </a:rPr>
-              <a:t>contain all the information about taxis and their assigned drivers</a:t>
-            </a:r>
-            <a:r>
-              <a:rPr lang="en-US" sz="1350" dirty="0">
-                <a:latin typeface="Georgia" panose="02040502050405020303" pitchFamily="18" charset="0"/>
-              </a:rPr>
-              <a:t>.</a:t>
+              <a:t>contain all the information about taxis and their assigned drivers.</a:t>
             </a:r>
           </a:p>
           <a:p>
@@ -4407,25 +4389,7 @@
               <a:rPr lang="en-US" sz="1350" dirty="0">
                 <a:latin typeface="Georgia" panose="02040502050405020303" pitchFamily="18" charset="0"/>
               </a:rPr>
-              <a:t>Store all the information regarding </a:t>
-            </a:r>
-            <a:r>
-              <a:rPr lang="en-US" sz="1350" dirty="0">
-                <a:latin typeface="Georgia" panose="02040502050405020303" pitchFamily="18" charset="0"/>
-              </a:rPr>
-              <a:t>actual, </a:t>
-            </a:r>
-            <a:r>
-              <a:rPr lang="en-US" sz="1350" dirty="0">
-                <a:latin typeface="Georgia" panose="02040502050405020303" pitchFamily="18" charset="0"/>
-              </a:rPr>
-              <a:t>past </a:t>
-            </a:r>
-            <a:r>
-              <a:rPr lang="en-US" sz="1350" dirty="0">
-                <a:latin typeface="Georgia" panose="02040502050405020303" pitchFamily="18" charset="0"/>
-              </a:rPr>
-              <a:t>and future taxi rides</a:t>
+              <a:t>Store all the information regarding actual, past and future taxi rides</a:t>
             </a:r>
           </a:p>
           <a:p>
@@ -4443,13 +4407,7 @@
               <a:rPr lang="en-US" sz="1350" dirty="0">
                 <a:latin typeface="Georgia" panose="02040502050405020303" pitchFamily="18" charset="0"/>
               </a:rPr>
-              <a:t>Contains and manages the taxi zones and the </a:t>
-            </a:r>
-            <a:r>
-              <a:rPr lang="en-US" sz="1350" dirty="0">
-                <a:latin typeface="Georgia" panose="02040502050405020303" pitchFamily="18" charset="0"/>
-              </a:rPr>
-              <a:t>queues</a:t>
+              <a:t>Contains and manages the taxi zones and the queues</a:t>
             </a:r>
             <a:endParaRPr lang="en-US" sz="1350" i="1" dirty="0">
               <a:latin typeface="Georgia" panose="02040502050405020303" pitchFamily="18" charset="0"/>
@@ -4464,19 +4422,7 @@
               <a:rPr lang="en-US" sz="1350" i="1" dirty="0">
                 <a:latin typeface="Georgia" panose="02040502050405020303" pitchFamily="18" charset="0"/>
               </a:rPr>
-              <a:t>Request</a:t>
-            </a:r>
-            <a:r>
-              <a:rPr lang="en-US" sz="1350" i="1" dirty="0">
-                <a:latin typeface="Georgia" panose="02040502050405020303" pitchFamily="18" charset="0"/>
-              </a:rPr>
-              <a:t>, reservation and allocation </a:t>
-            </a:r>
-            <a:r>
-              <a:rPr lang="en-US" sz="1350" i="1" dirty="0">
-                <a:latin typeface="Georgia" panose="02040502050405020303" pitchFamily="18" charset="0"/>
-              </a:rPr>
-              <a:t>system – </a:t>
+              <a:t>Request, reservation and allocation system – </a:t>
             </a:r>
             <a:r>
               <a:rPr lang="en-US" sz="1350" dirty="0">
@@ -5109,19 +5055,7 @@
               <a:rPr lang="en-US" sz="1200" dirty="0">
                 <a:latin typeface="Georgia" panose="02040502050405020303" pitchFamily="18" charset="0"/>
               </a:rPr>
-              <a:t> </a:t>
-            </a:r>
-            <a:r>
-              <a:rPr lang="en-US" sz="1200" dirty="0">
-                <a:latin typeface="Georgia" panose="02040502050405020303" pitchFamily="18" charset="0"/>
-              </a:rPr>
-              <a:t>- </a:t>
-            </a:r>
-            <a:r>
-              <a:rPr lang="en-US" sz="1200" dirty="0">
-                <a:latin typeface="Georgia" panose="02040502050405020303" pitchFamily="18" charset="0"/>
-              </a:rPr>
-              <a:t>is observed by the world and controlled by the machine, which sets the taxi’s next destination accordingly to the customer requests. </a:t>
+              <a:t> - is observed by the world and controlled by the machine, which sets the taxi’s next destination accordingly to the customer requests. </a:t>
             </a:r>
             <a:endParaRPr lang="it-IT" sz="1200" dirty="0">
               <a:latin typeface="Georgia" panose="02040502050405020303" pitchFamily="18" charset="0"/>
@@ -5136,37 +5070,13 @@
               <a:rPr lang="en-US" sz="1200" i="1" dirty="0">
                 <a:latin typeface="Georgia" panose="02040502050405020303" pitchFamily="18" charset="0"/>
               </a:rPr>
-              <a:t>Customer </a:t>
-            </a:r>
-            <a:r>
-              <a:rPr lang="en-US" sz="1200" i="1" dirty="0">
-                <a:latin typeface="Georgia" panose="02040502050405020303" pitchFamily="18" charset="0"/>
-              </a:rPr>
-              <a:t>requesting </a:t>
-            </a:r>
-            <a:r>
-              <a:rPr lang="en-US" sz="1200" i="1" dirty="0">
-                <a:latin typeface="Georgia" panose="02040502050405020303" pitchFamily="18" charset="0"/>
-              </a:rPr>
-              <a:t>ride </a:t>
+              <a:t>Customer requesting ride </a:t>
             </a:r>
             <a:r>
               <a:rPr lang="en-US" sz="1200" dirty="0">
                 <a:latin typeface="Georgia" panose="02040502050405020303" pitchFamily="18" charset="0"/>
               </a:rPr>
-              <a:t>- </a:t>
-            </a:r>
-            <a:r>
-              <a:rPr lang="en-US" sz="1200" dirty="0">
-                <a:latin typeface="Georgia" panose="02040502050405020303" pitchFamily="18" charset="0"/>
-              </a:rPr>
-              <a:t>happens in the world and is only observed by the machine, which will react accordingly</a:t>
-            </a:r>
-            <a:r>
-              <a:rPr lang="en-US" sz="1200" dirty="0">
-                <a:latin typeface="Georgia" panose="02040502050405020303" pitchFamily="18" charset="0"/>
-              </a:rPr>
-              <a:t>.</a:t>
+              <a:t>- happens in the world and is only observed by the machine, which will react accordingly.</a:t>
             </a:r>
             <a:endParaRPr lang="en-US" sz="1200" i="1" dirty="0">
               <a:latin typeface="Georgia" panose="02040502050405020303" pitchFamily="18" charset="0"/>
@@ -5187,23 +5097,8 @@
               <a:rPr lang="en-US" sz="1200" dirty="0">
                 <a:latin typeface="Georgia" panose="02040502050405020303" pitchFamily="18" charset="0"/>
               </a:rPr>
-              <a:t> </a:t>
-            </a:r>
-            <a:r>
-              <a:rPr lang="en-US" sz="1200" dirty="0">
-                <a:latin typeface="Georgia" panose="02040502050405020303" pitchFamily="18" charset="0"/>
-              </a:rPr>
-              <a:t>- </a:t>
-            </a:r>
-            <a:r>
-              <a:rPr lang="en-US" sz="1200" dirty="0">
-                <a:latin typeface="Georgia" panose="02040502050405020303" pitchFamily="18" charset="0"/>
-              </a:rPr>
-              <a:t>is a shared phenomenon, which is controlled by the world and observed by the machine through the GPS system. </a:t>
-            </a:r>
-            <a:endParaRPr lang="en-US" sz="1200" dirty="0">
-              <a:latin typeface="Georgia" panose="02040502050405020303" pitchFamily="18" charset="0"/>
-            </a:endParaRPr>
+              <a:t> - is a shared phenomenon, which is controlled by the world and observed by the machine through the GPS system. </a:t>
+            </a:r>
           </a:p>
           <a:p>
             <a:pPr marL="214308" indent="-214308">
@@ -5214,43 +5109,13 @@
               <a:rPr lang="en-US" sz="1200" i="1" dirty="0">
                 <a:latin typeface="Georgia" panose="02040502050405020303" pitchFamily="18" charset="0"/>
               </a:rPr>
-              <a:t>Taxi </a:t>
-            </a:r>
-            <a:r>
-              <a:rPr lang="en-US" sz="1200" i="1" dirty="0">
-                <a:latin typeface="Georgia" panose="02040502050405020303" pitchFamily="18" charset="0"/>
-              </a:rPr>
-              <a:t>status </a:t>
-            </a:r>
-            <a:r>
-              <a:rPr lang="en-US" sz="1200" i="1" dirty="0">
-                <a:latin typeface="Georgia" panose="02040502050405020303" pitchFamily="18" charset="0"/>
-              </a:rPr>
-              <a:t>update</a:t>
+              <a:t>Taxi status update</a:t>
             </a:r>
             <a:r>
               <a:rPr lang="en-US" sz="1200" dirty="0">
                 <a:latin typeface="Georgia" panose="02040502050405020303" pitchFamily="18" charset="0"/>
               </a:rPr>
-              <a:t> </a:t>
-            </a:r>
-            <a:r>
-              <a:rPr lang="en-US" sz="1200" dirty="0">
-                <a:latin typeface="Georgia" panose="02040502050405020303" pitchFamily="18" charset="0"/>
-              </a:rPr>
-              <a:t>- </a:t>
-            </a:r>
-            <a:r>
-              <a:rPr lang="en-US" sz="1200" dirty="0">
-                <a:latin typeface="Georgia" panose="02040502050405020303" pitchFamily="18" charset="0"/>
-              </a:rPr>
-              <a:t>is also a phenomenon controlled by the world (i.e. the taxi driver that changes their status by picking up and dropping of customers) and observed by the system</a:t>
-            </a:r>
-            <a:r>
-              <a:rPr lang="en-US" sz="1200" dirty="0">
-                <a:latin typeface="Georgia" panose="02040502050405020303" pitchFamily="18" charset="0"/>
-              </a:rPr>
-              <a:t>.</a:t>
+              <a:t> - is also a phenomenon controlled by the world (i.e. the taxi driver that changes their status by picking up and dropping of customers) and observed by the system.</a:t>
             </a:r>
           </a:p>
           <a:p>
@@ -5262,37 +5127,13 @@
               <a:rPr lang="en-US" sz="1200" i="1" dirty="0">
                 <a:latin typeface="Georgia" panose="02040502050405020303" pitchFamily="18" charset="0"/>
               </a:rPr>
-              <a:t>Customers </a:t>
-            </a:r>
-            <a:r>
-              <a:rPr lang="en-US" sz="1200" i="1" dirty="0">
-                <a:latin typeface="Georgia" panose="02040502050405020303" pitchFamily="18" charset="0"/>
-              </a:rPr>
-              <a:t>receive </a:t>
-            </a:r>
-            <a:r>
-              <a:rPr lang="en-US" sz="1200" i="1" dirty="0">
-                <a:latin typeface="Georgia" panose="02040502050405020303" pitchFamily="18" charset="0"/>
-              </a:rPr>
-              <a:t>notifications</a:t>
+              <a:t>Customers receive notifications</a:t>
             </a:r>
             <a:r>
               <a:rPr lang="en-US" sz="1200" dirty="0">
                 <a:latin typeface="Georgia" panose="02040502050405020303" pitchFamily="18" charset="0"/>
               </a:rPr>
-              <a:t> </a:t>
-            </a:r>
-            <a:r>
-              <a:rPr lang="en-US" sz="1200" dirty="0">
-                <a:latin typeface="Georgia" panose="02040502050405020303" pitchFamily="18" charset="0"/>
-              </a:rPr>
-              <a:t>- </a:t>
-            </a:r>
-            <a:r>
-              <a:rPr lang="en-US" sz="1200" dirty="0">
-                <a:latin typeface="Georgia" panose="02040502050405020303" pitchFamily="18" charset="0"/>
-              </a:rPr>
-              <a:t>is machine-controlled, since customers receive updates about their rides by the system.</a:t>
+              <a:t> - is machine-controlled, since customers receive updates about their rides by the system.</a:t>
             </a:r>
             <a:endParaRPr lang="it-IT" sz="1200" dirty="0">
               <a:latin typeface="Georgia" panose="02040502050405020303" pitchFamily="18" charset="0"/>
@@ -5923,11 +5764,7 @@
             </a:r>
             <a:r>
               <a:rPr lang="en-US" sz="2100" i="1" dirty="0"/>
-              <a:t>] Allow customers to request a taxi ride from an arranged location</a:t>
-            </a:r>
-            <a:r>
-              <a:rPr lang="en-US" sz="2100" i="1" dirty="0"/>
-              <a:t>.</a:t>
+              <a:t>] Allow customers to request a taxi ride from an arranged location.</a:t>
             </a:r>
           </a:p>
           <a:p>
@@ -6352,11 +6189,7 @@
             </a:r>
             <a:r>
               <a:rPr lang="en-US" sz="2100" i="1" dirty="0"/>
-              <a:t>] Allow customers to reserve a taxi ride at a specific time with a given origin and destination</a:t>
-            </a:r>
-            <a:r>
-              <a:rPr lang="en-US" sz="2100" i="1" dirty="0"/>
-              <a:t>.</a:t>
+              <a:t>] Allow customers to reserve a taxi ride at a specific time with a given origin and destination.</a:t>
             </a:r>
           </a:p>
           <a:p>
@@ -6827,11 +6660,7 @@
             </a:r>
             <a:r>
               <a:rPr lang="en-US" sz="2100" i="1" dirty="0"/>
-              <a:t>] Allow taxi drivers to answer a ride request and take care of customers</a:t>
-            </a:r>
-            <a:r>
-              <a:rPr lang="en-US" sz="2100" i="1" dirty="0"/>
-              <a:t>.</a:t>
+              <a:t>] Allow taxi drivers to answer a ride request and take care of customers.</a:t>
             </a:r>
           </a:p>
           <a:p>
@@ -8320,7 +8149,19 @@
               <a:rPr lang="en-US" dirty="0">
                 <a:latin typeface="Georgia" panose="02040502050405020303" pitchFamily="18" charset="0"/>
               </a:rPr>
-              <a:t>[R1] Customers can cancel a request or reservation only if it has not been assigned to a taxi driver yet.</a:t>
+              <a:t>[R1] Customers can </a:t>
+            </a:r>
+            <a:r>
+              <a:rPr lang="en-US" dirty="0" smtClean="0">
+                <a:latin typeface="Georgia" panose="02040502050405020303" pitchFamily="18" charset="0"/>
+              </a:rPr>
+              <a:t>delete a </a:t>
+            </a:r>
+            <a:r>
+              <a:rPr lang="en-US" dirty="0">
+                <a:latin typeface="Georgia" panose="02040502050405020303" pitchFamily="18" charset="0"/>
+              </a:rPr>
+              <a:t>request or reservation only if it has not been assigned to a taxi driver yet.</a:t>
             </a:r>
             <a:endParaRPr lang="it-IT" dirty="0">
               <a:latin typeface="Georgia" panose="02040502050405020303" pitchFamily="18" charset="0"/>
@@ -8373,7 +8214,15 @@
             </a:r>
             <a:r>
               <a:rPr lang="en-US" sz="2100" i="1" dirty="0"/>
-              <a:t>] Allow customers to cancel requests and reservations. </a:t>
+              <a:t>] Allow customers to </a:t>
+            </a:r>
+            <a:r>
+              <a:rPr lang="en-US" sz="2100" i="1" dirty="0" smtClean="0"/>
+              <a:t>delete requests </a:t>
+            </a:r>
+            <a:r>
+              <a:rPr lang="en-US" sz="2100" i="1" dirty="0"/>
+              <a:t>and reservations. </a:t>
             </a:r>
             <a:endParaRPr lang="it-IT" sz="2100" dirty="0"/>
           </a:p>

--- a/OtherStuff/Presentation/Goal + fun req + world and the machine.pptx
+++ b/OtherStuff/Presentation/Goal + fun req + world and the machine.pptx
@@ -255,7 +255,7 @@
           <a:p>
             <a:fld id="{25E65E3D-A1FC-4B1A-AB2F-83B863B73A76}" type="datetimeFigureOut">
               <a:rPr lang="it-IT" smtClean="0"/>
-              <a:t>09/11/2015</a:t>
+              <a:t>10/11/2015</a:t>
             </a:fld>
             <a:endParaRPr lang="it-IT"/>
           </a:p>
@@ -425,7 +425,7 @@
           <a:p>
             <a:fld id="{25E65E3D-A1FC-4B1A-AB2F-83B863B73A76}" type="datetimeFigureOut">
               <a:rPr lang="it-IT" smtClean="0"/>
-              <a:t>09/11/2015</a:t>
+              <a:t>10/11/2015</a:t>
             </a:fld>
             <a:endParaRPr lang="it-IT"/>
           </a:p>
@@ -605,7 +605,7 @@
           <a:p>
             <a:fld id="{25E65E3D-A1FC-4B1A-AB2F-83B863B73A76}" type="datetimeFigureOut">
               <a:rPr lang="it-IT" smtClean="0"/>
-              <a:t>09/11/2015</a:t>
+              <a:t>10/11/2015</a:t>
             </a:fld>
             <a:endParaRPr lang="it-IT"/>
           </a:p>
@@ -775,7 +775,7 @@
           <a:p>
             <a:fld id="{25E65E3D-A1FC-4B1A-AB2F-83B863B73A76}" type="datetimeFigureOut">
               <a:rPr lang="it-IT" smtClean="0"/>
-              <a:t>09/11/2015</a:t>
+              <a:t>10/11/2015</a:t>
             </a:fld>
             <a:endParaRPr lang="it-IT"/>
           </a:p>
@@ -1019,7 +1019,7 @@
           <a:p>
             <a:fld id="{25E65E3D-A1FC-4B1A-AB2F-83B863B73A76}" type="datetimeFigureOut">
               <a:rPr lang="it-IT" smtClean="0"/>
-              <a:t>09/11/2015</a:t>
+              <a:t>10/11/2015</a:t>
             </a:fld>
             <a:endParaRPr lang="it-IT"/>
           </a:p>
@@ -1251,7 +1251,7 @@
           <a:p>
             <a:fld id="{25E65E3D-A1FC-4B1A-AB2F-83B863B73A76}" type="datetimeFigureOut">
               <a:rPr lang="it-IT" smtClean="0"/>
-              <a:t>09/11/2015</a:t>
+              <a:t>10/11/2015</a:t>
             </a:fld>
             <a:endParaRPr lang="it-IT"/>
           </a:p>
@@ -1618,7 +1618,7 @@
           <a:p>
             <a:fld id="{25E65E3D-A1FC-4B1A-AB2F-83B863B73A76}" type="datetimeFigureOut">
               <a:rPr lang="it-IT" smtClean="0"/>
-              <a:t>09/11/2015</a:t>
+              <a:t>10/11/2015</a:t>
             </a:fld>
             <a:endParaRPr lang="it-IT"/>
           </a:p>
@@ -1736,7 +1736,7 @@
           <a:p>
             <a:fld id="{25E65E3D-A1FC-4B1A-AB2F-83B863B73A76}" type="datetimeFigureOut">
               <a:rPr lang="it-IT" smtClean="0"/>
-              <a:t>09/11/2015</a:t>
+              <a:t>10/11/2015</a:t>
             </a:fld>
             <a:endParaRPr lang="it-IT"/>
           </a:p>
@@ -1831,7 +1831,7 @@
           <a:p>
             <a:fld id="{25E65E3D-A1FC-4B1A-AB2F-83B863B73A76}" type="datetimeFigureOut">
               <a:rPr lang="it-IT" smtClean="0"/>
-              <a:t>09/11/2015</a:t>
+              <a:t>10/11/2015</a:t>
             </a:fld>
             <a:endParaRPr lang="it-IT"/>
           </a:p>
@@ -2108,7 +2108,7 @@
           <a:p>
             <a:fld id="{25E65E3D-A1FC-4B1A-AB2F-83B863B73A76}" type="datetimeFigureOut">
               <a:rPr lang="it-IT" smtClean="0"/>
-              <a:t>09/11/2015</a:t>
+              <a:t>10/11/2015</a:t>
             </a:fld>
             <a:endParaRPr lang="it-IT"/>
           </a:p>
@@ -2365,7 +2365,7 @@
           <a:p>
             <a:fld id="{25E65E3D-A1FC-4B1A-AB2F-83B863B73A76}" type="datetimeFigureOut">
               <a:rPr lang="it-IT" smtClean="0"/>
-              <a:t>09/11/2015</a:t>
+              <a:t>10/11/2015</a:t>
             </a:fld>
             <a:endParaRPr lang="it-IT"/>
           </a:p>
@@ -2578,7 +2578,7 @@
           <a:p>
             <a:fld id="{25E65E3D-A1FC-4B1A-AB2F-83B863B73A76}" type="datetimeFigureOut">
               <a:rPr lang="it-IT" smtClean="0"/>
-              <a:t>09/11/2015</a:t>
+              <a:t>10/11/2015</a:t>
             </a:fld>
             <a:endParaRPr lang="it-IT"/>
           </a:p>
@@ -5028,7 +5028,7 @@
         <p:spPr>
           <a:xfrm>
             <a:off x="5328681" y="1999345"/>
-            <a:ext cx="3381896" cy="4189608"/>
+            <a:ext cx="3381896" cy="5112938"/>
           </a:xfrm>
           <a:prstGeom prst="rect">
             <a:avLst/>
@@ -5046,20 +5046,49 @@
               <a:buChar char="•"/>
             </a:pPr>
             <a:r>
-              <a:rPr lang="en-US" sz="1200" i="1" dirty="0">
+              <a:rPr lang="en-US" sz="1200" i="1" dirty="0" smtClean="0">
                 <a:latin typeface="Georgia" panose="02040502050405020303" pitchFamily="18" charset="0"/>
               </a:rPr>
               <a:t>Taxi allocation</a:t>
             </a:r>
             <a:r>
+              <a:rPr lang="en-US" sz="1200" dirty="0" smtClean="0">
+                <a:latin typeface="Georgia" panose="02040502050405020303" pitchFamily="18" charset="0"/>
+              </a:rPr>
+              <a:t> - </a:t>
+            </a:r>
+            <a:r>
               <a:rPr lang="en-US" sz="1200" dirty="0">
                 <a:latin typeface="Georgia" panose="02040502050405020303" pitchFamily="18" charset="0"/>
-              </a:rPr>
-              <a:t> - is observed by the world and controlled by the machine, which sets the taxi’s next destination accordingly to the customer requests. </a:t>
-            </a:r>
-            <a:endParaRPr lang="it-IT" sz="1200" dirty="0">
-              <a:latin typeface="Georgia" panose="02040502050405020303" pitchFamily="18" charset="0"/>
-            </a:endParaRPr>
+                <a:ea typeface="Calibri" panose="020F0502020204030204" pitchFamily="34" charset="0"/>
+                <a:cs typeface="Arial" panose="020B0604020202020204" pitchFamily="34" charset="0"/>
+              </a:rPr>
+              <a:t>is a particular entity: if we consider MTS customers, is observed by the world and controlled by the machine (which sets the taxi’s next destination accordingly to the customer requests); if we consider standard customers, then it is observed by the machine (with the GPS and </a:t>
+            </a:r>
+            <a:r>
+              <a:rPr lang="en-US" sz="1200" dirty="0" smtClean="0">
+                <a:latin typeface="Georgia" panose="02040502050405020303" pitchFamily="18" charset="0"/>
+                <a:ea typeface="Calibri" panose="020F0502020204030204" pitchFamily="34" charset="0"/>
+                <a:cs typeface="Arial" panose="020B0604020202020204" pitchFamily="34" charset="0"/>
+              </a:rPr>
+              <a:t>taxi zones system</a:t>
+            </a:r>
+            <a:r>
+              <a:rPr lang="en-US" sz="1200" dirty="0">
+                <a:latin typeface="Georgia" panose="02040502050405020303" pitchFamily="18" charset="0"/>
+                <a:ea typeface="Calibri" panose="020F0502020204030204" pitchFamily="34" charset="0"/>
+                <a:cs typeface="Arial" panose="020B0604020202020204" pitchFamily="34" charset="0"/>
+              </a:rPr>
+              <a:t>) and controlled by the world (i.e. the standard customer</a:t>
+            </a:r>
+            <a:r>
+              <a:rPr lang="en-US" sz="1200" dirty="0" smtClean="0">
+                <a:latin typeface="Georgia" panose="02040502050405020303" pitchFamily="18" charset="0"/>
+                <a:ea typeface="Calibri" panose="020F0502020204030204" pitchFamily="34" charset="0"/>
+                <a:cs typeface="Arial" panose="020B0604020202020204" pitchFamily="34" charset="0"/>
+              </a:rPr>
+              <a:t>).</a:t>
+            </a:r>
           </a:p>
           <a:p>
             <a:pPr marL="214308" indent="-214308">
@@ -5067,18 +5096,18 @@
               <a:buChar char="•"/>
             </a:pPr>
             <a:r>
-              <a:rPr lang="en-US" sz="1200" i="1" dirty="0">
+              <a:rPr lang="en-US" sz="1200" i="1" dirty="0" smtClean="0">
                 <a:latin typeface="Georgia" panose="02040502050405020303" pitchFamily="18" charset="0"/>
               </a:rPr>
               <a:t>Customer requesting ride </a:t>
             </a:r>
             <a:r>
-              <a:rPr lang="en-US" sz="1200" dirty="0">
+              <a:rPr lang="en-US" sz="1200" dirty="0" smtClean="0">
                 <a:latin typeface="Georgia" panose="02040502050405020303" pitchFamily="18" charset="0"/>
               </a:rPr>
               <a:t>- happens in the world and is only observed by the machine, which will react accordingly.</a:t>
             </a:r>
-            <a:endParaRPr lang="en-US" sz="1200" i="1" dirty="0">
+            <a:endParaRPr lang="en-US" sz="1200" i="1" dirty="0" smtClean="0">
               <a:latin typeface="Georgia" panose="02040502050405020303" pitchFamily="18" charset="0"/>
             </a:endParaRPr>
           </a:p>
@@ -5088,10 +5117,16 @@
               <a:buChar char="•"/>
             </a:pPr>
             <a:r>
+              <a:rPr lang="en-US" sz="1200" i="1" dirty="0" smtClean="0">
+                <a:latin typeface="Georgia" panose="02040502050405020303" pitchFamily="18" charset="0"/>
+              </a:rPr>
+              <a:t>Taxi </a:t>
+            </a:r>
+            <a:r>
               <a:rPr lang="en-US" sz="1200" i="1" dirty="0">
                 <a:latin typeface="Georgia" panose="02040502050405020303" pitchFamily="18" charset="0"/>
               </a:rPr>
-              <a:t>Taxi moves</a:t>
+              <a:t>moves</a:t>
             </a:r>
             <a:r>
               <a:rPr lang="en-US" sz="1200" dirty="0">
